--- a/스케일 불량요인 파악과 개선기회 도출.pptx
+++ b/스케일 불량요인 파악과 개선기회 도출.pptx
@@ -5,7 +5,7 @@
     <p:sldMasterId id="2147483648" r:id="rId1"/>
   </p:sldMasterIdLst>
   <p:notesMasterIdLst>
-    <p:notesMasterId r:id="rId9"/>
+    <p:notesMasterId r:id="rId14"/>
   </p:notesMasterIdLst>
   <p:sldIdLst>
     <p:sldId id="256" r:id="rId2"/>
@@ -15,6 +15,11 @@
     <p:sldId id="263" r:id="rId6"/>
     <p:sldId id="261" r:id="rId7"/>
     <p:sldId id="262" r:id="rId8"/>
+    <p:sldId id="267" r:id="rId9"/>
+    <p:sldId id="268" r:id="rId10"/>
+    <p:sldId id="265" r:id="rId11"/>
+    <p:sldId id="269" r:id="rId12"/>
+    <p:sldId id="266" r:id="rId13"/>
   </p:sldIdLst>
   <p:sldSz cx="9906000" cy="6858000" type="A4"/>
   <p:notesSz cx="9906000" cy="6858000"/>
@@ -214,7 +219,7 @@
           <a:p>
             <a:fld id="{7580F0BB-1507-4D83-B342-5A2DE1AE7B0C}" type="datetimeFigureOut">
               <a:rPr lang="ko-KR" altLang="en-US" smtClean="0"/>
-              <a:t>2021-03-24</a:t>
+              <a:t>2021-03-25</a:t>
             </a:fld>
             <a:endParaRPr lang="ko-KR" altLang="en-US"/>
           </a:p>
@@ -1040,6 +1045,358 @@
 </p:notes>
 </file>
 
+<file path=ppt/notesSlides/notesSlide5.xml><?xml version="1.0" encoding="utf-8"?>
+<p:notes xmlns:a="http://schemas.openxmlformats.org/drawingml/2006/main" xmlns:r="http://schemas.openxmlformats.org/officeDocument/2006/relationships" xmlns:p="http://schemas.openxmlformats.org/presentationml/2006/main">
+  <p:cSld>
+    <p:spTree>
+      <p:nvGrpSpPr>
+        <p:cNvPr id="1" name=""/>
+        <p:cNvGrpSpPr/>
+        <p:nvPr/>
+      </p:nvGrpSpPr>
+      <p:grpSpPr>
+        <a:xfrm>
+          <a:off x="0" y="0"/>
+          <a:ext cx="0" cy="0"/>
+          <a:chOff x="0" y="0"/>
+          <a:chExt cx="0" cy="0"/>
+        </a:xfrm>
+      </p:grpSpPr>
+      <p:sp>
+        <p:nvSpPr>
+          <p:cNvPr id="2" name="슬라이드 이미지 개체 틀 1"/>
+          <p:cNvSpPr>
+            <a:spLocks noGrp="1" noRot="1" noChangeAspect="1"/>
+          </p:cNvSpPr>
+          <p:nvPr>
+            <p:ph type="sldImg"/>
+          </p:nvPr>
+        </p:nvSpPr>
+        <p:spPr/>
+      </p:sp>
+      <p:sp>
+        <p:nvSpPr>
+          <p:cNvPr id="3" name="슬라이드 노트 개체 틀 2"/>
+          <p:cNvSpPr>
+            <a:spLocks noGrp="1"/>
+          </p:cNvSpPr>
+          <p:nvPr>
+            <p:ph type="body" idx="1"/>
+          </p:nvPr>
+        </p:nvSpPr>
+        <p:spPr/>
+        <p:txBody>
+          <a:bodyPr/>
+          <a:lstStyle/>
+          <a:p>
+            <a:r>
+              <a:rPr lang="en-US" altLang="ko-KR" dirty="0"/>
+              <a:t>ALPHA </a:t>
+            </a:r>
+            <a:r>
+              <a:rPr lang="ko-KR" altLang="en-US" dirty="0"/>
+              <a:t>적용한 그래프로 변경 예정</a:t>
+            </a:r>
+            <a:endParaRPr lang="en-US" altLang="ko-KR" dirty="0"/>
+          </a:p>
+        </p:txBody>
+      </p:sp>
+      <p:sp>
+        <p:nvSpPr>
+          <p:cNvPr id="4" name="슬라이드 번호 개체 틀 3"/>
+          <p:cNvSpPr>
+            <a:spLocks noGrp="1"/>
+          </p:cNvSpPr>
+          <p:nvPr>
+            <p:ph type="sldNum" sz="quarter" idx="5"/>
+          </p:nvPr>
+        </p:nvSpPr>
+        <p:spPr/>
+        <p:txBody>
+          <a:bodyPr/>
+          <a:lstStyle/>
+          <a:p>
+            <a:fld id="{84757863-399E-4054-9FCF-974BD82ADDDA}" type="slidenum">
+              <a:rPr lang="ko-KR" altLang="en-US" smtClean="0"/>
+              <a:t>8</a:t>
+            </a:fld>
+            <a:endParaRPr lang="ko-KR" altLang="en-US"/>
+          </a:p>
+        </p:txBody>
+      </p:sp>
+    </p:spTree>
+    <p:extLst>
+      <p:ext uri="{BB962C8B-B14F-4D97-AF65-F5344CB8AC3E}">
+        <p14:creationId xmlns:p14="http://schemas.microsoft.com/office/powerpoint/2010/main" val="4266490464"/>
+      </p:ext>
+    </p:extLst>
+  </p:cSld>
+  <p:clrMapOvr>
+    <a:masterClrMapping/>
+  </p:clrMapOvr>
+</p:notes>
+</file>
+
+<file path=ppt/notesSlides/notesSlide6.xml><?xml version="1.0" encoding="utf-8"?>
+<p:notes xmlns:a="http://schemas.openxmlformats.org/drawingml/2006/main" xmlns:r="http://schemas.openxmlformats.org/officeDocument/2006/relationships" xmlns:p="http://schemas.openxmlformats.org/presentationml/2006/main">
+  <p:cSld>
+    <p:spTree>
+      <p:nvGrpSpPr>
+        <p:cNvPr id="1" name=""/>
+        <p:cNvGrpSpPr/>
+        <p:nvPr/>
+      </p:nvGrpSpPr>
+      <p:grpSpPr>
+        <a:xfrm>
+          <a:off x="0" y="0"/>
+          <a:ext cx="0" cy="0"/>
+          <a:chOff x="0" y="0"/>
+          <a:chExt cx="0" cy="0"/>
+        </a:xfrm>
+      </p:grpSpPr>
+      <p:sp>
+        <p:nvSpPr>
+          <p:cNvPr id="2" name="슬라이드 이미지 개체 틀 1"/>
+          <p:cNvSpPr>
+            <a:spLocks noGrp="1" noRot="1" noChangeAspect="1"/>
+          </p:cNvSpPr>
+          <p:nvPr>
+            <p:ph type="sldImg"/>
+          </p:nvPr>
+        </p:nvSpPr>
+        <p:spPr/>
+      </p:sp>
+      <p:sp>
+        <p:nvSpPr>
+          <p:cNvPr id="3" name="슬라이드 노트 개체 틀 2"/>
+          <p:cNvSpPr>
+            <a:spLocks noGrp="1"/>
+          </p:cNvSpPr>
+          <p:nvPr>
+            <p:ph type="body" idx="1"/>
+          </p:nvPr>
+        </p:nvSpPr>
+        <p:spPr/>
+        <p:txBody>
+          <a:bodyPr/>
+          <a:lstStyle/>
+          <a:p>
+            <a:r>
+              <a:rPr lang="en-US" altLang="ko-KR" dirty="0"/>
+              <a:t>ALPHA </a:t>
+            </a:r>
+            <a:r>
+              <a:rPr lang="ko-KR" altLang="en-US" dirty="0"/>
+              <a:t>적용한 그래프로 변경 예정</a:t>
+            </a:r>
+            <a:endParaRPr lang="en-US" altLang="ko-KR" dirty="0"/>
+          </a:p>
+        </p:txBody>
+      </p:sp>
+      <p:sp>
+        <p:nvSpPr>
+          <p:cNvPr id="4" name="슬라이드 번호 개체 틀 3"/>
+          <p:cNvSpPr>
+            <a:spLocks noGrp="1"/>
+          </p:cNvSpPr>
+          <p:nvPr>
+            <p:ph type="sldNum" sz="quarter" idx="5"/>
+          </p:nvPr>
+        </p:nvSpPr>
+        <p:spPr/>
+        <p:txBody>
+          <a:bodyPr/>
+          <a:lstStyle/>
+          <a:p>
+            <a:fld id="{84757863-399E-4054-9FCF-974BD82ADDDA}" type="slidenum">
+              <a:rPr lang="ko-KR" altLang="en-US" smtClean="0"/>
+              <a:t>9</a:t>
+            </a:fld>
+            <a:endParaRPr lang="ko-KR" altLang="en-US"/>
+          </a:p>
+        </p:txBody>
+      </p:sp>
+    </p:spTree>
+    <p:extLst>
+      <p:ext uri="{BB962C8B-B14F-4D97-AF65-F5344CB8AC3E}">
+        <p14:creationId xmlns:p14="http://schemas.microsoft.com/office/powerpoint/2010/main" val="2500478028"/>
+      </p:ext>
+    </p:extLst>
+  </p:cSld>
+  <p:clrMapOvr>
+    <a:masterClrMapping/>
+  </p:clrMapOvr>
+</p:notes>
+</file>
+
+<file path=ppt/notesSlides/notesSlide7.xml><?xml version="1.0" encoding="utf-8"?>
+<p:notes xmlns:a="http://schemas.openxmlformats.org/drawingml/2006/main" xmlns:r="http://schemas.openxmlformats.org/officeDocument/2006/relationships" xmlns:p="http://schemas.openxmlformats.org/presentationml/2006/main">
+  <p:cSld>
+    <p:spTree>
+      <p:nvGrpSpPr>
+        <p:cNvPr id="1" name=""/>
+        <p:cNvGrpSpPr/>
+        <p:nvPr/>
+      </p:nvGrpSpPr>
+      <p:grpSpPr>
+        <a:xfrm>
+          <a:off x="0" y="0"/>
+          <a:ext cx="0" cy="0"/>
+          <a:chOff x="0" y="0"/>
+          <a:chExt cx="0" cy="0"/>
+        </a:xfrm>
+      </p:grpSpPr>
+      <p:sp>
+        <p:nvSpPr>
+          <p:cNvPr id="2" name="슬라이드 이미지 개체 틀 1"/>
+          <p:cNvSpPr>
+            <a:spLocks noGrp="1" noRot="1" noChangeAspect="1"/>
+          </p:cNvSpPr>
+          <p:nvPr>
+            <p:ph type="sldImg"/>
+          </p:nvPr>
+        </p:nvSpPr>
+        <p:spPr/>
+      </p:sp>
+      <p:sp>
+        <p:nvSpPr>
+          <p:cNvPr id="3" name="슬라이드 노트 개체 틀 2"/>
+          <p:cNvSpPr>
+            <a:spLocks noGrp="1"/>
+          </p:cNvSpPr>
+          <p:nvPr>
+            <p:ph type="body" idx="1"/>
+          </p:nvPr>
+        </p:nvSpPr>
+        <p:spPr/>
+        <p:txBody>
+          <a:bodyPr/>
+          <a:lstStyle/>
+          <a:p>
+            <a:endParaRPr lang="ko-KR" altLang="en-US" dirty="0"/>
+          </a:p>
+        </p:txBody>
+      </p:sp>
+      <p:sp>
+        <p:nvSpPr>
+          <p:cNvPr id="4" name="슬라이드 번호 개체 틀 3"/>
+          <p:cNvSpPr>
+            <a:spLocks noGrp="1"/>
+          </p:cNvSpPr>
+          <p:nvPr>
+            <p:ph type="sldNum" sz="quarter" idx="5"/>
+          </p:nvPr>
+        </p:nvSpPr>
+        <p:spPr/>
+        <p:txBody>
+          <a:bodyPr/>
+          <a:lstStyle/>
+          <a:p>
+            <a:fld id="{84757863-399E-4054-9FCF-974BD82ADDDA}" type="slidenum">
+              <a:rPr lang="ko-KR" altLang="en-US" smtClean="0"/>
+              <a:t>10</a:t>
+            </a:fld>
+            <a:endParaRPr lang="ko-KR" altLang="en-US"/>
+          </a:p>
+        </p:txBody>
+      </p:sp>
+    </p:spTree>
+    <p:extLst>
+      <p:ext uri="{BB962C8B-B14F-4D97-AF65-F5344CB8AC3E}">
+        <p14:creationId xmlns:p14="http://schemas.microsoft.com/office/powerpoint/2010/main" val="2914268708"/>
+      </p:ext>
+    </p:extLst>
+  </p:cSld>
+  <p:clrMapOvr>
+    <a:masterClrMapping/>
+  </p:clrMapOvr>
+</p:notes>
+</file>
+
+<file path=ppt/notesSlides/notesSlide8.xml><?xml version="1.0" encoding="utf-8"?>
+<p:notes xmlns:a="http://schemas.openxmlformats.org/drawingml/2006/main" xmlns:r="http://schemas.openxmlformats.org/officeDocument/2006/relationships" xmlns:p="http://schemas.openxmlformats.org/presentationml/2006/main">
+  <p:cSld>
+    <p:spTree>
+      <p:nvGrpSpPr>
+        <p:cNvPr id="1" name=""/>
+        <p:cNvGrpSpPr/>
+        <p:nvPr/>
+      </p:nvGrpSpPr>
+      <p:grpSpPr>
+        <a:xfrm>
+          <a:off x="0" y="0"/>
+          <a:ext cx="0" cy="0"/>
+          <a:chOff x="0" y="0"/>
+          <a:chExt cx="0" cy="0"/>
+        </a:xfrm>
+      </p:grpSpPr>
+      <p:sp>
+        <p:nvSpPr>
+          <p:cNvPr id="2" name="슬라이드 이미지 개체 틀 1"/>
+          <p:cNvSpPr>
+            <a:spLocks noGrp="1" noRot="1" noChangeAspect="1"/>
+          </p:cNvSpPr>
+          <p:nvPr>
+            <p:ph type="sldImg"/>
+          </p:nvPr>
+        </p:nvSpPr>
+        <p:spPr/>
+      </p:sp>
+      <p:sp>
+        <p:nvSpPr>
+          <p:cNvPr id="3" name="슬라이드 노트 개체 틀 2"/>
+          <p:cNvSpPr>
+            <a:spLocks noGrp="1"/>
+          </p:cNvSpPr>
+          <p:nvPr>
+            <p:ph type="body" idx="1"/>
+          </p:nvPr>
+        </p:nvSpPr>
+        <p:spPr/>
+        <p:txBody>
+          <a:bodyPr/>
+          <a:lstStyle/>
+          <a:p>
+            <a:endParaRPr lang="ko-KR" altLang="en-US" dirty="0"/>
+          </a:p>
+        </p:txBody>
+      </p:sp>
+      <p:sp>
+        <p:nvSpPr>
+          <p:cNvPr id="4" name="슬라이드 번호 개체 틀 3"/>
+          <p:cNvSpPr>
+            <a:spLocks noGrp="1"/>
+          </p:cNvSpPr>
+          <p:nvPr>
+            <p:ph type="sldNum" sz="quarter" idx="5"/>
+          </p:nvPr>
+        </p:nvSpPr>
+        <p:spPr/>
+        <p:txBody>
+          <a:bodyPr/>
+          <a:lstStyle/>
+          <a:p>
+            <a:fld id="{84757863-399E-4054-9FCF-974BD82ADDDA}" type="slidenum">
+              <a:rPr lang="ko-KR" altLang="en-US" smtClean="0"/>
+              <a:t>11</a:t>
+            </a:fld>
+            <a:endParaRPr lang="ko-KR" altLang="en-US"/>
+          </a:p>
+        </p:txBody>
+      </p:sp>
+    </p:spTree>
+    <p:extLst>
+      <p:ext uri="{BB962C8B-B14F-4D97-AF65-F5344CB8AC3E}">
+        <p14:creationId xmlns:p14="http://schemas.microsoft.com/office/powerpoint/2010/main" val="3399219241"/>
+      </p:ext>
+    </p:extLst>
+  </p:cSld>
+  <p:clrMapOvr>
+    <a:masterClrMapping/>
+  </p:clrMapOvr>
+</p:notes>
+</file>
+
 <file path=ppt/slideLayouts/slideLayout1.xml><?xml version="1.0" encoding="utf-8"?>
 <p:sldLayout xmlns:a="http://schemas.openxmlformats.org/drawingml/2006/main" xmlns:r="http://schemas.openxmlformats.org/officeDocument/2006/relationships" xmlns:p="http://schemas.openxmlformats.org/presentationml/2006/main" showMasterSp="0" type="obj" preserve="1">
   <p:cSld name="Title Slide">
@@ -1194,7 +1551,7 @@
           <a:p>
             <a:fld id="{1D8BD707-D9CF-40AE-B4C6-C98DA3205C09}" type="datetimeFigureOut">
               <a:rPr lang="en-US"/>
-              <a:t>3/24/2021</a:t>
+              <a:t>3/25/2021</a:t>
             </a:fld>
             <a:endParaRPr lang="en-US"/>
           </a:p>
@@ -1382,7 +1739,7 @@
           <a:p>
             <a:fld id="{1D8BD707-D9CF-40AE-B4C6-C98DA3205C09}" type="datetimeFigureOut">
               <a:rPr lang="en-US"/>
-              <a:t>3/24/2021</a:t>
+              <a:t>3/25/2021</a:t>
             </a:fld>
             <a:endParaRPr lang="en-US"/>
           </a:p>
@@ -1611,7 +1968,7 @@
           <a:p>
             <a:fld id="{1D8BD707-D9CF-40AE-B4C6-C98DA3205C09}" type="datetimeFigureOut">
               <a:rPr lang="en-US"/>
-              <a:t>3/24/2021</a:t>
+              <a:t>3/25/2021</a:t>
             </a:fld>
             <a:endParaRPr lang="en-US"/>
           </a:p>
@@ -1778,7 +2135,7 @@
           <a:p>
             <a:fld id="{1D8BD707-D9CF-40AE-B4C6-C98DA3205C09}" type="datetimeFigureOut">
               <a:rPr lang="en-US"/>
-              <a:t>3/24/2021</a:t>
+              <a:t>3/25/2021</a:t>
             </a:fld>
             <a:endParaRPr lang="en-US"/>
           </a:p>
@@ -5316,7 +5673,7 @@
           <a:p>
             <a:fld id="{1D8BD707-D9CF-40AE-B4C6-C98DA3205C09}" type="datetimeFigureOut">
               <a:rPr lang="en-US"/>
-              <a:t>3/24/2021</a:t>
+              <a:t>3/25/2021</a:t>
             </a:fld>
             <a:endParaRPr lang="en-US"/>
           </a:p>
@@ -5586,7 +5943,7 @@
             <a:fld id="{1D8BD707-D9CF-40AE-B4C6-C98DA3205C09}" type="datetimeFigureOut">
               <a:rPr lang="en-US" smtClean="0"/>
               <a:pPr/>
-              <a:t>3/24/2021</a:t>
+              <a:t>3/25/2021</a:t>
             </a:fld>
             <a:endParaRPr lang="en-US" dirty="0"/>
           </a:p>
@@ -6082,6 +6439,1458 @@
 </p:sld>
 </file>
 
+<file path=ppt/slides/slide10.xml><?xml version="1.0" encoding="utf-8"?>
+<p:sld xmlns:a="http://schemas.openxmlformats.org/drawingml/2006/main" xmlns:r="http://schemas.openxmlformats.org/officeDocument/2006/relationships" xmlns:p="http://schemas.openxmlformats.org/presentationml/2006/main" showMasterSp="0">
+  <p:cSld>
+    <p:spTree>
+      <p:nvGrpSpPr>
+        <p:cNvPr id="1" name=""/>
+        <p:cNvGrpSpPr/>
+        <p:nvPr/>
+      </p:nvGrpSpPr>
+      <p:grpSpPr>
+        <a:xfrm>
+          <a:off x="0" y="0"/>
+          <a:ext cx="0" cy="0"/>
+          <a:chOff x="0" y="0"/>
+          <a:chExt cx="0" cy="0"/>
+        </a:xfrm>
+      </p:grpSpPr>
+      <p:sp>
+        <p:nvSpPr>
+          <p:cNvPr id="38" name="모서리가 둥근 직사각형 14">
+            <a:extLst>
+              <a:ext uri="{FF2B5EF4-FFF2-40B4-BE49-F238E27FC236}">
+                <a16:creationId xmlns:a16="http://schemas.microsoft.com/office/drawing/2014/main" id="{71737AC4-62EF-4400-98FD-9911784272FE}"/>
+              </a:ext>
+            </a:extLst>
+          </p:cNvPr>
+          <p:cNvSpPr/>
+          <p:nvPr/>
+        </p:nvSpPr>
+        <p:spPr>
+          <a:xfrm>
+            <a:off x="5181600" y="1901117"/>
+            <a:ext cx="4094706" cy="369332"/>
+          </a:xfrm>
+          <a:prstGeom prst="roundRect">
+            <a:avLst/>
+          </a:prstGeom>
+          <a:ln>
+            <a:noFill/>
+          </a:ln>
+        </p:spPr>
+        <p:style>
+          <a:lnRef idx="2">
+            <a:schemeClr val="accent1"/>
+          </a:lnRef>
+          <a:fillRef idx="1">
+            <a:schemeClr val="lt1"/>
+          </a:fillRef>
+          <a:effectRef idx="0">
+            <a:schemeClr val="accent1"/>
+          </a:effectRef>
+          <a:fontRef idx="minor">
+            <a:schemeClr val="dk1"/>
+          </a:fontRef>
+        </p:style>
+        <p:txBody>
+          <a:bodyPr lIns="68580" tIns="34290" rIns="68580" bIns="34290" rtlCol="0" anchor="ctr"/>
+          <a:lstStyle/>
+          <a:p>
+            <a:pPr marL="285750" indent="-285750">
+              <a:buFont typeface="Wingdings" panose="05000000000000000000" pitchFamily="2" charset="2"/>
+              <a:buChar char="§"/>
+            </a:pPr>
+            <a:r>
+              <a:rPr lang="ko-KR" altLang="en-US" sz="1600" dirty="0">
+                <a:solidFill>
+                  <a:schemeClr val="tx1"/>
+                </a:solidFill>
+                <a:latin typeface="나눔바른고딕" panose="020B0603020101020101" pitchFamily="50" charset="-127"/>
+                <a:ea typeface="나눔바른고딕" panose="020B0603020101020101" pitchFamily="50" charset="-127"/>
+              </a:rPr>
+              <a:t>파생변수 </a:t>
+            </a:r>
+            <a:r>
+              <a:rPr lang="en-US" altLang="ko-KR" sz="1600" dirty="0" err="1">
+                <a:solidFill>
+                  <a:schemeClr val="tx1"/>
+                </a:solidFill>
+                <a:latin typeface="나눔바른고딕" panose="020B0603020101020101" pitchFamily="50" charset="-127"/>
+                <a:ea typeface="나눔바른고딕" panose="020B0603020101020101" pitchFamily="50" charset="-127"/>
+              </a:rPr>
+              <a:t>specific_spec</a:t>
+            </a:r>
+            <a:r>
+              <a:rPr lang="ko-KR" altLang="en-US" sz="1600" dirty="0">
+                <a:solidFill>
+                  <a:schemeClr val="tx1"/>
+                </a:solidFill>
+                <a:latin typeface="나눔바른고딕" panose="020B0603020101020101" pitchFamily="50" charset="-127"/>
+                <a:ea typeface="나눔바른고딕" panose="020B0603020101020101" pitchFamily="50" charset="-127"/>
+              </a:rPr>
+              <a:t>생성</a:t>
+            </a:r>
+            <a:endParaRPr lang="en-US" altLang="ko-KR" sz="1600" dirty="0">
+              <a:solidFill>
+                <a:schemeClr val="tx1"/>
+              </a:solidFill>
+              <a:latin typeface="나눔바른고딕" panose="020B0603020101020101" pitchFamily="50" charset="-127"/>
+              <a:ea typeface="나눔바른고딕" panose="020B0603020101020101" pitchFamily="50" charset="-127"/>
+            </a:endParaRPr>
+          </a:p>
+        </p:txBody>
+      </p:sp>
+      <p:sp>
+        <p:nvSpPr>
+          <p:cNvPr id="28" name="object 3">
+            <a:extLst>
+              <a:ext uri="{FF2B5EF4-FFF2-40B4-BE49-F238E27FC236}">
+                <a16:creationId xmlns:a16="http://schemas.microsoft.com/office/drawing/2014/main" id="{11534E7C-F12F-4497-B73D-C74AE55ADAF8}"/>
+              </a:ext>
+            </a:extLst>
+          </p:cNvPr>
+          <p:cNvSpPr/>
+          <p:nvPr/>
+        </p:nvSpPr>
+        <p:spPr>
+          <a:xfrm>
+            <a:off x="0" y="1"/>
+            <a:ext cx="9905999" cy="533400"/>
+          </a:xfrm>
+          <a:prstGeom prst="rect">
+            <a:avLst/>
+          </a:prstGeom>
+          <a:blipFill>
+            <a:blip r:embed="rId3" cstate="print"/>
+            <a:stretch>
+              <a:fillRect/>
+            </a:stretch>
+          </a:blipFill>
+        </p:spPr>
+        <p:txBody>
+          <a:bodyPr wrap="square" lIns="0" tIns="0" rIns="0" bIns="0" rtlCol="0"/>
+          <a:lstStyle/>
+          <a:p>
+            <a:endParaRPr dirty="0">
+              <a:latin typeface="나눔바른고딕" panose="020B0603020101020101" pitchFamily="50" charset="-127"/>
+            </a:endParaRPr>
+          </a:p>
+        </p:txBody>
+      </p:sp>
+      <p:sp>
+        <p:nvSpPr>
+          <p:cNvPr id="12" name="TextBox 11">
+            <a:extLst>
+              <a:ext uri="{FF2B5EF4-FFF2-40B4-BE49-F238E27FC236}">
+                <a16:creationId xmlns:a16="http://schemas.microsoft.com/office/drawing/2014/main" id="{CBA28D1E-0502-4910-B0F3-228427360900}"/>
+              </a:ext>
+            </a:extLst>
+          </p:cNvPr>
+          <p:cNvSpPr txBox="1"/>
+          <p:nvPr/>
+        </p:nvSpPr>
+        <p:spPr>
+          <a:xfrm>
+            <a:off x="410851" y="762000"/>
+            <a:ext cx="2824812" cy="369332"/>
+          </a:xfrm>
+          <a:prstGeom prst="rect">
+            <a:avLst/>
+          </a:prstGeom>
+          <a:noFill/>
+        </p:spPr>
+        <p:txBody>
+          <a:bodyPr wrap="none" rtlCol="0">
+            <a:spAutoFit/>
+          </a:bodyPr>
+          <a:lstStyle/>
+          <a:p>
+            <a:pPr marL="285750" indent="-285750">
+              <a:buFont typeface="Wingdings" panose="05000000000000000000" pitchFamily="2" charset="2"/>
+              <a:buChar char="§"/>
+            </a:pPr>
+            <a:r>
+              <a:rPr lang="ko-KR" altLang="en-US" dirty="0"/>
+              <a:t>데이터 탐색 </a:t>
+            </a:r>
+            <a:r>
+              <a:rPr lang="en-US" altLang="ko-KR" dirty="0"/>
+              <a:t>– </a:t>
+            </a:r>
+            <a:r>
+              <a:rPr lang="ko-KR" altLang="en-US" dirty="0"/>
+              <a:t>파생변수</a:t>
+            </a:r>
+            <a:endParaRPr lang="en-US" altLang="ko-KR" dirty="0"/>
+          </a:p>
+        </p:txBody>
+      </p:sp>
+      <p:sp>
+        <p:nvSpPr>
+          <p:cNvPr id="24" name="모서리가 둥근 직사각형 14">
+            <a:extLst>
+              <a:ext uri="{FF2B5EF4-FFF2-40B4-BE49-F238E27FC236}">
+                <a16:creationId xmlns:a16="http://schemas.microsoft.com/office/drawing/2014/main" id="{46C95CBE-A760-4217-9514-5DD0C4FAA9A7}"/>
+              </a:ext>
+            </a:extLst>
+          </p:cNvPr>
+          <p:cNvSpPr/>
+          <p:nvPr/>
+        </p:nvSpPr>
+        <p:spPr>
+          <a:xfrm>
+            <a:off x="552060" y="1902672"/>
+            <a:ext cx="4094706" cy="369332"/>
+          </a:xfrm>
+          <a:prstGeom prst="roundRect">
+            <a:avLst/>
+          </a:prstGeom>
+          <a:ln>
+            <a:noFill/>
+          </a:ln>
+        </p:spPr>
+        <p:style>
+          <a:lnRef idx="2">
+            <a:schemeClr val="accent1"/>
+          </a:lnRef>
+          <a:fillRef idx="1">
+            <a:schemeClr val="lt1"/>
+          </a:fillRef>
+          <a:effectRef idx="0">
+            <a:schemeClr val="accent1"/>
+          </a:effectRef>
+          <a:fontRef idx="minor">
+            <a:schemeClr val="dk1"/>
+          </a:fontRef>
+        </p:style>
+        <p:txBody>
+          <a:bodyPr lIns="68580" tIns="34290" rIns="68580" bIns="34290" rtlCol="0" anchor="ctr"/>
+          <a:lstStyle/>
+          <a:p>
+            <a:pPr marL="285750" indent="-285750">
+              <a:buFont typeface="Wingdings" panose="05000000000000000000" pitchFamily="2" charset="2"/>
+              <a:buChar char="§"/>
+            </a:pPr>
+            <a:r>
+              <a:rPr lang="ko-KR" altLang="en-US" sz="1600" dirty="0">
+                <a:solidFill>
+                  <a:schemeClr val="tx1"/>
+                </a:solidFill>
+                <a:latin typeface="나눔바른고딕" panose="020B0603020101020101" pitchFamily="50" charset="-127"/>
+                <a:ea typeface="나눔바른고딕" panose="020B0603020101020101" pitchFamily="50" charset="-127"/>
+              </a:rPr>
+              <a:t>파생변수 </a:t>
+            </a:r>
+            <a:r>
+              <a:rPr lang="en-US" altLang="ko-KR" sz="1600" dirty="0" err="1">
+                <a:solidFill>
+                  <a:schemeClr val="tx1"/>
+                </a:solidFill>
+                <a:latin typeface="나눔바른고딕" panose="020B0603020101020101" pitchFamily="50" charset="-127"/>
+                <a:ea typeface="나눔바른고딕" panose="020B0603020101020101" pitchFamily="50" charset="-127"/>
+              </a:rPr>
+              <a:t>temp_loss</a:t>
+            </a:r>
+            <a:r>
+              <a:rPr lang="ko-KR" altLang="en-US" sz="1600" dirty="0">
+                <a:solidFill>
+                  <a:schemeClr val="tx1"/>
+                </a:solidFill>
+                <a:latin typeface="나눔바른고딕" panose="020B0603020101020101" pitchFamily="50" charset="-127"/>
+                <a:ea typeface="나눔바른고딕" panose="020B0603020101020101" pitchFamily="50" charset="-127"/>
+              </a:rPr>
+              <a:t> 생성</a:t>
+            </a:r>
+            <a:endParaRPr lang="en-US" altLang="ko-KR" sz="1600" dirty="0">
+              <a:solidFill>
+                <a:schemeClr val="tx1"/>
+              </a:solidFill>
+              <a:latin typeface="나눔바른고딕" panose="020B0603020101020101" pitchFamily="50" charset="-127"/>
+              <a:ea typeface="나눔바른고딕" panose="020B0603020101020101" pitchFamily="50" charset="-127"/>
+            </a:endParaRPr>
+          </a:p>
+        </p:txBody>
+      </p:sp>
+      <p:sp>
+        <p:nvSpPr>
+          <p:cNvPr id="11" name="TextBox 10">
+            <a:extLst>
+              <a:ext uri="{FF2B5EF4-FFF2-40B4-BE49-F238E27FC236}">
+                <a16:creationId xmlns:a16="http://schemas.microsoft.com/office/drawing/2014/main" id="{D6A7730C-BEBB-4F55-B11B-FC690B30AC64}"/>
+              </a:ext>
+            </a:extLst>
+          </p:cNvPr>
+          <p:cNvSpPr txBox="1"/>
+          <p:nvPr/>
+        </p:nvSpPr>
+        <p:spPr>
+          <a:xfrm>
+            <a:off x="638017" y="4526448"/>
+            <a:ext cx="4086383" cy="830997"/>
+          </a:xfrm>
+          <a:prstGeom prst="rect">
+            <a:avLst/>
+          </a:prstGeom>
+          <a:noFill/>
+        </p:spPr>
+        <p:txBody>
+          <a:bodyPr wrap="square" rtlCol="0">
+            <a:spAutoFit/>
+          </a:bodyPr>
+          <a:lstStyle/>
+          <a:p>
+            <a:pPr marL="171450" indent="-171450">
+              <a:buFont typeface="Wingdings" panose="05000000000000000000" pitchFamily="2" charset="2"/>
+              <a:buChar char="Ø"/>
+            </a:pPr>
+            <a:r>
+              <a:rPr lang="ko-KR" altLang="en-US" sz="1200" dirty="0"/>
+              <a:t>압연소재의 스케일 저감방법 특허 공보</a:t>
+            </a:r>
+            <a:r>
+              <a:rPr lang="en-US" altLang="ko-KR" sz="1200" baseline="30000" dirty="0"/>
+              <a:t>*</a:t>
+            </a:r>
+            <a:r>
+              <a:rPr lang="en-US" altLang="ko-KR" sz="1200" dirty="0"/>
+              <a:t>, </a:t>
+            </a:r>
+            <a:r>
+              <a:rPr lang="ko-KR" altLang="en-US" sz="1200" b="0" i="0" dirty="0" err="1">
+                <a:solidFill>
+                  <a:srgbClr val="333333"/>
+                </a:solidFill>
+                <a:effectLst/>
+                <a:latin typeface="Roboto"/>
+              </a:rPr>
+              <a:t>조압연과</a:t>
+            </a:r>
+            <a:r>
+              <a:rPr lang="ko-KR" altLang="en-US" sz="1200" b="0" i="0" dirty="0">
+                <a:solidFill>
+                  <a:srgbClr val="333333"/>
+                </a:solidFill>
+                <a:effectLst/>
+                <a:latin typeface="Roboto"/>
+              </a:rPr>
+              <a:t> </a:t>
+            </a:r>
+            <a:r>
+              <a:rPr lang="ko-KR" altLang="en-US" sz="1200" b="0" i="0" dirty="0" err="1">
+                <a:solidFill>
+                  <a:srgbClr val="333333"/>
+                </a:solidFill>
+                <a:effectLst/>
+                <a:latin typeface="Roboto"/>
+              </a:rPr>
+              <a:t>사상압연공정</a:t>
+            </a:r>
+            <a:r>
+              <a:rPr lang="ko-KR" altLang="en-US" sz="1200" b="0" i="0" dirty="0">
+                <a:solidFill>
+                  <a:srgbClr val="333333"/>
+                </a:solidFill>
+                <a:effectLst/>
+                <a:latin typeface="Roboto"/>
+              </a:rPr>
+              <a:t> 사이에서 </a:t>
+            </a:r>
+            <a:r>
+              <a:rPr lang="ko-KR" altLang="en-US" sz="1200" dirty="0"/>
+              <a:t>온도 </a:t>
+            </a:r>
+            <a:r>
+              <a:rPr lang="ko-KR" altLang="en-US" sz="1200" dirty="0" err="1"/>
+              <a:t>저하량이</a:t>
+            </a:r>
+            <a:r>
+              <a:rPr lang="ko-KR" altLang="en-US" sz="1200" dirty="0"/>
+              <a:t> </a:t>
+            </a:r>
+            <a:r>
+              <a:rPr lang="en-US" altLang="ko-KR" sz="1200" dirty="0"/>
+              <a:t>Scale</a:t>
+            </a:r>
+            <a:r>
+              <a:rPr lang="ko-KR" altLang="en-US" sz="1200" dirty="0"/>
+              <a:t>생성에 영향</a:t>
+            </a:r>
+            <a:endParaRPr lang="en-US" altLang="ko-KR" sz="1200" dirty="0"/>
+          </a:p>
+          <a:p>
+            <a:pPr marL="171450" indent="-171450">
+              <a:buFont typeface="Wingdings" panose="05000000000000000000" pitchFamily="2" charset="2"/>
+              <a:buChar char="Ø"/>
+            </a:pPr>
+            <a:r>
+              <a:rPr lang="ko-KR" altLang="en-US" sz="1200" dirty="0"/>
+              <a:t>다음의 수식을 통해 </a:t>
+            </a:r>
+            <a:r>
+              <a:rPr lang="en-US" altLang="ko-KR" sz="1200" dirty="0" err="1"/>
+              <a:t>temp_loss</a:t>
+            </a:r>
+            <a:r>
+              <a:rPr lang="en-US" altLang="ko-KR" sz="1200" dirty="0"/>
+              <a:t> </a:t>
+            </a:r>
+            <a:r>
+              <a:rPr lang="ko-KR" altLang="en-US" sz="1200" dirty="0"/>
+              <a:t>생성</a:t>
+            </a:r>
+            <a:br>
+              <a:rPr lang="en-US" altLang="ko-KR" sz="1200" dirty="0"/>
+            </a:br>
+            <a:r>
+              <a:rPr lang="en-US" altLang="ko-KR" sz="1200" dirty="0"/>
+              <a:t>FUR_SZ_TEMP – ROLLING_TEMP_T5</a:t>
+            </a:r>
+          </a:p>
+        </p:txBody>
+      </p:sp>
+      <p:sp>
+        <p:nvSpPr>
+          <p:cNvPr id="23" name="직사각형 22">
+            <a:extLst>
+              <a:ext uri="{FF2B5EF4-FFF2-40B4-BE49-F238E27FC236}">
+                <a16:creationId xmlns:a16="http://schemas.microsoft.com/office/drawing/2014/main" id="{FC921FBD-5593-4175-9AE5-4B1803034A74}"/>
+              </a:ext>
+            </a:extLst>
+          </p:cNvPr>
+          <p:cNvSpPr/>
+          <p:nvPr/>
+        </p:nvSpPr>
+        <p:spPr>
+          <a:xfrm>
+            <a:off x="381000" y="2286000"/>
+            <a:ext cx="4449971" cy="3429000"/>
+          </a:xfrm>
+          <a:prstGeom prst="rect">
+            <a:avLst/>
+          </a:prstGeom>
+          <a:noFill/>
+          <a:ln w="19050">
+            <a:solidFill>
+              <a:schemeClr val="accent1">
+                <a:lumMod val="40000"/>
+                <a:lumOff val="60000"/>
+              </a:schemeClr>
+            </a:solidFill>
+          </a:ln>
+        </p:spPr>
+        <p:style>
+          <a:lnRef idx="2">
+            <a:schemeClr val="accent1">
+              <a:shade val="50000"/>
+            </a:schemeClr>
+          </a:lnRef>
+          <a:fillRef idx="1">
+            <a:schemeClr val="accent1"/>
+          </a:fillRef>
+          <a:effectRef idx="0">
+            <a:schemeClr val="accent1"/>
+          </a:effectRef>
+          <a:fontRef idx="minor">
+            <a:schemeClr val="lt1"/>
+          </a:fontRef>
+        </p:style>
+        <p:txBody>
+          <a:bodyPr rtlCol="0" anchor="ctr"/>
+          <a:lstStyle/>
+          <a:p>
+            <a:pPr algn="ctr"/>
+            <a:endParaRPr lang="ko-KR" altLang="en-US" dirty="0"/>
+          </a:p>
+        </p:txBody>
+      </p:sp>
+      <p:sp>
+        <p:nvSpPr>
+          <p:cNvPr id="30" name="직사각형 29">
+            <a:extLst>
+              <a:ext uri="{FF2B5EF4-FFF2-40B4-BE49-F238E27FC236}">
+                <a16:creationId xmlns:a16="http://schemas.microsoft.com/office/drawing/2014/main" id="{6F9FB972-7EA1-4897-BE20-8BAF3E89911A}"/>
+              </a:ext>
+            </a:extLst>
+          </p:cNvPr>
+          <p:cNvSpPr/>
+          <p:nvPr/>
+        </p:nvSpPr>
+        <p:spPr>
+          <a:xfrm>
+            <a:off x="5089147" y="2286000"/>
+            <a:ext cx="4449971" cy="3429000"/>
+          </a:xfrm>
+          <a:prstGeom prst="rect">
+            <a:avLst/>
+          </a:prstGeom>
+          <a:noFill/>
+          <a:ln w="19050">
+            <a:solidFill>
+              <a:schemeClr val="accent1">
+                <a:lumMod val="40000"/>
+                <a:lumOff val="60000"/>
+              </a:schemeClr>
+            </a:solidFill>
+          </a:ln>
+        </p:spPr>
+        <p:style>
+          <a:lnRef idx="2">
+            <a:schemeClr val="accent1">
+              <a:shade val="50000"/>
+            </a:schemeClr>
+          </a:lnRef>
+          <a:fillRef idx="1">
+            <a:schemeClr val="accent1"/>
+          </a:fillRef>
+          <a:effectRef idx="0">
+            <a:schemeClr val="accent1"/>
+          </a:effectRef>
+          <a:fontRef idx="minor">
+            <a:schemeClr val="lt1"/>
+          </a:fontRef>
+        </p:style>
+        <p:txBody>
+          <a:bodyPr rtlCol="0" anchor="ctr"/>
+          <a:lstStyle/>
+          <a:p>
+            <a:pPr algn="ctr"/>
+            <a:endParaRPr lang="ko-KR" altLang="en-US" dirty="0"/>
+          </a:p>
+        </p:txBody>
+      </p:sp>
+      <p:sp>
+        <p:nvSpPr>
+          <p:cNvPr id="43" name="TextBox 42">
+            <a:extLst>
+              <a:ext uri="{FF2B5EF4-FFF2-40B4-BE49-F238E27FC236}">
+                <a16:creationId xmlns:a16="http://schemas.microsoft.com/office/drawing/2014/main" id="{75B455C8-B447-457D-888B-30597B3195C8}"/>
+              </a:ext>
+            </a:extLst>
+          </p:cNvPr>
+          <p:cNvSpPr txBox="1"/>
+          <p:nvPr/>
+        </p:nvSpPr>
+        <p:spPr>
+          <a:xfrm>
+            <a:off x="5463223" y="4804093"/>
+            <a:ext cx="4008749" cy="646331"/>
+          </a:xfrm>
+          <a:prstGeom prst="rect">
+            <a:avLst/>
+          </a:prstGeom>
+          <a:noFill/>
+        </p:spPr>
+        <p:txBody>
+          <a:bodyPr wrap="square" rtlCol="0">
+            <a:spAutoFit/>
+          </a:bodyPr>
+          <a:lstStyle/>
+          <a:p>
+            <a:pPr marL="171450" indent="-171450">
+              <a:buFont typeface="Wingdings" panose="05000000000000000000" pitchFamily="2" charset="2"/>
+              <a:buChar char="Ø"/>
+            </a:pPr>
+            <a:r>
+              <a:rPr lang="ko-KR" altLang="en-US" sz="1200" dirty="0"/>
+              <a:t>특정 </a:t>
+            </a:r>
+            <a:r>
+              <a:rPr lang="en-US" altLang="ko-KR" sz="1200" dirty="0"/>
+              <a:t>SPEC</a:t>
+            </a:r>
+            <a:r>
+              <a:rPr lang="ko-KR" altLang="en-US" sz="1200" dirty="0"/>
+              <a:t>에서 </a:t>
+            </a:r>
+            <a:r>
+              <a:rPr lang="en-US" altLang="ko-KR" sz="1200" dirty="0"/>
+              <a:t>Scale</a:t>
+            </a:r>
+            <a:r>
+              <a:rPr lang="ko-KR" altLang="en-US" sz="1200" dirty="0"/>
+              <a:t>이 주로 발생</a:t>
+            </a:r>
+            <a:endParaRPr lang="en-US" altLang="ko-KR" sz="1200" dirty="0"/>
+          </a:p>
+          <a:p>
+            <a:pPr marL="171450" indent="-171450">
+              <a:buFont typeface="Wingdings" panose="05000000000000000000" pitchFamily="2" charset="2"/>
+              <a:buChar char="Ø"/>
+            </a:pPr>
+            <a:r>
+              <a:rPr lang="ko-KR" altLang="en-US" sz="1200" dirty="0"/>
+              <a:t>해당 </a:t>
+            </a:r>
+            <a:r>
+              <a:rPr lang="en-US" altLang="ko-KR" sz="1200" dirty="0"/>
+              <a:t>SPEC</a:t>
+            </a:r>
+            <a:r>
+              <a:rPr lang="ko-KR" altLang="en-US" sz="1200" dirty="0"/>
+              <a:t>이면</a:t>
+            </a:r>
+            <a:r>
+              <a:rPr lang="en-US" altLang="ko-KR" sz="1200" dirty="0"/>
+              <a:t> 1, </a:t>
+            </a:r>
+            <a:r>
+              <a:rPr lang="ko-KR" altLang="en-US" sz="1200" dirty="0"/>
+              <a:t>아니면 </a:t>
+            </a:r>
+            <a:r>
+              <a:rPr lang="en-US" altLang="ko-KR" sz="1200" dirty="0"/>
+              <a:t>0</a:t>
+            </a:r>
+            <a:r>
+              <a:rPr lang="ko-KR" altLang="en-US" sz="1200" dirty="0"/>
+              <a:t>으로 </a:t>
+            </a:r>
+            <a:r>
+              <a:rPr lang="ko-KR" altLang="en-US" sz="1200" dirty="0" err="1"/>
+              <a:t>범주화하는</a:t>
+            </a:r>
+            <a:r>
+              <a:rPr lang="ko-KR" altLang="en-US" sz="1200" dirty="0"/>
+              <a:t> </a:t>
+            </a:r>
+            <a:r>
+              <a:rPr lang="en-US" altLang="ko-KR" sz="1200" dirty="0" err="1"/>
+              <a:t>specific_spec</a:t>
+            </a:r>
+            <a:r>
+              <a:rPr lang="en-US" altLang="ko-KR" sz="1200" dirty="0"/>
+              <a:t> </a:t>
+            </a:r>
+            <a:r>
+              <a:rPr lang="ko-KR" altLang="en-US" sz="1200" dirty="0"/>
+              <a:t>생성</a:t>
+            </a:r>
+            <a:endParaRPr lang="en-US" altLang="ko-KR" sz="1200" dirty="0"/>
+          </a:p>
+        </p:txBody>
+      </p:sp>
+      <p:sp>
+        <p:nvSpPr>
+          <p:cNvPr id="44" name="모서리가 둥근 직사각형 14">
+            <a:extLst>
+              <a:ext uri="{FF2B5EF4-FFF2-40B4-BE49-F238E27FC236}">
+                <a16:creationId xmlns:a16="http://schemas.microsoft.com/office/drawing/2014/main" id="{0C79E22F-E566-4B8F-ADF6-EAAA9F9F3BA7}"/>
+              </a:ext>
+            </a:extLst>
+          </p:cNvPr>
+          <p:cNvSpPr/>
+          <p:nvPr/>
+        </p:nvSpPr>
+        <p:spPr>
+          <a:xfrm>
+            <a:off x="410851" y="1155404"/>
+            <a:ext cx="9190349" cy="369332"/>
+          </a:xfrm>
+          <a:prstGeom prst="roundRect">
+            <a:avLst/>
+          </a:prstGeom>
+          <a:ln>
+            <a:noFill/>
+          </a:ln>
+        </p:spPr>
+        <p:style>
+          <a:lnRef idx="2">
+            <a:schemeClr val="accent1"/>
+          </a:lnRef>
+          <a:fillRef idx="1">
+            <a:schemeClr val="lt1"/>
+          </a:fillRef>
+          <a:effectRef idx="0">
+            <a:schemeClr val="accent1"/>
+          </a:effectRef>
+          <a:fontRef idx="minor">
+            <a:schemeClr val="dk1"/>
+          </a:fontRef>
+        </p:style>
+        <p:txBody>
+          <a:bodyPr lIns="68580" tIns="34290" rIns="68580" bIns="34290" rtlCol="0" anchor="ctr"/>
+          <a:lstStyle/>
+          <a:p>
+            <a:pPr marL="285750" indent="-285750">
+              <a:buFont typeface="Wingdings" panose="05000000000000000000" pitchFamily="2" charset="2"/>
+              <a:buChar char="Ø"/>
+            </a:pPr>
+            <a:r>
+              <a:rPr lang="ko-KR" altLang="en-US" sz="1600" dirty="0">
+                <a:solidFill>
+                  <a:schemeClr val="tx1"/>
+                </a:solidFill>
+                <a:latin typeface="나눔바른고딕" panose="020B0603020101020101" pitchFamily="50" charset="-127"/>
+                <a:ea typeface="나눔바른고딕" panose="020B0603020101020101" pitchFamily="50" charset="-127"/>
+              </a:rPr>
+              <a:t>새로운 변수 생성과 범주화를 통한 파생변수 생성</a:t>
+            </a:r>
+            <a:endParaRPr lang="en-US" altLang="ko-KR" sz="1600" dirty="0">
+              <a:solidFill>
+                <a:schemeClr val="tx1"/>
+              </a:solidFill>
+              <a:latin typeface="나눔바른고딕" panose="020B0603020101020101" pitchFamily="50" charset="-127"/>
+              <a:ea typeface="나눔바른고딕" panose="020B0603020101020101" pitchFamily="50" charset="-127"/>
+            </a:endParaRPr>
+          </a:p>
+        </p:txBody>
+      </p:sp>
+      <p:pic>
+        <p:nvPicPr>
+          <p:cNvPr id="17" name="그림 16">
+            <a:extLst>
+              <a:ext uri="{FF2B5EF4-FFF2-40B4-BE49-F238E27FC236}">
+                <a16:creationId xmlns:a16="http://schemas.microsoft.com/office/drawing/2014/main" id="{A66AF859-666F-4F68-B80D-29A0C43141EA}"/>
+              </a:ext>
+            </a:extLst>
+          </p:cNvPr>
+          <p:cNvPicPr>
+            <a:picLocks noChangeAspect="1"/>
+          </p:cNvPicPr>
+          <p:nvPr/>
+        </p:nvPicPr>
+        <p:blipFill>
+          <a:blip r:embed="rId4"/>
+          <a:stretch>
+            <a:fillRect/>
+          </a:stretch>
+        </p:blipFill>
+        <p:spPr>
+          <a:xfrm>
+            <a:off x="778319" y="2704407"/>
+            <a:ext cx="3646274" cy="1464487"/>
+          </a:xfrm>
+          <a:prstGeom prst="rect">
+            <a:avLst/>
+          </a:prstGeom>
+        </p:spPr>
+      </p:pic>
+      <p:sp>
+        <p:nvSpPr>
+          <p:cNvPr id="19" name="TextBox 18">
+            <a:extLst>
+              <a:ext uri="{FF2B5EF4-FFF2-40B4-BE49-F238E27FC236}">
+                <a16:creationId xmlns:a16="http://schemas.microsoft.com/office/drawing/2014/main" id="{7887CEE3-50DC-4C81-B5C5-9AB3FFDAB6A8}"/>
+              </a:ext>
+            </a:extLst>
+          </p:cNvPr>
+          <p:cNvSpPr txBox="1"/>
+          <p:nvPr/>
+        </p:nvSpPr>
+        <p:spPr>
+          <a:xfrm>
+            <a:off x="325817" y="6596390"/>
+            <a:ext cx="10069550" cy="261610"/>
+          </a:xfrm>
+          <a:prstGeom prst="rect">
+            <a:avLst/>
+          </a:prstGeom>
+          <a:noFill/>
+        </p:spPr>
+        <p:txBody>
+          <a:bodyPr wrap="square">
+            <a:spAutoFit/>
+          </a:bodyPr>
+          <a:lstStyle/>
+          <a:p>
+            <a:r>
+              <a:rPr lang="en-US" altLang="ko-KR" sz="1100" dirty="0"/>
+              <a:t>*</a:t>
+            </a:r>
+            <a:r>
+              <a:rPr lang="ko-KR" altLang="en-US" sz="1100" dirty="0"/>
+              <a:t>김대현. 압연소재의 스케일 저감방법. 특허 출원번호 10-2009-0104332, 출원일 2009년10월30일, 등록일 2013년03월06일.</a:t>
+            </a:r>
+          </a:p>
+        </p:txBody>
+      </p:sp>
+      <p:pic>
+        <p:nvPicPr>
+          <p:cNvPr id="13" name="그림 12">
+            <a:extLst>
+              <a:ext uri="{FF2B5EF4-FFF2-40B4-BE49-F238E27FC236}">
+                <a16:creationId xmlns:a16="http://schemas.microsoft.com/office/drawing/2014/main" id="{D1C50D00-4144-4B1C-AAAC-8E154CD34398}"/>
+              </a:ext>
+            </a:extLst>
+          </p:cNvPr>
+          <p:cNvPicPr>
+            <a:picLocks noChangeAspect="1"/>
+          </p:cNvPicPr>
+          <p:nvPr/>
+        </p:nvPicPr>
+        <p:blipFill>
+          <a:blip r:embed="rId5"/>
+          <a:stretch>
+            <a:fillRect/>
+          </a:stretch>
+        </p:blipFill>
+        <p:spPr>
+          <a:xfrm>
+            <a:off x="5748380" y="2406126"/>
+            <a:ext cx="3438437" cy="2242074"/>
+          </a:xfrm>
+          <a:prstGeom prst="rect">
+            <a:avLst/>
+          </a:prstGeom>
+        </p:spPr>
+      </p:pic>
+      <p:sp>
+        <p:nvSpPr>
+          <p:cNvPr id="25" name="TextBox 24">
+            <a:extLst>
+              <a:ext uri="{FF2B5EF4-FFF2-40B4-BE49-F238E27FC236}">
+                <a16:creationId xmlns:a16="http://schemas.microsoft.com/office/drawing/2014/main" id="{2C696971-C59D-4C3B-912C-56383ED5FFA9}"/>
+              </a:ext>
+            </a:extLst>
+          </p:cNvPr>
+          <p:cNvSpPr txBox="1"/>
+          <p:nvPr/>
+        </p:nvSpPr>
+        <p:spPr>
+          <a:xfrm flipH="1">
+            <a:off x="325818" y="0"/>
+            <a:ext cx="7141781" cy="584775"/>
+          </a:xfrm>
+          <a:prstGeom prst="rect">
+            <a:avLst/>
+          </a:prstGeom>
+          <a:noFill/>
+        </p:spPr>
+        <p:txBody>
+          <a:bodyPr wrap="square" rtlCol="0">
+            <a:spAutoFit/>
+          </a:bodyPr>
+          <a:lstStyle/>
+          <a:p>
+            <a:r>
+              <a:rPr lang="en-US" altLang="ko-KR" sz="3200" dirty="0">
+                <a:solidFill>
+                  <a:schemeClr val="bg1"/>
+                </a:solidFill>
+                <a:latin typeface="나눔바른고딕" panose="020B0603020101020101" pitchFamily="50" charset="-127"/>
+                <a:ea typeface="나눔바른고딕" panose="020B0603020101020101" pitchFamily="50" charset="-127"/>
+              </a:rPr>
+              <a:t>01. </a:t>
+            </a:r>
+            <a:r>
+              <a:rPr lang="ko-KR" altLang="en-US" sz="3200" dirty="0">
+                <a:solidFill>
+                  <a:schemeClr val="bg1"/>
+                </a:solidFill>
+                <a:latin typeface="나눔바른고딕" panose="020B0603020101020101" pitchFamily="50" charset="-127"/>
+                <a:ea typeface="나눔바른고딕" panose="020B0603020101020101" pitchFamily="50" charset="-127"/>
+              </a:rPr>
+              <a:t>본론</a:t>
+            </a:r>
+            <a:r>
+              <a:rPr lang="en-US" altLang="ko-KR" sz="3200" dirty="0">
+                <a:solidFill>
+                  <a:schemeClr val="bg1"/>
+                </a:solidFill>
+                <a:latin typeface="나눔바른고딕" panose="020B0603020101020101" pitchFamily="50" charset="-127"/>
+                <a:ea typeface="나눔바른고딕" panose="020B0603020101020101" pitchFamily="50" charset="-127"/>
+              </a:rPr>
+              <a:t>	</a:t>
+            </a:r>
+            <a:r>
+              <a:rPr lang="ko-KR" altLang="en-US" sz="1400" dirty="0" err="1">
+                <a:solidFill>
+                  <a:schemeClr val="tx2">
+                    <a:lumMod val="60000"/>
+                    <a:lumOff val="40000"/>
+                  </a:schemeClr>
+                </a:solidFill>
+                <a:latin typeface="나눔바른고딕" panose="020B0603020101020101" pitchFamily="50" charset="-127"/>
+                <a:ea typeface="나눔바른고딕" panose="020B0603020101020101" pitchFamily="50" charset="-127"/>
+              </a:rPr>
+              <a:t>전처리</a:t>
+            </a:r>
+            <a:r>
+              <a:rPr lang="ko-KR" altLang="en-US" sz="2000" dirty="0">
+                <a:solidFill>
+                  <a:schemeClr val="bg1"/>
+                </a:solidFill>
+                <a:latin typeface="나눔바른고딕" panose="020B0603020101020101" pitchFamily="50" charset="-127"/>
+                <a:ea typeface="나눔바른고딕" panose="020B0603020101020101" pitchFamily="50" charset="-127"/>
+              </a:rPr>
+              <a:t>  </a:t>
+            </a:r>
+            <a:r>
+              <a:rPr lang="en-US" altLang="ko-KR" sz="1400" dirty="0">
+                <a:solidFill>
+                  <a:schemeClr val="tx2">
+                    <a:lumMod val="60000"/>
+                    <a:lumOff val="40000"/>
+                  </a:schemeClr>
+                </a:solidFill>
+                <a:latin typeface="나눔바른고딕" panose="020B0603020101020101" pitchFamily="50" charset="-127"/>
+                <a:ea typeface="나눔바른고딕" panose="020B0603020101020101" pitchFamily="50" charset="-127"/>
+              </a:rPr>
+              <a:t>/  </a:t>
+            </a:r>
+            <a:r>
+              <a:rPr lang="ko-KR" altLang="en-US" sz="2000" dirty="0">
+                <a:solidFill>
+                  <a:schemeClr val="bg1"/>
+                </a:solidFill>
+                <a:latin typeface="나눔바른고딕" panose="020B0603020101020101" pitchFamily="50" charset="-127"/>
+                <a:ea typeface="나눔바른고딕" panose="020B0603020101020101" pitchFamily="50" charset="-127"/>
+              </a:rPr>
+              <a:t>데이터 탐색 및 파생변수</a:t>
+            </a:r>
+            <a:r>
+              <a:rPr lang="en-US" altLang="ko-KR" sz="1400" dirty="0">
+                <a:solidFill>
+                  <a:schemeClr val="tx2">
+                    <a:lumMod val="60000"/>
+                    <a:lumOff val="40000"/>
+                  </a:schemeClr>
+                </a:solidFill>
+                <a:latin typeface="나눔바른고딕" panose="020B0603020101020101" pitchFamily="50" charset="-127"/>
+                <a:ea typeface="나눔바른고딕" panose="020B0603020101020101" pitchFamily="50" charset="-127"/>
+              </a:rPr>
+              <a:t> </a:t>
+            </a:r>
+            <a:r>
+              <a:rPr lang="ko-KR" altLang="en-US" sz="1400" dirty="0">
+                <a:solidFill>
+                  <a:schemeClr val="tx2">
+                    <a:lumMod val="60000"/>
+                    <a:lumOff val="40000"/>
+                  </a:schemeClr>
+                </a:solidFill>
+                <a:latin typeface="나눔바른고딕" panose="020B0603020101020101" pitchFamily="50" charset="-127"/>
+                <a:ea typeface="나눔바른고딕" panose="020B0603020101020101" pitchFamily="50" charset="-127"/>
+              </a:rPr>
+              <a:t> </a:t>
+            </a:r>
+            <a:r>
+              <a:rPr lang="en-US" altLang="ko-KR" sz="1400" dirty="0">
+                <a:solidFill>
+                  <a:schemeClr val="tx2">
+                    <a:lumMod val="60000"/>
+                    <a:lumOff val="40000"/>
+                  </a:schemeClr>
+                </a:solidFill>
+                <a:latin typeface="나눔바른고딕" panose="020B0603020101020101" pitchFamily="50" charset="-127"/>
+                <a:ea typeface="나눔바른고딕" panose="020B0603020101020101" pitchFamily="50" charset="-127"/>
+              </a:rPr>
+              <a:t>/  </a:t>
+            </a:r>
+            <a:r>
+              <a:rPr lang="ko-KR" altLang="en-US" sz="1400" dirty="0">
+                <a:solidFill>
+                  <a:schemeClr val="tx2">
+                    <a:lumMod val="60000"/>
+                    <a:lumOff val="40000"/>
+                  </a:schemeClr>
+                </a:solidFill>
+                <a:latin typeface="나눔바른고딕" panose="020B0603020101020101" pitchFamily="50" charset="-127"/>
+                <a:ea typeface="나눔바른고딕" panose="020B0603020101020101" pitchFamily="50" charset="-127"/>
+              </a:rPr>
+              <a:t>최종 변수  </a:t>
+            </a:r>
+            <a:r>
+              <a:rPr lang="en-US" altLang="ko-KR" sz="1400" dirty="0">
+                <a:solidFill>
+                  <a:schemeClr val="tx2">
+                    <a:lumMod val="60000"/>
+                    <a:lumOff val="40000"/>
+                  </a:schemeClr>
+                </a:solidFill>
+                <a:latin typeface="나눔바른고딕" panose="020B0603020101020101" pitchFamily="50" charset="-127"/>
+                <a:ea typeface="나눔바른고딕" panose="020B0603020101020101" pitchFamily="50" charset="-127"/>
+              </a:rPr>
+              <a:t>/  </a:t>
+            </a:r>
+            <a:r>
+              <a:rPr lang="ko-KR" altLang="en-US" sz="1400" dirty="0">
+                <a:solidFill>
+                  <a:schemeClr val="tx2">
+                    <a:lumMod val="60000"/>
+                    <a:lumOff val="40000"/>
+                  </a:schemeClr>
+                </a:solidFill>
+                <a:latin typeface="나눔바른고딕" panose="020B0603020101020101" pitchFamily="50" charset="-127"/>
+                <a:ea typeface="나눔바른고딕" panose="020B0603020101020101" pitchFamily="50" charset="-127"/>
+              </a:rPr>
+              <a:t>모델링</a:t>
+            </a:r>
+            <a:endParaRPr lang="ko-KR" altLang="en-US" sz="2000" dirty="0">
+              <a:solidFill>
+                <a:schemeClr val="tx2">
+                  <a:lumMod val="60000"/>
+                  <a:lumOff val="40000"/>
+                </a:schemeClr>
+              </a:solidFill>
+              <a:latin typeface="나눔바른고딕" panose="020B0603020101020101" pitchFamily="50" charset="-127"/>
+              <a:ea typeface="나눔바른고딕" panose="020B0603020101020101" pitchFamily="50" charset="-127"/>
+            </a:endParaRPr>
+          </a:p>
+        </p:txBody>
+      </p:sp>
+    </p:spTree>
+    <p:extLst>
+      <p:ext uri="{BB962C8B-B14F-4D97-AF65-F5344CB8AC3E}">
+        <p14:creationId xmlns:p14="http://schemas.microsoft.com/office/powerpoint/2010/main" val="4245290907"/>
+      </p:ext>
+    </p:extLst>
+  </p:cSld>
+  <p:clrMapOvr>
+    <a:masterClrMapping/>
+  </p:clrMapOvr>
+</p:sld>
+</file>
+
+<file path=ppt/slides/slide11.xml><?xml version="1.0" encoding="utf-8"?>
+<p:sld xmlns:a="http://schemas.openxmlformats.org/drawingml/2006/main" xmlns:r="http://schemas.openxmlformats.org/officeDocument/2006/relationships" xmlns:p="http://schemas.openxmlformats.org/presentationml/2006/main" showMasterSp="0">
+  <p:cSld>
+    <p:spTree>
+      <p:nvGrpSpPr>
+        <p:cNvPr id="1" name=""/>
+        <p:cNvGrpSpPr/>
+        <p:nvPr/>
+      </p:nvGrpSpPr>
+      <p:grpSpPr>
+        <a:xfrm>
+          <a:off x="0" y="0"/>
+          <a:ext cx="0" cy="0"/>
+          <a:chOff x="0" y="0"/>
+          <a:chExt cx="0" cy="0"/>
+        </a:xfrm>
+      </p:grpSpPr>
+      <p:sp>
+        <p:nvSpPr>
+          <p:cNvPr id="28" name="object 3">
+            <a:extLst>
+              <a:ext uri="{FF2B5EF4-FFF2-40B4-BE49-F238E27FC236}">
+                <a16:creationId xmlns:a16="http://schemas.microsoft.com/office/drawing/2014/main" id="{11534E7C-F12F-4497-B73D-C74AE55ADAF8}"/>
+              </a:ext>
+            </a:extLst>
+          </p:cNvPr>
+          <p:cNvSpPr/>
+          <p:nvPr/>
+        </p:nvSpPr>
+        <p:spPr>
+          <a:xfrm>
+            <a:off x="0" y="1"/>
+            <a:ext cx="9905999" cy="533400"/>
+          </a:xfrm>
+          <a:prstGeom prst="rect">
+            <a:avLst/>
+          </a:prstGeom>
+          <a:blipFill>
+            <a:blip r:embed="rId3" cstate="print"/>
+            <a:stretch>
+              <a:fillRect/>
+            </a:stretch>
+          </a:blipFill>
+        </p:spPr>
+        <p:txBody>
+          <a:bodyPr wrap="square" lIns="0" tIns="0" rIns="0" bIns="0" rtlCol="0"/>
+          <a:lstStyle/>
+          <a:p>
+            <a:endParaRPr dirty="0">
+              <a:latin typeface="나눔바른고딕" panose="020B0603020101020101" pitchFamily="50" charset="-127"/>
+            </a:endParaRPr>
+          </a:p>
+        </p:txBody>
+      </p:sp>
+      <p:sp>
+        <p:nvSpPr>
+          <p:cNvPr id="12" name="TextBox 11">
+            <a:extLst>
+              <a:ext uri="{FF2B5EF4-FFF2-40B4-BE49-F238E27FC236}">
+                <a16:creationId xmlns:a16="http://schemas.microsoft.com/office/drawing/2014/main" id="{CBA28D1E-0502-4910-B0F3-228427360900}"/>
+              </a:ext>
+            </a:extLst>
+          </p:cNvPr>
+          <p:cNvSpPr txBox="1"/>
+          <p:nvPr/>
+        </p:nvSpPr>
+        <p:spPr>
+          <a:xfrm>
+            <a:off x="410851" y="762000"/>
+            <a:ext cx="1449436" cy="369332"/>
+          </a:xfrm>
+          <a:prstGeom prst="rect">
+            <a:avLst/>
+          </a:prstGeom>
+          <a:noFill/>
+        </p:spPr>
+        <p:txBody>
+          <a:bodyPr wrap="none" rtlCol="0">
+            <a:spAutoFit/>
+          </a:bodyPr>
+          <a:lstStyle/>
+          <a:p>
+            <a:pPr marL="285750" indent="-285750">
+              <a:buFont typeface="Wingdings" panose="05000000000000000000" pitchFamily="2" charset="2"/>
+              <a:buChar char="§"/>
+            </a:pPr>
+            <a:r>
+              <a:rPr lang="ko-KR" altLang="en-US" dirty="0"/>
+              <a:t>최종 변수</a:t>
+            </a:r>
+            <a:endParaRPr lang="en-US" altLang="ko-KR" dirty="0"/>
+          </a:p>
+        </p:txBody>
+      </p:sp>
+      <p:sp>
+        <p:nvSpPr>
+          <p:cNvPr id="44" name="모서리가 둥근 직사각형 14">
+            <a:extLst>
+              <a:ext uri="{FF2B5EF4-FFF2-40B4-BE49-F238E27FC236}">
+                <a16:creationId xmlns:a16="http://schemas.microsoft.com/office/drawing/2014/main" id="{0C79E22F-E566-4B8F-ADF6-EAAA9F9F3BA7}"/>
+              </a:ext>
+            </a:extLst>
+          </p:cNvPr>
+          <p:cNvSpPr/>
+          <p:nvPr/>
+        </p:nvSpPr>
+        <p:spPr>
+          <a:xfrm>
+            <a:off x="410851" y="1155404"/>
+            <a:ext cx="9190349" cy="369332"/>
+          </a:xfrm>
+          <a:prstGeom prst="roundRect">
+            <a:avLst/>
+          </a:prstGeom>
+          <a:ln>
+            <a:noFill/>
+          </a:ln>
+        </p:spPr>
+        <p:style>
+          <a:lnRef idx="2">
+            <a:schemeClr val="accent1"/>
+          </a:lnRef>
+          <a:fillRef idx="1">
+            <a:schemeClr val="lt1"/>
+          </a:fillRef>
+          <a:effectRef idx="0">
+            <a:schemeClr val="accent1"/>
+          </a:effectRef>
+          <a:fontRef idx="minor">
+            <a:schemeClr val="dk1"/>
+          </a:fontRef>
+        </p:style>
+        <p:txBody>
+          <a:bodyPr lIns="68580" tIns="34290" rIns="68580" bIns="34290" rtlCol="0" anchor="ctr"/>
+          <a:lstStyle/>
+          <a:p>
+            <a:pPr marL="285750" indent="-285750">
+              <a:buFont typeface="Wingdings" panose="05000000000000000000" pitchFamily="2" charset="2"/>
+              <a:buChar char="Ø"/>
+            </a:pPr>
+            <a:r>
+              <a:rPr lang="ko-KR" altLang="en-US" sz="1600" dirty="0">
+                <a:solidFill>
+                  <a:schemeClr val="tx1"/>
+                </a:solidFill>
+                <a:latin typeface="나눔바른고딕" panose="020B0603020101020101" pitchFamily="50" charset="-127"/>
+                <a:ea typeface="나눔바른고딕" panose="020B0603020101020101" pitchFamily="50" charset="-127"/>
+              </a:rPr>
+              <a:t>변수선택과 예측 모델링에 사용될 최종 변수</a:t>
+            </a:r>
+            <a:endParaRPr lang="en-US" altLang="ko-KR" sz="1600" dirty="0">
+              <a:solidFill>
+                <a:schemeClr val="tx1"/>
+              </a:solidFill>
+              <a:latin typeface="나눔바른고딕" panose="020B0603020101020101" pitchFamily="50" charset="-127"/>
+              <a:ea typeface="나눔바른고딕" panose="020B0603020101020101" pitchFamily="50" charset="-127"/>
+            </a:endParaRPr>
+          </a:p>
+        </p:txBody>
+      </p:sp>
+      <p:sp>
+        <p:nvSpPr>
+          <p:cNvPr id="25" name="TextBox 24">
+            <a:extLst>
+              <a:ext uri="{FF2B5EF4-FFF2-40B4-BE49-F238E27FC236}">
+                <a16:creationId xmlns:a16="http://schemas.microsoft.com/office/drawing/2014/main" id="{2C696971-C59D-4C3B-912C-56383ED5FFA9}"/>
+              </a:ext>
+            </a:extLst>
+          </p:cNvPr>
+          <p:cNvSpPr txBox="1"/>
+          <p:nvPr/>
+        </p:nvSpPr>
+        <p:spPr>
+          <a:xfrm flipH="1">
+            <a:off x="325818" y="0"/>
+            <a:ext cx="7141781" cy="584775"/>
+          </a:xfrm>
+          <a:prstGeom prst="rect">
+            <a:avLst/>
+          </a:prstGeom>
+          <a:noFill/>
+        </p:spPr>
+        <p:txBody>
+          <a:bodyPr wrap="square" rtlCol="0">
+            <a:spAutoFit/>
+          </a:bodyPr>
+          <a:lstStyle/>
+          <a:p>
+            <a:r>
+              <a:rPr lang="en-US" altLang="ko-KR" sz="3200" dirty="0">
+                <a:solidFill>
+                  <a:schemeClr val="bg1"/>
+                </a:solidFill>
+                <a:latin typeface="나눔바른고딕" panose="020B0603020101020101" pitchFamily="50" charset="-127"/>
+                <a:ea typeface="나눔바른고딕" panose="020B0603020101020101" pitchFamily="50" charset="-127"/>
+              </a:rPr>
+              <a:t>01. </a:t>
+            </a:r>
+            <a:r>
+              <a:rPr lang="ko-KR" altLang="en-US" sz="3200" dirty="0">
+                <a:solidFill>
+                  <a:schemeClr val="bg1"/>
+                </a:solidFill>
+                <a:latin typeface="나눔바른고딕" panose="020B0603020101020101" pitchFamily="50" charset="-127"/>
+                <a:ea typeface="나눔바른고딕" panose="020B0603020101020101" pitchFamily="50" charset="-127"/>
+              </a:rPr>
+              <a:t>본론</a:t>
+            </a:r>
+            <a:r>
+              <a:rPr lang="en-US" altLang="ko-KR" sz="3200" dirty="0">
+                <a:solidFill>
+                  <a:schemeClr val="bg1"/>
+                </a:solidFill>
+                <a:latin typeface="나눔바른고딕" panose="020B0603020101020101" pitchFamily="50" charset="-127"/>
+                <a:ea typeface="나눔바른고딕" panose="020B0603020101020101" pitchFamily="50" charset="-127"/>
+              </a:rPr>
+              <a:t>	</a:t>
+            </a:r>
+            <a:r>
+              <a:rPr lang="ko-KR" altLang="en-US" sz="1400" dirty="0" err="1">
+                <a:solidFill>
+                  <a:schemeClr val="tx2">
+                    <a:lumMod val="60000"/>
+                    <a:lumOff val="40000"/>
+                  </a:schemeClr>
+                </a:solidFill>
+                <a:latin typeface="나눔바른고딕" panose="020B0603020101020101" pitchFamily="50" charset="-127"/>
+                <a:ea typeface="나눔바른고딕" panose="020B0603020101020101" pitchFamily="50" charset="-127"/>
+              </a:rPr>
+              <a:t>전처리</a:t>
+            </a:r>
+            <a:r>
+              <a:rPr lang="ko-KR" altLang="en-US" sz="2000" dirty="0">
+                <a:solidFill>
+                  <a:schemeClr val="bg1"/>
+                </a:solidFill>
+                <a:latin typeface="나눔바른고딕" panose="020B0603020101020101" pitchFamily="50" charset="-127"/>
+                <a:ea typeface="나눔바른고딕" panose="020B0603020101020101" pitchFamily="50" charset="-127"/>
+              </a:rPr>
+              <a:t>  </a:t>
+            </a:r>
+            <a:r>
+              <a:rPr lang="en-US" altLang="ko-KR" sz="1400" dirty="0">
+                <a:solidFill>
+                  <a:schemeClr val="tx2">
+                    <a:lumMod val="60000"/>
+                    <a:lumOff val="40000"/>
+                  </a:schemeClr>
+                </a:solidFill>
+                <a:latin typeface="나눔바른고딕" panose="020B0603020101020101" pitchFamily="50" charset="-127"/>
+                <a:ea typeface="나눔바른고딕" panose="020B0603020101020101" pitchFamily="50" charset="-127"/>
+              </a:rPr>
+              <a:t>/  </a:t>
+            </a:r>
+            <a:r>
+              <a:rPr lang="ko-KR" altLang="en-US" sz="1400" dirty="0">
+                <a:solidFill>
+                  <a:schemeClr val="tx2">
+                    <a:lumMod val="60000"/>
+                    <a:lumOff val="40000"/>
+                  </a:schemeClr>
+                </a:solidFill>
+                <a:latin typeface="나눔바른고딕" panose="020B0603020101020101" pitchFamily="50" charset="-127"/>
+                <a:ea typeface="나눔바른고딕" panose="020B0603020101020101" pitchFamily="50" charset="-127"/>
+              </a:rPr>
+              <a:t>데이터 탐색 및 파생변수</a:t>
+            </a:r>
+            <a:r>
+              <a:rPr lang="en-US" altLang="ko-KR" sz="1400" dirty="0">
+                <a:solidFill>
+                  <a:schemeClr val="tx2">
+                    <a:lumMod val="60000"/>
+                    <a:lumOff val="40000"/>
+                  </a:schemeClr>
+                </a:solidFill>
+                <a:latin typeface="나눔바른고딕" panose="020B0603020101020101" pitchFamily="50" charset="-127"/>
+                <a:ea typeface="나눔바른고딕" panose="020B0603020101020101" pitchFamily="50" charset="-127"/>
+              </a:rPr>
+              <a:t> </a:t>
+            </a:r>
+            <a:r>
+              <a:rPr lang="ko-KR" altLang="en-US" sz="1400" dirty="0">
+                <a:solidFill>
+                  <a:schemeClr val="tx2">
+                    <a:lumMod val="60000"/>
+                    <a:lumOff val="40000"/>
+                  </a:schemeClr>
+                </a:solidFill>
+                <a:latin typeface="나눔바른고딕" panose="020B0603020101020101" pitchFamily="50" charset="-127"/>
+                <a:ea typeface="나눔바른고딕" panose="020B0603020101020101" pitchFamily="50" charset="-127"/>
+              </a:rPr>
+              <a:t> </a:t>
+            </a:r>
+            <a:r>
+              <a:rPr lang="en-US" altLang="ko-KR" sz="1400" dirty="0">
+                <a:solidFill>
+                  <a:schemeClr val="tx2">
+                    <a:lumMod val="60000"/>
+                    <a:lumOff val="40000"/>
+                  </a:schemeClr>
+                </a:solidFill>
+                <a:latin typeface="나눔바른고딕" panose="020B0603020101020101" pitchFamily="50" charset="-127"/>
+                <a:ea typeface="나눔바른고딕" panose="020B0603020101020101" pitchFamily="50" charset="-127"/>
+              </a:rPr>
+              <a:t>/  </a:t>
+            </a:r>
+            <a:r>
+              <a:rPr lang="ko-KR" altLang="en-US" sz="1400" dirty="0">
+                <a:solidFill>
+                  <a:schemeClr val="bg1"/>
+                </a:solidFill>
+                <a:latin typeface="나눔바른고딕" panose="020B0603020101020101" pitchFamily="50" charset="-127"/>
+                <a:ea typeface="나눔바른고딕" panose="020B0603020101020101" pitchFamily="50" charset="-127"/>
+              </a:rPr>
+              <a:t>최종 변수  </a:t>
+            </a:r>
+            <a:r>
+              <a:rPr lang="en-US" altLang="ko-KR" sz="1400" dirty="0">
+                <a:solidFill>
+                  <a:schemeClr val="tx2">
+                    <a:lumMod val="60000"/>
+                    <a:lumOff val="40000"/>
+                  </a:schemeClr>
+                </a:solidFill>
+                <a:latin typeface="나눔바른고딕" panose="020B0603020101020101" pitchFamily="50" charset="-127"/>
+                <a:ea typeface="나눔바른고딕" panose="020B0603020101020101" pitchFamily="50" charset="-127"/>
+              </a:rPr>
+              <a:t>/  </a:t>
+            </a:r>
+            <a:r>
+              <a:rPr lang="ko-KR" altLang="en-US" sz="1400" dirty="0">
+                <a:solidFill>
+                  <a:schemeClr val="tx2">
+                    <a:lumMod val="60000"/>
+                    <a:lumOff val="40000"/>
+                  </a:schemeClr>
+                </a:solidFill>
+                <a:latin typeface="나눔바른고딕" panose="020B0603020101020101" pitchFamily="50" charset="-127"/>
+                <a:ea typeface="나눔바른고딕" panose="020B0603020101020101" pitchFamily="50" charset="-127"/>
+              </a:rPr>
+              <a:t>모델링</a:t>
+            </a:r>
+            <a:endParaRPr lang="ko-KR" altLang="en-US" sz="2000" dirty="0">
+              <a:solidFill>
+                <a:schemeClr val="tx2">
+                  <a:lumMod val="60000"/>
+                  <a:lumOff val="40000"/>
+                </a:schemeClr>
+              </a:solidFill>
+              <a:latin typeface="나눔바른고딕" panose="020B0603020101020101" pitchFamily="50" charset="-127"/>
+              <a:ea typeface="나눔바른고딕" panose="020B0603020101020101" pitchFamily="50" charset="-127"/>
+            </a:endParaRPr>
+          </a:p>
+        </p:txBody>
+      </p:sp>
+    </p:spTree>
+    <p:extLst>
+      <p:ext uri="{BB962C8B-B14F-4D97-AF65-F5344CB8AC3E}">
+        <p14:creationId xmlns:p14="http://schemas.microsoft.com/office/powerpoint/2010/main" val="162517786"/>
+      </p:ext>
+    </p:extLst>
+  </p:cSld>
+  <p:clrMapOvr>
+    <a:masterClrMapping/>
+  </p:clrMapOvr>
+</p:sld>
+</file>
+
+<file path=ppt/slides/slide12.xml><?xml version="1.0" encoding="utf-8"?>
+<p:sld xmlns:a="http://schemas.openxmlformats.org/drawingml/2006/main" xmlns:r="http://schemas.openxmlformats.org/officeDocument/2006/relationships" xmlns:p="http://schemas.openxmlformats.org/presentationml/2006/main">
+  <p:cSld>
+    <p:spTree>
+      <p:nvGrpSpPr>
+        <p:cNvPr id="1" name=""/>
+        <p:cNvGrpSpPr/>
+        <p:nvPr/>
+      </p:nvGrpSpPr>
+      <p:grpSpPr>
+        <a:xfrm>
+          <a:off x="0" y="0"/>
+          <a:ext cx="0" cy="0"/>
+          <a:chOff x="0" y="0"/>
+          <a:chExt cx="0" cy="0"/>
+        </a:xfrm>
+      </p:grpSpPr>
+      <p:sp>
+        <p:nvSpPr>
+          <p:cNvPr id="2" name="제목 1">
+            <a:extLst>
+              <a:ext uri="{FF2B5EF4-FFF2-40B4-BE49-F238E27FC236}">
+                <a16:creationId xmlns:a16="http://schemas.microsoft.com/office/drawing/2014/main" id="{E3254C01-647D-4BBD-8957-54448F1BFCCE}"/>
+              </a:ext>
+            </a:extLst>
+          </p:cNvPr>
+          <p:cNvSpPr>
+            <a:spLocks noGrp="1"/>
+          </p:cNvSpPr>
+          <p:nvPr>
+            <p:ph type="title"/>
+          </p:nvPr>
+        </p:nvSpPr>
+        <p:spPr/>
+        <p:txBody>
+          <a:bodyPr/>
+          <a:lstStyle/>
+          <a:p>
+            <a:r>
+              <a:rPr lang="ko-KR" altLang="en-US" dirty="0" err="1"/>
+              <a:t>어펜딕스</a:t>
+            </a:r>
+            <a:r>
+              <a:rPr lang="en-US" altLang="ko-KR" dirty="0"/>
+              <a:t>1</a:t>
+            </a:r>
+            <a:r>
+              <a:rPr lang="ko-KR" altLang="en-US" dirty="0"/>
+              <a:t> </a:t>
+            </a:r>
+            <a:r>
+              <a:rPr lang="en-US" altLang="ko-KR" dirty="0"/>
+              <a:t>–</a:t>
+            </a:r>
+            <a:r>
+              <a:rPr lang="ko-KR" altLang="en-US" dirty="0"/>
+              <a:t> </a:t>
+            </a:r>
+            <a:r>
+              <a:rPr lang="en-US" altLang="ko-KR" dirty="0"/>
+              <a:t>specific spec</a:t>
+            </a:r>
+            <a:endParaRPr lang="ko-KR" altLang="en-US" dirty="0"/>
+          </a:p>
+        </p:txBody>
+      </p:sp>
+    </p:spTree>
+    <p:extLst>
+      <p:ext uri="{BB962C8B-B14F-4D97-AF65-F5344CB8AC3E}">
+        <p14:creationId xmlns:p14="http://schemas.microsoft.com/office/powerpoint/2010/main" val="2338296714"/>
+      </p:ext>
+    </p:extLst>
+  </p:cSld>
+  <p:clrMapOvr>
+    <a:masterClrMapping/>
+  </p:clrMapOvr>
+</p:sld>
+</file>
+
 <file path=ppt/slides/slide2.xml><?xml version="1.0" encoding="utf-8"?>
 <p:sld xmlns:a="http://schemas.openxmlformats.org/drawingml/2006/main" xmlns:r="http://schemas.openxmlformats.org/officeDocument/2006/relationships" xmlns:p="http://schemas.openxmlformats.org/presentationml/2006/main" showMasterSp="0">
   <p:cSld>
@@ -6499,113 +8308,6 @@
           <a:p>
             <a:endParaRPr dirty="0">
               <a:latin typeface="나눔바른고딕" panose="020B0603020101020101" pitchFamily="50" charset="-127"/>
-            </a:endParaRPr>
-          </a:p>
-        </p:txBody>
-      </p:sp>
-      <p:sp>
-        <p:nvSpPr>
-          <p:cNvPr id="24" name="TextBox 23">
-            <a:extLst>
-              <a:ext uri="{FF2B5EF4-FFF2-40B4-BE49-F238E27FC236}">
-                <a16:creationId xmlns:a16="http://schemas.microsoft.com/office/drawing/2014/main" id="{668F1C3F-81EB-45D3-BB6E-6B602F4DE657}"/>
-              </a:ext>
-            </a:extLst>
-          </p:cNvPr>
-          <p:cNvSpPr txBox="1"/>
-          <p:nvPr/>
-        </p:nvSpPr>
-        <p:spPr>
-          <a:xfrm flipH="1">
-            <a:off x="325820" y="0"/>
-            <a:ext cx="4322379" cy="584775"/>
-          </a:xfrm>
-          <a:prstGeom prst="rect">
-            <a:avLst/>
-          </a:prstGeom>
-          <a:noFill/>
-        </p:spPr>
-        <p:txBody>
-          <a:bodyPr wrap="square" rtlCol="0">
-            <a:spAutoFit/>
-          </a:bodyPr>
-          <a:lstStyle/>
-          <a:p>
-            <a:r>
-              <a:rPr lang="en-US" altLang="ko-KR" sz="3200" dirty="0">
-                <a:solidFill>
-                  <a:schemeClr val="bg1"/>
-                </a:solidFill>
-                <a:latin typeface="나눔바른고딕" panose="020B0603020101020101" pitchFamily="50" charset="-127"/>
-                <a:ea typeface="나눔바른고딕" panose="020B0603020101020101" pitchFamily="50" charset="-127"/>
-              </a:rPr>
-              <a:t>01. </a:t>
-            </a:r>
-            <a:r>
-              <a:rPr lang="ko-KR" altLang="en-US" sz="3200" dirty="0">
-                <a:solidFill>
-                  <a:schemeClr val="bg1"/>
-                </a:solidFill>
-                <a:latin typeface="나눔바른고딕" panose="020B0603020101020101" pitchFamily="50" charset="-127"/>
-                <a:ea typeface="나눔바른고딕" panose="020B0603020101020101" pitchFamily="50" charset="-127"/>
-              </a:rPr>
-              <a:t>서론</a:t>
-            </a:r>
-            <a:r>
-              <a:rPr lang="en-US" altLang="ko-KR" sz="3200" dirty="0">
-                <a:solidFill>
-                  <a:schemeClr val="bg1"/>
-                </a:solidFill>
-                <a:latin typeface="나눔바른고딕" panose="020B0603020101020101" pitchFamily="50" charset="-127"/>
-                <a:ea typeface="나눔바른고딕" panose="020B0603020101020101" pitchFamily="50" charset="-127"/>
-              </a:rPr>
-              <a:t>	</a:t>
-            </a:r>
-            <a:r>
-              <a:rPr lang="ko-KR" altLang="en-US" sz="2000" dirty="0">
-                <a:solidFill>
-                  <a:schemeClr val="bg1"/>
-                </a:solidFill>
-                <a:latin typeface="나눔바른고딕" panose="020B0603020101020101" pitchFamily="50" charset="-127"/>
-                <a:ea typeface="나눔바른고딕" panose="020B0603020101020101" pitchFamily="50" charset="-127"/>
-              </a:rPr>
-              <a:t>배경  </a:t>
-            </a:r>
-            <a:r>
-              <a:rPr lang="en-US" altLang="ko-KR" sz="2000" dirty="0">
-                <a:solidFill>
-                  <a:schemeClr val="tx2">
-                    <a:lumMod val="60000"/>
-                    <a:lumOff val="40000"/>
-                  </a:schemeClr>
-                </a:solidFill>
-                <a:latin typeface="나눔바른고딕" panose="020B0603020101020101" pitchFamily="50" charset="-127"/>
-                <a:ea typeface="나눔바른고딕" panose="020B0603020101020101" pitchFamily="50" charset="-127"/>
-              </a:rPr>
-              <a:t>/  </a:t>
-            </a:r>
-            <a:r>
-              <a:rPr lang="ko-KR" altLang="en-US" sz="2000" dirty="0">
-                <a:solidFill>
-                  <a:schemeClr val="tx2">
-                    <a:lumMod val="60000"/>
-                    <a:lumOff val="40000"/>
-                  </a:schemeClr>
-                </a:solidFill>
-                <a:latin typeface="나눔바른고딕" panose="020B0603020101020101" pitchFamily="50" charset="-127"/>
-                <a:ea typeface="나눔바른고딕" panose="020B0603020101020101" pitchFamily="50" charset="-127"/>
-              </a:rPr>
-              <a:t>순서도</a:t>
-            </a:r>
-            <a:endParaRPr lang="ko-KR" altLang="en-US" sz="3200" dirty="0">
-              <a:solidFill>
-                <a:schemeClr val="tx2">
-                  <a:lumMod val="60000"/>
-                  <a:lumOff val="40000"/>
-                </a:schemeClr>
-              </a:solidFill>
-              <a:latin typeface="나눔바른고딕" panose="020B0603020101020101" pitchFamily="50" charset="-127"/>
-              <a:ea typeface="나눔바른고딕" panose="020B0603020101020101" pitchFamily="50" charset="-127"/>
             </a:endParaRPr>
           </a:p>
         </p:txBody>
@@ -7249,14 +8951,14 @@
           <p:nvPr>
             <p:extLst>
               <p:ext uri="{D42A27DB-BD31-4B8C-83A1-F6EECF244321}">
-                <p14:modId xmlns:p14="http://schemas.microsoft.com/office/powerpoint/2010/main" val="3545000278"/>
+                <p14:modId xmlns:p14="http://schemas.microsoft.com/office/powerpoint/2010/main" val="2843101622"/>
               </p:ext>
             </p:extLst>
           </p:nvPr>
         </p:nvGraphicFramePr>
         <p:xfrm>
           <a:off x="414565" y="5726158"/>
-          <a:ext cx="9186630" cy="854727"/>
+          <a:ext cx="9186630" cy="795054"/>
         </p:xfrm>
         <a:graphic>
           <a:graphicData uri="http://schemas.openxmlformats.org/drawingml/2006/table">
@@ -7316,7 +9018,7 @@
                     <a:p>
                       <a:pPr algn="ctr" latinLnBrk="1"/>
                       <a:r>
-                        <a:rPr lang="ko-KR" altLang="en-US" dirty="0"/>
+                        <a:rPr lang="ko-KR" altLang="en-US" sz="1600" dirty="0"/>
                         <a:t>발생 원인</a:t>
                       </a:r>
                     </a:p>
@@ -7330,10 +9032,10 @@
                     <a:p>
                       <a:pPr algn="ctr" latinLnBrk="1"/>
                       <a:r>
-                        <a:rPr lang="ko-KR" altLang="en-US" dirty="0" err="1"/>
+                        <a:rPr lang="ko-KR" altLang="en-US" sz="1600" dirty="0" err="1"/>
                         <a:t>압입흠</a:t>
                       </a:r>
-                      <a:endParaRPr lang="ko-KR" altLang="en-US" dirty="0"/>
+                      <a:endParaRPr lang="ko-KR" altLang="en-US" sz="1600" dirty="0"/>
                     </a:p>
                   </a:txBody>
                   <a:tcPr/>
@@ -7345,10 +9047,10 @@
                     <a:p>
                       <a:pPr algn="ctr" latinLnBrk="1"/>
                       <a:r>
-                        <a:rPr lang="en-US" altLang="ko-KR" dirty="0"/>
+                        <a:rPr lang="en-US" altLang="ko-KR" sz="1600" dirty="0"/>
                         <a:t>Scratch</a:t>
                       </a:r>
-                      <a:endParaRPr lang="ko-KR" altLang="en-US" dirty="0"/>
+                      <a:endParaRPr lang="ko-KR" altLang="en-US" sz="1600" dirty="0"/>
                     </a:p>
                   </a:txBody>
                   <a:tcPr/>
@@ -7360,7 +9062,7 @@
                     <a:p>
                       <a:pPr algn="ctr" latinLnBrk="1"/>
                       <a:r>
-                        <a:rPr lang="ko-KR" altLang="en-US" dirty="0"/>
+                        <a:rPr lang="ko-KR" altLang="en-US" sz="1600" dirty="0"/>
                         <a:t>두께 부족</a:t>
                       </a:r>
                     </a:p>
@@ -7374,10 +9076,10 @@
                     <a:p>
                       <a:pPr algn="ctr" latinLnBrk="1"/>
                       <a:r>
-                        <a:rPr lang="en-US" altLang="ko-KR" dirty="0"/>
+                        <a:rPr lang="en-US" altLang="ko-KR" sz="1600" dirty="0"/>
                         <a:t>Scale</a:t>
                       </a:r>
-                      <a:endParaRPr lang="ko-KR" altLang="en-US" dirty="0"/>
+                      <a:endParaRPr lang="ko-KR" altLang="en-US" sz="1600" dirty="0"/>
                     </a:p>
                   </a:txBody>
                   <a:tcPr/>
@@ -7389,7 +9091,7 @@
                     <a:p>
                       <a:pPr algn="ctr" latinLnBrk="1"/>
                       <a:r>
-                        <a:rPr lang="ko-KR" altLang="en-US" dirty="0"/>
+                        <a:rPr lang="ko-KR" altLang="en-US" sz="1600" dirty="0"/>
                         <a:t>계</a:t>
                       </a:r>
                     </a:p>
@@ -7410,14 +9112,14 @@
                     <a:p>
                       <a:pPr algn="ctr" latinLnBrk="1"/>
                       <a:r>
-                        <a:rPr lang="ko-KR" altLang="en-US" dirty="0"/>
+                        <a:rPr lang="ko-KR" altLang="en-US" sz="1600" dirty="0"/>
                         <a:t>발생률</a:t>
                       </a:r>
                       <a:r>
-                        <a:rPr lang="en-US" altLang="ko-KR" dirty="0"/>
+                        <a:rPr lang="en-US" altLang="ko-KR" sz="1600" dirty="0"/>
                         <a:t>(%)</a:t>
                       </a:r>
-                      <a:endParaRPr lang="ko-KR" altLang="en-US" dirty="0"/>
+                      <a:endParaRPr lang="ko-KR" altLang="en-US" sz="1600" dirty="0"/>
                     </a:p>
                   </a:txBody>
                   <a:tcPr/>
@@ -7429,10 +9131,10 @@
                     <a:p>
                       <a:pPr algn="ctr" latinLnBrk="1"/>
                       <a:r>
-                        <a:rPr lang="en-US" altLang="ko-KR" dirty="0"/>
+                        <a:rPr lang="en-US" altLang="ko-KR" sz="1600" dirty="0"/>
                         <a:t>1.3</a:t>
                       </a:r>
-                      <a:endParaRPr lang="ko-KR" altLang="en-US" dirty="0"/>
+                      <a:endParaRPr lang="ko-KR" altLang="en-US" sz="1600" dirty="0"/>
                     </a:p>
                   </a:txBody>
                   <a:tcPr/>
@@ -7444,10 +9146,10 @@
                     <a:p>
                       <a:pPr algn="ctr" latinLnBrk="1"/>
                       <a:r>
-                        <a:rPr lang="en-US" altLang="ko-KR" dirty="0"/>
+                        <a:rPr lang="en-US" altLang="ko-KR" sz="1600" dirty="0"/>
                         <a:t>0.5</a:t>
                       </a:r>
-                      <a:endParaRPr lang="ko-KR" altLang="en-US" dirty="0"/>
+                      <a:endParaRPr lang="ko-KR" altLang="en-US" sz="1600" dirty="0"/>
                     </a:p>
                   </a:txBody>
                   <a:tcPr/>
@@ -7459,10 +9161,10 @@
                     <a:p>
                       <a:pPr algn="ctr" latinLnBrk="1"/>
                       <a:r>
-                        <a:rPr lang="en-US" altLang="ko-KR" dirty="0"/>
+                        <a:rPr lang="en-US" altLang="ko-KR" sz="1600" dirty="0"/>
                         <a:t>0.4</a:t>
                       </a:r>
-                      <a:endParaRPr lang="ko-KR" altLang="en-US" dirty="0"/>
+                      <a:endParaRPr lang="ko-KR" altLang="en-US" sz="1600" dirty="0"/>
                     </a:p>
                   </a:txBody>
                   <a:tcPr/>
@@ -7474,10 +9176,10 @@
                     <a:p>
                       <a:pPr algn="ctr" latinLnBrk="1"/>
                       <a:r>
-                        <a:rPr lang="en-US" altLang="ko-KR" sz="2400" b="1" dirty="0"/>
+                        <a:rPr lang="en-US" altLang="ko-KR" sz="2000" b="1" dirty="0"/>
                         <a:t>5.0</a:t>
                       </a:r>
-                      <a:endParaRPr lang="ko-KR" altLang="en-US" sz="2400" b="1" dirty="0"/>
+                      <a:endParaRPr lang="ko-KR" altLang="en-US" sz="2000" b="1" dirty="0"/>
                     </a:p>
                   </a:txBody>
                   <a:tcPr/>
@@ -7489,10 +9191,10 @@
                     <a:p>
                       <a:pPr algn="ctr" latinLnBrk="1"/>
                       <a:r>
-                        <a:rPr lang="en-US" altLang="ko-KR" dirty="0"/>
+                        <a:rPr lang="en-US" altLang="ko-KR" sz="1600" dirty="0"/>
                         <a:t>7.2%</a:t>
                       </a:r>
-                      <a:endParaRPr lang="ko-KR" altLang="en-US" dirty="0"/>
+                      <a:endParaRPr lang="ko-KR" altLang="en-US" sz="1600" dirty="0"/>
                     </a:p>
                   </a:txBody>
                   <a:tcPr/>
@@ -7521,7 +9223,7 @@
         </p:nvSpPr>
         <p:spPr>
           <a:xfrm>
-            <a:off x="350629" y="1152357"/>
+            <a:off x="350629" y="1143000"/>
             <a:ext cx="9358424" cy="914400"/>
           </a:xfrm>
           <a:prstGeom prst="rect">
@@ -7562,6 +9264,146 @@
           </a:p>
         </p:txBody>
       </p:sp>
+      <p:sp>
+        <p:nvSpPr>
+          <p:cNvPr id="13" name="TextBox 12">
+            <a:extLst>
+              <a:ext uri="{FF2B5EF4-FFF2-40B4-BE49-F238E27FC236}">
+                <a16:creationId xmlns:a16="http://schemas.microsoft.com/office/drawing/2014/main" id="{B6C7601D-2F61-481F-B49D-69CFCCC9C5FF}"/>
+              </a:ext>
+            </a:extLst>
+          </p:cNvPr>
+          <p:cNvSpPr txBox="1"/>
+          <p:nvPr/>
+        </p:nvSpPr>
+        <p:spPr>
+          <a:xfrm flipH="1">
+            <a:off x="325819" y="0"/>
+            <a:ext cx="5160580" cy="584775"/>
+          </a:xfrm>
+          <a:prstGeom prst="rect">
+            <a:avLst/>
+          </a:prstGeom>
+          <a:noFill/>
+        </p:spPr>
+        <p:txBody>
+          <a:bodyPr wrap="square" rtlCol="0">
+            <a:spAutoFit/>
+          </a:bodyPr>
+          <a:lstStyle/>
+          <a:p>
+            <a:r>
+              <a:rPr lang="en-US" altLang="ko-KR" sz="3200" dirty="0">
+                <a:solidFill>
+                  <a:schemeClr val="bg1"/>
+                </a:solidFill>
+                <a:latin typeface="나눔바른고딕" panose="020B0603020101020101" pitchFamily="50" charset="-127"/>
+                <a:ea typeface="나눔바른고딕" panose="020B0603020101020101" pitchFamily="50" charset="-127"/>
+              </a:rPr>
+              <a:t>01. </a:t>
+            </a:r>
+            <a:r>
+              <a:rPr lang="ko-KR" altLang="en-US" sz="3200" dirty="0">
+                <a:solidFill>
+                  <a:schemeClr val="bg1"/>
+                </a:solidFill>
+                <a:latin typeface="나눔바른고딕" panose="020B0603020101020101" pitchFamily="50" charset="-127"/>
+                <a:ea typeface="나눔바른고딕" panose="020B0603020101020101" pitchFamily="50" charset="-127"/>
+              </a:rPr>
+              <a:t>서론</a:t>
+            </a:r>
+            <a:r>
+              <a:rPr lang="en-US" altLang="ko-KR" sz="3200" dirty="0">
+                <a:solidFill>
+                  <a:schemeClr val="tx2">
+                    <a:lumMod val="60000"/>
+                    <a:lumOff val="40000"/>
+                  </a:schemeClr>
+                </a:solidFill>
+                <a:latin typeface="나눔바른고딕" panose="020B0603020101020101" pitchFamily="50" charset="-127"/>
+                <a:ea typeface="나눔바른고딕" panose="020B0603020101020101" pitchFamily="50" charset="-127"/>
+              </a:rPr>
+              <a:t>	</a:t>
+            </a:r>
+            <a:r>
+              <a:rPr lang="ko-KR" altLang="en-US" sz="1400" dirty="0">
+                <a:solidFill>
+                  <a:schemeClr val="tx2">
+                    <a:lumMod val="60000"/>
+                    <a:lumOff val="40000"/>
+                  </a:schemeClr>
+                </a:solidFill>
+                <a:latin typeface="나눔바른고딕" panose="020B0603020101020101" pitchFamily="50" charset="-127"/>
+                <a:ea typeface="나눔바른고딕" panose="020B0603020101020101" pitchFamily="50" charset="-127"/>
+              </a:rPr>
+              <a:t>배경</a:t>
+            </a:r>
+            <a:r>
+              <a:rPr lang="ko-KR" altLang="en-US" sz="2000" dirty="0">
+                <a:solidFill>
+                  <a:schemeClr val="tx2">
+                    <a:lumMod val="60000"/>
+                    <a:lumOff val="40000"/>
+                  </a:schemeClr>
+                </a:solidFill>
+                <a:latin typeface="나눔바른고딕" panose="020B0603020101020101" pitchFamily="50" charset="-127"/>
+                <a:ea typeface="나눔바른고딕" panose="020B0603020101020101" pitchFamily="50" charset="-127"/>
+              </a:rPr>
+              <a:t> </a:t>
+            </a:r>
+            <a:r>
+              <a:rPr lang="en-US" altLang="ko-KR" sz="2000" dirty="0">
+                <a:solidFill>
+                  <a:schemeClr val="tx2">
+                    <a:lumMod val="60000"/>
+                    <a:lumOff val="40000"/>
+                  </a:schemeClr>
+                </a:solidFill>
+                <a:latin typeface="나눔바른고딕" panose="020B0603020101020101" pitchFamily="50" charset="-127"/>
+                <a:ea typeface="나눔바른고딕" panose="020B0603020101020101" pitchFamily="50" charset="-127"/>
+              </a:rPr>
+              <a:t> /  </a:t>
+            </a:r>
+            <a:r>
+              <a:rPr lang="ko-KR" altLang="en-US" sz="2000" dirty="0">
+                <a:solidFill>
+                  <a:schemeClr val="bg1"/>
+                </a:solidFill>
+                <a:latin typeface="나눔바른고딕" panose="020B0603020101020101" pitchFamily="50" charset="-127"/>
+                <a:ea typeface="나눔바른고딕" panose="020B0603020101020101" pitchFamily="50" charset="-127"/>
+              </a:rPr>
+              <a:t>순서도  </a:t>
+            </a:r>
+            <a:r>
+              <a:rPr lang="en-US" altLang="ko-KR" sz="2000" dirty="0">
+                <a:solidFill>
+                  <a:schemeClr val="bg1"/>
+                </a:solidFill>
+                <a:latin typeface="나눔바른고딕" panose="020B0603020101020101" pitchFamily="50" charset="-127"/>
+                <a:ea typeface="나눔바른고딕" panose="020B0603020101020101" pitchFamily="50" charset="-127"/>
+              </a:rPr>
+              <a:t>/  </a:t>
+            </a:r>
+            <a:r>
+              <a:rPr lang="ko-KR" altLang="en-US" sz="2000" dirty="0">
+                <a:solidFill>
+                  <a:schemeClr val="bg1"/>
+                </a:solidFill>
+                <a:latin typeface="나눔바른고딕" panose="020B0603020101020101" pitchFamily="50" charset="-127"/>
+                <a:ea typeface="나눔바른고딕" panose="020B0603020101020101" pitchFamily="50" charset="-127"/>
+              </a:rPr>
+              <a:t>데이터 소개</a:t>
+            </a:r>
+            <a:endParaRPr lang="ko-KR" altLang="en-US" sz="3200" dirty="0">
+              <a:solidFill>
+                <a:schemeClr val="bg1"/>
+              </a:solidFill>
+              <a:latin typeface="나눔바른고딕" panose="020B0603020101020101" pitchFamily="50" charset="-127"/>
+              <a:ea typeface="나눔바른고딕" panose="020B0603020101020101" pitchFamily="50" charset="-127"/>
+            </a:endParaRPr>
+          </a:p>
+        </p:txBody>
+      </p:sp>
     </p:spTree>
     <p:extLst>
       <p:ext uri="{BB962C8B-B14F-4D97-AF65-F5344CB8AC3E}">
@@ -7631,113 +9473,6 @@
       </p:sp>
       <p:sp>
         <p:nvSpPr>
-          <p:cNvPr id="4" name="TextBox 3">
-            <a:extLst>
-              <a:ext uri="{FF2B5EF4-FFF2-40B4-BE49-F238E27FC236}">
-                <a16:creationId xmlns:a16="http://schemas.microsoft.com/office/drawing/2014/main" id="{06878A5B-F9BE-4502-A5E0-935612972B4B}"/>
-              </a:ext>
-            </a:extLst>
-          </p:cNvPr>
-          <p:cNvSpPr txBox="1"/>
-          <p:nvPr/>
-        </p:nvSpPr>
-        <p:spPr>
-          <a:xfrm flipH="1">
-            <a:off x="325820" y="0"/>
-            <a:ext cx="4322379" cy="584775"/>
-          </a:xfrm>
-          <a:prstGeom prst="rect">
-            <a:avLst/>
-          </a:prstGeom>
-          <a:noFill/>
-        </p:spPr>
-        <p:txBody>
-          <a:bodyPr wrap="square" rtlCol="0">
-            <a:spAutoFit/>
-          </a:bodyPr>
-          <a:lstStyle/>
-          <a:p>
-            <a:r>
-              <a:rPr lang="en-US" altLang="ko-KR" sz="3200" dirty="0">
-                <a:solidFill>
-                  <a:schemeClr val="bg1"/>
-                </a:solidFill>
-                <a:latin typeface="나눔바른고딕" panose="020B0603020101020101" pitchFamily="50" charset="-127"/>
-                <a:ea typeface="나눔바른고딕" panose="020B0603020101020101" pitchFamily="50" charset="-127"/>
-              </a:rPr>
-              <a:t>01. </a:t>
-            </a:r>
-            <a:r>
-              <a:rPr lang="ko-KR" altLang="en-US" sz="3200" dirty="0">
-                <a:solidFill>
-                  <a:schemeClr val="bg1"/>
-                </a:solidFill>
-                <a:latin typeface="나눔바른고딕" panose="020B0603020101020101" pitchFamily="50" charset="-127"/>
-                <a:ea typeface="나눔바른고딕" panose="020B0603020101020101" pitchFamily="50" charset="-127"/>
-              </a:rPr>
-              <a:t>서론</a:t>
-            </a:r>
-            <a:r>
-              <a:rPr lang="en-US" altLang="ko-KR" sz="3200" dirty="0">
-                <a:solidFill>
-                  <a:schemeClr val="bg1"/>
-                </a:solidFill>
-                <a:latin typeface="나눔바른고딕" panose="020B0603020101020101" pitchFamily="50" charset="-127"/>
-                <a:ea typeface="나눔바른고딕" panose="020B0603020101020101" pitchFamily="50" charset="-127"/>
-              </a:rPr>
-              <a:t>	</a:t>
-            </a:r>
-            <a:r>
-              <a:rPr lang="ko-KR" altLang="en-US" sz="2000" dirty="0">
-                <a:solidFill>
-                  <a:schemeClr val="bg1"/>
-                </a:solidFill>
-                <a:latin typeface="나눔바른고딕" panose="020B0603020101020101" pitchFamily="50" charset="-127"/>
-                <a:ea typeface="나눔바른고딕" panose="020B0603020101020101" pitchFamily="50" charset="-127"/>
-              </a:rPr>
-              <a:t>배경  </a:t>
-            </a:r>
-            <a:r>
-              <a:rPr lang="en-US" altLang="ko-KR" sz="2000" dirty="0">
-                <a:solidFill>
-                  <a:schemeClr val="tx2">
-                    <a:lumMod val="60000"/>
-                    <a:lumOff val="40000"/>
-                  </a:schemeClr>
-                </a:solidFill>
-                <a:latin typeface="나눔바른고딕" panose="020B0603020101020101" pitchFamily="50" charset="-127"/>
-                <a:ea typeface="나눔바른고딕" panose="020B0603020101020101" pitchFamily="50" charset="-127"/>
-              </a:rPr>
-              <a:t>/  </a:t>
-            </a:r>
-            <a:r>
-              <a:rPr lang="ko-KR" altLang="en-US" sz="2000" dirty="0">
-                <a:solidFill>
-                  <a:schemeClr val="tx2">
-                    <a:lumMod val="60000"/>
-                    <a:lumOff val="40000"/>
-                  </a:schemeClr>
-                </a:solidFill>
-                <a:latin typeface="나눔바른고딕" panose="020B0603020101020101" pitchFamily="50" charset="-127"/>
-                <a:ea typeface="나눔바른고딕" panose="020B0603020101020101" pitchFamily="50" charset="-127"/>
-              </a:rPr>
-              <a:t>순서도</a:t>
-            </a:r>
-            <a:endParaRPr lang="ko-KR" altLang="en-US" sz="3200" dirty="0">
-              <a:solidFill>
-                <a:schemeClr val="tx2">
-                  <a:lumMod val="60000"/>
-                  <a:lumOff val="40000"/>
-                </a:schemeClr>
-              </a:solidFill>
-              <a:latin typeface="나눔바른고딕" panose="020B0603020101020101" pitchFamily="50" charset="-127"/>
-              <a:ea typeface="나눔바른고딕" panose="020B0603020101020101" pitchFamily="50" charset="-127"/>
-            </a:endParaRPr>
-          </a:p>
-        </p:txBody>
-      </p:sp>
-      <p:sp>
-        <p:nvSpPr>
           <p:cNvPr id="5" name="모서리가 둥근 직사각형 14">
             <a:extLst>
               <a:ext uri="{FF2B5EF4-FFF2-40B4-BE49-F238E27FC236}">
@@ -7810,18 +9545,15 @@
                 <a:latin typeface="나눔바른고딕" panose="020B0603020101020101" pitchFamily="50" charset="-127"/>
                 <a:ea typeface="나눔바른고딕" panose="020B0603020101020101" pitchFamily="50" charset="-127"/>
               </a:rPr>
-              <a:t> 협의를 통하여 다음과 같은 잠재적 원인을 도출하였다</a:t>
-            </a:r>
-            <a:r>
-              <a:rPr lang="en-US" altLang="ko-KR" sz="1600" dirty="0">
-                <a:solidFill>
-                  <a:schemeClr val="tx1"/>
-                </a:solidFill>
-                <a:latin typeface="나눔바른고딕" panose="020B0603020101020101" pitchFamily="50" charset="-127"/>
-                <a:ea typeface="나눔바른고딕" panose="020B0603020101020101" pitchFamily="50" charset="-127"/>
-              </a:rPr>
-              <a:t>.</a:t>
-            </a:r>
+              <a:t> 협의를 통하여 도출된 잠재적 원인</a:t>
+            </a:r>
+            <a:endParaRPr lang="en-US" altLang="ko-KR" sz="1600" dirty="0">
+              <a:solidFill>
+                <a:schemeClr val="tx1"/>
+              </a:solidFill>
+              <a:latin typeface="나눔바른고딕" panose="020B0603020101020101" pitchFamily="50" charset="-127"/>
+              <a:ea typeface="나눔바른고딕" panose="020B0603020101020101" pitchFamily="50" charset="-127"/>
+            </a:endParaRPr>
           </a:p>
         </p:txBody>
       </p:sp>
@@ -7879,7 +9611,7 @@
           <p:nvPr>
             <p:extLst>
               <p:ext uri="{D42A27DB-BD31-4B8C-83A1-F6EECF244321}">
-                <p14:modId xmlns:p14="http://schemas.microsoft.com/office/powerpoint/2010/main" val="1924119757"/>
+                <p14:modId xmlns:p14="http://schemas.microsoft.com/office/powerpoint/2010/main" val="1907488907"/>
               </p:ext>
             </p:extLst>
           </p:nvPr>
@@ -8143,13 +9875,8 @@
                       <a:pPr algn="ctr" latinLnBrk="1"/>
                       <a:r>
                         <a:rPr lang="ko-KR" altLang="en-US" sz="1400" dirty="0"/>
-                        <a:t>판 </a:t>
+                        <a:t>판 두께</a:t>
                       </a:r>
-                      <a:r>
-                        <a:rPr lang="ko-KR" altLang="en-US" sz="1400" dirty="0" err="1"/>
-                        <a:t>두꼐</a:t>
-                      </a:r>
-                      <a:endParaRPr lang="ko-KR" altLang="en-US" sz="1400" dirty="0"/>
                     </a:p>
                   </a:txBody>
                   <a:tcPr/>
@@ -8583,6 +10310,146 @@
           </a:p>
         </p:txBody>
       </p:sp>
+      <p:sp>
+        <p:nvSpPr>
+          <p:cNvPr id="13" name="TextBox 12">
+            <a:extLst>
+              <a:ext uri="{FF2B5EF4-FFF2-40B4-BE49-F238E27FC236}">
+                <a16:creationId xmlns:a16="http://schemas.microsoft.com/office/drawing/2014/main" id="{05E3333D-91DC-4728-8CCC-B90F54507FCA}"/>
+              </a:ext>
+            </a:extLst>
+          </p:cNvPr>
+          <p:cNvSpPr txBox="1"/>
+          <p:nvPr/>
+        </p:nvSpPr>
+        <p:spPr>
+          <a:xfrm flipH="1">
+            <a:off x="325819" y="0"/>
+            <a:ext cx="5160580" cy="584775"/>
+          </a:xfrm>
+          <a:prstGeom prst="rect">
+            <a:avLst/>
+          </a:prstGeom>
+          <a:noFill/>
+        </p:spPr>
+        <p:txBody>
+          <a:bodyPr wrap="square" rtlCol="0">
+            <a:spAutoFit/>
+          </a:bodyPr>
+          <a:lstStyle/>
+          <a:p>
+            <a:r>
+              <a:rPr lang="en-US" altLang="ko-KR" sz="3200" dirty="0">
+                <a:solidFill>
+                  <a:schemeClr val="bg1"/>
+                </a:solidFill>
+                <a:latin typeface="나눔바른고딕" panose="020B0603020101020101" pitchFamily="50" charset="-127"/>
+                <a:ea typeface="나눔바른고딕" panose="020B0603020101020101" pitchFamily="50" charset="-127"/>
+              </a:rPr>
+              <a:t>01. </a:t>
+            </a:r>
+            <a:r>
+              <a:rPr lang="ko-KR" altLang="en-US" sz="3200" dirty="0">
+                <a:solidFill>
+                  <a:schemeClr val="bg1"/>
+                </a:solidFill>
+                <a:latin typeface="나눔바른고딕" panose="020B0603020101020101" pitchFamily="50" charset="-127"/>
+                <a:ea typeface="나눔바른고딕" panose="020B0603020101020101" pitchFamily="50" charset="-127"/>
+              </a:rPr>
+              <a:t>서론</a:t>
+            </a:r>
+            <a:r>
+              <a:rPr lang="en-US" altLang="ko-KR" sz="3200" dirty="0">
+                <a:solidFill>
+                  <a:schemeClr val="tx2">
+                    <a:lumMod val="60000"/>
+                    <a:lumOff val="40000"/>
+                  </a:schemeClr>
+                </a:solidFill>
+                <a:latin typeface="나눔바른고딕" panose="020B0603020101020101" pitchFamily="50" charset="-127"/>
+                <a:ea typeface="나눔바른고딕" panose="020B0603020101020101" pitchFamily="50" charset="-127"/>
+              </a:rPr>
+              <a:t>	</a:t>
+            </a:r>
+            <a:r>
+              <a:rPr lang="ko-KR" altLang="en-US" sz="1400" dirty="0">
+                <a:solidFill>
+                  <a:schemeClr val="tx2">
+                    <a:lumMod val="60000"/>
+                    <a:lumOff val="40000"/>
+                  </a:schemeClr>
+                </a:solidFill>
+                <a:latin typeface="나눔바른고딕" panose="020B0603020101020101" pitchFamily="50" charset="-127"/>
+                <a:ea typeface="나눔바른고딕" panose="020B0603020101020101" pitchFamily="50" charset="-127"/>
+              </a:rPr>
+              <a:t>배경</a:t>
+            </a:r>
+            <a:r>
+              <a:rPr lang="ko-KR" altLang="en-US" sz="2000" dirty="0">
+                <a:solidFill>
+                  <a:schemeClr val="tx2">
+                    <a:lumMod val="60000"/>
+                    <a:lumOff val="40000"/>
+                  </a:schemeClr>
+                </a:solidFill>
+                <a:latin typeface="나눔바른고딕" panose="020B0603020101020101" pitchFamily="50" charset="-127"/>
+                <a:ea typeface="나눔바른고딕" panose="020B0603020101020101" pitchFamily="50" charset="-127"/>
+              </a:rPr>
+              <a:t> </a:t>
+            </a:r>
+            <a:r>
+              <a:rPr lang="en-US" altLang="ko-KR" sz="2000" dirty="0">
+                <a:solidFill>
+                  <a:schemeClr val="tx2">
+                    <a:lumMod val="60000"/>
+                    <a:lumOff val="40000"/>
+                  </a:schemeClr>
+                </a:solidFill>
+                <a:latin typeface="나눔바른고딕" panose="020B0603020101020101" pitchFamily="50" charset="-127"/>
+                <a:ea typeface="나눔바른고딕" panose="020B0603020101020101" pitchFamily="50" charset="-127"/>
+              </a:rPr>
+              <a:t> /  </a:t>
+            </a:r>
+            <a:r>
+              <a:rPr lang="ko-KR" altLang="en-US" sz="2000" dirty="0">
+                <a:solidFill>
+                  <a:schemeClr val="bg1"/>
+                </a:solidFill>
+                <a:latin typeface="나눔바른고딕" panose="020B0603020101020101" pitchFamily="50" charset="-127"/>
+                <a:ea typeface="나눔바른고딕" panose="020B0603020101020101" pitchFamily="50" charset="-127"/>
+              </a:rPr>
+              <a:t>순서도  </a:t>
+            </a:r>
+            <a:r>
+              <a:rPr lang="en-US" altLang="ko-KR" sz="2000" dirty="0">
+                <a:solidFill>
+                  <a:schemeClr val="bg1"/>
+                </a:solidFill>
+                <a:latin typeface="나눔바른고딕" panose="020B0603020101020101" pitchFamily="50" charset="-127"/>
+                <a:ea typeface="나눔바른고딕" panose="020B0603020101020101" pitchFamily="50" charset="-127"/>
+              </a:rPr>
+              <a:t>/  </a:t>
+            </a:r>
+            <a:r>
+              <a:rPr lang="ko-KR" altLang="en-US" sz="2000" dirty="0">
+                <a:solidFill>
+                  <a:schemeClr val="bg1"/>
+                </a:solidFill>
+                <a:latin typeface="나눔바른고딕" panose="020B0603020101020101" pitchFamily="50" charset="-127"/>
+                <a:ea typeface="나눔바른고딕" panose="020B0603020101020101" pitchFamily="50" charset="-127"/>
+              </a:rPr>
+              <a:t>데이터 소개</a:t>
+            </a:r>
+            <a:endParaRPr lang="ko-KR" altLang="en-US" sz="3200" dirty="0">
+              <a:solidFill>
+                <a:schemeClr val="bg1"/>
+              </a:solidFill>
+              <a:latin typeface="나눔바른고딕" panose="020B0603020101020101" pitchFamily="50" charset="-127"/>
+              <a:ea typeface="나눔바른고딕" panose="020B0603020101020101" pitchFamily="50" charset="-127"/>
+            </a:endParaRPr>
+          </a:p>
+        </p:txBody>
+      </p:sp>
     </p:spTree>
     <p:extLst>
       <p:ext uri="{BB962C8B-B14F-4D97-AF65-F5344CB8AC3E}">
@@ -8664,8 +10531,8 @@
         </p:nvSpPr>
         <p:spPr>
           <a:xfrm flipH="1">
-            <a:off x="325820" y="0"/>
-            <a:ext cx="4322379" cy="584775"/>
+            <a:off x="325819" y="0"/>
+            <a:ext cx="5160580" cy="584775"/>
           </a:xfrm>
           <a:prstGeom prst="rect">
             <a:avLst/>
@@ -8701,16 +10568,6 @@
             <a:r>
               <a:rPr lang="en-US" altLang="ko-KR" sz="3200" dirty="0">
                 <a:solidFill>
-                  <a:schemeClr val="bg1"/>
-                </a:solidFill>
-                <a:latin typeface="나눔바른고딕" panose="020B0603020101020101" pitchFamily="50" charset="-127"/>
-                <a:ea typeface="나눔바른고딕" panose="020B0603020101020101" pitchFamily="50" charset="-127"/>
-              </a:rPr>
-              <a:t>	</a:t>
-            </a:r>
-            <a:r>
-              <a:rPr lang="ko-KR" altLang="en-US" sz="2000" dirty="0">
-                <a:solidFill>
                   <a:schemeClr val="tx2">
                     <a:lumMod val="60000"/>
                     <a:lumOff val="40000"/>
@@ -8719,10 +10576,10 @@
                 <a:latin typeface="나눔바른고딕" panose="020B0603020101020101" pitchFamily="50" charset="-127"/>
                 <a:ea typeface="나눔바른고딕" panose="020B0603020101020101" pitchFamily="50" charset="-127"/>
               </a:rPr>
-              <a:t>배경 </a:t>
-            </a:r>
-            <a:r>
-              <a:rPr lang="en-US" altLang="ko-KR" sz="2000" dirty="0">
+              <a:t>	</a:t>
+            </a:r>
+            <a:r>
+              <a:rPr lang="ko-KR" altLang="en-US" sz="1400" dirty="0">
                 <a:solidFill>
                   <a:schemeClr val="tx2">
                     <a:lumMod val="60000"/>
@@ -8732,6 +10589,32 @@
                 <a:latin typeface="나눔바른고딕" panose="020B0603020101020101" pitchFamily="50" charset="-127"/>
                 <a:ea typeface="나눔바른고딕" panose="020B0603020101020101" pitchFamily="50" charset="-127"/>
               </a:rPr>
+              <a:t>배경</a:t>
+            </a:r>
+            <a:r>
+              <a:rPr lang="ko-KR" altLang="en-US" sz="2000" dirty="0">
+                <a:solidFill>
+                  <a:schemeClr val="tx2">
+                    <a:lumMod val="60000"/>
+                    <a:lumOff val="40000"/>
+                  </a:schemeClr>
+                </a:solidFill>
+                <a:latin typeface="나눔바른고딕" panose="020B0603020101020101" pitchFamily="50" charset="-127"/>
+                <a:ea typeface="나눔바른고딕" panose="020B0603020101020101" pitchFamily="50" charset="-127"/>
+              </a:rPr>
+              <a:t> </a:t>
+            </a:r>
+            <a:r>
+              <a:rPr lang="en-US" altLang="ko-KR" sz="2000" dirty="0">
+                <a:solidFill>
+                  <a:schemeClr val="tx2">
+                    <a:lumMod val="60000"/>
+                    <a:lumOff val="40000"/>
+                  </a:schemeClr>
+                </a:solidFill>
+                <a:latin typeface="나눔바른고딕" panose="020B0603020101020101" pitchFamily="50" charset="-127"/>
+                <a:ea typeface="나눔바른고딕" panose="020B0603020101020101" pitchFamily="50" charset="-127"/>
+              </a:rPr>
               <a:t> /  </a:t>
             </a:r>
             <a:r>
@@ -8742,7 +10625,27 @@
                 <a:latin typeface="나눔바른고딕" panose="020B0603020101020101" pitchFamily="50" charset="-127"/>
                 <a:ea typeface="나눔바른고딕" panose="020B0603020101020101" pitchFamily="50" charset="-127"/>
               </a:rPr>
-              <a:t>순서도</a:t>
+              <a:t>순서도  </a:t>
+            </a:r>
+            <a:r>
+              <a:rPr lang="en-US" altLang="ko-KR" sz="2000" dirty="0">
+                <a:solidFill>
+                  <a:schemeClr val="bg1"/>
+                </a:solidFill>
+                <a:latin typeface="나눔바른고딕" panose="020B0603020101020101" pitchFamily="50" charset="-127"/>
+                <a:ea typeface="나눔바른고딕" panose="020B0603020101020101" pitchFamily="50" charset="-127"/>
+              </a:rPr>
+              <a:t>/  </a:t>
+            </a:r>
+            <a:r>
+              <a:rPr lang="ko-KR" altLang="en-US" sz="2000" dirty="0">
+                <a:solidFill>
+                  <a:schemeClr val="bg1"/>
+                </a:solidFill>
+                <a:latin typeface="나눔바른고딕" panose="020B0603020101020101" pitchFamily="50" charset="-127"/>
+                <a:ea typeface="나눔바른고딕" panose="020B0603020101020101" pitchFamily="50" charset="-127"/>
+              </a:rPr>
+              <a:t>데이터 소개</a:t>
             </a:r>
             <a:endParaRPr lang="ko-KR" altLang="en-US" sz="3200" dirty="0">
               <a:solidFill>
@@ -9407,7 +11310,7 @@
               <a:t>	</a:t>
             </a:r>
             <a:r>
-              <a:rPr lang="ko-KR" altLang="en-US" sz="2000" dirty="0">
+              <a:rPr lang="ko-KR" altLang="en-US" sz="1400" dirty="0">
                 <a:solidFill>
                   <a:schemeClr val="tx2">
                     <a:lumMod val="60000"/>
@@ -9420,7 +11323,7 @@
               <a:t>배경 </a:t>
             </a:r>
             <a:r>
-              <a:rPr lang="en-US" altLang="ko-KR" sz="2000" dirty="0">
+              <a:rPr lang="en-US" altLang="ko-KR" sz="1400" dirty="0">
                 <a:solidFill>
                   <a:schemeClr val="tx2">
                     <a:lumMod val="60000"/>
@@ -9433,7 +11336,7 @@
               <a:t> /  </a:t>
             </a:r>
             <a:r>
-              <a:rPr lang="ko-KR" altLang="en-US" sz="2000" dirty="0">
+              <a:rPr lang="ko-KR" altLang="en-US" sz="1400" dirty="0">
                 <a:solidFill>
                   <a:schemeClr val="tx2">
                     <a:lumMod val="60000"/>
@@ -9446,7 +11349,7 @@
               <a:t>순서도  </a:t>
             </a:r>
             <a:r>
-              <a:rPr lang="en-US" altLang="ko-KR" sz="2000" dirty="0">
+              <a:rPr lang="en-US" altLang="ko-KR" sz="1400" dirty="0">
                 <a:solidFill>
                   <a:schemeClr val="tx2">
                     <a:lumMod val="60000"/>
@@ -9539,8 +11442,8 @@
         </p:blipFill>
         <p:spPr>
           <a:xfrm>
-            <a:off x="0" y="1524736"/>
-            <a:ext cx="9906000" cy="1005599"/>
+            <a:off x="946188" y="1524736"/>
+            <a:ext cx="7467600" cy="1005599"/>
           </a:xfrm>
           <a:prstGeom prst="rect">
             <a:avLst/>
@@ -9657,7 +11560,7 @@
         </p:nvSpPr>
         <p:spPr>
           <a:xfrm>
-            <a:off x="381000" y="2819400"/>
+            <a:off x="381000" y="2757200"/>
             <a:ext cx="1680268" cy="369332"/>
           </a:xfrm>
           <a:prstGeom prst="rect">
@@ -9696,7 +11599,7 @@
         </p:nvSpPr>
         <p:spPr>
           <a:xfrm>
-            <a:off x="5196162" y="2819400"/>
+            <a:off x="5196162" y="2757200"/>
             <a:ext cx="1680268" cy="369332"/>
           </a:xfrm>
           <a:prstGeom prst="rect">
@@ -9736,13 +11639,13 @@
           <p:nvPr>
             <p:extLst>
               <p:ext uri="{D42A27DB-BD31-4B8C-83A1-F6EECF244321}">
-                <p14:modId xmlns:p14="http://schemas.microsoft.com/office/powerpoint/2010/main" val="3960723880"/>
+                <p14:modId xmlns:p14="http://schemas.microsoft.com/office/powerpoint/2010/main" val="1104128252"/>
               </p:ext>
             </p:extLst>
           </p:nvPr>
         </p:nvGraphicFramePr>
         <p:xfrm>
-          <a:off x="5226014" y="3200400"/>
+          <a:off x="5226014" y="3188430"/>
           <a:ext cx="4269135" cy="2090988"/>
         </p:xfrm>
         <a:graphic>
@@ -10341,13 +12244,13 @@
           <p:nvPr>
             <p:extLst>
               <p:ext uri="{D42A27DB-BD31-4B8C-83A1-F6EECF244321}">
-                <p14:modId xmlns:p14="http://schemas.microsoft.com/office/powerpoint/2010/main" val="2152355174"/>
+                <p14:modId xmlns:p14="http://schemas.microsoft.com/office/powerpoint/2010/main" val="2270333608"/>
               </p:ext>
             </p:extLst>
           </p:nvPr>
         </p:nvGraphicFramePr>
         <p:xfrm>
-          <a:off x="5226014" y="5231677"/>
+          <a:off x="5226014" y="5219707"/>
           <a:ext cx="4269136" cy="1379331"/>
         </p:xfrm>
         <a:graphic>
@@ -10815,13 +12718,13 @@
           <p:nvPr>
             <p:extLst>
               <p:ext uri="{D42A27DB-BD31-4B8C-83A1-F6EECF244321}">
-                <p14:modId xmlns:p14="http://schemas.microsoft.com/office/powerpoint/2010/main" val="1541387630"/>
+                <p14:modId xmlns:p14="http://schemas.microsoft.com/office/powerpoint/2010/main" val="4139803501"/>
               </p:ext>
             </p:extLst>
           </p:nvPr>
         </p:nvGraphicFramePr>
         <p:xfrm>
-          <a:off x="410851" y="3200400"/>
+          <a:off x="410851" y="3188430"/>
           <a:ext cx="4269137" cy="3436310"/>
         </p:xfrm>
         <a:graphic>
@@ -11289,6 +13192,116 @@
           </a:graphicData>
         </a:graphic>
       </p:graphicFrame>
+      <p:sp>
+        <p:nvSpPr>
+          <p:cNvPr id="12" name="직사각형 11">
+            <a:extLst>
+              <a:ext uri="{FF2B5EF4-FFF2-40B4-BE49-F238E27FC236}">
+                <a16:creationId xmlns:a16="http://schemas.microsoft.com/office/drawing/2014/main" id="{79CD8E93-EBA6-47AD-8E7E-55FE37737CF4}"/>
+              </a:ext>
+            </a:extLst>
+          </p:cNvPr>
+          <p:cNvSpPr/>
+          <p:nvPr/>
+        </p:nvSpPr>
+        <p:spPr>
+          <a:xfrm>
+            <a:off x="350629" y="1143000"/>
+            <a:ext cx="9358424" cy="1473052"/>
+          </a:xfrm>
+          <a:prstGeom prst="rect">
+            <a:avLst/>
+          </a:prstGeom>
+          <a:noFill/>
+          <a:ln w="19050">
+            <a:solidFill>
+              <a:schemeClr val="accent1">
+                <a:lumMod val="40000"/>
+                <a:lumOff val="60000"/>
+              </a:schemeClr>
+            </a:solidFill>
+          </a:ln>
+        </p:spPr>
+        <p:style>
+          <a:lnRef idx="2">
+            <a:schemeClr val="accent1">
+              <a:shade val="50000"/>
+            </a:schemeClr>
+          </a:lnRef>
+          <a:fillRef idx="1">
+            <a:schemeClr val="accent1"/>
+          </a:fillRef>
+          <a:effectRef idx="0">
+            <a:schemeClr val="accent1"/>
+          </a:effectRef>
+          <a:fontRef idx="minor">
+            <a:schemeClr val="lt1"/>
+          </a:fontRef>
+        </p:style>
+        <p:txBody>
+          <a:bodyPr rtlCol="0" anchor="ctr"/>
+          <a:lstStyle/>
+          <a:p>
+            <a:pPr algn="ctr"/>
+            <a:endParaRPr lang="ko-KR" altLang="en-US"/>
+          </a:p>
+        </p:txBody>
+      </p:sp>
+      <p:sp>
+        <p:nvSpPr>
+          <p:cNvPr id="13" name="직사각형 12">
+            <a:extLst>
+              <a:ext uri="{FF2B5EF4-FFF2-40B4-BE49-F238E27FC236}">
+                <a16:creationId xmlns:a16="http://schemas.microsoft.com/office/drawing/2014/main" id="{BC761D33-67D6-4AB6-8552-70B5CEDAE828}"/>
+              </a:ext>
+            </a:extLst>
+          </p:cNvPr>
+          <p:cNvSpPr/>
+          <p:nvPr/>
+        </p:nvSpPr>
+        <p:spPr>
+          <a:xfrm>
+            <a:off x="350629" y="3093100"/>
+            <a:ext cx="9358424" cy="3657600"/>
+          </a:xfrm>
+          <a:prstGeom prst="rect">
+            <a:avLst/>
+          </a:prstGeom>
+          <a:noFill/>
+          <a:ln w="19050">
+            <a:solidFill>
+              <a:schemeClr val="accent1">
+                <a:lumMod val="40000"/>
+                <a:lumOff val="60000"/>
+              </a:schemeClr>
+            </a:solidFill>
+          </a:ln>
+        </p:spPr>
+        <p:style>
+          <a:lnRef idx="2">
+            <a:schemeClr val="accent1">
+              <a:shade val="50000"/>
+            </a:schemeClr>
+          </a:lnRef>
+          <a:fillRef idx="1">
+            <a:schemeClr val="accent1"/>
+          </a:fillRef>
+          <a:effectRef idx="0">
+            <a:schemeClr val="accent1"/>
+          </a:effectRef>
+          <a:fontRef idx="minor">
+            <a:schemeClr val="lt1"/>
+          </a:fontRef>
+        </p:style>
+        <p:txBody>
+          <a:bodyPr rtlCol="0" anchor="ctr"/>
+          <a:lstStyle/>
+          <a:p>
+            <a:pPr algn="ctr"/>
+            <a:endParaRPr lang="ko-KR" altLang="en-US"/>
+          </a:p>
+        </p:txBody>
+      </p:sp>
     </p:spTree>
     <p:extLst>
       <p:ext uri="{BB962C8B-B14F-4D97-AF65-F5344CB8AC3E}">
@@ -11321,6 +13334,175 @@
       </p:grpSpPr>
       <p:sp>
         <p:nvSpPr>
+          <p:cNvPr id="38" name="모서리가 둥근 직사각형 14">
+            <a:extLst>
+              <a:ext uri="{FF2B5EF4-FFF2-40B4-BE49-F238E27FC236}">
+                <a16:creationId xmlns:a16="http://schemas.microsoft.com/office/drawing/2014/main" id="{71737AC4-62EF-4400-98FD-9911784272FE}"/>
+              </a:ext>
+            </a:extLst>
+          </p:cNvPr>
+          <p:cNvSpPr/>
+          <p:nvPr/>
+        </p:nvSpPr>
+        <p:spPr>
+          <a:xfrm>
+            <a:off x="5257800" y="1913558"/>
+            <a:ext cx="2373080" cy="369332"/>
+          </a:xfrm>
+          <a:prstGeom prst="roundRect">
+            <a:avLst/>
+          </a:prstGeom>
+          <a:ln>
+            <a:noFill/>
+          </a:ln>
+        </p:spPr>
+        <p:style>
+          <a:lnRef idx="2">
+            <a:schemeClr val="accent1"/>
+          </a:lnRef>
+          <a:fillRef idx="1">
+            <a:schemeClr val="lt1"/>
+          </a:fillRef>
+          <a:effectRef idx="0">
+            <a:schemeClr val="accent1"/>
+          </a:effectRef>
+          <a:fontRef idx="minor">
+            <a:schemeClr val="dk1"/>
+          </a:fontRef>
+        </p:style>
+        <p:txBody>
+          <a:bodyPr lIns="68580" tIns="34290" rIns="68580" bIns="34290" rtlCol="0" anchor="ctr"/>
+          <a:lstStyle/>
+          <a:p>
+            <a:pPr marL="285750" indent="-285750">
+              <a:buFont typeface="Wingdings" panose="05000000000000000000" pitchFamily="2" charset="2"/>
+              <a:buChar char="§"/>
+            </a:pPr>
+            <a:r>
+              <a:rPr lang="ko-KR" altLang="en-US" sz="1400" dirty="0">
+                <a:solidFill>
+                  <a:schemeClr val="tx1"/>
+                </a:solidFill>
+                <a:latin typeface="나눔바른고딕" panose="020B0603020101020101" pitchFamily="50" charset="-127"/>
+                <a:ea typeface="나눔바른고딕" panose="020B0603020101020101" pitchFamily="50" charset="-127"/>
+              </a:rPr>
+              <a:t>중복 </a:t>
+            </a:r>
+            <a:r>
+              <a:rPr lang="en-US" altLang="ko-KR" sz="1400" dirty="0">
+                <a:solidFill>
+                  <a:schemeClr val="tx1"/>
+                </a:solidFill>
+                <a:latin typeface="나눔바른고딕" panose="020B0603020101020101" pitchFamily="50" charset="-127"/>
+                <a:ea typeface="나눔바른고딕" panose="020B0603020101020101" pitchFamily="50" charset="-127"/>
+              </a:rPr>
+              <a:t>or</a:t>
+            </a:r>
+            <a:r>
+              <a:rPr lang="ko-KR" altLang="en-US" sz="1400" dirty="0">
+                <a:solidFill>
+                  <a:schemeClr val="tx1"/>
+                </a:solidFill>
+                <a:latin typeface="나눔바른고딕" panose="020B0603020101020101" pitchFamily="50" charset="-127"/>
+                <a:ea typeface="나눔바른고딕" panose="020B0603020101020101" pitchFamily="50" charset="-127"/>
+              </a:rPr>
+              <a:t> 의미 없는 변수</a:t>
+            </a:r>
+          </a:p>
+        </p:txBody>
+      </p:sp>
+      <p:pic>
+        <p:nvPicPr>
+          <p:cNvPr id="10" name="그림 9">
+            <a:extLst>
+              <a:ext uri="{FF2B5EF4-FFF2-40B4-BE49-F238E27FC236}">
+                <a16:creationId xmlns:a16="http://schemas.microsoft.com/office/drawing/2014/main" id="{C3B69DFA-B174-4034-BCFB-A778B46DE1F2}"/>
+              </a:ext>
+            </a:extLst>
+          </p:cNvPr>
+          <p:cNvPicPr>
+            <a:picLocks noChangeAspect="1"/>
+          </p:cNvPicPr>
+          <p:nvPr/>
+        </p:nvPicPr>
+        <p:blipFill>
+          <a:blip r:embed="rId3"/>
+          <a:stretch>
+            <a:fillRect/>
+          </a:stretch>
+        </p:blipFill>
+        <p:spPr>
+          <a:xfrm>
+            <a:off x="2470206" y="3473286"/>
+            <a:ext cx="1195047" cy="1199112"/>
+          </a:xfrm>
+          <a:prstGeom prst="rect">
+            <a:avLst/>
+          </a:prstGeom>
+        </p:spPr>
+      </p:pic>
+      <p:pic>
+        <p:nvPicPr>
+          <p:cNvPr id="8" name="그림 7">
+            <a:extLst>
+              <a:ext uri="{FF2B5EF4-FFF2-40B4-BE49-F238E27FC236}">
+                <a16:creationId xmlns:a16="http://schemas.microsoft.com/office/drawing/2014/main" id="{50C2E7B8-5945-42FF-A23B-83BC1356E780}"/>
+              </a:ext>
+            </a:extLst>
+          </p:cNvPr>
+          <p:cNvPicPr>
+            <a:picLocks noChangeAspect="1"/>
+          </p:cNvPicPr>
+          <p:nvPr/>
+        </p:nvPicPr>
+        <p:blipFill>
+          <a:blip r:embed="rId4"/>
+          <a:stretch>
+            <a:fillRect/>
+          </a:stretch>
+        </p:blipFill>
+        <p:spPr>
+          <a:xfrm>
+            <a:off x="2951580" y="2337374"/>
+            <a:ext cx="1195047" cy="1199112"/>
+          </a:xfrm>
+          <a:prstGeom prst="rect">
+            <a:avLst/>
+          </a:prstGeom>
+        </p:spPr>
+      </p:pic>
+      <p:pic>
+        <p:nvPicPr>
+          <p:cNvPr id="4" name="그림 3">
+            <a:extLst>
+              <a:ext uri="{FF2B5EF4-FFF2-40B4-BE49-F238E27FC236}">
+                <a16:creationId xmlns:a16="http://schemas.microsoft.com/office/drawing/2014/main" id="{48DC9C92-A5A7-4D1C-98C3-DA6603DA80E8}"/>
+              </a:ext>
+            </a:extLst>
+          </p:cNvPr>
+          <p:cNvPicPr>
+            <a:picLocks noChangeAspect="1"/>
+          </p:cNvPicPr>
+          <p:nvPr/>
+        </p:nvPicPr>
+        <p:blipFill>
+          <a:blip r:embed="rId5"/>
+          <a:stretch>
+            <a:fillRect/>
+          </a:stretch>
+        </p:blipFill>
+        <p:spPr>
+          <a:xfrm>
+            <a:off x="1828800" y="2337374"/>
+            <a:ext cx="1195047" cy="1199112"/>
+          </a:xfrm>
+          <a:prstGeom prst="rect">
+            <a:avLst/>
+          </a:prstGeom>
+        </p:spPr>
+      </p:pic>
+      <p:sp>
+        <p:nvSpPr>
           <p:cNvPr id="28" name="object 3">
             <a:extLst>
               <a:ext uri="{FF2B5EF4-FFF2-40B4-BE49-F238E27FC236}">
@@ -11340,7 +13522,7 @@
             <a:avLst/>
           </a:prstGeom>
           <a:blipFill>
-            <a:blip r:embed="rId3" cstate="print"/>
+            <a:blip r:embed="rId6" cstate="print"/>
             <a:stretch>
               <a:fillRect/>
             </a:stretch>
@@ -11435,7 +13617,7 @@
               <a:t>  </a:t>
             </a:r>
             <a:r>
-              <a:rPr lang="en-US" altLang="ko-KR" sz="2000" dirty="0">
+              <a:rPr lang="en-US" altLang="ko-KR" sz="1400" dirty="0">
                 <a:solidFill>
                   <a:schemeClr val="tx2">
                     <a:lumMod val="60000"/>
@@ -11448,7 +13630,7 @@
               <a:t>/  </a:t>
             </a:r>
             <a:r>
-              <a:rPr lang="ko-KR" altLang="en-US" sz="2000" dirty="0">
+              <a:rPr lang="ko-KR" altLang="en-US" sz="1400" dirty="0">
                 <a:solidFill>
                   <a:schemeClr val="tx2">
                     <a:lumMod val="60000"/>
@@ -11458,10 +13640,10 @@
                 <a:latin typeface="나눔바른고딕" panose="020B0603020101020101" pitchFamily="50" charset="-127"/>
                 <a:ea typeface="나눔바른고딕" panose="020B0603020101020101" pitchFamily="50" charset="-127"/>
               </a:rPr>
-              <a:t>파생 변수  </a:t>
-            </a:r>
-            <a:r>
-              <a:rPr lang="en-US" altLang="ko-KR" sz="2000" dirty="0">
+              <a:t>데이터 탐색 및 파생변수</a:t>
+            </a:r>
+            <a:r>
+              <a:rPr lang="en-US" altLang="ko-KR" sz="1400" dirty="0">
                 <a:solidFill>
                   <a:schemeClr val="tx2">
                     <a:lumMod val="60000"/>
@@ -11471,10 +13653,10 @@
                 <a:latin typeface="나눔바른고딕" panose="020B0603020101020101" pitchFamily="50" charset="-127"/>
                 <a:ea typeface="나눔바른고딕" panose="020B0603020101020101" pitchFamily="50" charset="-127"/>
               </a:rPr>
-              <a:t>/  </a:t>
-            </a:r>
-            <a:r>
-              <a:rPr lang="ko-KR" altLang="en-US" sz="2000" dirty="0">
+              <a:t> </a:t>
+            </a:r>
+            <a:r>
+              <a:rPr lang="ko-KR" altLang="en-US" sz="1400" dirty="0">
                 <a:solidFill>
                   <a:schemeClr val="tx2">
                     <a:lumMod val="60000"/>
@@ -11484,10 +13666,10 @@
                 <a:latin typeface="나눔바른고딕" panose="020B0603020101020101" pitchFamily="50" charset="-127"/>
                 <a:ea typeface="나눔바른고딕" panose="020B0603020101020101" pitchFamily="50" charset="-127"/>
               </a:rPr>
-              <a:t>최종 변수 </a:t>
-            </a:r>
-            <a:r>
-              <a:rPr lang="en-US" altLang="ko-KR" sz="2000" dirty="0">
+              <a:t> </a:t>
+            </a:r>
+            <a:r>
+              <a:rPr lang="en-US" altLang="ko-KR" sz="1400" dirty="0">
                 <a:solidFill>
                   <a:schemeClr val="tx2">
                     <a:lumMod val="60000"/>
@@ -11500,7 +13682,7 @@
               <a:t>/  </a:t>
             </a:r>
             <a:r>
-              <a:rPr lang="ko-KR" altLang="en-US" sz="2000" dirty="0">
+              <a:rPr lang="ko-KR" altLang="en-US" sz="1400" dirty="0">
                 <a:solidFill>
                   <a:schemeClr val="tx2">
                     <a:lumMod val="60000"/>
@@ -11510,9 +13692,35 @@
                 <a:latin typeface="나눔바른고딕" panose="020B0603020101020101" pitchFamily="50" charset="-127"/>
                 <a:ea typeface="나눔바른고딕" panose="020B0603020101020101" pitchFamily="50" charset="-127"/>
               </a:rPr>
+              <a:t>최종 변수  </a:t>
+            </a:r>
+            <a:r>
+              <a:rPr lang="en-US" altLang="ko-KR" sz="1400" dirty="0">
+                <a:solidFill>
+                  <a:schemeClr val="tx2">
+                    <a:lumMod val="60000"/>
+                    <a:lumOff val="40000"/>
+                  </a:schemeClr>
+                </a:solidFill>
+                <a:latin typeface="나눔바른고딕" panose="020B0603020101020101" pitchFamily="50" charset="-127"/>
+                <a:ea typeface="나눔바른고딕" panose="020B0603020101020101" pitchFamily="50" charset="-127"/>
+              </a:rPr>
+              <a:t>/  </a:t>
+            </a:r>
+            <a:r>
+              <a:rPr lang="ko-KR" altLang="en-US" sz="1400" dirty="0">
+                <a:solidFill>
+                  <a:schemeClr val="tx2">
+                    <a:lumMod val="60000"/>
+                    <a:lumOff val="40000"/>
+                  </a:schemeClr>
+                </a:solidFill>
+                <a:latin typeface="나눔바른고딕" panose="020B0603020101020101" pitchFamily="50" charset="-127"/>
+                <a:ea typeface="나눔바른고딕" panose="020B0603020101020101" pitchFamily="50" charset="-127"/>
+              </a:rPr>
               <a:t>모델링</a:t>
             </a:r>
-            <a:endParaRPr lang="ko-KR" altLang="en-US" sz="3200" dirty="0">
+            <a:endParaRPr lang="ko-KR" altLang="en-US" sz="2000" dirty="0">
               <a:solidFill>
                 <a:schemeClr val="tx2">
                   <a:lumMod val="60000"/>
@@ -11540,7 +13748,7 @@
         <p:spPr>
           <a:xfrm>
             <a:off x="410851" y="762000"/>
-            <a:ext cx="1271502" cy="369332"/>
+            <a:ext cx="2468946" cy="369332"/>
           </a:xfrm>
           <a:prstGeom prst="rect">
             <a:avLst/>
@@ -11563,7 +13771,15 @@
             </a:r>
             <a:r>
               <a:rPr lang="ko-KR" altLang="en-US" dirty="0"/>
-              <a:t>  </a:t>
+              <a:t> </a:t>
+            </a:r>
+            <a:r>
+              <a:rPr lang="en-US" altLang="ko-KR" dirty="0"/>
+              <a:t>–</a:t>
+            </a:r>
+            <a:r>
+              <a:rPr lang="ko-KR" altLang="en-US" dirty="0"/>
+              <a:t> 변수 제거  </a:t>
             </a:r>
             <a:endParaRPr lang="en-US" altLang="ko-KR" dirty="0"/>
           </a:p>
@@ -11571,10 +13787,10 @@
       </p:sp>
       <p:sp>
         <p:nvSpPr>
-          <p:cNvPr id="16" name="직사각형 15">
+          <p:cNvPr id="24" name="모서리가 둥근 직사각형 14">
             <a:extLst>
               <a:ext uri="{FF2B5EF4-FFF2-40B4-BE49-F238E27FC236}">
-                <a16:creationId xmlns:a16="http://schemas.microsoft.com/office/drawing/2014/main" id="{3E2B5B40-5ED5-4B62-8DD0-37F12F88A34B}"/>
+                <a16:creationId xmlns:a16="http://schemas.microsoft.com/office/drawing/2014/main" id="{46C95CBE-A760-4217-9514-5DD0C4FAA9A7}"/>
               </a:ext>
             </a:extLst>
           </p:cNvPr>
@@ -11583,8 +13799,229 @@
         </p:nvSpPr>
         <p:spPr>
           <a:xfrm>
-            <a:off x="609600" y="2072416"/>
-            <a:ext cx="2895600" cy="1447800"/>
+            <a:off x="1219200" y="1916668"/>
+            <a:ext cx="2879797" cy="369332"/>
+          </a:xfrm>
+          <a:prstGeom prst="roundRect">
+            <a:avLst/>
+          </a:prstGeom>
+          <a:ln>
+            <a:noFill/>
+          </a:ln>
+        </p:spPr>
+        <p:style>
+          <a:lnRef idx="2">
+            <a:schemeClr val="accent1"/>
+          </a:lnRef>
+          <a:fillRef idx="1">
+            <a:schemeClr val="lt1"/>
+          </a:fillRef>
+          <a:effectRef idx="0">
+            <a:schemeClr val="accent1"/>
+          </a:effectRef>
+          <a:fontRef idx="minor">
+            <a:schemeClr val="dk1"/>
+          </a:fontRef>
+        </p:style>
+        <p:txBody>
+          <a:bodyPr lIns="68580" tIns="34290" rIns="68580" bIns="34290" rtlCol="0" anchor="ctr"/>
+          <a:lstStyle/>
+          <a:p>
+            <a:pPr marL="285750" indent="-285750">
+              <a:buFont typeface="Wingdings" panose="05000000000000000000" pitchFamily="2" charset="2"/>
+              <a:buChar char="§"/>
+            </a:pPr>
+            <a:r>
+              <a:rPr lang="en-US" altLang="ko-KR" sz="1400" dirty="0">
+                <a:solidFill>
+                  <a:schemeClr val="tx1"/>
+                </a:solidFill>
+                <a:latin typeface="나눔바른고딕" panose="020B0603020101020101" pitchFamily="50" charset="-127"/>
+                <a:ea typeface="나눔바른고딕" panose="020B0603020101020101" pitchFamily="50" charset="-127"/>
+              </a:rPr>
+              <a:t>Scale</a:t>
+            </a:r>
+            <a:r>
+              <a:rPr lang="ko-KR" altLang="en-US" sz="1400" dirty="0">
+                <a:solidFill>
+                  <a:schemeClr val="tx1"/>
+                </a:solidFill>
+                <a:latin typeface="나눔바른고딕" panose="020B0603020101020101" pitchFamily="50" charset="-127"/>
+                <a:ea typeface="나눔바른고딕" panose="020B0603020101020101" pitchFamily="50" charset="-127"/>
+              </a:rPr>
+              <a:t>에 영향을 미치지 않는 변수</a:t>
+            </a:r>
+            <a:endParaRPr lang="en-US" altLang="ko-KR" sz="1400" dirty="0">
+              <a:solidFill>
+                <a:schemeClr val="tx1"/>
+              </a:solidFill>
+              <a:latin typeface="나눔바른고딕" panose="020B0603020101020101" pitchFamily="50" charset="-127"/>
+              <a:ea typeface="나눔바른고딕" panose="020B0603020101020101" pitchFamily="50" charset="-127"/>
+            </a:endParaRPr>
+          </a:p>
+        </p:txBody>
+      </p:sp>
+      <p:sp>
+        <p:nvSpPr>
+          <p:cNvPr id="11" name="TextBox 10">
+            <a:extLst>
+              <a:ext uri="{FF2B5EF4-FFF2-40B4-BE49-F238E27FC236}">
+                <a16:creationId xmlns:a16="http://schemas.microsoft.com/office/drawing/2014/main" id="{D6A7730C-BEBB-4F55-B11B-FC690B30AC64}"/>
+              </a:ext>
+            </a:extLst>
+          </p:cNvPr>
+          <p:cNvSpPr txBox="1"/>
+          <p:nvPr/>
+        </p:nvSpPr>
+        <p:spPr>
+          <a:xfrm>
+            <a:off x="1325251" y="4571809"/>
+            <a:ext cx="3399149" cy="1384995"/>
+          </a:xfrm>
+          <a:prstGeom prst="rect">
+            <a:avLst/>
+          </a:prstGeom>
+          <a:noFill/>
+        </p:spPr>
+        <p:txBody>
+          <a:bodyPr wrap="square" rtlCol="0">
+            <a:spAutoFit/>
+          </a:bodyPr>
+          <a:lstStyle/>
+          <a:p>
+            <a:pPr marL="171450" indent="-171450">
+              <a:buFont typeface="Arial" panose="020B0604020202020204" pitchFamily="34" charset="0"/>
+              <a:buChar char="•"/>
+            </a:pPr>
+            <a:r>
+              <a:rPr lang="en-US" altLang="ko-KR" sz="1200" dirty="0"/>
+              <a:t>FUR_NO, FUR_NO_ROW, WORK_GR</a:t>
+            </a:r>
+            <a:br>
+              <a:rPr lang="en-US" altLang="ko-KR" sz="1200" dirty="0"/>
+            </a:br>
+            <a:r>
+              <a:rPr lang="ko-KR" altLang="en-US" sz="1200" dirty="0"/>
+              <a:t>집단간 </a:t>
+            </a:r>
+            <a:r>
+              <a:rPr lang="en-US" altLang="ko-KR" sz="1200" dirty="0"/>
+              <a:t>SCALE </a:t>
+            </a:r>
+            <a:r>
+              <a:rPr lang="ko-KR" altLang="en-US" sz="1200" dirty="0"/>
+              <a:t>발생률에 대한 검증</a:t>
+            </a:r>
+            <a:br>
+              <a:rPr lang="en-US" altLang="ko-KR" sz="1200" dirty="0"/>
+            </a:br>
+            <a:endParaRPr lang="en-US" altLang="ko-KR" sz="1200" dirty="0"/>
+          </a:p>
+          <a:p>
+            <a:r>
+              <a:rPr lang="en-US" altLang="ko-KR" sz="1200" dirty="0"/>
+              <a:t>H0: </a:t>
+            </a:r>
+            <a:r>
+              <a:rPr lang="ko-KR" altLang="en-US" sz="1200" dirty="0"/>
+              <a:t>각 </a:t>
+            </a:r>
+            <a:r>
+              <a:rPr lang="en-US" altLang="ko-KR" sz="1200" dirty="0"/>
+              <a:t>feature</a:t>
+            </a:r>
+            <a:r>
+              <a:rPr lang="ko-KR" altLang="en-US" sz="1200" dirty="0"/>
+              <a:t>에 따라 </a:t>
+            </a:r>
+            <a:r>
+              <a:rPr lang="en-US" altLang="ko-KR" sz="1200" dirty="0"/>
+              <a:t>Scale</a:t>
+            </a:r>
+            <a:r>
+              <a:rPr lang="ko-KR" altLang="en-US" sz="1200" dirty="0"/>
+              <a:t>발생률 차이 없음</a:t>
+            </a:r>
+            <a:endParaRPr lang="en-US" altLang="ko-KR" sz="1200" dirty="0"/>
+          </a:p>
+          <a:p>
+            <a:pPr marL="171450" indent="-171450">
+              <a:buFont typeface="Arial" panose="020B0604020202020204" pitchFamily="34" charset="0"/>
+              <a:buChar char="•"/>
+            </a:pPr>
+            <a:r>
+              <a:rPr lang="en-US" altLang="ko-KR" sz="1200" dirty="0"/>
+              <a:t>P</a:t>
+            </a:r>
+            <a:r>
+              <a:rPr lang="ko-KR" altLang="en-US" sz="1200" dirty="0"/>
+              <a:t>값이 각각 </a:t>
+            </a:r>
+            <a:r>
+              <a:rPr lang="en-US" altLang="ko-KR" sz="1200" dirty="0"/>
+              <a:t>0.2, 0.4, 0.4</a:t>
+            </a:r>
+            <a:br>
+              <a:rPr lang="en-US" altLang="ko-KR" sz="1200" dirty="0"/>
+            </a:br>
+            <a:r>
+              <a:rPr lang="ko-KR" altLang="en-US" sz="1200" dirty="0"/>
+              <a:t>⇒ </a:t>
+            </a:r>
+            <a:r>
+              <a:rPr lang="ko-KR" altLang="en-US" sz="1200" dirty="0" err="1"/>
+              <a:t>귀무가설</a:t>
+            </a:r>
+            <a:r>
+              <a:rPr lang="ko-KR" altLang="en-US" sz="1200" dirty="0"/>
+              <a:t> 채택</a:t>
+            </a:r>
+            <a:endParaRPr lang="en-US" altLang="ko-KR" sz="1200" dirty="0"/>
+          </a:p>
+          <a:p>
+            <a:pPr marL="171450" indent="-171450">
+              <a:buFont typeface="Wingdings" panose="05000000000000000000" pitchFamily="2" charset="2"/>
+              <a:buChar char="Ø"/>
+            </a:pPr>
+            <a:r>
+              <a:rPr lang="ko-KR" altLang="en-US" sz="1200" dirty="0"/>
+              <a:t>세 변수의 </a:t>
+            </a:r>
+            <a:r>
+              <a:rPr lang="ko-KR" altLang="en-US" sz="1200" dirty="0" err="1"/>
+              <a:t>집단별</a:t>
+            </a:r>
+            <a:r>
+              <a:rPr lang="ko-KR" altLang="en-US" sz="1200" dirty="0"/>
+              <a:t> </a:t>
+            </a:r>
+            <a:r>
+              <a:rPr lang="en-US" altLang="ko-KR" sz="1200" dirty="0"/>
+              <a:t>Scale</a:t>
+            </a:r>
+            <a:r>
+              <a:rPr lang="ko-KR" altLang="en-US" sz="1200" dirty="0"/>
+              <a:t>발생률 차이 없다</a:t>
+            </a:r>
+          </a:p>
+        </p:txBody>
+      </p:sp>
+      <p:sp>
+        <p:nvSpPr>
+          <p:cNvPr id="23" name="직사각형 22">
+            <a:extLst>
+              <a:ext uri="{FF2B5EF4-FFF2-40B4-BE49-F238E27FC236}">
+                <a16:creationId xmlns:a16="http://schemas.microsoft.com/office/drawing/2014/main" id="{FC921FBD-5593-4175-9AE5-4B1803034A74}"/>
+              </a:ext>
+            </a:extLst>
+          </p:cNvPr>
+          <p:cNvSpPr/>
+          <p:nvPr/>
+        </p:nvSpPr>
+        <p:spPr>
+          <a:xfrm>
+            <a:off x="1284521" y="2286000"/>
+            <a:ext cx="3200399" cy="3886200"/>
           </a:xfrm>
           <a:prstGeom prst="rect">
             <a:avLst/>
@@ -11620,16 +14057,146 @@
           <a:lstStyle/>
           <a:p>
             <a:pPr algn="ctr"/>
-            <a:endParaRPr lang="ko-KR" altLang="en-US"/>
-          </a:p>
-        </p:txBody>
-      </p:sp>
-      <p:sp>
-        <p:nvSpPr>
-          <p:cNvPr id="17" name="직사각형 16">
+            <a:endParaRPr lang="ko-KR" altLang="en-US" dirty="0"/>
+          </a:p>
+        </p:txBody>
+      </p:sp>
+      <p:pic>
+        <p:nvPicPr>
+          <p:cNvPr id="18" name="그림 17">
             <a:extLst>
               <a:ext uri="{FF2B5EF4-FFF2-40B4-BE49-F238E27FC236}">
-                <a16:creationId xmlns:a16="http://schemas.microsoft.com/office/drawing/2014/main" id="{6A702832-F2B6-475E-B327-FFF1B68C772A}"/>
+                <a16:creationId xmlns:a16="http://schemas.microsoft.com/office/drawing/2014/main" id="{1DB019C2-6D93-4AB4-9163-C18EA0F859AB}"/>
+              </a:ext>
+            </a:extLst>
+          </p:cNvPr>
+          <p:cNvPicPr>
+            <a:picLocks noChangeAspect="1"/>
+          </p:cNvPicPr>
+          <p:nvPr/>
+        </p:nvPicPr>
+        <p:blipFill>
+          <a:blip r:embed="rId7"/>
+          <a:stretch>
+            <a:fillRect/>
+          </a:stretch>
+        </p:blipFill>
+        <p:spPr>
+          <a:xfrm>
+            <a:off x="6564083" y="2792211"/>
+            <a:ext cx="1877844" cy="1068773"/>
+          </a:xfrm>
+          <a:prstGeom prst="rect">
+            <a:avLst/>
+          </a:prstGeom>
+        </p:spPr>
+      </p:pic>
+      <p:pic>
+        <p:nvPicPr>
+          <p:cNvPr id="42" name="그림 41">
+            <a:extLst>
+              <a:ext uri="{FF2B5EF4-FFF2-40B4-BE49-F238E27FC236}">
+                <a16:creationId xmlns:a16="http://schemas.microsoft.com/office/drawing/2014/main" id="{FCCEF6D4-CACE-4180-9B74-2FCC1DDBC977}"/>
+              </a:ext>
+            </a:extLst>
+          </p:cNvPr>
+          <p:cNvPicPr>
+            <a:picLocks noChangeAspect="1"/>
+          </p:cNvPicPr>
+          <p:nvPr/>
+        </p:nvPicPr>
+        <p:blipFill>
+          <a:blip r:embed="rId8"/>
+          <a:stretch>
+            <a:fillRect/>
+          </a:stretch>
+        </p:blipFill>
+        <p:spPr>
+          <a:xfrm>
+            <a:off x="5518392" y="2740090"/>
+            <a:ext cx="740798" cy="1120894"/>
+          </a:xfrm>
+          <a:prstGeom prst="rect">
+            <a:avLst/>
+          </a:prstGeom>
+        </p:spPr>
+      </p:pic>
+      <p:sp>
+        <p:nvSpPr>
+          <p:cNvPr id="43" name="TextBox 42">
+            <a:extLst>
+              <a:ext uri="{FF2B5EF4-FFF2-40B4-BE49-F238E27FC236}">
+                <a16:creationId xmlns:a16="http://schemas.microsoft.com/office/drawing/2014/main" id="{75B455C8-B447-457D-888B-30597B3195C8}"/>
+              </a:ext>
+            </a:extLst>
+          </p:cNvPr>
+          <p:cNvSpPr txBox="1"/>
+          <p:nvPr/>
+        </p:nvSpPr>
+        <p:spPr>
+          <a:xfrm>
+            <a:off x="5421083" y="4568699"/>
+            <a:ext cx="3274742" cy="830997"/>
+          </a:xfrm>
+          <a:prstGeom prst="rect">
+            <a:avLst/>
+          </a:prstGeom>
+          <a:noFill/>
+        </p:spPr>
+        <p:txBody>
+          <a:bodyPr wrap="square" rtlCol="0">
+            <a:spAutoFit/>
+          </a:bodyPr>
+          <a:lstStyle/>
+          <a:p>
+            <a:pPr marL="171450" indent="-171450">
+              <a:buFont typeface="Wingdings" panose="05000000000000000000" pitchFamily="2" charset="2"/>
+              <a:buChar char="Ø"/>
+            </a:pPr>
+            <a:r>
+              <a:rPr lang="ko-KR" altLang="en-US" sz="1200" dirty="0"/>
+              <a:t>데이터별 고유한 값을 가지는</a:t>
+            </a:r>
+            <a:r>
+              <a:rPr lang="en-US" altLang="ko-KR" sz="1200" dirty="0"/>
+              <a:t> PLATE_NO</a:t>
+            </a:r>
+            <a:br>
+              <a:rPr lang="en-US" altLang="ko-KR" sz="1200" dirty="0"/>
+            </a:br>
+            <a:endParaRPr lang="en-US" altLang="ko-KR" sz="1200" dirty="0"/>
+          </a:p>
+          <a:p>
+            <a:pPr marL="171450" indent="-171450">
+              <a:buFont typeface="Wingdings" panose="05000000000000000000" pitchFamily="2" charset="2"/>
+              <a:buChar char="Ø"/>
+            </a:pPr>
+            <a:r>
+              <a:rPr lang="ko-KR" altLang="en-US" sz="1200" dirty="0"/>
+              <a:t>중복된 값을 가지는 </a:t>
+            </a:r>
+            <a:r>
+              <a:rPr lang="en-US" altLang="ko-KR" sz="1200" dirty="0"/>
+              <a:t>FUR_SZ_TEMP</a:t>
+            </a:r>
+            <a:r>
+              <a:rPr lang="ko-KR" altLang="en-US" sz="1200" dirty="0"/>
+              <a:t>와 </a:t>
+            </a:r>
+            <a:r>
+              <a:rPr lang="en-US" altLang="ko-KR" sz="1200" dirty="0"/>
+              <a:t>FUR_EXTEMP</a:t>
+            </a:r>
+            <a:endParaRPr lang="ko-KR" altLang="en-US" sz="1200" dirty="0"/>
+          </a:p>
+        </p:txBody>
+      </p:sp>
+      <p:sp>
+        <p:nvSpPr>
+          <p:cNvPr id="44" name="모서리가 둥근 직사각형 14">
+            <a:extLst>
+              <a:ext uri="{FF2B5EF4-FFF2-40B4-BE49-F238E27FC236}">
+                <a16:creationId xmlns:a16="http://schemas.microsoft.com/office/drawing/2014/main" id="{0C79E22F-E566-4B8F-ADF6-EAAA9F9F3BA7}"/>
               </a:ext>
             </a:extLst>
           </p:cNvPr>
@@ -11638,8 +14205,114 @@
         </p:nvSpPr>
         <p:spPr>
           <a:xfrm>
-            <a:off x="5194069" y="1680556"/>
-            <a:ext cx="4191000" cy="2057400"/>
+            <a:off x="410851" y="1155404"/>
+            <a:ext cx="9190349" cy="369332"/>
+          </a:xfrm>
+          <a:prstGeom prst="roundRect">
+            <a:avLst/>
+          </a:prstGeom>
+          <a:ln>
+            <a:noFill/>
+          </a:ln>
+        </p:spPr>
+        <p:style>
+          <a:lnRef idx="2">
+            <a:schemeClr val="accent1"/>
+          </a:lnRef>
+          <a:fillRef idx="1">
+            <a:schemeClr val="lt1"/>
+          </a:fillRef>
+          <a:effectRef idx="0">
+            <a:schemeClr val="accent1"/>
+          </a:effectRef>
+          <a:fontRef idx="minor">
+            <a:schemeClr val="dk1"/>
+          </a:fontRef>
+        </p:style>
+        <p:txBody>
+          <a:bodyPr lIns="68580" tIns="34290" rIns="68580" bIns="34290" rtlCol="0" anchor="ctr"/>
+          <a:lstStyle/>
+          <a:p>
+            <a:pPr marL="285750" indent="-285750">
+              <a:buFont typeface="Wingdings" panose="05000000000000000000" pitchFamily="2" charset="2"/>
+              <a:buChar char="Ø"/>
+            </a:pPr>
+            <a:r>
+              <a:rPr lang="ko-KR" altLang="en-US" sz="1600" dirty="0">
+                <a:solidFill>
+                  <a:schemeClr val="tx1"/>
+                </a:solidFill>
+                <a:latin typeface="나눔바른고딕" panose="020B0603020101020101" pitchFamily="50" charset="-127"/>
+                <a:ea typeface="나눔바른고딕" panose="020B0603020101020101" pitchFamily="50" charset="-127"/>
+              </a:rPr>
+              <a:t>종속변수</a:t>
+            </a:r>
+            <a:r>
+              <a:rPr lang="en-US" altLang="ko-KR" sz="1600" dirty="0">
+                <a:solidFill>
+                  <a:schemeClr val="tx1"/>
+                </a:solidFill>
+                <a:latin typeface="나눔바른고딕" panose="020B0603020101020101" pitchFamily="50" charset="-127"/>
+                <a:ea typeface="나눔바른고딕" panose="020B0603020101020101" pitchFamily="50" charset="-127"/>
+              </a:rPr>
+              <a:t>(SCALE)</a:t>
+            </a:r>
+            <a:r>
+              <a:rPr lang="ko-KR" altLang="en-US" sz="1600" dirty="0">
+                <a:solidFill>
+                  <a:schemeClr val="tx1"/>
+                </a:solidFill>
+                <a:latin typeface="나눔바른고딕" panose="020B0603020101020101" pitchFamily="50" charset="-127"/>
+                <a:ea typeface="나눔바른고딕" panose="020B0603020101020101" pitchFamily="50" charset="-127"/>
+              </a:rPr>
+              <a:t>에</a:t>
+            </a:r>
+            <a:r>
+              <a:rPr lang="en-US" altLang="ko-KR" sz="1600" dirty="0">
+                <a:solidFill>
+                  <a:schemeClr val="tx1"/>
+                </a:solidFill>
+                <a:latin typeface="나눔바른고딕" panose="020B0603020101020101" pitchFamily="50" charset="-127"/>
+                <a:ea typeface="나눔바른고딕" panose="020B0603020101020101" pitchFamily="50" charset="-127"/>
+              </a:rPr>
+              <a:t> </a:t>
+            </a:r>
+            <a:r>
+              <a:rPr lang="ko-KR" altLang="en-US" sz="1600" dirty="0">
+                <a:solidFill>
+                  <a:schemeClr val="tx1"/>
+                </a:solidFill>
+                <a:latin typeface="나눔바른고딕" panose="020B0603020101020101" pitchFamily="50" charset="-127"/>
+                <a:ea typeface="나눔바른고딕" panose="020B0603020101020101" pitchFamily="50" charset="-127"/>
+              </a:rPr>
+              <a:t>영향을 미치지 않는 변수 제거</a:t>
+            </a:r>
+            <a:endParaRPr lang="en-US" altLang="ko-KR" sz="1600" dirty="0">
+              <a:solidFill>
+                <a:schemeClr val="tx1"/>
+              </a:solidFill>
+              <a:latin typeface="나눔바른고딕" panose="020B0603020101020101" pitchFamily="50" charset="-127"/>
+              <a:ea typeface="나눔바른고딕" panose="020B0603020101020101" pitchFamily="50" charset="-127"/>
+            </a:endParaRPr>
+          </a:p>
+        </p:txBody>
+      </p:sp>
+      <p:sp>
+        <p:nvSpPr>
+          <p:cNvPr id="49" name="직사각형 48">
+            <a:extLst>
+              <a:ext uri="{FF2B5EF4-FFF2-40B4-BE49-F238E27FC236}">
+                <a16:creationId xmlns:a16="http://schemas.microsoft.com/office/drawing/2014/main" id="{517A616C-9EAD-4C70-9C14-4F135AC7E6E4}"/>
+              </a:ext>
+            </a:extLst>
+          </p:cNvPr>
+          <p:cNvSpPr/>
+          <p:nvPr/>
+        </p:nvSpPr>
+        <p:spPr>
+          <a:xfrm>
+            <a:off x="5344882" y="2282890"/>
+            <a:ext cx="3200399" cy="3886200"/>
           </a:xfrm>
           <a:prstGeom prst="rect">
             <a:avLst/>
@@ -11675,16 +14348,46 @@
           <a:lstStyle/>
           <a:p>
             <a:pPr algn="ctr"/>
-            <a:endParaRPr lang="ko-KR" altLang="en-US"/>
-          </a:p>
-        </p:txBody>
-      </p:sp>
-      <p:sp>
-        <p:nvSpPr>
-          <p:cNvPr id="19" name="직사각형 18">
+            <a:endParaRPr lang="ko-KR" altLang="en-US" dirty="0"/>
+          </a:p>
+        </p:txBody>
+      </p:sp>
+    </p:spTree>
+    <p:extLst>
+      <p:ext uri="{BB962C8B-B14F-4D97-AF65-F5344CB8AC3E}">
+        <p14:creationId xmlns:p14="http://schemas.microsoft.com/office/powerpoint/2010/main" val="3765538294"/>
+      </p:ext>
+    </p:extLst>
+  </p:cSld>
+  <p:clrMapOvr>
+    <a:masterClrMapping/>
+  </p:clrMapOvr>
+</p:sld>
+</file>
+
+<file path=ppt/slides/slide8.xml><?xml version="1.0" encoding="utf-8"?>
+<p:sld xmlns:a="http://schemas.openxmlformats.org/drawingml/2006/main" xmlns:r="http://schemas.openxmlformats.org/officeDocument/2006/relationships" xmlns:p="http://schemas.openxmlformats.org/presentationml/2006/main" showMasterSp="0">
+  <p:cSld>
+    <p:spTree>
+      <p:nvGrpSpPr>
+        <p:cNvPr id="1" name=""/>
+        <p:cNvGrpSpPr/>
+        <p:nvPr/>
+      </p:nvGrpSpPr>
+      <p:grpSpPr>
+        <a:xfrm>
+          <a:off x="0" y="0"/>
+          <a:ext cx="0" cy="0"/>
+          <a:chOff x="0" y="0"/>
+          <a:chExt cx="0" cy="0"/>
+        </a:xfrm>
+      </p:grpSpPr>
+      <p:sp>
+        <p:nvSpPr>
+          <p:cNvPr id="38" name="모서리가 둥근 직사각형 14">
             <a:extLst>
               <a:ext uri="{FF2B5EF4-FFF2-40B4-BE49-F238E27FC236}">
-                <a16:creationId xmlns:a16="http://schemas.microsoft.com/office/drawing/2014/main" id="{C1F93055-B7EF-45DB-9F15-9D10C1606D47}"/>
+                <a16:creationId xmlns:a16="http://schemas.microsoft.com/office/drawing/2014/main" id="{71737AC4-62EF-4400-98FD-9911784272FE}"/>
               </a:ext>
             </a:extLst>
           </p:cNvPr>
@@ -11693,8 +14396,245 @@
         </p:nvSpPr>
         <p:spPr>
           <a:xfrm>
-            <a:off x="5194069" y="4343400"/>
-            <a:ext cx="4191000" cy="2057400"/>
+            <a:off x="5217666" y="1901117"/>
+            <a:ext cx="4094706" cy="369332"/>
+          </a:xfrm>
+          <a:prstGeom prst="roundRect">
+            <a:avLst/>
+          </a:prstGeom>
+          <a:ln>
+            <a:noFill/>
+          </a:ln>
+        </p:spPr>
+        <p:style>
+          <a:lnRef idx="2">
+            <a:schemeClr val="accent1"/>
+          </a:lnRef>
+          <a:fillRef idx="1">
+            <a:schemeClr val="lt1"/>
+          </a:fillRef>
+          <a:effectRef idx="0">
+            <a:schemeClr val="accent1"/>
+          </a:effectRef>
+          <a:fontRef idx="minor">
+            <a:schemeClr val="dk1"/>
+          </a:fontRef>
+        </p:style>
+        <p:txBody>
+          <a:bodyPr lIns="68580" tIns="34290" rIns="68580" bIns="34290" rtlCol="0" anchor="ctr"/>
+          <a:lstStyle/>
+          <a:p>
+            <a:pPr marL="285750" indent="-285750">
+              <a:buFont typeface="Wingdings" panose="05000000000000000000" pitchFamily="2" charset="2"/>
+              <a:buChar char="§"/>
+            </a:pPr>
+            <a:r>
+              <a:rPr lang="ko-KR" altLang="en-US" sz="1600" dirty="0">
+                <a:solidFill>
+                  <a:schemeClr val="tx1"/>
+                </a:solidFill>
+                <a:latin typeface="나눔바른고딕" panose="020B0603020101020101" pitchFamily="50" charset="-127"/>
+                <a:ea typeface="나눔바른고딕" panose="020B0603020101020101" pitchFamily="50" charset="-127"/>
+              </a:rPr>
+              <a:t>이상치</a:t>
+            </a:r>
+            <a:r>
+              <a:rPr lang="en-US" altLang="ko-KR" sz="1600" dirty="0">
+                <a:solidFill>
+                  <a:schemeClr val="tx1"/>
+                </a:solidFill>
+                <a:latin typeface="나눔바른고딕" panose="020B0603020101020101" pitchFamily="50" charset="-127"/>
+                <a:ea typeface="나눔바른고딕" panose="020B0603020101020101" pitchFamily="50" charset="-127"/>
+              </a:rPr>
+              <a:t>2 – </a:t>
+            </a:r>
+            <a:r>
+              <a:rPr lang="ko-KR" altLang="en-US" sz="1600" dirty="0" err="1">
+                <a:solidFill>
+                  <a:schemeClr val="tx1"/>
+                </a:solidFill>
+                <a:latin typeface="나눔바른고딕" panose="020B0603020101020101" pitchFamily="50" charset="-127"/>
+                <a:ea typeface="나눔바른고딕" panose="020B0603020101020101" pitchFamily="50" charset="-127"/>
+              </a:rPr>
+              <a:t>박스플롯</a:t>
+            </a:r>
+            <a:r>
+              <a:rPr lang="ko-KR" altLang="en-US" sz="1600" dirty="0">
+                <a:solidFill>
+                  <a:schemeClr val="tx1"/>
+                </a:solidFill>
+                <a:latin typeface="나눔바른고딕" panose="020B0603020101020101" pitchFamily="50" charset="-127"/>
+                <a:ea typeface="나눔바른고딕" panose="020B0603020101020101" pitchFamily="50" charset="-127"/>
+              </a:rPr>
+              <a:t> 수염 벗어난 데이터</a:t>
+            </a:r>
+            <a:endParaRPr lang="en-US" altLang="ko-KR" sz="1600" dirty="0">
+              <a:solidFill>
+                <a:schemeClr val="tx1"/>
+              </a:solidFill>
+              <a:latin typeface="나눔바른고딕" panose="020B0603020101020101" pitchFamily="50" charset="-127"/>
+              <a:ea typeface="나눔바른고딕" panose="020B0603020101020101" pitchFamily="50" charset="-127"/>
+            </a:endParaRPr>
+          </a:p>
+        </p:txBody>
+      </p:sp>
+      <p:sp>
+        <p:nvSpPr>
+          <p:cNvPr id="28" name="object 3">
+            <a:extLst>
+              <a:ext uri="{FF2B5EF4-FFF2-40B4-BE49-F238E27FC236}">
+                <a16:creationId xmlns:a16="http://schemas.microsoft.com/office/drawing/2014/main" id="{11534E7C-F12F-4497-B73D-C74AE55ADAF8}"/>
+              </a:ext>
+            </a:extLst>
+          </p:cNvPr>
+          <p:cNvSpPr/>
+          <p:nvPr/>
+        </p:nvSpPr>
+        <p:spPr>
+          <a:xfrm>
+            <a:off x="0" y="1"/>
+            <a:ext cx="9905999" cy="533400"/>
+          </a:xfrm>
+          <a:prstGeom prst="rect">
+            <a:avLst/>
+          </a:prstGeom>
+          <a:blipFill>
+            <a:blip r:embed="rId3" cstate="print"/>
+            <a:stretch>
+              <a:fillRect/>
+            </a:stretch>
+          </a:blipFill>
+        </p:spPr>
+        <p:txBody>
+          <a:bodyPr wrap="square" lIns="0" tIns="0" rIns="0" bIns="0" rtlCol="0"/>
+          <a:lstStyle/>
+          <a:p>
+            <a:endParaRPr dirty="0">
+              <a:latin typeface="나눔바른고딕" panose="020B0603020101020101" pitchFamily="50" charset="-127"/>
+            </a:endParaRPr>
+          </a:p>
+        </p:txBody>
+      </p:sp>
+      <p:sp>
+        <p:nvSpPr>
+          <p:cNvPr id="12" name="TextBox 11">
+            <a:extLst>
+              <a:ext uri="{FF2B5EF4-FFF2-40B4-BE49-F238E27FC236}">
+                <a16:creationId xmlns:a16="http://schemas.microsoft.com/office/drawing/2014/main" id="{CBA28D1E-0502-4910-B0F3-228427360900}"/>
+              </a:ext>
+            </a:extLst>
+          </p:cNvPr>
+          <p:cNvSpPr txBox="1"/>
+          <p:nvPr/>
+        </p:nvSpPr>
+        <p:spPr>
+          <a:xfrm>
+            <a:off x="410851" y="762000"/>
+            <a:ext cx="3108543" cy="369332"/>
+          </a:xfrm>
+          <a:prstGeom prst="rect">
+            <a:avLst/>
+          </a:prstGeom>
+          <a:noFill/>
+        </p:spPr>
+        <p:txBody>
+          <a:bodyPr wrap="none" rtlCol="0">
+            <a:spAutoFit/>
+          </a:bodyPr>
+          <a:lstStyle/>
+          <a:p>
+            <a:pPr marL="285750" indent="-285750">
+              <a:buFont typeface="Wingdings" panose="05000000000000000000" pitchFamily="2" charset="2"/>
+              <a:buChar char="§"/>
+            </a:pPr>
+            <a:r>
+              <a:rPr lang="ko-KR" altLang="en-US" dirty="0"/>
+              <a:t>데이터 탐색 </a:t>
+            </a:r>
+            <a:r>
+              <a:rPr lang="en-US" altLang="ko-KR" dirty="0"/>
+              <a:t>– </a:t>
+            </a:r>
+            <a:r>
+              <a:rPr lang="ko-KR" altLang="en-US" dirty="0"/>
+              <a:t>이상치 처리</a:t>
+            </a:r>
+            <a:endParaRPr lang="en-US" altLang="ko-KR" dirty="0"/>
+          </a:p>
+        </p:txBody>
+      </p:sp>
+      <p:sp>
+        <p:nvSpPr>
+          <p:cNvPr id="24" name="모서리가 둥근 직사각형 14">
+            <a:extLst>
+              <a:ext uri="{FF2B5EF4-FFF2-40B4-BE49-F238E27FC236}">
+                <a16:creationId xmlns:a16="http://schemas.microsoft.com/office/drawing/2014/main" id="{46C95CBE-A760-4217-9514-5DD0C4FAA9A7}"/>
+              </a:ext>
+            </a:extLst>
+          </p:cNvPr>
+          <p:cNvSpPr/>
+          <p:nvPr/>
+        </p:nvSpPr>
+        <p:spPr>
+          <a:xfrm>
+            <a:off x="552060" y="1902672"/>
+            <a:ext cx="4094706" cy="369332"/>
+          </a:xfrm>
+          <a:prstGeom prst="roundRect">
+            <a:avLst/>
+          </a:prstGeom>
+          <a:ln>
+            <a:noFill/>
+          </a:ln>
+        </p:spPr>
+        <p:style>
+          <a:lnRef idx="2">
+            <a:schemeClr val="accent1"/>
+          </a:lnRef>
+          <a:fillRef idx="1">
+            <a:schemeClr val="lt1"/>
+          </a:fillRef>
+          <a:effectRef idx="0">
+            <a:schemeClr val="accent1"/>
+          </a:effectRef>
+          <a:fontRef idx="minor">
+            <a:schemeClr val="dk1"/>
+          </a:fontRef>
+        </p:style>
+        <p:txBody>
+          <a:bodyPr lIns="68580" tIns="34290" rIns="68580" bIns="34290" rtlCol="0" anchor="ctr"/>
+          <a:lstStyle/>
+          <a:p>
+            <a:pPr marL="285750" indent="-285750">
+              <a:buFont typeface="Wingdings" panose="05000000000000000000" pitchFamily="2" charset="2"/>
+              <a:buChar char="§"/>
+            </a:pPr>
+            <a:endParaRPr lang="en-US" altLang="ko-KR" sz="1600" dirty="0">
+              <a:solidFill>
+                <a:schemeClr val="tx1"/>
+              </a:solidFill>
+              <a:latin typeface="나눔바른고딕" panose="020B0603020101020101" pitchFamily="50" charset="-127"/>
+              <a:ea typeface="나눔바른고딕" panose="020B0603020101020101" pitchFamily="50" charset="-127"/>
+            </a:endParaRPr>
+          </a:p>
+        </p:txBody>
+      </p:sp>
+      <p:sp>
+        <p:nvSpPr>
+          <p:cNvPr id="23" name="직사각형 22">
+            <a:extLst>
+              <a:ext uri="{FF2B5EF4-FFF2-40B4-BE49-F238E27FC236}">
+                <a16:creationId xmlns:a16="http://schemas.microsoft.com/office/drawing/2014/main" id="{FC921FBD-5593-4175-9AE5-4B1803034A74}"/>
+              </a:ext>
+            </a:extLst>
+          </p:cNvPr>
+          <p:cNvSpPr/>
+          <p:nvPr/>
+        </p:nvSpPr>
+        <p:spPr>
+          <a:xfrm>
+            <a:off x="381000" y="2286000"/>
+            <a:ext cx="4449971" cy="3429000"/>
           </a:xfrm>
           <a:prstGeom prst="rect">
             <a:avLst/>
@@ -11730,16 +14670,16 @@
           <a:lstStyle/>
           <a:p>
             <a:pPr algn="ctr"/>
-            <a:endParaRPr lang="ko-KR" altLang="en-US"/>
-          </a:p>
-        </p:txBody>
-      </p:sp>
-      <p:sp>
-        <p:nvSpPr>
-          <p:cNvPr id="20" name="직사각형 19">
+            <a:endParaRPr lang="ko-KR" altLang="en-US" dirty="0"/>
+          </a:p>
+        </p:txBody>
+      </p:sp>
+      <p:sp>
+        <p:nvSpPr>
+          <p:cNvPr id="30" name="직사각형 29">
             <a:extLst>
               <a:ext uri="{FF2B5EF4-FFF2-40B4-BE49-F238E27FC236}">
-                <a16:creationId xmlns:a16="http://schemas.microsoft.com/office/drawing/2014/main" id="{10610EBA-AEFB-4AA2-95F2-96095E267FCA}"/>
+                <a16:creationId xmlns:a16="http://schemas.microsoft.com/office/drawing/2014/main" id="{6F9FB972-7EA1-4897-BE20-8BAF3E89911A}"/>
               </a:ext>
             </a:extLst>
           </p:cNvPr>
@@ -11748,107 +14688,8 @@
         </p:nvSpPr>
         <p:spPr>
           <a:xfrm>
-            <a:off x="599902" y="1792442"/>
-            <a:ext cx="2905298" cy="279974"/>
-          </a:xfrm>
-          <a:prstGeom prst="rect">
-            <a:avLst/>
-          </a:prstGeom>
-          <a:solidFill>
-            <a:schemeClr val="tx2">
-              <a:lumMod val="40000"/>
-              <a:lumOff val="60000"/>
-            </a:schemeClr>
-          </a:solidFill>
-          <a:ln>
-            <a:solidFill>
-              <a:schemeClr val="tx2">
-                <a:lumMod val="40000"/>
-                <a:lumOff val="60000"/>
-              </a:schemeClr>
-            </a:solidFill>
-          </a:ln>
-        </p:spPr>
-        <p:style>
-          <a:lnRef idx="2">
-            <a:schemeClr val="accent1">
-              <a:shade val="50000"/>
-            </a:schemeClr>
-          </a:lnRef>
-          <a:fillRef idx="1">
-            <a:schemeClr val="accent1"/>
-          </a:fillRef>
-          <a:effectRef idx="0">
-            <a:schemeClr val="accent1"/>
-          </a:effectRef>
-          <a:fontRef idx="minor">
-            <a:schemeClr val="lt1"/>
-          </a:fontRef>
-        </p:style>
-        <p:txBody>
-          <a:bodyPr rtlCol="0" anchor="ctr"/>
-          <a:lstStyle/>
-          <a:p>
-            <a:pPr algn="ctr"/>
-            <a:r>
-              <a:rPr lang="en-US" altLang="ko-KR" sz="1600" dirty="0"/>
-              <a:t>FUR_NO</a:t>
-            </a:r>
-            <a:endParaRPr lang="ko-KR" altLang="en-US" sz="1600" dirty="0"/>
-          </a:p>
-        </p:txBody>
-      </p:sp>
-      <p:sp>
-        <p:nvSpPr>
-          <p:cNvPr id="5" name="TextBox 4">
-            <a:extLst>
-              <a:ext uri="{FF2B5EF4-FFF2-40B4-BE49-F238E27FC236}">
-                <a16:creationId xmlns:a16="http://schemas.microsoft.com/office/drawing/2014/main" id="{9E2951DF-62EC-4907-BEB5-B34F809D0923}"/>
-              </a:ext>
-            </a:extLst>
-          </p:cNvPr>
-          <p:cNvSpPr txBox="1"/>
-          <p:nvPr/>
-        </p:nvSpPr>
-        <p:spPr>
-          <a:xfrm>
-            <a:off x="602673" y="2390373"/>
-            <a:ext cx="918841" cy="369332"/>
-          </a:xfrm>
-          <a:prstGeom prst="rect">
-            <a:avLst/>
-          </a:prstGeom>
-          <a:noFill/>
-        </p:spPr>
-        <p:txBody>
-          <a:bodyPr wrap="none" rtlCol="0">
-            <a:spAutoFit/>
-          </a:bodyPr>
-          <a:lstStyle/>
-          <a:p>
-            <a:r>
-              <a:rPr lang="ko-KR" altLang="en-US" dirty="0"/>
-              <a:t>⇒ 삭제</a:t>
-            </a:r>
-          </a:p>
-        </p:txBody>
-      </p:sp>
-      <p:sp>
-        <p:nvSpPr>
-          <p:cNvPr id="21" name="직사각형 20">
-            <a:extLst>
-              <a:ext uri="{FF2B5EF4-FFF2-40B4-BE49-F238E27FC236}">
-                <a16:creationId xmlns:a16="http://schemas.microsoft.com/office/drawing/2014/main" id="{4DFA002B-5AF1-4325-A016-BA1980B496B2}"/>
-              </a:ext>
-            </a:extLst>
-          </p:cNvPr>
-          <p:cNvSpPr/>
-          <p:nvPr/>
-        </p:nvSpPr>
-        <p:spPr>
-          <a:xfrm>
-            <a:off x="609600" y="4114800"/>
-            <a:ext cx="2895600" cy="1447800"/>
+            <a:off x="5089147" y="2286000"/>
+            <a:ext cx="4449971" cy="3429000"/>
           </a:xfrm>
           <a:prstGeom prst="rect">
             <a:avLst/>
@@ -11884,76 +14725,107 @@
           <a:lstStyle/>
           <a:p>
             <a:pPr algn="ctr"/>
-            <a:endParaRPr lang="ko-KR" altLang="en-US"/>
-          </a:p>
-        </p:txBody>
-      </p:sp>
-      <p:sp>
-        <p:nvSpPr>
-          <p:cNvPr id="22" name="직사각형 21">
+            <a:endParaRPr lang="ko-KR" altLang="en-US" dirty="0"/>
+          </a:p>
+        </p:txBody>
+      </p:sp>
+      <p:sp>
+        <p:nvSpPr>
+          <p:cNvPr id="43" name="TextBox 42">
             <a:extLst>
               <a:ext uri="{FF2B5EF4-FFF2-40B4-BE49-F238E27FC236}">
-                <a16:creationId xmlns:a16="http://schemas.microsoft.com/office/drawing/2014/main" id="{5C254D54-64DE-4DC9-889E-CFCC61D83EFF}"/>
+                <a16:creationId xmlns:a16="http://schemas.microsoft.com/office/drawing/2014/main" id="{75B455C8-B447-457D-888B-30597B3195C8}"/>
               </a:ext>
             </a:extLst>
           </p:cNvPr>
-          <p:cNvSpPr/>
+          <p:cNvSpPr txBox="1"/>
           <p:nvPr/>
         </p:nvSpPr>
         <p:spPr>
           <a:xfrm>
-            <a:off x="599902" y="3834826"/>
-            <a:ext cx="2905298" cy="279974"/>
+            <a:off x="5261862" y="5032333"/>
+            <a:ext cx="4210111" cy="461665"/>
           </a:xfrm>
           <a:prstGeom prst="rect">
             <a:avLst/>
           </a:prstGeom>
-          <a:solidFill>
-            <a:schemeClr val="tx2">
-              <a:lumMod val="40000"/>
-              <a:lumOff val="60000"/>
-            </a:schemeClr>
-          </a:solidFill>
-          <a:ln>
-            <a:solidFill>
-              <a:schemeClr val="tx2">
-                <a:lumMod val="40000"/>
-                <a:lumOff val="60000"/>
-              </a:schemeClr>
-            </a:solidFill>
-          </a:ln>
+          <a:noFill/>
         </p:spPr>
-        <p:style>
-          <a:lnRef idx="2">
-            <a:schemeClr val="accent1">
-              <a:shade val="50000"/>
-            </a:schemeClr>
-          </a:lnRef>
-          <a:fillRef idx="1">
-            <a:schemeClr val="accent1"/>
-          </a:fillRef>
-          <a:effectRef idx="0">
-            <a:schemeClr val="accent1"/>
-          </a:effectRef>
-          <a:fontRef idx="minor">
-            <a:schemeClr val="lt1"/>
-          </a:fontRef>
-        </p:style>
-        <p:txBody>
-          <a:bodyPr rtlCol="0" anchor="ctr"/>
+        <p:txBody>
+          <a:bodyPr wrap="square" rtlCol="0">
+            <a:spAutoFit/>
+          </a:bodyPr>
           <a:lstStyle/>
           <a:p>
-            <a:pPr algn="ctr"/>
-            <a:endParaRPr lang="ko-KR" altLang="en-US" sz="1600" dirty="0"/>
-          </a:p>
-        </p:txBody>
-      </p:sp>
-      <p:sp>
-        <p:nvSpPr>
-          <p:cNvPr id="24" name="모서리가 둥근 직사각형 14">
+            <a:pPr marL="171450" indent="-171450">
+              <a:buFont typeface="Wingdings" panose="05000000000000000000" pitchFamily="2" charset="2"/>
+              <a:buChar char="Ø"/>
+            </a:pPr>
+            <a:r>
+              <a:rPr lang="en-US" altLang="ko-KR" sz="1200" dirty="0"/>
+              <a:t>PT_THK,</a:t>
+            </a:r>
+            <a:r>
+              <a:rPr lang="ko-KR" altLang="en-US" sz="1200" dirty="0"/>
+              <a:t> </a:t>
+            </a:r>
+            <a:r>
+              <a:rPr lang="en-US" altLang="ko-KR" sz="1200" dirty="0"/>
+              <a:t>PT_WDTH,</a:t>
+            </a:r>
+            <a:r>
+              <a:rPr lang="ko-KR" altLang="en-US" sz="1200" dirty="0"/>
+              <a:t> </a:t>
+            </a:r>
+            <a:r>
+              <a:rPr lang="en-US" altLang="ko-KR" sz="1200" dirty="0"/>
+              <a:t>FUR_HZ_TIME,</a:t>
+            </a:r>
+            <a:r>
+              <a:rPr lang="ko-KR" altLang="en-US" sz="1200" dirty="0"/>
+              <a:t> </a:t>
+            </a:r>
+            <a:r>
+              <a:rPr lang="en-US" altLang="ko-KR" sz="1200" dirty="0"/>
+              <a:t>FUR_SZ_TIME</a:t>
+            </a:r>
+            <a:r>
+              <a:rPr lang="ko-KR" altLang="en-US" sz="1200" dirty="0"/>
+              <a:t>에서</a:t>
+            </a:r>
+            <a:br>
+              <a:rPr lang="en-US" altLang="ko-KR" sz="1200" dirty="0"/>
+            </a:br>
+            <a:r>
+              <a:rPr lang="ko-KR" altLang="en-US" sz="1200" dirty="0"/>
+              <a:t>두 변수 이상 동시에 수염을 벗어나는 데이터</a:t>
+            </a:r>
+            <a:r>
+              <a:rPr lang="en-US" altLang="ko-KR" sz="1200" dirty="0"/>
+              <a:t>(11</a:t>
+            </a:r>
+            <a:r>
+              <a:rPr lang="ko-KR" altLang="en-US" sz="1200" dirty="0"/>
+              <a:t>개</a:t>
+            </a:r>
+            <a:r>
+              <a:rPr lang="en-US" altLang="ko-KR" sz="1200" dirty="0"/>
+              <a:t>) </a:t>
+            </a:r>
+            <a:r>
+              <a:rPr lang="ko-KR" altLang="en-US" sz="1200" dirty="0"/>
+              <a:t>제거</a:t>
+            </a:r>
+            <a:endParaRPr lang="en-US" altLang="ko-KR" sz="1200" dirty="0"/>
+          </a:p>
+        </p:txBody>
+      </p:sp>
+      <p:sp>
+        <p:nvSpPr>
+          <p:cNvPr id="44" name="모서리가 둥근 직사각형 14">
             <a:extLst>
               <a:ext uri="{FF2B5EF4-FFF2-40B4-BE49-F238E27FC236}">
-                <a16:creationId xmlns:a16="http://schemas.microsoft.com/office/drawing/2014/main" id="{46C95CBE-A760-4217-9514-5DD0C4FAA9A7}"/>
+                <a16:creationId xmlns:a16="http://schemas.microsoft.com/office/drawing/2014/main" id="{0C79E22F-E566-4B8F-ADF6-EAAA9F9F3BA7}"/>
               </a:ext>
             </a:extLst>
           </p:cNvPr>
@@ -11990,29 +14862,19 @@
           <a:bodyPr lIns="68580" tIns="34290" rIns="68580" bIns="34290" rtlCol="0" anchor="ctr"/>
           <a:lstStyle/>
           <a:p>
-            <a:pPr marL="342900" indent="-342900">
-              <a:buFont typeface="+mj-lt"/>
-              <a:buAutoNum type="arabicPeriod"/>
+            <a:pPr marL="285750" indent="-285750">
+              <a:buFont typeface="Wingdings" panose="05000000000000000000" pitchFamily="2" charset="2"/>
+              <a:buChar char="Ø"/>
             </a:pPr>
             <a:r>
-              <a:rPr lang="en-US" altLang="ko-KR" sz="1600" dirty="0">
+              <a:rPr lang="ko-KR" altLang="en-US" sz="1600" dirty="0">
                 <a:solidFill>
                   <a:schemeClr val="tx1"/>
                 </a:solidFill>
                 <a:latin typeface="나눔바른고딕" panose="020B0603020101020101" pitchFamily="50" charset="-127"/>
                 <a:ea typeface="나눔바른고딕" panose="020B0603020101020101" pitchFamily="50" charset="-127"/>
               </a:rPr>
-              <a:t>Scale</a:t>
-            </a:r>
-            <a:r>
-              <a:rPr lang="ko-KR" altLang="en-US" sz="1600" dirty="0">
-                <a:solidFill>
-                  <a:schemeClr val="tx1"/>
-                </a:solidFill>
-                <a:latin typeface="나눔바른고딕" panose="020B0603020101020101" pitchFamily="50" charset="-127"/>
-                <a:ea typeface="나눔바른고딕" panose="020B0603020101020101" pitchFamily="50" charset="-127"/>
-              </a:rPr>
-              <a:t> 발생에 영향을 미치지 않는 변수 제거</a:t>
+              <a:t>일반적 데이터의 분포를 벗어나는 이상치 처리</a:t>
             </a:r>
             <a:endParaRPr lang="en-US" altLang="ko-KR" sz="1600" dirty="0">
               <a:solidFill>
@@ -12024,10 +14886,2057 @@
           </a:p>
         </p:txBody>
       </p:sp>
+      <p:sp>
+        <p:nvSpPr>
+          <p:cNvPr id="25" name="TextBox 24">
+            <a:extLst>
+              <a:ext uri="{FF2B5EF4-FFF2-40B4-BE49-F238E27FC236}">
+                <a16:creationId xmlns:a16="http://schemas.microsoft.com/office/drawing/2014/main" id="{2C696971-C59D-4C3B-912C-56383ED5FFA9}"/>
+              </a:ext>
+            </a:extLst>
+          </p:cNvPr>
+          <p:cNvSpPr txBox="1"/>
+          <p:nvPr/>
+        </p:nvSpPr>
+        <p:spPr>
+          <a:xfrm flipH="1">
+            <a:off x="325818" y="0"/>
+            <a:ext cx="7141781" cy="584775"/>
+          </a:xfrm>
+          <a:prstGeom prst="rect">
+            <a:avLst/>
+          </a:prstGeom>
+          <a:noFill/>
+        </p:spPr>
+        <p:txBody>
+          <a:bodyPr wrap="square" rtlCol="0">
+            <a:spAutoFit/>
+          </a:bodyPr>
+          <a:lstStyle/>
+          <a:p>
+            <a:r>
+              <a:rPr lang="en-US" altLang="ko-KR" sz="3200" dirty="0">
+                <a:solidFill>
+                  <a:schemeClr val="bg1"/>
+                </a:solidFill>
+                <a:latin typeface="나눔바른고딕" panose="020B0603020101020101" pitchFamily="50" charset="-127"/>
+                <a:ea typeface="나눔바른고딕" panose="020B0603020101020101" pitchFamily="50" charset="-127"/>
+              </a:rPr>
+              <a:t>01. </a:t>
+            </a:r>
+            <a:r>
+              <a:rPr lang="ko-KR" altLang="en-US" sz="3200" dirty="0">
+                <a:solidFill>
+                  <a:schemeClr val="bg1"/>
+                </a:solidFill>
+                <a:latin typeface="나눔바른고딕" panose="020B0603020101020101" pitchFamily="50" charset="-127"/>
+                <a:ea typeface="나눔바른고딕" panose="020B0603020101020101" pitchFamily="50" charset="-127"/>
+              </a:rPr>
+              <a:t>본론</a:t>
+            </a:r>
+            <a:r>
+              <a:rPr lang="en-US" altLang="ko-KR" sz="3200" dirty="0">
+                <a:solidFill>
+                  <a:schemeClr val="bg1"/>
+                </a:solidFill>
+                <a:latin typeface="나눔바른고딕" panose="020B0603020101020101" pitchFamily="50" charset="-127"/>
+                <a:ea typeface="나눔바른고딕" panose="020B0603020101020101" pitchFamily="50" charset="-127"/>
+              </a:rPr>
+              <a:t>	</a:t>
+            </a:r>
+            <a:r>
+              <a:rPr lang="ko-KR" altLang="en-US" sz="1400" dirty="0" err="1">
+                <a:solidFill>
+                  <a:schemeClr val="tx2">
+                    <a:lumMod val="60000"/>
+                    <a:lumOff val="40000"/>
+                  </a:schemeClr>
+                </a:solidFill>
+                <a:latin typeface="나눔바른고딕" panose="020B0603020101020101" pitchFamily="50" charset="-127"/>
+                <a:ea typeface="나눔바른고딕" panose="020B0603020101020101" pitchFamily="50" charset="-127"/>
+              </a:rPr>
+              <a:t>전처리</a:t>
+            </a:r>
+            <a:r>
+              <a:rPr lang="ko-KR" altLang="en-US" sz="2000" dirty="0">
+                <a:solidFill>
+                  <a:schemeClr val="bg1"/>
+                </a:solidFill>
+                <a:latin typeface="나눔바른고딕" panose="020B0603020101020101" pitchFamily="50" charset="-127"/>
+                <a:ea typeface="나눔바른고딕" panose="020B0603020101020101" pitchFamily="50" charset="-127"/>
+              </a:rPr>
+              <a:t>  </a:t>
+            </a:r>
+            <a:r>
+              <a:rPr lang="en-US" altLang="ko-KR" sz="1400" dirty="0">
+                <a:solidFill>
+                  <a:schemeClr val="tx2">
+                    <a:lumMod val="60000"/>
+                    <a:lumOff val="40000"/>
+                  </a:schemeClr>
+                </a:solidFill>
+                <a:latin typeface="나눔바른고딕" panose="020B0603020101020101" pitchFamily="50" charset="-127"/>
+                <a:ea typeface="나눔바른고딕" panose="020B0603020101020101" pitchFamily="50" charset="-127"/>
+              </a:rPr>
+              <a:t>/  </a:t>
+            </a:r>
+            <a:r>
+              <a:rPr lang="ko-KR" altLang="en-US" sz="2000" dirty="0">
+                <a:solidFill>
+                  <a:schemeClr val="bg1"/>
+                </a:solidFill>
+                <a:latin typeface="나눔바른고딕" panose="020B0603020101020101" pitchFamily="50" charset="-127"/>
+                <a:ea typeface="나눔바른고딕" panose="020B0603020101020101" pitchFamily="50" charset="-127"/>
+              </a:rPr>
+              <a:t>데이터 탐색 및 파생변수</a:t>
+            </a:r>
+            <a:r>
+              <a:rPr lang="en-US" altLang="ko-KR" sz="1400" dirty="0">
+                <a:solidFill>
+                  <a:schemeClr val="tx2">
+                    <a:lumMod val="60000"/>
+                    <a:lumOff val="40000"/>
+                  </a:schemeClr>
+                </a:solidFill>
+                <a:latin typeface="나눔바른고딕" panose="020B0603020101020101" pitchFamily="50" charset="-127"/>
+                <a:ea typeface="나눔바른고딕" panose="020B0603020101020101" pitchFamily="50" charset="-127"/>
+              </a:rPr>
+              <a:t> </a:t>
+            </a:r>
+            <a:r>
+              <a:rPr lang="ko-KR" altLang="en-US" sz="1400" dirty="0">
+                <a:solidFill>
+                  <a:schemeClr val="tx2">
+                    <a:lumMod val="60000"/>
+                    <a:lumOff val="40000"/>
+                  </a:schemeClr>
+                </a:solidFill>
+                <a:latin typeface="나눔바른고딕" panose="020B0603020101020101" pitchFamily="50" charset="-127"/>
+                <a:ea typeface="나눔바른고딕" panose="020B0603020101020101" pitchFamily="50" charset="-127"/>
+              </a:rPr>
+              <a:t> </a:t>
+            </a:r>
+            <a:r>
+              <a:rPr lang="en-US" altLang="ko-KR" sz="1400" dirty="0">
+                <a:solidFill>
+                  <a:schemeClr val="tx2">
+                    <a:lumMod val="60000"/>
+                    <a:lumOff val="40000"/>
+                  </a:schemeClr>
+                </a:solidFill>
+                <a:latin typeface="나눔바른고딕" panose="020B0603020101020101" pitchFamily="50" charset="-127"/>
+                <a:ea typeface="나눔바른고딕" panose="020B0603020101020101" pitchFamily="50" charset="-127"/>
+              </a:rPr>
+              <a:t>/  </a:t>
+            </a:r>
+            <a:r>
+              <a:rPr lang="ko-KR" altLang="en-US" sz="1400" dirty="0">
+                <a:solidFill>
+                  <a:schemeClr val="tx2">
+                    <a:lumMod val="60000"/>
+                    <a:lumOff val="40000"/>
+                  </a:schemeClr>
+                </a:solidFill>
+                <a:latin typeface="나눔바른고딕" panose="020B0603020101020101" pitchFamily="50" charset="-127"/>
+                <a:ea typeface="나눔바른고딕" panose="020B0603020101020101" pitchFamily="50" charset="-127"/>
+              </a:rPr>
+              <a:t>최종 변수  </a:t>
+            </a:r>
+            <a:r>
+              <a:rPr lang="en-US" altLang="ko-KR" sz="1400" dirty="0">
+                <a:solidFill>
+                  <a:schemeClr val="tx2">
+                    <a:lumMod val="60000"/>
+                    <a:lumOff val="40000"/>
+                  </a:schemeClr>
+                </a:solidFill>
+                <a:latin typeface="나눔바른고딕" panose="020B0603020101020101" pitchFamily="50" charset="-127"/>
+                <a:ea typeface="나눔바른고딕" panose="020B0603020101020101" pitchFamily="50" charset="-127"/>
+              </a:rPr>
+              <a:t>/  </a:t>
+            </a:r>
+            <a:r>
+              <a:rPr lang="ko-KR" altLang="en-US" sz="1400" dirty="0">
+                <a:solidFill>
+                  <a:schemeClr val="tx2">
+                    <a:lumMod val="60000"/>
+                    <a:lumOff val="40000"/>
+                  </a:schemeClr>
+                </a:solidFill>
+                <a:latin typeface="나눔바른고딕" panose="020B0603020101020101" pitchFamily="50" charset="-127"/>
+                <a:ea typeface="나눔바른고딕" panose="020B0603020101020101" pitchFamily="50" charset="-127"/>
+              </a:rPr>
+              <a:t>모델링</a:t>
+            </a:r>
+            <a:endParaRPr lang="ko-KR" altLang="en-US" sz="2000" dirty="0">
+              <a:solidFill>
+                <a:schemeClr val="tx2">
+                  <a:lumMod val="60000"/>
+                  <a:lumOff val="40000"/>
+                </a:schemeClr>
+              </a:solidFill>
+              <a:latin typeface="나눔바른고딕" panose="020B0603020101020101" pitchFamily="50" charset="-127"/>
+              <a:ea typeface="나눔바른고딕" panose="020B0603020101020101" pitchFamily="50" charset="-127"/>
+            </a:endParaRPr>
+          </a:p>
+        </p:txBody>
+      </p:sp>
+      <p:sp>
+        <p:nvSpPr>
+          <p:cNvPr id="15" name="모서리가 둥근 직사각형 14">
+            <a:extLst>
+              <a:ext uri="{FF2B5EF4-FFF2-40B4-BE49-F238E27FC236}">
+                <a16:creationId xmlns:a16="http://schemas.microsoft.com/office/drawing/2014/main" id="{96615E87-0183-4B92-9638-4F73AB569AC6}"/>
+              </a:ext>
+            </a:extLst>
+          </p:cNvPr>
+          <p:cNvSpPr/>
+          <p:nvPr/>
+        </p:nvSpPr>
+        <p:spPr>
+          <a:xfrm>
+            <a:off x="558632" y="1901117"/>
+            <a:ext cx="4094706" cy="369332"/>
+          </a:xfrm>
+          <a:prstGeom prst="roundRect">
+            <a:avLst/>
+          </a:prstGeom>
+          <a:ln>
+            <a:noFill/>
+          </a:ln>
+        </p:spPr>
+        <p:style>
+          <a:lnRef idx="2">
+            <a:schemeClr val="accent1"/>
+          </a:lnRef>
+          <a:fillRef idx="1">
+            <a:schemeClr val="lt1"/>
+          </a:fillRef>
+          <a:effectRef idx="0">
+            <a:schemeClr val="accent1"/>
+          </a:effectRef>
+          <a:fontRef idx="minor">
+            <a:schemeClr val="dk1"/>
+          </a:fontRef>
+        </p:style>
+        <p:txBody>
+          <a:bodyPr lIns="68580" tIns="34290" rIns="68580" bIns="34290" rtlCol="0" anchor="ctr"/>
+          <a:lstStyle/>
+          <a:p>
+            <a:pPr marL="285750" indent="-285750">
+              <a:buFont typeface="Wingdings" panose="05000000000000000000" pitchFamily="2" charset="2"/>
+              <a:buChar char="§"/>
+            </a:pPr>
+            <a:r>
+              <a:rPr lang="ko-KR" altLang="en-US" sz="1600" dirty="0">
+                <a:solidFill>
+                  <a:schemeClr val="tx1"/>
+                </a:solidFill>
+                <a:latin typeface="나눔바른고딕" panose="020B0603020101020101" pitchFamily="50" charset="-127"/>
+                <a:ea typeface="나눔바른고딕" panose="020B0603020101020101" pitchFamily="50" charset="-127"/>
+              </a:rPr>
+              <a:t>이상치</a:t>
+            </a:r>
+            <a:r>
+              <a:rPr lang="en-US" altLang="ko-KR" sz="1600" dirty="0">
+                <a:solidFill>
+                  <a:schemeClr val="tx1"/>
+                </a:solidFill>
+                <a:latin typeface="나눔바른고딕" panose="020B0603020101020101" pitchFamily="50" charset="-127"/>
+                <a:ea typeface="나눔바른고딕" panose="020B0603020101020101" pitchFamily="50" charset="-127"/>
+              </a:rPr>
+              <a:t>1</a:t>
+            </a:r>
+            <a:r>
+              <a:rPr lang="ko-KR" altLang="en-US" sz="1600" dirty="0">
+                <a:solidFill>
+                  <a:schemeClr val="tx1"/>
+                </a:solidFill>
+                <a:latin typeface="나눔바른고딕" panose="020B0603020101020101" pitchFamily="50" charset="-127"/>
+                <a:ea typeface="나눔바른고딕" panose="020B0603020101020101" pitchFamily="50" charset="-127"/>
+              </a:rPr>
+              <a:t> </a:t>
+            </a:r>
+            <a:r>
+              <a:rPr lang="en-US" altLang="ko-KR" sz="1600" dirty="0">
+                <a:solidFill>
+                  <a:schemeClr val="tx1"/>
+                </a:solidFill>
+                <a:latin typeface="나눔바른고딕" panose="020B0603020101020101" pitchFamily="50" charset="-127"/>
+                <a:ea typeface="나눔바른고딕" panose="020B0603020101020101" pitchFamily="50" charset="-127"/>
+              </a:rPr>
+              <a:t>- ROLLING_TEMP_T5</a:t>
+            </a:r>
+            <a:r>
+              <a:rPr lang="ko-KR" altLang="en-US" sz="1600" dirty="0">
+                <a:solidFill>
+                  <a:schemeClr val="tx1"/>
+                </a:solidFill>
+                <a:latin typeface="나눔바른고딕" panose="020B0603020101020101" pitchFamily="50" charset="-127"/>
+                <a:ea typeface="나눔바른고딕" panose="020B0603020101020101" pitchFamily="50" charset="-127"/>
+              </a:rPr>
+              <a:t>가 </a:t>
+            </a:r>
+            <a:r>
+              <a:rPr lang="en-US" altLang="ko-KR" sz="1600" dirty="0">
+                <a:solidFill>
+                  <a:schemeClr val="tx1"/>
+                </a:solidFill>
+                <a:latin typeface="나눔바른고딕" panose="020B0603020101020101" pitchFamily="50" charset="-127"/>
+                <a:ea typeface="나눔바른고딕" panose="020B0603020101020101" pitchFamily="50" charset="-127"/>
+              </a:rPr>
+              <a:t>0</a:t>
+            </a:r>
+          </a:p>
+        </p:txBody>
+      </p:sp>
+      <p:pic>
+        <p:nvPicPr>
+          <p:cNvPr id="10" name="그림 9">
+            <a:extLst>
+              <a:ext uri="{FF2B5EF4-FFF2-40B4-BE49-F238E27FC236}">
+                <a16:creationId xmlns:a16="http://schemas.microsoft.com/office/drawing/2014/main" id="{CC70FF42-8BA6-4F23-BCC9-9E1E7EBD7B34}"/>
+              </a:ext>
+            </a:extLst>
+          </p:cNvPr>
+          <p:cNvPicPr>
+            <a:picLocks noChangeAspect="1"/>
+          </p:cNvPicPr>
+          <p:nvPr/>
+        </p:nvPicPr>
+        <p:blipFill>
+          <a:blip r:embed="rId4"/>
+          <a:stretch>
+            <a:fillRect/>
+          </a:stretch>
+        </p:blipFill>
+        <p:spPr>
+          <a:xfrm>
+            <a:off x="990600" y="2438400"/>
+            <a:ext cx="2967334" cy="2021784"/>
+          </a:xfrm>
+          <a:prstGeom prst="rect">
+            <a:avLst/>
+          </a:prstGeom>
+        </p:spPr>
+      </p:pic>
+      <p:pic>
+        <p:nvPicPr>
+          <p:cNvPr id="50" name="그림 49">
+            <a:extLst>
+              <a:ext uri="{FF2B5EF4-FFF2-40B4-BE49-F238E27FC236}">
+                <a16:creationId xmlns:a16="http://schemas.microsoft.com/office/drawing/2014/main" id="{DFED16E6-AE89-4817-9B08-9E8D9A588C81}"/>
+              </a:ext>
+            </a:extLst>
+          </p:cNvPr>
+          <p:cNvPicPr>
+            <a:picLocks noChangeAspect="1"/>
+          </p:cNvPicPr>
+          <p:nvPr/>
+        </p:nvPicPr>
+        <p:blipFill>
+          <a:blip r:embed="rId5"/>
+          <a:stretch>
+            <a:fillRect/>
+          </a:stretch>
+        </p:blipFill>
+        <p:spPr>
+          <a:xfrm>
+            <a:off x="6022542" y="3588387"/>
+            <a:ext cx="1266287" cy="1214531"/>
+          </a:xfrm>
+          <a:prstGeom prst="rect">
+            <a:avLst/>
+          </a:prstGeom>
+        </p:spPr>
+      </p:pic>
+      <p:pic>
+        <p:nvPicPr>
+          <p:cNvPr id="51" name="그림 50">
+            <a:extLst>
+              <a:ext uri="{FF2B5EF4-FFF2-40B4-BE49-F238E27FC236}">
+                <a16:creationId xmlns:a16="http://schemas.microsoft.com/office/drawing/2014/main" id="{6423D021-7D59-47AD-9737-DE10A32C9C00}"/>
+              </a:ext>
+            </a:extLst>
+          </p:cNvPr>
+          <p:cNvPicPr>
+            <a:picLocks noChangeAspect="1"/>
+          </p:cNvPicPr>
+          <p:nvPr/>
+        </p:nvPicPr>
+        <p:blipFill>
+          <a:blip r:embed="rId6"/>
+          <a:stretch>
+            <a:fillRect/>
+          </a:stretch>
+        </p:blipFill>
+        <p:spPr>
+          <a:xfrm>
+            <a:off x="7291799" y="3582162"/>
+            <a:ext cx="1266287" cy="1214531"/>
+          </a:xfrm>
+          <a:prstGeom prst="rect">
+            <a:avLst/>
+          </a:prstGeom>
+        </p:spPr>
+      </p:pic>
+      <p:pic>
+        <p:nvPicPr>
+          <p:cNvPr id="52" name="그림 51">
+            <a:extLst>
+              <a:ext uri="{FF2B5EF4-FFF2-40B4-BE49-F238E27FC236}">
+                <a16:creationId xmlns:a16="http://schemas.microsoft.com/office/drawing/2014/main" id="{CD5C672B-8DB0-4FD5-9116-8E0A73DADBBB}"/>
+              </a:ext>
+            </a:extLst>
+          </p:cNvPr>
+          <p:cNvPicPr>
+            <a:picLocks noChangeAspect="1"/>
+          </p:cNvPicPr>
+          <p:nvPr/>
+        </p:nvPicPr>
+        <p:blipFill>
+          <a:blip r:embed="rId7"/>
+          <a:stretch>
+            <a:fillRect/>
+          </a:stretch>
+        </p:blipFill>
+        <p:spPr>
+          <a:xfrm>
+            <a:off x="6030026" y="2369780"/>
+            <a:ext cx="1266287" cy="1214531"/>
+          </a:xfrm>
+          <a:prstGeom prst="rect">
+            <a:avLst/>
+          </a:prstGeom>
+        </p:spPr>
+      </p:pic>
+      <p:pic>
+        <p:nvPicPr>
+          <p:cNvPr id="53" name="그림 52">
+            <a:extLst>
+              <a:ext uri="{FF2B5EF4-FFF2-40B4-BE49-F238E27FC236}">
+                <a16:creationId xmlns:a16="http://schemas.microsoft.com/office/drawing/2014/main" id="{0235595F-B437-4C4B-AB1D-8528D339250D}"/>
+              </a:ext>
+            </a:extLst>
+          </p:cNvPr>
+          <p:cNvPicPr>
+            <a:picLocks noChangeAspect="1"/>
+          </p:cNvPicPr>
+          <p:nvPr/>
+        </p:nvPicPr>
+        <p:blipFill>
+          <a:blip r:embed="rId8"/>
+          <a:stretch>
+            <a:fillRect/>
+          </a:stretch>
+        </p:blipFill>
+        <p:spPr>
+          <a:xfrm>
+            <a:off x="7276248" y="2371530"/>
+            <a:ext cx="1266287" cy="1214531"/>
+          </a:xfrm>
+          <a:prstGeom prst="rect">
+            <a:avLst/>
+          </a:prstGeom>
+        </p:spPr>
+      </p:pic>
+      <p:sp>
+        <p:nvSpPr>
+          <p:cNvPr id="56" name="TextBox 55">
+            <a:extLst>
+              <a:ext uri="{FF2B5EF4-FFF2-40B4-BE49-F238E27FC236}">
+                <a16:creationId xmlns:a16="http://schemas.microsoft.com/office/drawing/2014/main" id="{6E13898E-43DD-4D9E-AE93-6AFBD548B2DE}"/>
+              </a:ext>
+            </a:extLst>
+          </p:cNvPr>
+          <p:cNvSpPr txBox="1"/>
+          <p:nvPr/>
+        </p:nvSpPr>
+        <p:spPr>
+          <a:xfrm>
+            <a:off x="541526" y="5032333"/>
+            <a:ext cx="4210111" cy="461665"/>
+          </a:xfrm>
+          <a:prstGeom prst="rect">
+            <a:avLst/>
+          </a:prstGeom>
+          <a:noFill/>
+        </p:spPr>
+        <p:txBody>
+          <a:bodyPr wrap="square" rtlCol="0">
+            <a:spAutoFit/>
+          </a:bodyPr>
+          <a:lstStyle/>
+          <a:p>
+            <a:pPr marL="171450" indent="-171450">
+              <a:buFont typeface="Arial" panose="020B0604020202020204" pitchFamily="34" charset="0"/>
+              <a:buChar char="•"/>
+            </a:pPr>
+            <a:r>
+              <a:rPr lang="ko-KR" altLang="en-US" sz="1200" dirty="0"/>
+              <a:t>추출온도가 </a:t>
+            </a:r>
+            <a:r>
+              <a:rPr lang="en-US" altLang="ko-KR" sz="1200" dirty="0"/>
+              <a:t>0</a:t>
+            </a:r>
+            <a:r>
+              <a:rPr lang="ko-KR" altLang="en-US" sz="1200" dirty="0"/>
+              <a:t>도임에도 </a:t>
+            </a:r>
+            <a:r>
+              <a:rPr lang="en-US" altLang="ko-KR" sz="1200" dirty="0"/>
+              <a:t>SCALE </a:t>
+            </a:r>
+            <a:r>
+              <a:rPr lang="ko-KR" altLang="en-US" sz="1200" dirty="0"/>
+              <a:t>발생하지 않은 데이터</a:t>
+            </a:r>
+            <a:br>
+              <a:rPr lang="en-US" altLang="ko-KR" sz="1200" dirty="0"/>
+            </a:br>
+            <a:r>
+              <a:rPr lang="ko-KR" altLang="en-US" sz="1200" dirty="0"/>
+              <a:t>⇒</a:t>
+            </a:r>
+            <a:r>
+              <a:rPr lang="en-US" altLang="ko-KR" sz="1200" dirty="0"/>
+              <a:t> </a:t>
+            </a:r>
+            <a:r>
+              <a:rPr lang="ko-KR" altLang="en-US" sz="1200" dirty="0"/>
+              <a:t>온도의 평균으로 대체</a:t>
+            </a:r>
+            <a:endParaRPr lang="en-US" altLang="ko-KR" sz="1200" dirty="0"/>
+          </a:p>
+        </p:txBody>
+      </p:sp>
     </p:spTree>
     <p:extLst>
       <p:ext uri="{BB962C8B-B14F-4D97-AF65-F5344CB8AC3E}">
-        <p14:creationId xmlns:p14="http://schemas.microsoft.com/office/powerpoint/2010/main" val="3765538294"/>
+        <p14:creationId xmlns:p14="http://schemas.microsoft.com/office/powerpoint/2010/main" val="775685034"/>
+      </p:ext>
+    </p:extLst>
+  </p:cSld>
+  <p:clrMapOvr>
+    <a:masterClrMapping/>
+  </p:clrMapOvr>
+</p:sld>
+</file>
+
+<file path=ppt/slides/slide9.xml><?xml version="1.0" encoding="utf-8"?>
+<p:sld xmlns:a="http://schemas.openxmlformats.org/drawingml/2006/main" xmlns:r="http://schemas.openxmlformats.org/officeDocument/2006/relationships" xmlns:p="http://schemas.openxmlformats.org/presentationml/2006/main" showMasterSp="0">
+  <p:cSld>
+    <p:spTree>
+      <p:nvGrpSpPr>
+        <p:cNvPr id="1" name=""/>
+        <p:cNvGrpSpPr/>
+        <p:nvPr/>
+      </p:nvGrpSpPr>
+      <p:grpSpPr>
+        <a:xfrm>
+          <a:off x="0" y="0"/>
+          <a:ext cx="0" cy="0"/>
+          <a:chOff x="0" y="0"/>
+          <a:chExt cx="0" cy="0"/>
+        </a:xfrm>
+      </p:grpSpPr>
+      <p:sp>
+        <p:nvSpPr>
+          <p:cNvPr id="28" name="object 3">
+            <a:extLst>
+              <a:ext uri="{FF2B5EF4-FFF2-40B4-BE49-F238E27FC236}">
+                <a16:creationId xmlns:a16="http://schemas.microsoft.com/office/drawing/2014/main" id="{11534E7C-F12F-4497-B73D-C74AE55ADAF8}"/>
+              </a:ext>
+            </a:extLst>
+          </p:cNvPr>
+          <p:cNvSpPr/>
+          <p:nvPr/>
+        </p:nvSpPr>
+        <p:spPr>
+          <a:xfrm>
+            <a:off x="0" y="1"/>
+            <a:ext cx="9905999" cy="533400"/>
+          </a:xfrm>
+          <a:prstGeom prst="rect">
+            <a:avLst/>
+          </a:prstGeom>
+          <a:blipFill>
+            <a:blip r:embed="rId3" cstate="print"/>
+            <a:stretch>
+              <a:fillRect/>
+            </a:stretch>
+          </a:blipFill>
+        </p:spPr>
+        <p:txBody>
+          <a:bodyPr wrap="square" lIns="0" tIns="0" rIns="0" bIns="0" rtlCol="0"/>
+          <a:lstStyle/>
+          <a:p>
+            <a:endParaRPr dirty="0">
+              <a:latin typeface="나눔바른고딕" panose="020B0603020101020101" pitchFamily="50" charset="-127"/>
+            </a:endParaRPr>
+          </a:p>
+        </p:txBody>
+      </p:sp>
+      <p:sp>
+        <p:nvSpPr>
+          <p:cNvPr id="12" name="TextBox 11">
+            <a:extLst>
+              <a:ext uri="{FF2B5EF4-FFF2-40B4-BE49-F238E27FC236}">
+                <a16:creationId xmlns:a16="http://schemas.microsoft.com/office/drawing/2014/main" id="{CBA28D1E-0502-4910-B0F3-228427360900}"/>
+              </a:ext>
+            </a:extLst>
+          </p:cNvPr>
+          <p:cNvSpPr txBox="1"/>
+          <p:nvPr/>
+        </p:nvSpPr>
+        <p:spPr>
+          <a:xfrm>
+            <a:off x="410851" y="762000"/>
+            <a:ext cx="3108543" cy="369332"/>
+          </a:xfrm>
+          <a:prstGeom prst="rect">
+            <a:avLst/>
+          </a:prstGeom>
+          <a:noFill/>
+        </p:spPr>
+        <p:txBody>
+          <a:bodyPr wrap="none" rtlCol="0">
+            <a:spAutoFit/>
+          </a:bodyPr>
+          <a:lstStyle/>
+          <a:p>
+            <a:pPr marL="285750" indent="-285750">
+              <a:buFont typeface="Wingdings" panose="05000000000000000000" pitchFamily="2" charset="2"/>
+              <a:buChar char="§"/>
+            </a:pPr>
+            <a:r>
+              <a:rPr lang="ko-KR" altLang="en-US" dirty="0"/>
+              <a:t>데이터 탐색 </a:t>
+            </a:r>
+            <a:r>
+              <a:rPr lang="en-US" altLang="ko-KR" dirty="0"/>
+              <a:t>– </a:t>
+            </a:r>
+            <a:r>
+              <a:rPr lang="ko-KR" altLang="en-US" dirty="0"/>
+              <a:t>경향성 파악</a:t>
+            </a:r>
+            <a:endParaRPr lang="en-US" altLang="ko-KR" dirty="0"/>
+          </a:p>
+        </p:txBody>
+      </p:sp>
+      <p:sp>
+        <p:nvSpPr>
+          <p:cNvPr id="24" name="모서리가 둥근 직사각형 14">
+            <a:extLst>
+              <a:ext uri="{FF2B5EF4-FFF2-40B4-BE49-F238E27FC236}">
+                <a16:creationId xmlns:a16="http://schemas.microsoft.com/office/drawing/2014/main" id="{46C95CBE-A760-4217-9514-5DD0C4FAA9A7}"/>
+              </a:ext>
+            </a:extLst>
+          </p:cNvPr>
+          <p:cNvSpPr/>
+          <p:nvPr/>
+        </p:nvSpPr>
+        <p:spPr>
+          <a:xfrm>
+            <a:off x="552060" y="1902672"/>
+            <a:ext cx="4094706" cy="369332"/>
+          </a:xfrm>
+          <a:prstGeom prst="roundRect">
+            <a:avLst/>
+          </a:prstGeom>
+          <a:ln>
+            <a:noFill/>
+          </a:ln>
+        </p:spPr>
+        <p:style>
+          <a:lnRef idx="2">
+            <a:schemeClr val="accent1"/>
+          </a:lnRef>
+          <a:fillRef idx="1">
+            <a:schemeClr val="lt1"/>
+          </a:fillRef>
+          <a:effectRef idx="0">
+            <a:schemeClr val="accent1"/>
+          </a:effectRef>
+          <a:fontRef idx="minor">
+            <a:schemeClr val="dk1"/>
+          </a:fontRef>
+        </p:style>
+        <p:txBody>
+          <a:bodyPr lIns="68580" tIns="34290" rIns="68580" bIns="34290" rtlCol="0" anchor="ctr"/>
+          <a:lstStyle/>
+          <a:p>
+            <a:pPr marL="285750" indent="-285750">
+              <a:buFont typeface="Wingdings" panose="05000000000000000000" pitchFamily="2" charset="2"/>
+              <a:buChar char="§"/>
+            </a:pPr>
+            <a:endParaRPr lang="en-US" altLang="ko-KR" sz="1600" dirty="0">
+              <a:solidFill>
+                <a:schemeClr val="tx1"/>
+              </a:solidFill>
+              <a:latin typeface="나눔바른고딕" panose="020B0603020101020101" pitchFamily="50" charset="-127"/>
+              <a:ea typeface="나눔바른고딕" panose="020B0603020101020101" pitchFamily="50" charset="-127"/>
+            </a:endParaRPr>
+          </a:p>
+        </p:txBody>
+      </p:sp>
+      <p:sp>
+        <p:nvSpPr>
+          <p:cNvPr id="23" name="직사각형 22">
+            <a:extLst>
+              <a:ext uri="{FF2B5EF4-FFF2-40B4-BE49-F238E27FC236}">
+                <a16:creationId xmlns:a16="http://schemas.microsoft.com/office/drawing/2014/main" id="{FC921FBD-5593-4175-9AE5-4B1803034A74}"/>
+              </a:ext>
+            </a:extLst>
+          </p:cNvPr>
+          <p:cNvSpPr/>
+          <p:nvPr/>
+        </p:nvSpPr>
+        <p:spPr>
+          <a:xfrm>
+            <a:off x="381000" y="2286000"/>
+            <a:ext cx="4449971" cy="3429000"/>
+          </a:xfrm>
+          <a:prstGeom prst="rect">
+            <a:avLst/>
+          </a:prstGeom>
+          <a:noFill/>
+          <a:ln w="19050">
+            <a:solidFill>
+              <a:schemeClr val="accent1">
+                <a:lumMod val="40000"/>
+                <a:lumOff val="60000"/>
+              </a:schemeClr>
+            </a:solidFill>
+          </a:ln>
+        </p:spPr>
+        <p:style>
+          <a:lnRef idx="2">
+            <a:schemeClr val="accent1">
+              <a:shade val="50000"/>
+            </a:schemeClr>
+          </a:lnRef>
+          <a:fillRef idx="1">
+            <a:schemeClr val="accent1"/>
+          </a:fillRef>
+          <a:effectRef idx="0">
+            <a:schemeClr val="accent1"/>
+          </a:effectRef>
+          <a:fontRef idx="minor">
+            <a:schemeClr val="lt1"/>
+          </a:fontRef>
+        </p:style>
+        <p:txBody>
+          <a:bodyPr rtlCol="0" anchor="ctr"/>
+          <a:lstStyle/>
+          <a:p>
+            <a:pPr algn="ctr"/>
+            <a:endParaRPr lang="ko-KR" altLang="en-US" dirty="0"/>
+          </a:p>
+        </p:txBody>
+      </p:sp>
+      <p:sp>
+        <p:nvSpPr>
+          <p:cNvPr id="44" name="모서리가 둥근 직사각형 14">
+            <a:extLst>
+              <a:ext uri="{FF2B5EF4-FFF2-40B4-BE49-F238E27FC236}">
+                <a16:creationId xmlns:a16="http://schemas.microsoft.com/office/drawing/2014/main" id="{0C79E22F-E566-4B8F-ADF6-EAAA9F9F3BA7}"/>
+              </a:ext>
+            </a:extLst>
+          </p:cNvPr>
+          <p:cNvSpPr/>
+          <p:nvPr/>
+        </p:nvSpPr>
+        <p:spPr>
+          <a:xfrm>
+            <a:off x="410851" y="1155404"/>
+            <a:ext cx="9190349" cy="369332"/>
+          </a:xfrm>
+          <a:prstGeom prst="roundRect">
+            <a:avLst/>
+          </a:prstGeom>
+          <a:ln>
+            <a:noFill/>
+          </a:ln>
+        </p:spPr>
+        <p:style>
+          <a:lnRef idx="2">
+            <a:schemeClr val="accent1"/>
+          </a:lnRef>
+          <a:fillRef idx="1">
+            <a:schemeClr val="lt1"/>
+          </a:fillRef>
+          <a:effectRef idx="0">
+            <a:schemeClr val="accent1"/>
+          </a:effectRef>
+          <a:fontRef idx="minor">
+            <a:schemeClr val="dk1"/>
+          </a:fontRef>
+        </p:style>
+        <p:txBody>
+          <a:bodyPr lIns="68580" tIns="34290" rIns="68580" bIns="34290" rtlCol="0" anchor="ctr"/>
+          <a:lstStyle/>
+          <a:p>
+            <a:pPr marL="285750" indent="-285750">
+              <a:buFont typeface="Wingdings" panose="05000000000000000000" pitchFamily="2" charset="2"/>
+              <a:buChar char="Ø"/>
+            </a:pPr>
+            <a:r>
+              <a:rPr lang="ko-KR" altLang="en-US" sz="1600" dirty="0">
+                <a:solidFill>
+                  <a:schemeClr val="tx1"/>
+                </a:solidFill>
+                <a:latin typeface="나눔바른고딕" panose="020B0603020101020101" pitchFamily="50" charset="-127"/>
+                <a:ea typeface="나눔바른고딕" panose="020B0603020101020101" pitchFamily="50" charset="-127"/>
+              </a:rPr>
+              <a:t>데이터 탐색을 통해 내재된 경향성 파악</a:t>
+            </a:r>
+            <a:endParaRPr lang="en-US" altLang="ko-KR" sz="1600" dirty="0">
+              <a:solidFill>
+                <a:schemeClr val="tx1"/>
+              </a:solidFill>
+              <a:latin typeface="나눔바른고딕" panose="020B0603020101020101" pitchFamily="50" charset="-127"/>
+              <a:ea typeface="나눔바른고딕" panose="020B0603020101020101" pitchFamily="50" charset="-127"/>
+            </a:endParaRPr>
+          </a:p>
+        </p:txBody>
+      </p:sp>
+      <p:sp>
+        <p:nvSpPr>
+          <p:cNvPr id="25" name="TextBox 24">
+            <a:extLst>
+              <a:ext uri="{FF2B5EF4-FFF2-40B4-BE49-F238E27FC236}">
+                <a16:creationId xmlns:a16="http://schemas.microsoft.com/office/drawing/2014/main" id="{2C696971-C59D-4C3B-912C-56383ED5FFA9}"/>
+              </a:ext>
+            </a:extLst>
+          </p:cNvPr>
+          <p:cNvSpPr txBox="1"/>
+          <p:nvPr/>
+        </p:nvSpPr>
+        <p:spPr>
+          <a:xfrm flipH="1">
+            <a:off x="325818" y="0"/>
+            <a:ext cx="7141781" cy="584775"/>
+          </a:xfrm>
+          <a:prstGeom prst="rect">
+            <a:avLst/>
+          </a:prstGeom>
+          <a:noFill/>
+        </p:spPr>
+        <p:txBody>
+          <a:bodyPr wrap="square" rtlCol="0">
+            <a:spAutoFit/>
+          </a:bodyPr>
+          <a:lstStyle/>
+          <a:p>
+            <a:r>
+              <a:rPr lang="en-US" altLang="ko-KR" sz="3200" dirty="0">
+                <a:solidFill>
+                  <a:schemeClr val="bg1"/>
+                </a:solidFill>
+                <a:latin typeface="나눔바른고딕" panose="020B0603020101020101" pitchFamily="50" charset="-127"/>
+                <a:ea typeface="나눔바른고딕" panose="020B0603020101020101" pitchFamily="50" charset="-127"/>
+              </a:rPr>
+              <a:t>01. </a:t>
+            </a:r>
+            <a:r>
+              <a:rPr lang="ko-KR" altLang="en-US" sz="3200" dirty="0">
+                <a:solidFill>
+                  <a:schemeClr val="bg1"/>
+                </a:solidFill>
+                <a:latin typeface="나눔바른고딕" panose="020B0603020101020101" pitchFamily="50" charset="-127"/>
+                <a:ea typeface="나눔바른고딕" panose="020B0603020101020101" pitchFamily="50" charset="-127"/>
+              </a:rPr>
+              <a:t>본론</a:t>
+            </a:r>
+            <a:r>
+              <a:rPr lang="en-US" altLang="ko-KR" sz="3200" dirty="0">
+                <a:solidFill>
+                  <a:schemeClr val="bg1"/>
+                </a:solidFill>
+                <a:latin typeface="나눔바른고딕" panose="020B0603020101020101" pitchFamily="50" charset="-127"/>
+                <a:ea typeface="나눔바른고딕" panose="020B0603020101020101" pitchFamily="50" charset="-127"/>
+              </a:rPr>
+              <a:t>	</a:t>
+            </a:r>
+            <a:r>
+              <a:rPr lang="ko-KR" altLang="en-US" sz="1400" dirty="0" err="1">
+                <a:solidFill>
+                  <a:schemeClr val="tx2">
+                    <a:lumMod val="60000"/>
+                    <a:lumOff val="40000"/>
+                  </a:schemeClr>
+                </a:solidFill>
+                <a:latin typeface="나눔바른고딕" panose="020B0603020101020101" pitchFamily="50" charset="-127"/>
+                <a:ea typeface="나눔바른고딕" panose="020B0603020101020101" pitchFamily="50" charset="-127"/>
+              </a:rPr>
+              <a:t>전처리</a:t>
+            </a:r>
+            <a:r>
+              <a:rPr lang="ko-KR" altLang="en-US" sz="2000" dirty="0">
+                <a:solidFill>
+                  <a:schemeClr val="bg1"/>
+                </a:solidFill>
+                <a:latin typeface="나눔바른고딕" panose="020B0603020101020101" pitchFamily="50" charset="-127"/>
+                <a:ea typeface="나눔바른고딕" panose="020B0603020101020101" pitchFamily="50" charset="-127"/>
+              </a:rPr>
+              <a:t>  </a:t>
+            </a:r>
+            <a:r>
+              <a:rPr lang="en-US" altLang="ko-KR" sz="1400" dirty="0">
+                <a:solidFill>
+                  <a:schemeClr val="tx2">
+                    <a:lumMod val="60000"/>
+                    <a:lumOff val="40000"/>
+                  </a:schemeClr>
+                </a:solidFill>
+                <a:latin typeface="나눔바른고딕" panose="020B0603020101020101" pitchFamily="50" charset="-127"/>
+                <a:ea typeface="나눔바른고딕" panose="020B0603020101020101" pitchFamily="50" charset="-127"/>
+              </a:rPr>
+              <a:t>/  </a:t>
+            </a:r>
+            <a:r>
+              <a:rPr lang="ko-KR" altLang="en-US" sz="2000" dirty="0">
+                <a:solidFill>
+                  <a:schemeClr val="bg1"/>
+                </a:solidFill>
+                <a:latin typeface="나눔바른고딕" panose="020B0603020101020101" pitchFamily="50" charset="-127"/>
+                <a:ea typeface="나눔바른고딕" panose="020B0603020101020101" pitchFamily="50" charset="-127"/>
+              </a:rPr>
+              <a:t>데이터 탐색 및 파생변수</a:t>
+            </a:r>
+            <a:r>
+              <a:rPr lang="en-US" altLang="ko-KR" sz="1400" dirty="0">
+                <a:solidFill>
+                  <a:schemeClr val="tx2">
+                    <a:lumMod val="60000"/>
+                    <a:lumOff val="40000"/>
+                  </a:schemeClr>
+                </a:solidFill>
+                <a:latin typeface="나눔바른고딕" panose="020B0603020101020101" pitchFamily="50" charset="-127"/>
+                <a:ea typeface="나눔바른고딕" panose="020B0603020101020101" pitchFamily="50" charset="-127"/>
+              </a:rPr>
+              <a:t> </a:t>
+            </a:r>
+            <a:r>
+              <a:rPr lang="ko-KR" altLang="en-US" sz="1400" dirty="0">
+                <a:solidFill>
+                  <a:schemeClr val="tx2">
+                    <a:lumMod val="60000"/>
+                    <a:lumOff val="40000"/>
+                  </a:schemeClr>
+                </a:solidFill>
+                <a:latin typeface="나눔바른고딕" panose="020B0603020101020101" pitchFamily="50" charset="-127"/>
+                <a:ea typeface="나눔바른고딕" panose="020B0603020101020101" pitchFamily="50" charset="-127"/>
+              </a:rPr>
+              <a:t> </a:t>
+            </a:r>
+            <a:r>
+              <a:rPr lang="en-US" altLang="ko-KR" sz="1400" dirty="0">
+                <a:solidFill>
+                  <a:schemeClr val="tx2">
+                    <a:lumMod val="60000"/>
+                    <a:lumOff val="40000"/>
+                  </a:schemeClr>
+                </a:solidFill>
+                <a:latin typeface="나눔바른고딕" panose="020B0603020101020101" pitchFamily="50" charset="-127"/>
+                <a:ea typeface="나눔바른고딕" panose="020B0603020101020101" pitchFamily="50" charset="-127"/>
+              </a:rPr>
+              <a:t>/  </a:t>
+            </a:r>
+            <a:r>
+              <a:rPr lang="ko-KR" altLang="en-US" sz="1400" dirty="0">
+                <a:solidFill>
+                  <a:schemeClr val="tx2">
+                    <a:lumMod val="60000"/>
+                    <a:lumOff val="40000"/>
+                  </a:schemeClr>
+                </a:solidFill>
+                <a:latin typeface="나눔바른고딕" panose="020B0603020101020101" pitchFamily="50" charset="-127"/>
+                <a:ea typeface="나눔바른고딕" panose="020B0603020101020101" pitchFamily="50" charset="-127"/>
+              </a:rPr>
+              <a:t>최종 변수  </a:t>
+            </a:r>
+            <a:r>
+              <a:rPr lang="en-US" altLang="ko-KR" sz="1400" dirty="0">
+                <a:solidFill>
+                  <a:schemeClr val="tx2">
+                    <a:lumMod val="60000"/>
+                    <a:lumOff val="40000"/>
+                  </a:schemeClr>
+                </a:solidFill>
+                <a:latin typeface="나눔바른고딕" panose="020B0603020101020101" pitchFamily="50" charset="-127"/>
+                <a:ea typeface="나눔바른고딕" panose="020B0603020101020101" pitchFamily="50" charset="-127"/>
+              </a:rPr>
+              <a:t>/  </a:t>
+            </a:r>
+            <a:r>
+              <a:rPr lang="ko-KR" altLang="en-US" sz="1400" dirty="0">
+                <a:solidFill>
+                  <a:schemeClr val="tx2">
+                    <a:lumMod val="60000"/>
+                    <a:lumOff val="40000"/>
+                  </a:schemeClr>
+                </a:solidFill>
+                <a:latin typeface="나눔바른고딕" panose="020B0603020101020101" pitchFamily="50" charset="-127"/>
+                <a:ea typeface="나눔바른고딕" panose="020B0603020101020101" pitchFamily="50" charset="-127"/>
+              </a:rPr>
+              <a:t>모델링</a:t>
+            </a:r>
+            <a:endParaRPr lang="ko-KR" altLang="en-US" sz="2000" dirty="0">
+              <a:solidFill>
+                <a:schemeClr val="tx2">
+                  <a:lumMod val="60000"/>
+                  <a:lumOff val="40000"/>
+                </a:schemeClr>
+              </a:solidFill>
+              <a:latin typeface="나눔바른고딕" panose="020B0603020101020101" pitchFamily="50" charset="-127"/>
+              <a:ea typeface="나눔바른고딕" panose="020B0603020101020101" pitchFamily="50" charset="-127"/>
+            </a:endParaRPr>
+          </a:p>
+        </p:txBody>
+      </p:sp>
+      <p:sp>
+        <p:nvSpPr>
+          <p:cNvPr id="15" name="모서리가 둥근 직사각형 14">
+            <a:extLst>
+              <a:ext uri="{FF2B5EF4-FFF2-40B4-BE49-F238E27FC236}">
+                <a16:creationId xmlns:a16="http://schemas.microsoft.com/office/drawing/2014/main" id="{96615E87-0183-4B92-9638-4F73AB569AC6}"/>
+              </a:ext>
+            </a:extLst>
+          </p:cNvPr>
+          <p:cNvSpPr/>
+          <p:nvPr/>
+        </p:nvSpPr>
+        <p:spPr>
+          <a:xfrm>
+            <a:off x="558632" y="1815588"/>
+            <a:ext cx="4094706" cy="369332"/>
+          </a:xfrm>
+          <a:prstGeom prst="roundRect">
+            <a:avLst/>
+          </a:prstGeom>
+          <a:ln>
+            <a:noFill/>
+          </a:ln>
+        </p:spPr>
+        <p:style>
+          <a:lnRef idx="2">
+            <a:schemeClr val="accent1"/>
+          </a:lnRef>
+          <a:fillRef idx="1">
+            <a:schemeClr val="lt1"/>
+          </a:fillRef>
+          <a:effectRef idx="0">
+            <a:schemeClr val="accent1"/>
+          </a:effectRef>
+          <a:fontRef idx="minor">
+            <a:schemeClr val="dk1"/>
+          </a:fontRef>
+        </p:style>
+        <p:txBody>
+          <a:bodyPr lIns="68580" tIns="34290" rIns="68580" bIns="34290" rtlCol="0" anchor="ctr"/>
+          <a:lstStyle/>
+          <a:p>
+            <a:pPr marL="285750" indent="-285750">
+              <a:buFont typeface="Wingdings" panose="05000000000000000000" pitchFamily="2" charset="2"/>
+              <a:buChar char="§"/>
+            </a:pPr>
+            <a:r>
+              <a:rPr lang="ko-KR" altLang="en-US" sz="1400" dirty="0">
+                <a:solidFill>
+                  <a:schemeClr val="tx1"/>
+                </a:solidFill>
+                <a:latin typeface="나눔바른고딕" panose="020B0603020101020101" pitchFamily="50" charset="-127"/>
+                <a:ea typeface="나눔바른고딕" panose="020B0603020101020101" pitchFamily="50" charset="-127"/>
+              </a:rPr>
+              <a:t>경향</a:t>
+            </a:r>
+            <a:r>
+              <a:rPr lang="en-US" altLang="ko-KR" sz="1400" dirty="0">
+                <a:solidFill>
+                  <a:schemeClr val="tx1"/>
+                </a:solidFill>
+                <a:latin typeface="나눔바른고딕" panose="020B0603020101020101" pitchFamily="50" charset="-127"/>
+                <a:ea typeface="나눔바른고딕" panose="020B0603020101020101" pitchFamily="50" charset="-127"/>
+              </a:rPr>
+              <a:t>1 – </a:t>
+            </a:r>
+            <a:r>
+              <a:rPr lang="ko-KR" altLang="en-US" sz="1400" dirty="0">
+                <a:solidFill>
+                  <a:schemeClr val="tx1"/>
+                </a:solidFill>
+                <a:latin typeface="나눔바른고딕" panose="020B0603020101020101" pitchFamily="50" charset="-127"/>
+                <a:ea typeface="나눔바른고딕" panose="020B0603020101020101" pitchFamily="50" charset="-127"/>
+              </a:rPr>
+              <a:t>가열로 일정 온도 초과시 불량 발생</a:t>
+            </a:r>
+            <a:endParaRPr lang="en-US" altLang="ko-KR" sz="1400" dirty="0">
+              <a:solidFill>
+                <a:schemeClr val="tx1"/>
+              </a:solidFill>
+              <a:latin typeface="나눔바른고딕" panose="020B0603020101020101" pitchFamily="50" charset="-127"/>
+              <a:ea typeface="나눔바른고딕" panose="020B0603020101020101" pitchFamily="50" charset="-127"/>
+            </a:endParaRPr>
+          </a:p>
+        </p:txBody>
+      </p:sp>
+      <p:pic>
+        <p:nvPicPr>
+          <p:cNvPr id="8" name="그림 7">
+            <a:extLst>
+              <a:ext uri="{FF2B5EF4-FFF2-40B4-BE49-F238E27FC236}">
+                <a16:creationId xmlns:a16="http://schemas.microsoft.com/office/drawing/2014/main" id="{05B477B6-0CF3-4120-9673-483ACF56136E}"/>
+              </a:ext>
+            </a:extLst>
+          </p:cNvPr>
+          <p:cNvPicPr>
+            <a:picLocks noChangeAspect="1"/>
+          </p:cNvPicPr>
+          <p:nvPr/>
+        </p:nvPicPr>
+        <p:blipFill>
+          <a:blip r:embed="rId4"/>
+          <a:stretch>
+            <a:fillRect/>
+          </a:stretch>
+        </p:blipFill>
+        <p:spPr>
+          <a:xfrm>
+            <a:off x="627563" y="2417806"/>
+            <a:ext cx="1542484" cy="1050967"/>
+          </a:xfrm>
+          <a:prstGeom prst="rect">
+            <a:avLst/>
+          </a:prstGeom>
+        </p:spPr>
+      </p:pic>
+      <p:pic>
+        <p:nvPicPr>
+          <p:cNvPr id="10" name="그림 9">
+            <a:extLst>
+              <a:ext uri="{FF2B5EF4-FFF2-40B4-BE49-F238E27FC236}">
+                <a16:creationId xmlns:a16="http://schemas.microsoft.com/office/drawing/2014/main" id="{CC70FF42-8BA6-4F23-BCC9-9E1E7EBD7B34}"/>
+              </a:ext>
+            </a:extLst>
+          </p:cNvPr>
+          <p:cNvPicPr>
+            <a:picLocks noChangeAspect="1"/>
+          </p:cNvPicPr>
+          <p:nvPr/>
+        </p:nvPicPr>
+        <p:blipFill>
+          <a:blip r:embed="rId5"/>
+          <a:stretch>
+            <a:fillRect/>
+          </a:stretch>
+        </p:blipFill>
+        <p:spPr>
+          <a:xfrm>
+            <a:off x="587335" y="4587833"/>
+            <a:ext cx="1542484" cy="1050967"/>
+          </a:xfrm>
+          <a:prstGeom prst="rect">
+            <a:avLst/>
+          </a:prstGeom>
+        </p:spPr>
+      </p:pic>
+      <p:pic>
+        <p:nvPicPr>
+          <p:cNvPr id="16" name="그림 15">
+            <a:extLst>
+              <a:ext uri="{FF2B5EF4-FFF2-40B4-BE49-F238E27FC236}">
+                <a16:creationId xmlns:a16="http://schemas.microsoft.com/office/drawing/2014/main" id="{04D3166C-F0BA-4321-8CC2-99B87773A775}"/>
+              </a:ext>
+            </a:extLst>
+          </p:cNvPr>
+          <p:cNvPicPr>
+            <a:picLocks noChangeAspect="1"/>
+          </p:cNvPicPr>
+          <p:nvPr/>
+        </p:nvPicPr>
+        <p:blipFill>
+          <a:blip r:embed="rId6"/>
+          <a:stretch>
+            <a:fillRect/>
+          </a:stretch>
+        </p:blipFill>
+        <p:spPr>
+          <a:xfrm>
+            <a:off x="618014" y="3492409"/>
+            <a:ext cx="1542484" cy="1050967"/>
+          </a:xfrm>
+          <a:prstGeom prst="rect">
+            <a:avLst/>
+          </a:prstGeom>
+        </p:spPr>
+      </p:pic>
+      <p:sp>
+        <p:nvSpPr>
+          <p:cNvPr id="31" name="TextBox 30">
+            <a:extLst>
+              <a:ext uri="{FF2B5EF4-FFF2-40B4-BE49-F238E27FC236}">
+                <a16:creationId xmlns:a16="http://schemas.microsoft.com/office/drawing/2014/main" id="{8A4718B0-E1BC-457A-88A0-8C3E9CDA1CE7}"/>
+              </a:ext>
+            </a:extLst>
+          </p:cNvPr>
+          <p:cNvSpPr txBox="1"/>
+          <p:nvPr/>
+        </p:nvSpPr>
+        <p:spPr>
+          <a:xfrm>
+            <a:off x="2394406" y="2696486"/>
+            <a:ext cx="2242402" cy="461665"/>
+          </a:xfrm>
+          <a:prstGeom prst="rect">
+            <a:avLst/>
+          </a:prstGeom>
+          <a:noFill/>
+        </p:spPr>
+        <p:txBody>
+          <a:bodyPr wrap="square" rtlCol="0">
+            <a:spAutoFit/>
+          </a:bodyPr>
+          <a:lstStyle/>
+          <a:p>
+            <a:pPr marL="171450" indent="-171450">
+              <a:buFont typeface="Arial" panose="020B0604020202020204" pitchFamily="34" charset="0"/>
+              <a:buChar char="•"/>
+            </a:pPr>
+            <a:r>
+              <a:rPr lang="en-US" altLang="ko-KR" sz="1200" dirty="0"/>
+              <a:t>FUR_SZ_TEMP</a:t>
+            </a:r>
+            <a:br>
+              <a:rPr lang="en-US" altLang="ko-KR" sz="1200" dirty="0"/>
+            </a:br>
+            <a:r>
+              <a:rPr lang="en-US" altLang="ko-KR" sz="1200" dirty="0"/>
+              <a:t>1175</a:t>
+            </a:r>
+            <a:r>
+              <a:rPr lang="ko-KR" altLang="en-US" sz="1200" dirty="0"/>
+              <a:t> 초과시 </a:t>
+            </a:r>
+            <a:r>
+              <a:rPr lang="en-US" altLang="ko-KR" sz="1200" dirty="0"/>
+              <a:t>SCALE</a:t>
+            </a:r>
+            <a:r>
+              <a:rPr lang="ko-KR" altLang="en-US" sz="1200" dirty="0"/>
+              <a:t>불량 발생</a:t>
+            </a:r>
+          </a:p>
+        </p:txBody>
+      </p:sp>
+      <p:sp>
+        <p:nvSpPr>
+          <p:cNvPr id="32" name="TextBox 31">
+            <a:extLst>
+              <a:ext uri="{FF2B5EF4-FFF2-40B4-BE49-F238E27FC236}">
+                <a16:creationId xmlns:a16="http://schemas.microsoft.com/office/drawing/2014/main" id="{BA048CBE-095D-44BF-95EB-C36222BFCB71}"/>
+              </a:ext>
+            </a:extLst>
+          </p:cNvPr>
+          <p:cNvSpPr txBox="1"/>
+          <p:nvPr/>
+        </p:nvSpPr>
+        <p:spPr>
+          <a:xfrm>
+            <a:off x="2362200" y="4897872"/>
+            <a:ext cx="2242402" cy="461665"/>
+          </a:xfrm>
+          <a:prstGeom prst="rect">
+            <a:avLst/>
+          </a:prstGeom>
+          <a:noFill/>
+        </p:spPr>
+        <p:txBody>
+          <a:bodyPr wrap="square" rtlCol="0">
+            <a:spAutoFit/>
+          </a:bodyPr>
+          <a:lstStyle/>
+          <a:p>
+            <a:pPr marL="171450" indent="-171450">
+              <a:buFont typeface="Arial" panose="020B0604020202020204" pitchFamily="34" charset="0"/>
+              <a:buChar char="•"/>
+            </a:pPr>
+            <a:r>
+              <a:rPr lang="en-US" altLang="ko-KR" sz="1200" dirty="0"/>
+              <a:t>ROLLING_TEMP_T5</a:t>
+            </a:r>
+            <a:br>
+              <a:rPr lang="en-US" altLang="ko-KR" sz="1200" dirty="0"/>
+            </a:br>
+            <a:r>
+              <a:rPr lang="en-US" altLang="ko-KR" sz="1200" dirty="0"/>
+              <a:t>1000</a:t>
+            </a:r>
+            <a:r>
+              <a:rPr lang="ko-KR" altLang="en-US" sz="1200" dirty="0"/>
+              <a:t>초과시 </a:t>
+            </a:r>
+            <a:r>
+              <a:rPr lang="en-US" altLang="ko-KR" sz="1200" dirty="0"/>
+              <a:t>SCALE</a:t>
+            </a:r>
+            <a:r>
+              <a:rPr lang="ko-KR" altLang="en-US" sz="1200" dirty="0"/>
+              <a:t>불량 발생</a:t>
+            </a:r>
+          </a:p>
+        </p:txBody>
+      </p:sp>
+      <p:sp>
+        <p:nvSpPr>
+          <p:cNvPr id="33" name="TextBox 32">
+            <a:extLst>
+              <a:ext uri="{FF2B5EF4-FFF2-40B4-BE49-F238E27FC236}">
+                <a16:creationId xmlns:a16="http://schemas.microsoft.com/office/drawing/2014/main" id="{9A871AA7-89F8-4485-B056-0AE543D67B9E}"/>
+              </a:ext>
+            </a:extLst>
+          </p:cNvPr>
+          <p:cNvSpPr txBox="1"/>
+          <p:nvPr/>
+        </p:nvSpPr>
+        <p:spPr>
+          <a:xfrm>
+            <a:off x="2394406" y="3760168"/>
+            <a:ext cx="2242402" cy="461665"/>
+          </a:xfrm>
+          <a:prstGeom prst="rect">
+            <a:avLst/>
+          </a:prstGeom>
+          <a:noFill/>
+        </p:spPr>
+        <p:txBody>
+          <a:bodyPr wrap="square" rtlCol="0">
+            <a:spAutoFit/>
+          </a:bodyPr>
+          <a:lstStyle/>
+          <a:p>
+            <a:pPr marL="171450" indent="-171450">
+              <a:buFont typeface="Arial" panose="020B0604020202020204" pitchFamily="34" charset="0"/>
+              <a:buChar char="•"/>
+            </a:pPr>
+            <a:r>
+              <a:rPr lang="en-US" altLang="ko-KR" sz="1200" dirty="0"/>
+              <a:t>FUR_HZ_TEMP</a:t>
+            </a:r>
+            <a:br>
+              <a:rPr lang="en-US" altLang="ko-KR" sz="1200" dirty="0"/>
+            </a:br>
+            <a:r>
+              <a:rPr lang="en-US" altLang="ko-KR" sz="1200" dirty="0"/>
+              <a:t>1188</a:t>
+            </a:r>
+            <a:r>
+              <a:rPr lang="ko-KR" altLang="en-US" sz="1200" dirty="0"/>
+              <a:t>초과시 </a:t>
+            </a:r>
+            <a:r>
+              <a:rPr lang="en-US" altLang="ko-KR" sz="1200" dirty="0"/>
+              <a:t>SCALE</a:t>
+            </a:r>
+            <a:r>
+              <a:rPr lang="ko-KR" altLang="en-US" sz="1200" dirty="0"/>
+              <a:t>불량 급증</a:t>
+            </a:r>
+          </a:p>
+        </p:txBody>
+      </p:sp>
+      <p:sp>
+        <p:nvSpPr>
+          <p:cNvPr id="36" name="화살표: 아래쪽 35">
+            <a:extLst>
+              <a:ext uri="{FF2B5EF4-FFF2-40B4-BE49-F238E27FC236}">
+                <a16:creationId xmlns:a16="http://schemas.microsoft.com/office/drawing/2014/main" id="{B4EE9295-986A-4577-8D8C-CB606C412120}"/>
+              </a:ext>
+            </a:extLst>
+          </p:cNvPr>
+          <p:cNvSpPr/>
+          <p:nvPr/>
+        </p:nvSpPr>
+        <p:spPr>
+          <a:xfrm rot="13255056">
+            <a:off x="1760373" y="2568928"/>
+            <a:ext cx="270334" cy="255115"/>
+          </a:xfrm>
+          <a:prstGeom prst="downArrow">
+            <a:avLst>
+              <a:gd name="adj1" fmla="val 64262"/>
+              <a:gd name="adj2" fmla="val 31188"/>
+            </a:avLst>
+          </a:prstGeom>
+          <a:solidFill>
+            <a:schemeClr val="tx2">
+              <a:lumMod val="20000"/>
+              <a:lumOff val="80000"/>
+            </a:schemeClr>
+          </a:solidFill>
+          <a:ln>
+            <a:solidFill>
+              <a:schemeClr val="tx2">
+                <a:lumMod val="20000"/>
+                <a:lumOff val="80000"/>
+              </a:schemeClr>
+            </a:solidFill>
+          </a:ln>
+        </p:spPr>
+        <p:style>
+          <a:lnRef idx="2">
+            <a:schemeClr val="accent1">
+              <a:shade val="50000"/>
+            </a:schemeClr>
+          </a:lnRef>
+          <a:fillRef idx="1">
+            <a:schemeClr val="accent1"/>
+          </a:fillRef>
+          <a:effectRef idx="0">
+            <a:schemeClr val="accent1"/>
+          </a:effectRef>
+          <a:fontRef idx="minor">
+            <a:schemeClr val="lt1"/>
+          </a:fontRef>
+        </p:style>
+        <p:txBody>
+          <a:bodyPr rtlCol="0" anchor="ctr"/>
+          <a:lstStyle/>
+          <a:p>
+            <a:pPr algn="ctr"/>
+            <a:endParaRPr lang="ko-KR" altLang="en-US" dirty="0"/>
+          </a:p>
+        </p:txBody>
+      </p:sp>
+      <p:sp>
+        <p:nvSpPr>
+          <p:cNvPr id="29" name="모서리가 둥근 직사각형 14">
+            <a:extLst>
+              <a:ext uri="{FF2B5EF4-FFF2-40B4-BE49-F238E27FC236}">
+                <a16:creationId xmlns:a16="http://schemas.microsoft.com/office/drawing/2014/main" id="{AE3E7606-1EB5-4BD5-A7D7-47D6093E212B}"/>
+              </a:ext>
+            </a:extLst>
+          </p:cNvPr>
+          <p:cNvSpPr/>
+          <p:nvPr/>
+        </p:nvSpPr>
+        <p:spPr>
+          <a:xfrm>
+            <a:off x="5374787" y="1901117"/>
+            <a:ext cx="4094706" cy="369332"/>
+          </a:xfrm>
+          <a:prstGeom prst="roundRect">
+            <a:avLst/>
+          </a:prstGeom>
+          <a:ln>
+            <a:noFill/>
+          </a:ln>
+        </p:spPr>
+        <p:style>
+          <a:lnRef idx="2">
+            <a:schemeClr val="accent1"/>
+          </a:lnRef>
+          <a:fillRef idx="1">
+            <a:schemeClr val="lt1"/>
+          </a:fillRef>
+          <a:effectRef idx="0">
+            <a:schemeClr val="accent1"/>
+          </a:effectRef>
+          <a:fontRef idx="minor">
+            <a:schemeClr val="dk1"/>
+          </a:fontRef>
+        </p:style>
+        <p:txBody>
+          <a:bodyPr lIns="68580" tIns="34290" rIns="68580" bIns="34290" rtlCol="0" anchor="ctr"/>
+          <a:lstStyle/>
+          <a:p>
+            <a:pPr marL="285750" indent="-285750">
+              <a:buFont typeface="Wingdings" panose="05000000000000000000" pitchFamily="2" charset="2"/>
+              <a:buChar char="§"/>
+            </a:pPr>
+            <a:endParaRPr lang="en-US" altLang="ko-KR" sz="1600" dirty="0">
+              <a:solidFill>
+                <a:schemeClr val="tx1"/>
+              </a:solidFill>
+              <a:latin typeface="나눔바른고딕" panose="020B0603020101020101" pitchFamily="50" charset="-127"/>
+              <a:ea typeface="나눔바른고딕" panose="020B0603020101020101" pitchFamily="50" charset="-127"/>
+            </a:endParaRPr>
+          </a:p>
+        </p:txBody>
+      </p:sp>
+      <p:sp>
+        <p:nvSpPr>
+          <p:cNvPr id="35" name="직사각형 34">
+            <a:extLst>
+              <a:ext uri="{FF2B5EF4-FFF2-40B4-BE49-F238E27FC236}">
+                <a16:creationId xmlns:a16="http://schemas.microsoft.com/office/drawing/2014/main" id="{8FF2EC08-2329-457E-BED0-6665CBC900D7}"/>
+              </a:ext>
+            </a:extLst>
+          </p:cNvPr>
+          <p:cNvSpPr/>
+          <p:nvPr/>
+        </p:nvSpPr>
+        <p:spPr>
+          <a:xfrm>
+            <a:off x="5203727" y="2284445"/>
+            <a:ext cx="4449971" cy="3429000"/>
+          </a:xfrm>
+          <a:prstGeom prst="rect">
+            <a:avLst/>
+          </a:prstGeom>
+          <a:noFill/>
+          <a:ln w="19050">
+            <a:solidFill>
+              <a:schemeClr val="accent1">
+                <a:lumMod val="40000"/>
+                <a:lumOff val="60000"/>
+              </a:schemeClr>
+            </a:solidFill>
+          </a:ln>
+        </p:spPr>
+        <p:style>
+          <a:lnRef idx="2">
+            <a:schemeClr val="accent1">
+              <a:shade val="50000"/>
+            </a:schemeClr>
+          </a:lnRef>
+          <a:fillRef idx="1">
+            <a:schemeClr val="accent1"/>
+          </a:fillRef>
+          <a:effectRef idx="0">
+            <a:schemeClr val="accent1"/>
+          </a:effectRef>
+          <a:fontRef idx="minor">
+            <a:schemeClr val="lt1"/>
+          </a:fontRef>
+        </p:style>
+        <p:txBody>
+          <a:bodyPr rtlCol="0" anchor="ctr"/>
+          <a:lstStyle/>
+          <a:p>
+            <a:pPr algn="ctr"/>
+            <a:endParaRPr lang="ko-KR" altLang="en-US" dirty="0"/>
+          </a:p>
+        </p:txBody>
+      </p:sp>
+      <p:sp>
+        <p:nvSpPr>
+          <p:cNvPr id="39" name="모서리가 둥근 직사각형 14">
+            <a:extLst>
+              <a:ext uri="{FF2B5EF4-FFF2-40B4-BE49-F238E27FC236}">
+                <a16:creationId xmlns:a16="http://schemas.microsoft.com/office/drawing/2014/main" id="{37782F41-B8F3-421D-A0F1-DA6B3DFB3D4D}"/>
+              </a:ext>
+            </a:extLst>
+          </p:cNvPr>
+          <p:cNvSpPr/>
+          <p:nvPr/>
+        </p:nvSpPr>
+        <p:spPr>
+          <a:xfrm>
+            <a:off x="5381359" y="1899562"/>
+            <a:ext cx="4094706" cy="369332"/>
+          </a:xfrm>
+          <a:prstGeom prst="roundRect">
+            <a:avLst/>
+          </a:prstGeom>
+          <a:ln>
+            <a:noFill/>
+          </a:ln>
+        </p:spPr>
+        <p:style>
+          <a:lnRef idx="2">
+            <a:schemeClr val="accent1"/>
+          </a:lnRef>
+          <a:fillRef idx="1">
+            <a:schemeClr val="lt1"/>
+          </a:fillRef>
+          <a:effectRef idx="0">
+            <a:schemeClr val="accent1"/>
+          </a:effectRef>
+          <a:fontRef idx="minor">
+            <a:schemeClr val="dk1"/>
+          </a:fontRef>
+        </p:style>
+        <p:txBody>
+          <a:bodyPr lIns="68580" tIns="34290" rIns="68580" bIns="34290" rtlCol="0" anchor="ctr"/>
+          <a:lstStyle/>
+          <a:p>
+            <a:pPr marL="285750" indent="-285750">
+              <a:buFont typeface="Wingdings" panose="05000000000000000000" pitchFamily="2" charset="2"/>
+              <a:buChar char="§"/>
+            </a:pPr>
+            <a:r>
+              <a:rPr lang="ko-KR" altLang="en-US" sz="1400" dirty="0">
+                <a:solidFill>
+                  <a:schemeClr val="tx1"/>
+                </a:solidFill>
+                <a:latin typeface="나눔바른고딕" panose="020B0603020101020101" pitchFamily="50" charset="-127"/>
+                <a:ea typeface="나눔바른고딕" panose="020B0603020101020101" pitchFamily="50" charset="-127"/>
+              </a:rPr>
+              <a:t>경향</a:t>
+            </a:r>
+            <a:r>
+              <a:rPr lang="en-US" altLang="ko-KR" sz="1400" dirty="0">
+                <a:solidFill>
+                  <a:schemeClr val="tx1"/>
+                </a:solidFill>
+                <a:latin typeface="나눔바른고딕" panose="020B0603020101020101" pitchFamily="50" charset="-127"/>
+                <a:ea typeface="나눔바른고딕" panose="020B0603020101020101" pitchFamily="50" charset="-127"/>
+              </a:rPr>
+              <a:t>2 – ROLLING_DECALING </a:t>
+            </a:r>
+            <a:r>
+              <a:rPr lang="ko-KR" altLang="en-US" sz="1400" dirty="0">
+                <a:solidFill>
+                  <a:schemeClr val="tx1"/>
+                </a:solidFill>
+                <a:latin typeface="나눔바른고딕" panose="020B0603020101020101" pitchFamily="50" charset="-127"/>
+                <a:ea typeface="나눔바른고딕" panose="020B0603020101020101" pitchFamily="50" charset="-127"/>
+              </a:rPr>
+              <a:t>횟수와</a:t>
+            </a:r>
+            <a:br>
+              <a:rPr lang="en-US" altLang="ko-KR" sz="1400" dirty="0">
+                <a:solidFill>
+                  <a:schemeClr val="tx1"/>
+                </a:solidFill>
+                <a:latin typeface="나눔바른고딕" panose="020B0603020101020101" pitchFamily="50" charset="-127"/>
+                <a:ea typeface="나눔바른고딕" panose="020B0603020101020101" pitchFamily="50" charset="-127"/>
+              </a:rPr>
+            </a:br>
+            <a:r>
+              <a:rPr lang="en-US" altLang="ko-KR" sz="1400" dirty="0">
+                <a:solidFill>
+                  <a:schemeClr val="tx1"/>
+                </a:solidFill>
+                <a:latin typeface="나눔바른고딕" panose="020B0603020101020101" pitchFamily="50" charset="-127"/>
+                <a:ea typeface="나눔바른고딕" panose="020B0603020101020101" pitchFamily="50" charset="-127"/>
+              </a:rPr>
+              <a:t>	HSB </a:t>
+            </a:r>
+            <a:r>
+              <a:rPr lang="ko-KR" altLang="en-US" sz="1400" dirty="0">
+                <a:solidFill>
+                  <a:schemeClr val="tx1"/>
+                </a:solidFill>
+                <a:latin typeface="나눔바른고딕" panose="020B0603020101020101" pitchFamily="50" charset="-127"/>
+                <a:ea typeface="나눔바른고딕" panose="020B0603020101020101" pitchFamily="50" charset="-127"/>
+              </a:rPr>
+              <a:t>적용 여부에 따른 불량</a:t>
+            </a:r>
+            <a:endParaRPr lang="en-US" altLang="ko-KR" sz="1400" dirty="0">
+              <a:solidFill>
+                <a:schemeClr val="tx1"/>
+              </a:solidFill>
+              <a:latin typeface="나눔바른고딕" panose="020B0603020101020101" pitchFamily="50" charset="-127"/>
+              <a:ea typeface="나눔바른고딕" panose="020B0603020101020101" pitchFamily="50" charset="-127"/>
+            </a:endParaRPr>
+          </a:p>
+        </p:txBody>
+      </p:sp>
+      <p:pic>
+        <p:nvPicPr>
+          <p:cNvPr id="45" name="그림 44">
+            <a:extLst>
+              <a:ext uri="{FF2B5EF4-FFF2-40B4-BE49-F238E27FC236}">
+                <a16:creationId xmlns:a16="http://schemas.microsoft.com/office/drawing/2014/main" id="{39ECBC36-F6DA-47DA-9E09-B4E2D3B0A6B1}"/>
+              </a:ext>
+            </a:extLst>
+          </p:cNvPr>
+          <p:cNvPicPr>
+            <a:picLocks noChangeAspect="1"/>
+          </p:cNvPicPr>
+          <p:nvPr/>
+        </p:nvPicPr>
+        <p:blipFill>
+          <a:blip r:embed="rId7"/>
+          <a:stretch>
+            <a:fillRect/>
+          </a:stretch>
+        </p:blipFill>
+        <p:spPr>
+          <a:xfrm>
+            <a:off x="5486400" y="2743200"/>
+            <a:ext cx="1998659" cy="1361781"/>
+          </a:xfrm>
+          <a:prstGeom prst="rect">
+            <a:avLst/>
+          </a:prstGeom>
+        </p:spPr>
+      </p:pic>
+      <p:sp>
+        <p:nvSpPr>
+          <p:cNvPr id="46" name="TextBox 45">
+            <a:extLst>
+              <a:ext uri="{FF2B5EF4-FFF2-40B4-BE49-F238E27FC236}">
+                <a16:creationId xmlns:a16="http://schemas.microsoft.com/office/drawing/2014/main" id="{C71D18D3-DB28-4349-8659-145511D7D667}"/>
+              </a:ext>
+            </a:extLst>
+          </p:cNvPr>
+          <p:cNvSpPr txBox="1"/>
+          <p:nvPr/>
+        </p:nvSpPr>
+        <p:spPr>
+          <a:xfrm>
+            <a:off x="5486651" y="4419600"/>
+            <a:ext cx="2971800" cy="830997"/>
+          </a:xfrm>
+          <a:prstGeom prst="rect">
+            <a:avLst/>
+          </a:prstGeom>
+          <a:noFill/>
+        </p:spPr>
+        <p:txBody>
+          <a:bodyPr wrap="square" rtlCol="0">
+            <a:spAutoFit/>
+          </a:bodyPr>
+          <a:lstStyle/>
+          <a:p>
+            <a:pPr marL="171450" indent="-171450">
+              <a:buFont typeface="Arial" panose="020B0604020202020204" pitchFamily="34" charset="0"/>
+              <a:buChar char="•"/>
+            </a:pPr>
+            <a:r>
+              <a:rPr lang="en-US" altLang="ko-KR" sz="1200" dirty="0"/>
+              <a:t>ROLLING_DESCALING</a:t>
+            </a:r>
+            <a:br>
+              <a:rPr lang="en-US" altLang="ko-KR" sz="1200" dirty="0"/>
+            </a:br>
+            <a:r>
+              <a:rPr lang="ko-KR" altLang="en-US" sz="1200" dirty="0"/>
+              <a:t>홀수일 경우</a:t>
+            </a:r>
+            <a:r>
+              <a:rPr lang="en-US" altLang="ko-KR" sz="1200" dirty="0"/>
+              <a:t> 100% SCALE </a:t>
+            </a:r>
+            <a:r>
+              <a:rPr lang="ko-KR" altLang="en-US" sz="1200" dirty="0"/>
+              <a:t>불량 발생</a:t>
+            </a:r>
+            <a:endParaRPr lang="en-US" altLang="ko-KR" sz="1200" dirty="0"/>
+          </a:p>
+          <a:p>
+            <a:pPr marL="171450" indent="-171450">
+              <a:buFont typeface="Arial" panose="020B0604020202020204" pitchFamily="34" charset="0"/>
+              <a:buChar char="•"/>
+            </a:pPr>
+            <a:endParaRPr lang="en-US" altLang="ko-KR" sz="1200" dirty="0"/>
+          </a:p>
+          <a:p>
+            <a:pPr marL="171450" indent="-171450">
+              <a:buFont typeface="Arial" panose="020B0604020202020204" pitchFamily="34" charset="0"/>
+              <a:buChar char="•"/>
+            </a:pPr>
+            <a:r>
+              <a:rPr lang="en-US" altLang="ko-KR" sz="1200" dirty="0"/>
+              <a:t>HSB</a:t>
+            </a:r>
+            <a:r>
+              <a:rPr lang="ko-KR" altLang="en-US" sz="1200" dirty="0"/>
+              <a:t>가 미실시인 경우 </a:t>
+            </a:r>
+            <a:r>
+              <a:rPr lang="en-US" altLang="ko-KR" sz="1200" dirty="0"/>
+              <a:t>100% </a:t>
+            </a:r>
+            <a:r>
+              <a:rPr lang="ko-KR" altLang="en-US" sz="1200" dirty="0"/>
+              <a:t>불량 발생</a:t>
+            </a:r>
+          </a:p>
+        </p:txBody>
+      </p:sp>
+      <p:sp>
+        <p:nvSpPr>
+          <p:cNvPr id="63" name="화살표: 아래쪽 62">
+            <a:extLst>
+              <a:ext uri="{FF2B5EF4-FFF2-40B4-BE49-F238E27FC236}">
+                <a16:creationId xmlns:a16="http://schemas.microsoft.com/office/drawing/2014/main" id="{00518392-EE54-4EAF-B45A-78A0BC646BCB}"/>
+              </a:ext>
+            </a:extLst>
+          </p:cNvPr>
+          <p:cNvSpPr/>
+          <p:nvPr/>
+        </p:nvSpPr>
+        <p:spPr>
+          <a:xfrm rot="12304004">
+            <a:off x="1806797" y="3690207"/>
+            <a:ext cx="270334" cy="255115"/>
+          </a:xfrm>
+          <a:prstGeom prst="downArrow">
+            <a:avLst>
+              <a:gd name="adj1" fmla="val 64262"/>
+              <a:gd name="adj2" fmla="val 31188"/>
+            </a:avLst>
+          </a:prstGeom>
+          <a:solidFill>
+            <a:schemeClr val="tx2">
+              <a:lumMod val="20000"/>
+              <a:lumOff val="80000"/>
+            </a:schemeClr>
+          </a:solidFill>
+          <a:ln>
+            <a:solidFill>
+              <a:schemeClr val="tx2">
+                <a:lumMod val="20000"/>
+                <a:lumOff val="80000"/>
+              </a:schemeClr>
+            </a:solidFill>
+          </a:ln>
+        </p:spPr>
+        <p:style>
+          <a:lnRef idx="2">
+            <a:schemeClr val="accent1">
+              <a:shade val="50000"/>
+            </a:schemeClr>
+          </a:lnRef>
+          <a:fillRef idx="1">
+            <a:schemeClr val="accent1"/>
+          </a:fillRef>
+          <a:effectRef idx="0">
+            <a:schemeClr val="accent1"/>
+          </a:effectRef>
+          <a:fontRef idx="minor">
+            <a:schemeClr val="lt1"/>
+          </a:fontRef>
+        </p:style>
+        <p:txBody>
+          <a:bodyPr rtlCol="0" anchor="ctr"/>
+          <a:lstStyle/>
+          <a:p>
+            <a:pPr algn="ctr"/>
+            <a:endParaRPr lang="ko-KR" altLang="en-US" dirty="0"/>
+          </a:p>
+        </p:txBody>
+      </p:sp>
+      <p:sp>
+        <p:nvSpPr>
+          <p:cNvPr id="64" name="화살표: 아래쪽 63">
+            <a:extLst>
+              <a:ext uri="{FF2B5EF4-FFF2-40B4-BE49-F238E27FC236}">
+                <a16:creationId xmlns:a16="http://schemas.microsoft.com/office/drawing/2014/main" id="{E8B2D059-4F14-47A5-859D-A2B27799FDC7}"/>
+              </a:ext>
+            </a:extLst>
+          </p:cNvPr>
+          <p:cNvSpPr/>
+          <p:nvPr/>
+        </p:nvSpPr>
+        <p:spPr>
+          <a:xfrm rot="12835160">
+            <a:off x="1790212" y="4769877"/>
+            <a:ext cx="270334" cy="255115"/>
+          </a:xfrm>
+          <a:prstGeom prst="downArrow">
+            <a:avLst>
+              <a:gd name="adj1" fmla="val 64262"/>
+              <a:gd name="adj2" fmla="val 31188"/>
+            </a:avLst>
+          </a:prstGeom>
+          <a:solidFill>
+            <a:schemeClr val="tx2">
+              <a:lumMod val="20000"/>
+              <a:lumOff val="80000"/>
+            </a:schemeClr>
+          </a:solidFill>
+          <a:ln>
+            <a:solidFill>
+              <a:schemeClr val="tx2">
+                <a:lumMod val="20000"/>
+                <a:lumOff val="80000"/>
+              </a:schemeClr>
+            </a:solidFill>
+          </a:ln>
+        </p:spPr>
+        <p:style>
+          <a:lnRef idx="2">
+            <a:schemeClr val="accent1">
+              <a:shade val="50000"/>
+            </a:schemeClr>
+          </a:lnRef>
+          <a:fillRef idx="1">
+            <a:schemeClr val="accent1"/>
+          </a:fillRef>
+          <a:effectRef idx="0">
+            <a:schemeClr val="accent1"/>
+          </a:effectRef>
+          <a:fontRef idx="minor">
+            <a:schemeClr val="lt1"/>
+          </a:fontRef>
+        </p:style>
+        <p:txBody>
+          <a:bodyPr rtlCol="0" anchor="ctr"/>
+          <a:lstStyle/>
+          <a:p>
+            <a:pPr algn="ctr"/>
+            <a:endParaRPr lang="ko-KR" altLang="en-US" dirty="0"/>
+          </a:p>
+        </p:txBody>
+      </p:sp>
+      <p:pic>
+        <p:nvPicPr>
+          <p:cNvPr id="3" name="그림 2">
+            <a:extLst>
+              <a:ext uri="{FF2B5EF4-FFF2-40B4-BE49-F238E27FC236}">
+                <a16:creationId xmlns:a16="http://schemas.microsoft.com/office/drawing/2014/main" id="{9B7EE21D-F985-43DB-AA6C-3B6DB09EE995}"/>
+              </a:ext>
+            </a:extLst>
+          </p:cNvPr>
+          <p:cNvPicPr>
+            <a:picLocks noChangeAspect="1"/>
+          </p:cNvPicPr>
+          <p:nvPr/>
+        </p:nvPicPr>
+        <p:blipFill>
+          <a:blip r:embed="rId8"/>
+          <a:stretch>
+            <a:fillRect/>
+          </a:stretch>
+        </p:blipFill>
+        <p:spPr>
+          <a:xfrm>
+            <a:off x="7518714" y="2743201"/>
+            <a:ext cx="2006286" cy="1361780"/>
+          </a:xfrm>
+          <a:prstGeom prst="rect">
+            <a:avLst/>
+          </a:prstGeom>
+        </p:spPr>
+      </p:pic>
+      <p:sp>
+        <p:nvSpPr>
+          <p:cNvPr id="65" name="화살표: 아래쪽 64">
+            <a:extLst>
+              <a:ext uri="{FF2B5EF4-FFF2-40B4-BE49-F238E27FC236}">
+                <a16:creationId xmlns:a16="http://schemas.microsoft.com/office/drawing/2014/main" id="{8BA239D3-4972-4787-93B2-F52463CE1CBB}"/>
+              </a:ext>
+            </a:extLst>
+          </p:cNvPr>
+          <p:cNvSpPr/>
+          <p:nvPr/>
+        </p:nvSpPr>
+        <p:spPr>
+          <a:xfrm rot="13255056">
+            <a:off x="9033784" y="2901045"/>
+            <a:ext cx="270334" cy="255115"/>
+          </a:xfrm>
+          <a:prstGeom prst="downArrow">
+            <a:avLst>
+              <a:gd name="adj1" fmla="val 64262"/>
+              <a:gd name="adj2" fmla="val 31188"/>
+            </a:avLst>
+          </a:prstGeom>
+          <a:solidFill>
+            <a:schemeClr val="tx2">
+              <a:lumMod val="20000"/>
+              <a:lumOff val="80000"/>
+            </a:schemeClr>
+          </a:solidFill>
+          <a:ln>
+            <a:solidFill>
+              <a:schemeClr val="tx2">
+                <a:lumMod val="20000"/>
+                <a:lumOff val="80000"/>
+              </a:schemeClr>
+            </a:solidFill>
+          </a:ln>
+        </p:spPr>
+        <p:style>
+          <a:lnRef idx="2">
+            <a:schemeClr val="accent1">
+              <a:shade val="50000"/>
+            </a:schemeClr>
+          </a:lnRef>
+          <a:fillRef idx="1">
+            <a:schemeClr val="accent1"/>
+          </a:fillRef>
+          <a:effectRef idx="0">
+            <a:schemeClr val="accent1"/>
+          </a:effectRef>
+          <a:fontRef idx="minor">
+            <a:schemeClr val="lt1"/>
+          </a:fontRef>
+        </p:style>
+        <p:txBody>
+          <a:bodyPr rtlCol="0" anchor="ctr"/>
+          <a:lstStyle/>
+          <a:p>
+            <a:pPr algn="ctr"/>
+            <a:endParaRPr lang="ko-KR" altLang="en-US" dirty="0"/>
+          </a:p>
+        </p:txBody>
+      </p:sp>
+      <p:sp>
+        <p:nvSpPr>
+          <p:cNvPr id="66" name="화살표: 아래쪽 65">
+            <a:extLst>
+              <a:ext uri="{FF2B5EF4-FFF2-40B4-BE49-F238E27FC236}">
+                <a16:creationId xmlns:a16="http://schemas.microsoft.com/office/drawing/2014/main" id="{B0E64EEB-4922-40C1-A15E-66206785E08F}"/>
+              </a:ext>
+            </a:extLst>
+          </p:cNvPr>
+          <p:cNvSpPr/>
+          <p:nvPr/>
+        </p:nvSpPr>
+        <p:spPr>
+          <a:xfrm rot="16200000">
+            <a:off x="5315820" y="2709075"/>
+            <a:ext cx="270334" cy="255115"/>
+          </a:xfrm>
+          <a:prstGeom prst="downArrow">
+            <a:avLst>
+              <a:gd name="adj1" fmla="val 64262"/>
+              <a:gd name="adj2" fmla="val 31188"/>
+            </a:avLst>
+          </a:prstGeom>
+          <a:solidFill>
+            <a:schemeClr val="tx2">
+              <a:lumMod val="20000"/>
+              <a:lumOff val="80000"/>
+            </a:schemeClr>
+          </a:solidFill>
+          <a:ln>
+            <a:solidFill>
+              <a:schemeClr val="tx2">
+                <a:lumMod val="20000"/>
+                <a:lumOff val="80000"/>
+              </a:schemeClr>
+            </a:solidFill>
+          </a:ln>
+        </p:spPr>
+        <p:style>
+          <a:lnRef idx="2">
+            <a:schemeClr val="accent1">
+              <a:shade val="50000"/>
+            </a:schemeClr>
+          </a:lnRef>
+          <a:fillRef idx="1">
+            <a:schemeClr val="accent1"/>
+          </a:fillRef>
+          <a:effectRef idx="0">
+            <a:schemeClr val="accent1"/>
+          </a:effectRef>
+          <a:fontRef idx="minor">
+            <a:schemeClr val="lt1"/>
+          </a:fontRef>
+        </p:style>
+        <p:txBody>
+          <a:bodyPr rtlCol="0" anchor="ctr"/>
+          <a:lstStyle/>
+          <a:p>
+            <a:pPr algn="ctr"/>
+            <a:endParaRPr lang="ko-KR" altLang="en-US" dirty="0"/>
+          </a:p>
+        </p:txBody>
+      </p:sp>
+    </p:spTree>
+    <p:extLst>
+      <p:ext uri="{BB962C8B-B14F-4D97-AF65-F5344CB8AC3E}">
+        <p14:creationId xmlns:p14="http://schemas.microsoft.com/office/powerpoint/2010/main" val="3185047813"/>
       </p:ext>
     </p:extLst>
   </p:cSld>

--- a/스케일 불량요인 파악과 개선기회 도출.pptx
+++ b/스케일 불량요인 파악과 개선기회 도출.pptx
@@ -1388,6 +1388,130 @@
     <p:extLst>
       <p:ext uri="{BB962C8B-B14F-4D97-AF65-F5344CB8AC3E}">
         <p14:creationId xmlns:p14="http://schemas.microsoft.com/office/powerpoint/2010/main" val="3399219241"/>
+      </p:ext>
+    </p:extLst>
+  </p:cSld>
+  <p:clrMapOvr>
+    <a:masterClrMapping/>
+  </p:clrMapOvr>
+</p:notes>
+</file>
+
+<file path=ppt/notesSlides/notesSlide9.xml><?xml version="1.0" encoding="utf-8"?>
+<p:notes xmlns:a="http://schemas.openxmlformats.org/drawingml/2006/main" xmlns:r="http://schemas.openxmlformats.org/officeDocument/2006/relationships" xmlns:p="http://schemas.openxmlformats.org/presentationml/2006/main">
+  <p:cSld>
+    <p:spTree>
+      <p:nvGrpSpPr>
+        <p:cNvPr id="1" name=""/>
+        <p:cNvGrpSpPr/>
+        <p:nvPr/>
+      </p:nvGrpSpPr>
+      <p:grpSpPr>
+        <a:xfrm>
+          <a:off x="0" y="0"/>
+          <a:ext cx="0" cy="0"/>
+          <a:chOff x="0" y="0"/>
+          <a:chExt cx="0" cy="0"/>
+        </a:xfrm>
+      </p:grpSpPr>
+      <p:sp>
+        <p:nvSpPr>
+          <p:cNvPr id="2" name="슬라이드 이미지 개체 틀 1"/>
+          <p:cNvSpPr>
+            <a:spLocks noGrp="1" noRot="1" noChangeAspect="1"/>
+          </p:cNvSpPr>
+          <p:nvPr>
+            <p:ph type="sldImg"/>
+          </p:nvPr>
+        </p:nvSpPr>
+        <p:spPr/>
+      </p:sp>
+      <p:sp>
+        <p:nvSpPr>
+          <p:cNvPr id="3" name="슬라이드 노트 개체 틀 2"/>
+          <p:cNvSpPr>
+            <a:spLocks noGrp="1"/>
+          </p:cNvSpPr>
+          <p:nvPr>
+            <p:ph type="body" idx="1"/>
+          </p:nvPr>
+        </p:nvSpPr>
+        <p:spPr/>
+        <p:txBody>
+          <a:bodyPr/>
+          <a:lstStyle/>
+          <a:p>
+            <a:r>
+              <a:rPr lang="en-US" altLang="ko-KR" dirty="0"/>
+              <a:t>High, low </a:t>
+            </a:r>
+            <a:r>
+              <a:rPr lang="ko-KR" altLang="en-US" dirty="0"/>
+              <a:t>각각 표로 정리한 뒤</a:t>
+            </a:r>
+            <a:r>
+              <a:rPr lang="en-US" altLang="ko-KR" dirty="0"/>
+              <a:t>, 4</a:t>
+            </a:r>
+            <a:r>
+              <a:rPr lang="ko-KR" altLang="en-US" dirty="0"/>
+              <a:t>개 이상 발생하는 스펙 중 </a:t>
+            </a:r>
+            <a:r>
+              <a:rPr lang="ko-KR" altLang="en-US" dirty="0" err="1"/>
+              <a:t>스켈링</a:t>
+            </a:r>
+            <a:r>
+              <a:rPr lang="ko-KR" altLang="en-US" dirty="0"/>
+              <a:t> 발생률이 </a:t>
+            </a:r>
+            <a:r>
+              <a:rPr lang="en-US" altLang="ko-KR" dirty="0"/>
+              <a:t>75%</a:t>
+            </a:r>
+            <a:r>
+              <a:rPr lang="ko-KR" altLang="en-US" dirty="0"/>
+              <a:t>이상이 것 </a:t>
+            </a:r>
+            <a:r>
+              <a:rPr lang="en-US" altLang="ko-KR" dirty="0"/>
+              <a:t>+ 25% </a:t>
+            </a:r>
+            <a:r>
+              <a:rPr lang="ko-KR" altLang="en-US"/>
+              <a:t>이하인 것의 분포를 확인했다는 것 추가하기</a:t>
+            </a:r>
+            <a:endParaRPr lang="ko-KR" altLang="en-US" dirty="0"/>
+          </a:p>
+        </p:txBody>
+      </p:sp>
+      <p:sp>
+        <p:nvSpPr>
+          <p:cNvPr id="4" name="슬라이드 번호 개체 틀 3"/>
+          <p:cNvSpPr>
+            <a:spLocks noGrp="1"/>
+          </p:cNvSpPr>
+          <p:nvPr>
+            <p:ph type="sldNum" sz="quarter" idx="5"/>
+          </p:nvPr>
+        </p:nvSpPr>
+        <p:spPr/>
+        <p:txBody>
+          <a:bodyPr/>
+          <a:lstStyle/>
+          <a:p>
+            <a:fld id="{84757863-399E-4054-9FCF-974BD82ADDDA}" type="slidenum">
+              <a:rPr lang="ko-KR" altLang="en-US" smtClean="0"/>
+              <a:t>12</a:t>
+            </a:fld>
+            <a:endParaRPr lang="ko-KR" altLang="en-US"/>
+          </a:p>
+        </p:txBody>
+      </p:sp>
+    </p:spTree>
+    <p:extLst>
+      <p:ext uri="{BB962C8B-B14F-4D97-AF65-F5344CB8AC3E}">
+        <p14:creationId xmlns:p14="http://schemas.microsoft.com/office/powerpoint/2010/main" val="1739386717"/>
       </p:ext>
     </p:extLst>
   </p:cSld>
@@ -6532,13 +6656,16 @@
               </a:rPr>
               <a:t>생성</a:t>
             </a:r>
-            <a:endParaRPr lang="en-US" altLang="ko-KR" sz="1600" dirty="0">
-              <a:solidFill>
-                <a:schemeClr val="tx1"/>
-              </a:solidFill>
-              <a:latin typeface="나눔바른고딕" panose="020B0603020101020101" pitchFamily="50" charset="-127"/>
-              <a:ea typeface="나눔바른고딕" panose="020B0603020101020101" pitchFamily="50" charset="-127"/>
-            </a:endParaRPr>
+            <a:r>
+              <a:rPr lang="en-US" altLang="ko-KR" sz="1600" dirty="0">
+                <a:solidFill>
+                  <a:schemeClr val="tx1"/>
+                </a:solidFill>
+                <a:latin typeface="나눔바른고딕" panose="020B0603020101020101" pitchFamily="50" charset="-127"/>
+                <a:ea typeface="나눔바른고딕" panose="020B0603020101020101" pitchFamily="50" charset="-127"/>
+              </a:rPr>
+              <a:t>(appendix1)</a:t>
+            </a:r>
           </a:p>
         </p:txBody>
       </p:sp>
@@ -6844,7 +6971,7 @@
               <a:rPr lang="en-US" altLang="ko-KR" sz="1200" dirty="0"/>
             </a:br>
             <a:r>
-              <a:rPr lang="en-US" altLang="ko-KR" sz="1200" dirty="0"/>
+              <a:rPr lang="en-US" altLang="ko-KR" sz="1200" u="sng" dirty="0"/>
               <a:t>FUR_SZ_TEMP – ROLLING_TEMP_T5</a:t>
             </a:r>
           </a:p>
@@ -6975,7 +7102,7 @@
         <p:spPr>
           <a:xfrm>
             <a:off x="5463223" y="4804093"/>
-            <a:ext cx="4008749" cy="646331"/>
+            <a:ext cx="4008749" cy="830997"/>
           </a:xfrm>
           <a:prstGeom prst="rect">
             <a:avLst/>
@@ -7068,6 +7195,32 @@
               <a:t>생성</a:t>
             </a:r>
             <a:endParaRPr lang="en-US" altLang="ko-KR" sz="1200" dirty="0"/>
+          </a:p>
+          <a:p>
+            <a:pPr marL="171450" indent="-171450">
+              <a:buFont typeface="Wingdings" panose="05000000000000000000" pitchFamily="2" charset="2"/>
+              <a:buChar char="Ø"/>
+            </a:pPr>
+            <a:r>
+              <a:rPr lang="en-US" altLang="ko-KR" sz="1200" u="sng" dirty="0"/>
+              <a:t>(</a:t>
+            </a:r>
+            <a:r>
+              <a:rPr lang="ko-KR" altLang="en-US" sz="1200" u="sng" dirty="0"/>
+              <a:t>기존 </a:t>
+            </a:r>
+            <a:r>
+              <a:rPr lang="en-US" altLang="ko-KR" sz="1200" u="sng" dirty="0"/>
+              <a:t>SPEC </a:t>
+            </a:r>
+            <a:r>
+              <a:rPr lang="ko-KR" altLang="en-US" sz="1200" u="sng" dirty="0"/>
+              <a:t>삭제예정</a:t>
+            </a:r>
+            <a:r>
+              <a:rPr lang="en-US" altLang="ko-KR" sz="1200" u="sng" dirty="0"/>
+              <a:t>)</a:t>
+            </a:r>
           </a:p>
         </p:txBody>
       </p:sp>
@@ -7181,7 +7334,7 @@
         </p:nvSpPr>
         <p:spPr>
           <a:xfrm>
-            <a:off x="325817" y="6596390"/>
+            <a:off x="375580" y="6596390"/>
             <a:ext cx="10069550" cy="261610"/>
           </a:xfrm>
           <a:prstGeom prst="rect">
@@ -7845,7 +7998,12 @@
             <p:ph type="title"/>
           </p:nvPr>
         </p:nvSpPr>
-        <p:spPr/>
+        <p:spPr>
+          <a:xfrm>
+            <a:off x="381000" y="381000"/>
+            <a:ext cx="8946794" cy="307777"/>
+          </a:xfrm>
+        </p:spPr>
         <p:txBody>
           <a:bodyPr/>
           <a:lstStyle/>
@@ -7875,6 +8033,157 @@
               <a:t>specific spec</a:t>
             </a:r>
             <a:endParaRPr lang="ko-KR" altLang="en-US" dirty="0"/>
+          </a:p>
+        </p:txBody>
+      </p:sp>
+      <p:pic>
+        <p:nvPicPr>
+          <p:cNvPr id="1026" name="Picture 2">
+            <a:extLst>
+              <a:ext uri="{FF2B5EF4-FFF2-40B4-BE49-F238E27FC236}">
+                <a16:creationId xmlns:a16="http://schemas.microsoft.com/office/drawing/2014/main" id="{3E99A2BB-0668-44C4-863C-2605760BE1D8}"/>
+              </a:ext>
+            </a:extLst>
+          </p:cNvPr>
+          <p:cNvPicPr>
+            <a:picLocks noChangeAspect="1" noChangeArrowheads="1"/>
+          </p:cNvPicPr>
+          <p:nvPr/>
+        </p:nvPicPr>
+        <p:blipFill>
+          <a:blip r:embed="rId3">
+            <a:extLst>
+              <a:ext uri="{28A0092B-C50C-407E-A947-70E740481C1C}">
+                <a14:useLocalDpi xmlns:a14="http://schemas.microsoft.com/office/drawing/2010/main" val="0"/>
+              </a:ext>
+            </a:extLst>
+          </a:blip>
+          <a:srcRect/>
+          <a:stretch>
+            <a:fillRect/>
+          </a:stretch>
+        </p:blipFill>
+        <p:spPr bwMode="auto">
+          <a:xfrm>
+            <a:off x="1828800" y="726099"/>
+            <a:ext cx="6550025" cy="5672836"/>
+          </a:xfrm>
+          <a:prstGeom prst="rect">
+            <a:avLst/>
+          </a:prstGeom>
+          <a:noFill/>
+          <a:extLst>
+            <a:ext uri="{909E8E84-426E-40DD-AFC4-6F175D3DCCD1}">
+              <a14:hiddenFill xmlns:a14="http://schemas.microsoft.com/office/drawing/2010/main">
+                <a:solidFill>
+                  <a:srgbClr val="FFFFFF"/>
+                </a:solidFill>
+              </a14:hiddenFill>
+            </a:ext>
+          </a:extLst>
+        </p:spPr>
+      </p:pic>
+      <p:sp>
+        <p:nvSpPr>
+          <p:cNvPr id="3" name="TextBox 2">
+            <a:extLst>
+              <a:ext uri="{FF2B5EF4-FFF2-40B4-BE49-F238E27FC236}">
+                <a16:creationId xmlns:a16="http://schemas.microsoft.com/office/drawing/2014/main" id="{218A5806-1885-49D2-B1C0-CB96FC9AC082}"/>
+              </a:ext>
+            </a:extLst>
+          </p:cNvPr>
+          <p:cNvSpPr txBox="1"/>
+          <p:nvPr/>
+        </p:nvSpPr>
+        <p:spPr>
+          <a:xfrm>
+            <a:off x="7467600" y="990600"/>
+            <a:ext cx="2057400" cy="3970318"/>
+          </a:xfrm>
+          <a:prstGeom prst="rect">
+            <a:avLst/>
+          </a:prstGeom>
+          <a:noFill/>
+        </p:spPr>
+        <p:txBody>
+          <a:bodyPr wrap="square" rtlCol="0">
+            <a:spAutoFit/>
+          </a:bodyPr>
+          <a:lstStyle/>
+          <a:p>
+            <a:r>
+              <a:rPr lang="en-US" altLang="ko-KR" dirty="0"/>
+              <a:t>SCALE</a:t>
+            </a:r>
+            <a:r>
+              <a:rPr lang="ko-KR" altLang="en-US" dirty="0"/>
+              <a:t>이 주로 발생하는 특정 </a:t>
+            </a:r>
+            <a:r>
+              <a:rPr lang="en-US" altLang="ko-KR" dirty="0"/>
+              <a:t>SPEC</a:t>
+            </a:r>
+            <a:r>
+              <a:rPr lang="ko-KR" altLang="en-US" dirty="0"/>
+              <a:t>의 </a:t>
+            </a:r>
+            <a:r>
+              <a:rPr lang="ko-KR" altLang="en-US" dirty="0" err="1"/>
+              <a:t>슬라브들은</a:t>
+            </a:r>
+            <a:r>
+              <a:rPr lang="ko-KR" altLang="en-US" dirty="0"/>
+              <a:t> 그렇지 않은 </a:t>
+            </a:r>
+            <a:r>
+              <a:rPr lang="ko-KR" altLang="en-US" dirty="0" err="1"/>
+              <a:t>슬라브들에</a:t>
+            </a:r>
+            <a:r>
+              <a:rPr lang="ko-KR" altLang="en-US" dirty="0"/>
+              <a:t> 비해서 무게</a:t>
+            </a:r>
+            <a:r>
+              <a:rPr lang="en-US" altLang="ko-KR" dirty="0"/>
+              <a:t>, </a:t>
+            </a:r>
+            <a:r>
+              <a:rPr lang="ko-KR" altLang="en-US" dirty="0"/>
+              <a:t>길이</a:t>
+            </a:r>
+            <a:r>
+              <a:rPr lang="en-US" altLang="ko-KR" dirty="0"/>
+              <a:t>, </a:t>
+            </a:r>
+            <a:r>
+              <a:rPr lang="ko-KR" altLang="en-US" dirty="0"/>
+              <a:t>두께 등이 달랐고</a:t>
+            </a:r>
+            <a:r>
+              <a:rPr lang="en-US" altLang="ko-KR" dirty="0"/>
+              <a:t>, </a:t>
+            </a:r>
+            <a:r>
+              <a:rPr lang="ko-KR" altLang="en-US" dirty="0"/>
+              <a:t>가열로 내에서 온도가 다르게 나타났다</a:t>
+            </a:r>
+            <a:r>
+              <a:rPr lang="en-US" altLang="ko-KR" dirty="0"/>
+              <a:t>.</a:t>
+            </a:r>
+          </a:p>
+          <a:p>
+            <a:endParaRPr lang="en-US" altLang="ko-KR" dirty="0"/>
+          </a:p>
+          <a:p>
+            <a:r>
+              <a:rPr lang="en-US" altLang="ko-KR" dirty="0"/>
+              <a:t>-&gt; </a:t>
+            </a:r>
+            <a:r>
+              <a:rPr lang="ko-KR" altLang="en-US" dirty="0"/>
+              <a:t>분석 결과를 토대로 엔지니어들과 협의를 통해 보완 필요</a:t>
+            </a:r>
           </a:p>
         </p:txBody>
       </p:sp>
@@ -13985,15 +14294,7 @@
             </a:pPr>
             <a:r>
               <a:rPr lang="ko-KR" altLang="en-US" sz="1200" dirty="0"/>
-              <a:t>세 변수의 </a:t>
-            </a:r>
-            <a:r>
-              <a:rPr lang="ko-KR" altLang="en-US" sz="1200" dirty="0" err="1"/>
-              <a:t>집단별</a:t>
-            </a:r>
-            <a:r>
-              <a:rPr lang="ko-KR" altLang="en-US" sz="1200" dirty="0"/>
-              <a:t> </a:t>
+              <a:t>세 변수의 집단 별 </a:t>
             </a:r>
             <a:r>
               <a:rPr lang="en-US" altLang="ko-KR" sz="1200" dirty="0"/>
@@ -16436,7 +16737,7 @@
         </p:nvSpPr>
         <p:spPr>
           <a:xfrm>
-            <a:off x="5381359" y="1899562"/>
+            <a:off x="5381360" y="1899561"/>
             <a:ext cx="4094706" cy="369332"/>
           </a:xfrm>
           <a:prstGeom prst="roundRect">
@@ -16486,7 +16787,17 @@
                 <a:latin typeface="나눔바른고딕" panose="020B0603020101020101" pitchFamily="50" charset="-127"/>
                 <a:ea typeface="나눔바른고딕" panose="020B0603020101020101" pitchFamily="50" charset="-127"/>
               </a:rPr>
-              <a:t>2 – ROLLING_DECALING </a:t>
+              <a:t>2 – </a:t>
+            </a:r>
+            <a:r>
+              <a:rPr lang="en-US" altLang="ko-KR" sz="1400" b="1" dirty="0">
+                <a:solidFill>
+                  <a:schemeClr val="tx1"/>
+                </a:solidFill>
+                <a:latin typeface="나눔바른고딕" panose="020B0603020101020101" pitchFamily="50" charset="-127"/>
+                <a:ea typeface="나눔바른고딕" panose="020B0603020101020101" pitchFamily="50" charset="-127"/>
+              </a:rPr>
+              <a:t>ROLLING_DECALING </a:t>
             </a:r>
             <a:r>
               <a:rPr lang="ko-KR" altLang="en-US" sz="1400" dirty="0">
@@ -16515,7 +16826,27 @@
                 <a:latin typeface="나눔바른고딕" panose="020B0603020101020101" pitchFamily="50" charset="-127"/>
                 <a:ea typeface="나눔바른고딕" panose="020B0603020101020101" pitchFamily="50" charset="-127"/>
               </a:rPr>
-              <a:t>	HSB </a:t>
+              <a:t>	</a:t>
+            </a:r>
+            <a:r>
+              <a:rPr lang="en-US" altLang="ko-KR" sz="1400" b="1" dirty="0">
+                <a:solidFill>
+                  <a:schemeClr val="tx1"/>
+                </a:solidFill>
+                <a:latin typeface="나눔바른고딕" panose="020B0603020101020101" pitchFamily="50" charset="-127"/>
+                <a:ea typeface="나눔바른고딕" panose="020B0603020101020101" pitchFamily="50" charset="-127"/>
+              </a:rPr>
+              <a:t>HSB</a:t>
+            </a:r>
+            <a:r>
+              <a:rPr lang="en-US" altLang="ko-KR" sz="1400" dirty="0">
+                <a:solidFill>
+                  <a:schemeClr val="tx1"/>
+                </a:solidFill>
+                <a:latin typeface="나눔바른고딕" panose="020B0603020101020101" pitchFamily="50" charset="-127"/>
+                <a:ea typeface="나눔바른고딕" panose="020B0603020101020101" pitchFamily="50" charset="-127"/>
+              </a:rPr>
+              <a:t> </a:t>
             </a:r>
             <a:r>
               <a:rPr lang="ko-KR" altLang="en-US" sz="1400" dirty="0">
@@ -16821,7 +17152,7 @@
         </p:nvSpPr>
         <p:spPr>
           <a:xfrm rot="13255056">
-            <a:off x="9033784" y="2901045"/>
+            <a:off x="9033785" y="2901044"/>
             <a:ext cx="270334" cy="255115"/>
           </a:xfrm>
           <a:prstGeom prst="downArrow">
@@ -16929,6 +17260,54 @@
           <a:lstStyle/>
           <a:p>
             <a:pPr algn="ctr"/>
+            <a:endParaRPr lang="ko-KR" altLang="en-US" dirty="0"/>
+          </a:p>
+        </p:txBody>
+      </p:sp>
+      <p:sp>
+        <p:nvSpPr>
+          <p:cNvPr id="2" name="TextBox 1">
+            <a:extLst>
+              <a:ext uri="{FF2B5EF4-FFF2-40B4-BE49-F238E27FC236}">
+                <a16:creationId xmlns:a16="http://schemas.microsoft.com/office/drawing/2014/main" id="{53CE40F1-2A4C-41BF-BC7D-FC9E885B0632}"/>
+              </a:ext>
+            </a:extLst>
+          </p:cNvPr>
+          <p:cNvSpPr txBox="1"/>
+          <p:nvPr/>
+        </p:nvSpPr>
+        <p:spPr>
+          <a:xfrm>
+            <a:off x="750662" y="6035576"/>
+            <a:ext cx="3903633" cy="369332"/>
+          </a:xfrm>
+          <a:prstGeom prst="rect">
+            <a:avLst/>
+          </a:prstGeom>
+          <a:noFill/>
+        </p:spPr>
+        <p:txBody>
+          <a:bodyPr wrap="none" rtlCol="0">
+            <a:spAutoFit/>
+          </a:bodyPr>
+          <a:lstStyle/>
+          <a:p>
+            <a:r>
+              <a:rPr lang="ko-KR" altLang="en-US" dirty="0"/>
+              <a:t>가설 </a:t>
+            </a:r>
+            <a:r>
+              <a:rPr lang="en-US" altLang="ko-KR" dirty="0"/>
+              <a:t>– </a:t>
+            </a:r>
+            <a:r>
+              <a:rPr lang="ko-KR" altLang="en-US" dirty="0"/>
+              <a:t>온도가 스케일에 영향을 준다</a:t>
+            </a:r>
+            <a:r>
+              <a:rPr lang="en-US" altLang="ko-KR" dirty="0"/>
+              <a:t>?</a:t>
+            </a:r>
             <a:endParaRPr lang="ko-KR" altLang="en-US" dirty="0"/>
           </a:p>
         </p:txBody>

--- a/스케일 불량요인 파악과 개선기회 도출.pptx
+++ b/스케일 불량요인 파악과 개선기회 도출.pptx
@@ -5,7 +5,7 @@
     <p:sldMasterId id="2147483648" r:id="rId1"/>
   </p:sldMasterIdLst>
   <p:notesMasterIdLst>
-    <p:notesMasterId r:id="rId14"/>
+    <p:notesMasterId r:id="rId16"/>
   </p:notesMasterIdLst>
   <p:sldIdLst>
     <p:sldId id="256" r:id="rId2"/>
@@ -19,7 +19,9 @@
     <p:sldId id="268" r:id="rId10"/>
     <p:sldId id="265" r:id="rId11"/>
     <p:sldId id="269" r:id="rId12"/>
-    <p:sldId id="266" r:id="rId13"/>
+    <p:sldId id="270" r:id="rId13"/>
+    <p:sldId id="271" r:id="rId14"/>
+    <p:sldId id="266" r:id="rId15"/>
   </p:sldIdLst>
   <p:sldSz cx="9906000" cy="6858000" type="A4"/>
   <p:notesSz cx="9906000" cy="6858000"/>
@@ -126,7 +128,7 @@
             <a:srgbClr val="A4A3A4"/>
           </p15:clr>
         </p15:guide>
-        <p15:guide id="2" pos="2160">
+        <p15:guide id="2" pos="2352" userDrawn="1">
           <p15:clr>
             <a:srgbClr val="A4A3A4"/>
           </p15:clr>
@@ -219,7 +221,7 @@
           <a:p>
             <a:fld id="{7580F0BB-1507-4D83-B342-5A2DE1AE7B0C}" type="datetimeFigureOut">
               <a:rPr lang="ko-KR" altLang="en-US" smtClean="0"/>
-              <a:t>2021-03-25</a:t>
+              <a:t>2021-03-27</a:t>
             </a:fld>
             <a:endParaRPr lang="ko-KR" altLang="en-US"/>
           </a:p>
@@ -793,6 +795,214 @@
 </p:notes>
 </file>
 
+<file path=ppt/notesSlides/notesSlide10.xml><?xml version="1.0" encoding="utf-8"?>
+<p:notes xmlns:a="http://schemas.openxmlformats.org/drawingml/2006/main" xmlns:r="http://schemas.openxmlformats.org/officeDocument/2006/relationships" xmlns:p="http://schemas.openxmlformats.org/presentationml/2006/main">
+  <p:cSld>
+    <p:spTree>
+      <p:nvGrpSpPr>
+        <p:cNvPr id="1" name=""/>
+        <p:cNvGrpSpPr/>
+        <p:nvPr/>
+      </p:nvGrpSpPr>
+      <p:grpSpPr>
+        <a:xfrm>
+          <a:off x="0" y="0"/>
+          <a:ext cx="0" cy="0"/>
+          <a:chOff x="0" y="0"/>
+          <a:chExt cx="0" cy="0"/>
+        </a:xfrm>
+      </p:grpSpPr>
+      <p:sp>
+        <p:nvSpPr>
+          <p:cNvPr id="2" name="슬라이드 이미지 개체 틀 1"/>
+          <p:cNvSpPr>
+            <a:spLocks noGrp="1" noRot="1" noChangeAspect="1"/>
+          </p:cNvSpPr>
+          <p:nvPr>
+            <p:ph type="sldImg"/>
+          </p:nvPr>
+        </p:nvSpPr>
+        <p:spPr/>
+      </p:sp>
+      <p:sp>
+        <p:nvSpPr>
+          <p:cNvPr id="3" name="슬라이드 노트 개체 틀 2"/>
+          <p:cNvSpPr>
+            <a:spLocks noGrp="1"/>
+          </p:cNvSpPr>
+          <p:nvPr>
+            <p:ph type="body" idx="1"/>
+          </p:nvPr>
+        </p:nvSpPr>
+        <p:spPr/>
+        <p:txBody>
+          <a:bodyPr/>
+          <a:lstStyle/>
+          <a:p>
+            <a:endParaRPr lang="ko-KR" altLang="en-US" dirty="0"/>
+          </a:p>
+        </p:txBody>
+      </p:sp>
+      <p:sp>
+        <p:nvSpPr>
+          <p:cNvPr id="4" name="슬라이드 번호 개체 틀 3"/>
+          <p:cNvSpPr>
+            <a:spLocks noGrp="1"/>
+          </p:cNvSpPr>
+          <p:nvPr>
+            <p:ph type="sldNum" sz="quarter" idx="5"/>
+          </p:nvPr>
+        </p:nvSpPr>
+        <p:spPr/>
+        <p:txBody>
+          <a:bodyPr/>
+          <a:lstStyle/>
+          <a:p>
+            <a:fld id="{84757863-399E-4054-9FCF-974BD82ADDDA}" type="slidenum">
+              <a:rPr lang="ko-KR" altLang="en-US" smtClean="0"/>
+              <a:t>13</a:t>
+            </a:fld>
+            <a:endParaRPr lang="ko-KR" altLang="en-US"/>
+          </a:p>
+        </p:txBody>
+      </p:sp>
+    </p:spTree>
+    <p:extLst>
+      <p:ext uri="{BB962C8B-B14F-4D97-AF65-F5344CB8AC3E}">
+        <p14:creationId xmlns:p14="http://schemas.microsoft.com/office/powerpoint/2010/main" val="3941533926"/>
+      </p:ext>
+    </p:extLst>
+  </p:cSld>
+  <p:clrMapOvr>
+    <a:masterClrMapping/>
+  </p:clrMapOvr>
+</p:notes>
+</file>
+
+<file path=ppt/notesSlides/notesSlide11.xml><?xml version="1.0" encoding="utf-8"?>
+<p:notes xmlns:a="http://schemas.openxmlformats.org/drawingml/2006/main" xmlns:r="http://schemas.openxmlformats.org/officeDocument/2006/relationships" xmlns:p="http://schemas.openxmlformats.org/presentationml/2006/main">
+  <p:cSld>
+    <p:spTree>
+      <p:nvGrpSpPr>
+        <p:cNvPr id="1" name=""/>
+        <p:cNvGrpSpPr/>
+        <p:nvPr/>
+      </p:nvGrpSpPr>
+      <p:grpSpPr>
+        <a:xfrm>
+          <a:off x="0" y="0"/>
+          <a:ext cx="0" cy="0"/>
+          <a:chOff x="0" y="0"/>
+          <a:chExt cx="0" cy="0"/>
+        </a:xfrm>
+      </p:grpSpPr>
+      <p:sp>
+        <p:nvSpPr>
+          <p:cNvPr id="2" name="슬라이드 이미지 개체 틀 1"/>
+          <p:cNvSpPr>
+            <a:spLocks noGrp="1" noRot="1" noChangeAspect="1"/>
+          </p:cNvSpPr>
+          <p:nvPr>
+            <p:ph type="sldImg"/>
+          </p:nvPr>
+        </p:nvSpPr>
+        <p:spPr/>
+      </p:sp>
+      <p:sp>
+        <p:nvSpPr>
+          <p:cNvPr id="3" name="슬라이드 노트 개체 틀 2"/>
+          <p:cNvSpPr>
+            <a:spLocks noGrp="1"/>
+          </p:cNvSpPr>
+          <p:nvPr>
+            <p:ph type="body" idx="1"/>
+          </p:nvPr>
+        </p:nvSpPr>
+        <p:spPr/>
+        <p:txBody>
+          <a:bodyPr/>
+          <a:lstStyle/>
+          <a:p>
+            <a:r>
+              <a:rPr lang="en-US" altLang="ko-KR" dirty="0"/>
+              <a:t>High, low </a:t>
+            </a:r>
+            <a:r>
+              <a:rPr lang="ko-KR" altLang="en-US" dirty="0"/>
+              <a:t>각각 표로 정리한 뒤</a:t>
+            </a:r>
+            <a:r>
+              <a:rPr lang="en-US" altLang="ko-KR" dirty="0"/>
+              <a:t>, 4</a:t>
+            </a:r>
+            <a:r>
+              <a:rPr lang="ko-KR" altLang="en-US" dirty="0"/>
+              <a:t>개 이상 발생하는 스펙 중 </a:t>
+            </a:r>
+            <a:r>
+              <a:rPr lang="ko-KR" altLang="en-US" dirty="0" err="1"/>
+              <a:t>스켈링</a:t>
+            </a:r>
+            <a:r>
+              <a:rPr lang="ko-KR" altLang="en-US" dirty="0"/>
+              <a:t> 발생률이 </a:t>
+            </a:r>
+            <a:r>
+              <a:rPr lang="en-US" altLang="ko-KR" dirty="0"/>
+              <a:t>75%</a:t>
+            </a:r>
+            <a:r>
+              <a:rPr lang="ko-KR" altLang="en-US" dirty="0"/>
+              <a:t>이상이 것 </a:t>
+            </a:r>
+            <a:r>
+              <a:rPr lang="en-US" altLang="ko-KR" dirty="0"/>
+              <a:t>+ 25% </a:t>
+            </a:r>
+            <a:r>
+              <a:rPr lang="ko-KR" altLang="en-US"/>
+              <a:t>이하인 것의 분포를 확인했다는 것 추가하기</a:t>
+            </a:r>
+            <a:endParaRPr lang="ko-KR" altLang="en-US" dirty="0"/>
+          </a:p>
+        </p:txBody>
+      </p:sp>
+      <p:sp>
+        <p:nvSpPr>
+          <p:cNvPr id="4" name="슬라이드 번호 개체 틀 3"/>
+          <p:cNvSpPr>
+            <a:spLocks noGrp="1"/>
+          </p:cNvSpPr>
+          <p:nvPr>
+            <p:ph type="sldNum" sz="quarter" idx="5"/>
+          </p:nvPr>
+        </p:nvSpPr>
+        <p:spPr/>
+        <p:txBody>
+          <a:bodyPr/>
+          <a:lstStyle/>
+          <a:p>
+            <a:fld id="{84757863-399E-4054-9FCF-974BD82ADDDA}" type="slidenum">
+              <a:rPr lang="ko-KR" altLang="en-US" smtClean="0"/>
+              <a:t>14</a:t>
+            </a:fld>
+            <a:endParaRPr lang="ko-KR" altLang="en-US"/>
+          </a:p>
+        </p:txBody>
+      </p:sp>
+    </p:spTree>
+    <p:extLst>
+      <p:ext uri="{BB962C8B-B14F-4D97-AF65-F5344CB8AC3E}">
+        <p14:creationId xmlns:p14="http://schemas.microsoft.com/office/powerpoint/2010/main" val="1739386717"/>
+      </p:ext>
+    </p:extLst>
+  </p:cSld>
+  <p:clrMapOvr>
+    <a:masterClrMapping/>
+  </p:clrMapOvr>
+</p:notes>
+</file>
+
 <file path=ppt/notesSlides/notesSlide2.xml><?xml version="1.0" encoding="utf-8"?>
 <p:notes xmlns:a="http://schemas.openxmlformats.org/drawingml/2006/main" xmlns:r="http://schemas.openxmlformats.org/officeDocument/2006/relationships" xmlns:p="http://schemas.openxmlformats.org/presentationml/2006/main">
   <p:cSld>
@@ -1441,46 +1651,6 @@
           <a:bodyPr/>
           <a:lstStyle/>
           <a:p>
-            <a:r>
-              <a:rPr lang="en-US" altLang="ko-KR" dirty="0"/>
-              <a:t>High, low </a:t>
-            </a:r>
-            <a:r>
-              <a:rPr lang="ko-KR" altLang="en-US" dirty="0"/>
-              <a:t>각각 표로 정리한 뒤</a:t>
-            </a:r>
-            <a:r>
-              <a:rPr lang="en-US" altLang="ko-KR" dirty="0"/>
-              <a:t>, 4</a:t>
-            </a:r>
-            <a:r>
-              <a:rPr lang="ko-KR" altLang="en-US" dirty="0"/>
-              <a:t>개 이상 발생하는 스펙 중 </a:t>
-            </a:r>
-            <a:r>
-              <a:rPr lang="ko-KR" altLang="en-US" dirty="0" err="1"/>
-              <a:t>스켈링</a:t>
-            </a:r>
-            <a:r>
-              <a:rPr lang="ko-KR" altLang="en-US" dirty="0"/>
-              <a:t> 발생률이 </a:t>
-            </a:r>
-            <a:r>
-              <a:rPr lang="en-US" altLang="ko-KR" dirty="0"/>
-              <a:t>75%</a:t>
-            </a:r>
-            <a:r>
-              <a:rPr lang="ko-KR" altLang="en-US" dirty="0"/>
-              <a:t>이상이 것 </a:t>
-            </a:r>
-            <a:r>
-              <a:rPr lang="en-US" altLang="ko-KR" dirty="0"/>
-              <a:t>+ 25% </a:t>
-            </a:r>
-            <a:r>
-              <a:rPr lang="ko-KR" altLang="en-US"/>
-              <a:t>이하인 것의 분포를 확인했다는 것 추가하기</a:t>
-            </a:r>
             <a:endParaRPr lang="ko-KR" altLang="en-US" dirty="0"/>
           </a:p>
         </p:txBody>
@@ -1511,7 +1681,7 @@
     </p:spTree>
     <p:extLst>
       <p:ext uri="{BB962C8B-B14F-4D97-AF65-F5344CB8AC3E}">
-        <p14:creationId xmlns:p14="http://schemas.microsoft.com/office/powerpoint/2010/main" val="1739386717"/>
+        <p14:creationId xmlns:p14="http://schemas.microsoft.com/office/powerpoint/2010/main" val="2065543659"/>
       </p:ext>
     </p:extLst>
   </p:cSld>
@@ -1675,7 +1845,7 @@
           <a:p>
             <a:fld id="{1D8BD707-D9CF-40AE-B4C6-C98DA3205C09}" type="datetimeFigureOut">
               <a:rPr lang="en-US"/>
-              <a:t>3/25/2021</a:t>
+              <a:t>3/27/2021</a:t>
             </a:fld>
             <a:endParaRPr lang="en-US"/>
           </a:p>
@@ -1863,7 +2033,7 @@
           <a:p>
             <a:fld id="{1D8BD707-D9CF-40AE-B4C6-C98DA3205C09}" type="datetimeFigureOut">
               <a:rPr lang="en-US"/>
-              <a:t>3/25/2021</a:t>
+              <a:t>3/27/2021</a:t>
             </a:fld>
             <a:endParaRPr lang="en-US"/>
           </a:p>
@@ -2092,7 +2262,7 @@
           <a:p>
             <a:fld id="{1D8BD707-D9CF-40AE-B4C6-C98DA3205C09}" type="datetimeFigureOut">
               <a:rPr lang="en-US"/>
-              <a:t>3/25/2021</a:t>
+              <a:t>3/27/2021</a:t>
             </a:fld>
             <a:endParaRPr lang="en-US"/>
           </a:p>
@@ -2259,7 +2429,7 @@
           <a:p>
             <a:fld id="{1D8BD707-D9CF-40AE-B4C6-C98DA3205C09}" type="datetimeFigureOut">
               <a:rPr lang="en-US"/>
-              <a:t>3/25/2021</a:t>
+              <a:t>3/27/2021</a:t>
             </a:fld>
             <a:endParaRPr lang="en-US"/>
           </a:p>
@@ -5797,7 +5967,7 @@
           <a:p>
             <a:fld id="{1D8BD707-D9CF-40AE-B4C6-C98DA3205C09}" type="datetimeFigureOut">
               <a:rPr lang="en-US"/>
-              <a:t>3/25/2021</a:t>
+              <a:t>3/27/2021</a:t>
             </a:fld>
             <a:endParaRPr lang="en-US"/>
           </a:p>
@@ -6067,7 +6237,7 @@
             <a:fld id="{1D8BD707-D9CF-40AE-B4C6-C98DA3205C09}" type="datetimeFigureOut">
               <a:rPr lang="en-US" smtClean="0"/>
               <a:pPr/>
-              <a:t>3/25/2021</a:t>
+              <a:t>3/27/2021</a:t>
             </a:fld>
             <a:endParaRPr lang="en-US" dirty="0"/>
           </a:p>
@@ -7966,6 +8136,2186 @@
 </file>
 
 <file path=ppt/slides/slide12.xml><?xml version="1.0" encoding="utf-8"?>
+<p:sld xmlns:a="http://schemas.openxmlformats.org/drawingml/2006/main" xmlns:r="http://schemas.openxmlformats.org/officeDocument/2006/relationships" xmlns:p="http://schemas.openxmlformats.org/presentationml/2006/main" showMasterSp="0">
+  <p:cSld>
+    <p:spTree>
+      <p:nvGrpSpPr>
+        <p:cNvPr id="1" name=""/>
+        <p:cNvGrpSpPr/>
+        <p:nvPr/>
+      </p:nvGrpSpPr>
+      <p:grpSpPr>
+        <a:xfrm>
+          <a:off x="0" y="0"/>
+          <a:ext cx="0" cy="0"/>
+          <a:chOff x="0" y="0"/>
+          <a:chExt cx="0" cy="0"/>
+        </a:xfrm>
+      </p:grpSpPr>
+      <p:sp>
+        <p:nvSpPr>
+          <p:cNvPr id="28" name="object 3">
+            <a:extLst>
+              <a:ext uri="{FF2B5EF4-FFF2-40B4-BE49-F238E27FC236}">
+                <a16:creationId xmlns:a16="http://schemas.microsoft.com/office/drawing/2014/main" id="{11534E7C-F12F-4497-B73D-C74AE55ADAF8}"/>
+              </a:ext>
+            </a:extLst>
+          </p:cNvPr>
+          <p:cNvSpPr/>
+          <p:nvPr/>
+        </p:nvSpPr>
+        <p:spPr>
+          <a:xfrm>
+            <a:off x="0" y="1"/>
+            <a:ext cx="9905999" cy="533400"/>
+          </a:xfrm>
+          <a:prstGeom prst="rect">
+            <a:avLst/>
+          </a:prstGeom>
+          <a:blipFill>
+            <a:blip r:embed="rId3" cstate="print"/>
+            <a:stretch>
+              <a:fillRect/>
+            </a:stretch>
+          </a:blipFill>
+        </p:spPr>
+        <p:txBody>
+          <a:bodyPr wrap="square" lIns="0" tIns="0" rIns="0" bIns="0" rtlCol="0"/>
+          <a:lstStyle/>
+          <a:p>
+            <a:endParaRPr dirty="0">
+              <a:latin typeface="나눔바른고딕" panose="020B0603020101020101" pitchFamily="50" charset="-127"/>
+            </a:endParaRPr>
+          </a:p>
+        </p:txBody>
+      </p:sp>
+      <p:sp>
+        <p:nvSpPr>
+          <p:cNvPr id="12" name="TextBox 11">
+            <a:extLst>
+              <a:ext uri="{FF2B5EF4-FFF2-40B4-BE49-F238E27FC236}">
+                <a16:creationId xmlns:a16="http://schemas.microsoft.com/office/drawing/2014/main" id="{CBA28D1E-0502-4910-B0F3-228427360900}"/>
+              </a:ext>
+            </a:extLst>
+          </p:cNvPr>
+          <p:cNvSpPr txBox="1"/>
+          <p:nvPr/>
+        </p:nvSpPr>
+        <p:spPr>
+          <a:xfrm>
+            <a:off x="410851" y="762000"/>
+            <a:ext cx="1165704" cy="369332"/>
+          </a:xfrm>
+          <a:prstGeom prst="rect">
+            <a:avLst/>
+          </a:prstGeom>
+          <a:noFill/>
+        </p:spPr>
+        <p:txBody>
+          <a:bodyPr wrap="none" rtlCol="0">
+            <a:spAutoFit/>
+          </a:bodyPr>
+          <a:lstStyle/>
+          <a:p>
+            <a:pPr marL="285750" indent="-285750">
+              <a:buFont typeface="Wingdings" panose="05000000000000000000" pitchFamily="2" charset="2"/>
+              <a:buChar char="§"/>
+            </a:pPr>
+            <a:r>
+              <a:rPr lang="ko-KR" altLang="en-US" dirty="0"/>
+              <a:t>모델링</a:t>
+            </a:r>
+            <a:endParaRPr lang="en-US" altLang="ko-KR" dirty="0"/>
+          </a:p>
+        </p:txBody>
+      </p:sp>
+      <p:sp>
+        <p:nvSpPr>
+          <p:cNvPr id="44" name="모서리가 둥근 직사각형 14">
+            <a:extLst>
+              <a:ext uri="{FF2B5EF4-FFF2-40B4-BE49-F238E27FC236}">
+                <a16:creationId xmlns:a16="http://schemas.microsoft.com/office/drawing/2014/main" id="{0C79E22F-E566-4B8F-ADF6-EAAA9F9F3BA7}"/>
+              </a:ext>
+            </a:extLst>
+          </p:cNvPr>
+          <p:cNvSpPr/>
+          <p:nvPr/>
+        </p:nvSpPr>
+        <p:spPr>
+          <a:xfrm>
+            <a:off x="410851" y="1170168"/>
+            <a:ext cx="9190349" cy="369332"/>
+          </a:xfrm>
+          <a:prstGeom prst="roundRect">
+            <a:avLst/>
+          </a:prstGeom>
+          <a:ln>
+            <a:noFill/>
+          </a:ln>
+        </p:spPr>
+        <p:style>
+          <a:lnRef idx="2">
+            <a:schemeClr val="accent1"/>
+          </a:lnRef>
+          <a:fillRef idx="1">
+            <a:schemeClr val="lt1"/>
+          </a:fillRef>
+          <a:effectRef idx="0">
+            <a:schemeClr val="accent1"/>
+          </a:effectRef>
+          <a:fontRef idx="minor">
+            <a:schemeClr val="dk1"/>
+          </a:fontRef>
+        </p:style>
+        <p:txBody>
+          <a:bodyPr lIns="68580" tIns="34290" rIns="68580" bIns="34290" rtlCol="0" anchor="ctr"/>
+          <a:lstStyle/>
+          <a:p>
+            <a:pPr marL="285750" indent="-285750">
+              <a:buFont typeface="Wingdings" panose="05000000000000000000" pitchFamily="2" charset="2"/>
+              <a:buChar char="Ø"/>
+            </a:pPr>
+            <a:r>
+              <a:rPr lang="ko-KR" altLang="en-US" sz="1600" dirty="0">
+                <a:solidFill>
+                  <a:schemeClr val="tx1"/>
+                </a:solidFill>
+                <a:latin typeface="나눔바른고딕" panose="020B0603020101020101" pitchFamily="50" charset="-127"/>
+                <a:ea typeface="나눔바른고딕" panose="020B0603020101020101" pitchFamily="50" charset="-127"/>
+              </a:rPr>
+              <a:t>변수의 중요도를 산출하기 위해 트리기반 모델적용</a:t>
+            </a:r>
+            <a:r>
+              <a:rPr lang="en-US" altLang="ko-KR" sz="1600" dirty="0">
+                <a:solidFill>
+                  <a:schemeClr val="tx1"/>
+                </a:solidFill>
+                <a:latin typeface="나눔바른고딕" panose="020B0603020101020101" pitchFamily="50" charset="-127"/>
+                <a:ea typeface="나눔바른고딕" panose="020B0603020101020101" pitchFamily="50" charset="-127"/>
+              </a:rPr>
+              <a:t>, Random search</a:t>
+            </a:r>
+            <a:r>
+              <a:rPr lang="ko-KR" altLang="en-US" sz="1600" dirty="0">
+                <a:solidFill>
+                  <a:schemeClr val="tx1"/>
+                </a:solidFill>
+                <a:latin typeface="나눔바른고딕" panose="020B0603020101020101" pitchFamily="50" charset="-127"/>
+                <a:ea typeface="나눔바른고딕" panose="020B0603020101020101" pitchFamily="50" charset="-127"/>
+              </a:rPr>
+              <a:t>를 통해 학습</a:t>
+            </a:r>
+            <a:endParaRPr lang="en-US" altLang="ko-KR" sz="1600" dirty="0">
+              <a:solidFill>
+                <a:schemeClr val="tx1"/>
+              </a:solidFill>
+              <a:latin typeface="나눔바른고딕" panose="020B0603020101020101" pitchFamily="50" charset="-127"/>
+              <a:ea typeface="나눔바른고딕" panose="020B0603020101020101" pitchFamily="50" charset="-127"/>
+            </a:endParaRPr>
+          </a:p>
+        </p:txBody>
+      </p:sp>
+      <p:sp>
+        <p:nvSpPr>
+          <p:cNvPr id="25" name="TextBox 24">
+            <a:extLst>
+              <a:ext uri="{FF2B5EF4-FFF2-40B4-BE49-F238E27FC236}">
+                <a16:creationId xmlns:a16="http://schemas.microsoft.com/office/drawing/2014/main" id="{2C696971-C59D-4C3B-912C-56383ED5FFA9}"/>
+              </a:ext>
+            </a:extLst>
+          </p:cNvPr>
+          <p:cNvSpPr txBox="1"/>
+          <p:nvPr/>
+        </p:nvSpPr>
+        <p:spPr>
+          <a:xfrm flipH="1">
+            <a:off x="325818" y="0"/>
+            <a:ext cx="7141781" cy="584775"/>
+          </a:xfrm>
+          <a:prstGeom prst="rect">
+            <a:avLst/>
+          </a:prstGeom>
+          <a:noFill/>
+        </p:spPr>
+        <p:txBody>
+          <a:bodyPr wrap="square" rtlCol="0">
+            <a:spAutoFit/>
+          </a:bodyPr>
+          <a:lstStyle/>
+          <a:p>
+            <a:r>
+              <a:rPr lang="en-US" altLang="ko-KR" sz="3200" dirty="0">
+                <a:solidFill>
+                  <a:schemeClr val="bg1"/>
+                </a:solidFill>
+                <a:latin typeface="나눔바른고딕" panose="020B0603020101020101" pitchFamily="50" charset="-127"/>
+                <a:ea typeface="나눔바른고딕" panose="020B0603020101020101" pitchFamily="50" charset="-127"/>
+              </a:rPr>
+              <a:t>01. </a:t>
+            </a:r>
+            <a:r>
+              <a:rPr lang="ko-KR" altLang="en-US" sz="3200" dirty="0">
+                <a:solidFill>
+                  <a:schemeClr val="bg1"/>
+                </a:solidFill>
+                <a:latin typeface="나눔바른고딕" panose="020B0603020101020101" pitchFamily="50" charset="-127"/>
+                <a:ea typeface="나눔바른고딕" panose="020B0603020101020101" pitchFamily="50" charset="-127"/>
+              </a:rPr>
+              <a:t>본론</a:t>
+            </a:r>
+            <a:r>
+              <a:rPr lang="en-US" altLang="ko-KR" sz="3200" dirty="0">
+                <a:solidFill>
+                  <a:schemeClr val="bg1"/>
+                </a:solidFill>
+                <a:latin typeface="나눔바른고딕" panose="020B0603020101020101" pitchFamily="50" charset="-127"/>
+                <a:ea typeface="나눔바른고딕" panose="020B0603020101020101" pitchFamily="50" charset="-127"/>
+              </a:rPr>
+              <a:t>	</a:t>
+            </a:r>
+            <a:r>
+              <a:rPr lang="ko-KR" altLang="en-US" sz="1400" dirty="0" err="1">
+                <a:solidFill>
+                  <a:schemeClr val="tx2">
+                    <a:lumMod val="60000"/>
+                    <a:lumOff val="40000"/>
+                  </a:schemeClr>
+                </a:solidFill>
+                <a:latin typeface="나눔바른고딕" panose="020B0603020101020101" pitchFamily="50" charset="-127"/>
+                <a:ea typeface="나눔바른고딕" panose="020B0603020101020101" pitchFamily="50" charset="-127"/>
+              </a:rPr>
+              <a:t>전처리</a:t>
+            </a:r>
+            <a:r>
+              <a:rPr lang="ko-KR" altLang="en-US" sz="2000" dirty="0">
+                <a:solidFill>
+                  <a:schemeClr val="bg1"/>
+                </a:solidFill>
+                <a:latin typeface="나눔바른고딕" panose="020B0603020101020101" pitchFamily="50" charset="-127"/>
+                <a:ea typeface="나눔바른고딕" panose="020B0603020101020101" pitchFamily="50" charset="-127"/>
+              </a:rPr>
+              <a:t>  </a:t>
+            </a:r>
+            <a:r>
+              <a:rPr lang="en-US" altLang="ko-KR" sz="1400" dirty="0">
+                <a:solidFill>
+                  <a:schemeClr val="tx2">
+                    <a:lumMod val="60000"/>
+                    <a:lumOff val="40000"/>
+                  </a:schemeClr>
+                </a:solidFill>
+                <a:latin typeface="나눔바른고딕" panose="020B0603020101020101" pitchFamily="50" charset="-127"/>
+                <a:ea typeface="나눔바른고딕" panose="020B0603020101020101" pitchFamily="50" charset="-127"/>
+              </a:rPr>
+              <a:t>/  </a:t>
+            </a:r>
+            <a:r>
+              <a:rPr lang="ko-KR" altLang="en-US" sz="1400" dirty="0">
+                <a:solidFill>
+                  <a:schemeClr val="tx2">
+                    <a:lumMod val="60000"/>
+                    <a:lumOff val="40000"/>
+                  </a:schemeClr>
+                </a:solidFill>
+                <a:latin typeface="나눔바른고딕" panose="020B0603020101020101" pitchFamily="50" charset="-127"/>
+                <a:ea typeface="나눔바른고딕" panose="020B0603020101020101" pitchFamily="50" charset="-127"/>
+              </a:rPr>
+              <a:t>데이터 탐색 및 파생변수</a:t>
+            </a:r>
+            <a:r>
+              <a:rPr lang="en-US" altLang="ko-KR" sz="1400" dirty="0">
+                <a:solidFill>
+                  <a:schemeClr val="tx2">
+                    <a:lumMod val="60000"/>
+                    <a:lumOff val="40000"/>
+                  </a:schemeClr>
+                </a:solidFill>
+                <a:latin typeface="나눔바른고딕" panose="020B0603020101020101" pitchFamily="50" charset="-127"/>
+                <a:ea typeface="나눔바른고딕" panose="020B0603020101020101" pitchFamily="50" charset="-127"/>
+              </a:rPr>
+              <a:t> </a:t>
+            </a:r>
+            <a:r>
+              <a:rPr lang="ko-KR" altLang="en-US" sz="1400" dirty="0">
+                <a:solidFill>
+                  <a:schemeClr val="tx2">
+                    <a:lumMod val="60000"/>
+                    <a:lumOff val="40000"/>
+                  </a:schemeClr>
+                </a:solidFill>
+                <a:latin typeface="나눔바른고딕" panose="020B0603020101020101" pitchFamily="50" charset="-127"/>
+                <a:ea typeface="나눔바른고딕" panose="020B0603020101020101" pitchFamily="50" charset="-127"/>
+              </a:rPr>
+              <a:t> </a:t>
+            </a:r>
+            <a:r>
+              <a:rPr lang="en-US" altLang="ko-KR" sz="1400" dirty="0">
+                <a:solidFill>
+                  <a:schemeClr val="tx2">
+                    <a:lumMod val="60000"/>
+                    <a:lumOff val="40000"/>
+                  </a:schemeClr>
+                </a:solidFill>
+                <a:latin typeface="나눔바른고딕" panose="020B0603020101020101" pitchFamily="50" charset="-127"/>
+                <a:ea typeface="나눔바른고딕" panose="020B0603020101020101" pitchFamily="50" charset="-127"/>
+              </a:rPr>
+              <a:t>/  </a:t>
+            </a:r>
+            <a:r>
+              <a:rPr lang="ko-KR" altLang="en-US" sz="1400" dirty="0">
+                <a:solidFill>
+                  <a:schemeClr val="tx2">
+                    <a:lumMod val="60000"/>
+                    <a:lumOff val="40000"/>
+                  </a:schemeClr>
+                </a:solidFill>
+                <a:latin typeface="나눔바른고딕" panose="020B0603020101020101" pitchFamily="50" charset="-127"/>
+                <a:ea typeface="나눔바른고딕" panose="020B0603020101020101" pitchFamily="50" charset="-127"/>
+              </a:rPr>
+              <a:t>최종 변수  </a:t>
+            </a:r>
+            <a:r>
+              <a:rPr lang="en-US" altLang="ko-KR" sz="1400" dirty="0">
+                <a:solidFill>
+                  <a:schemeClr val="tx2">
+                    <a:lumMod val="60000"/>
+                    <a:lumOff val="40000"/>
+                  </a:schemeClr>
+                </a:solidFill>
+                <a:latin typeface="나눔바른고딕" panose="020B0603020101020101" pitchFamily="50" charset="-127"/>
+                <a:ea typeface="나눔바른고딕" panose="020B0603020101020101" pitchFamily="50" charset="-127"/>
+              </a:rPr>
+              <a:t>/  </a:t>
+            </a:r>
+            <a:r>
+              <a:rPr lang="ko-KR" altLang="en-US" sz="1400" dirty="0">
+                <a:solidFill>
+                  <a:schemeClr val="bg1"/>
+                </a:solidFill>
+                <a:latin typeface="나눔바른고딕" panose="020B0603020101020101" pitchFamily="50" charset="-127"/>
+                <a:ea typeface="나눔바른고딕" panose="020B0603020101020101" pitchFamily="50" charset="-127"/>
+              </a:rPr>
+              <a:t>모델링</a:t>
+            </a:r>
+            <a:endParaRPr lang="ko-KR" altLang="en-US" sz="2000" dirty="0">
+              <a:solidFill>
+                <a:schemeClr val="bg1"/>
+              </a:solidFill>
+              <a:latin typeface="나눔바른고딕" panose="020B0603020101020101" pitchFamily="50" charset="-127"/>
+              <a:ea typeface="나눔바른고딕" panose="020B0603020101020101" pitchFamily="50" charset="-127"/>
+            </a:endParaRPr>
+          </a:p>
+        </p:txBody>
+      </p:sp>
+      <p:sp>
+        <p:nvSpPr>
+          <p:cNvPr id="6" name="직사각형 5">
+            <a:extLst>
+              <a:ext uri="{FF2B5EF4-FFF2-40B4-BE49-F238E27FC236}">
+                <a16:creationId xmlns:a16="http://schemas.microsoft.com/office/drawing/2014/main" id="{F6398274-D3C9-48D4-922D-2E188C2A38FD}"/>
+              </a:ext>
+            </a:extLst>
+          </p:cNvPr>
+          <p:cNvSpPr/>
+          <p:nvPr/>
+        </p:nvSpPr>
+        <p:spPr>
+          <a:xfrm>
+            <a:off x="633000" y="1989000"/>
+            <a:ext cx="2743202" cy="1981200"/>
+          </a:xfrm>
+          <a:prstGeom prst="rect">
+            <a:avLst/>
+          </a:prstGeom>
+          <a:noFill/>
+          <a:ln w="19050">
+            <a:solidFill>
+              <a:schemeClr val="accent1">
+                <a:lumMod val="40000"/>
+                <a:lumOff val="60000"/>
+              </a:schemeClr>
+            </a:solidFill>
+          </a:ln>
+        </p:spPr>
+        <p:style>
+          <a:lnRef idx="2">
+            <a:schemeClr val="accent1">
+              <a:shade val="50000"/>
+            </a:schemeClr>
+          </a:lnRef>
+          <a:fillRef idx="1">
+            <a:schemeClr val="accent1"/>
+          </a:fillRef>
+          <a:effectRef idx="0">
+            <a:schemeClr val="accent1"/>
+          </a:effectRef>
+          <a:fontRef idx="minor">
+            <a:schemeClr val="lt1"/>
+          </a:fontRef>
+        </p:style>
+        <p:txBody>
+          <a:bodyPr rtlCol="0" anchor="ctr"/>
+          <a:lstStyle/>
+          <a:p>
+            <a:pPr algn="ctr"/>
+            <a:endParaRPr lang="ko-KR" altLang="en-US" dirty="0"/>
+          </a:p>
+        </p:txBody>
+      </p:sp>
+      <p:sp>
+        <p:nvSpPr>
+          <p:cNvPr id="7" name="직사각형 6">
+            <a:extLst>
+              <a:ext uri="{FF2B5EF4-FFF2-40B4-BE49-F238E27FC236}">
+                <a16:creationId xmlns:a16="http://schemas.microsoft.com/office/drawing/2014/main" id="{082253E5-4893-4EE0-A60D-1DD799792FCF}"/>
+              </a:ext>
+            </a:extLst>
+          </p:cNvPr>
+          <p:cNvSpPr/>
+          <p:nvPr/>
+        </p:nvSpPr>
+        <p:spPr>
+          <a:xfrm>
+            <a:off x="3581398" y="1989000"/>
+            <a:ext cx="2743202" cy="1981200"/>
+          </a:xfrm>
+          <a:prstGeom prst="rect">
+            <a:avLst/>
+          </a:prstGeom>
+          <a:noFill/>
+          <a:ln w="19050">
+            <a:solidFill>
+              <a:schemeClr val="accent1">
+                <a:lumMod val="40000"/>
+                <a:lumOff val="60000"/>
+              </a:schemeClr>
+            </a:solidFill>
+          </a:ln>
+        </p:spPr>
+        <p:style>
+          <a:lnRef idx="2">
+            <a:schemeClr val="accent1">
+              <a:shade val="50000"/>
+            </a:schemeClr>
+          </a:lnRef>
+          <a:fillRef idx="1">
+            <a:schemeClr val="accent1"/>
+          </a:fillRef>
+          <a:effectRef idx="0">
+            <a:schemeClr val="accent1"/>
+          </a:effectRef>
+          <a:fontRef idx="minor">
+            <a:schemeClr val="lt1"/>
+          </a:fontRef>
+        </p:style>
+        <p:txBody>
+          <a:bodyPr rtlCol="0" anchor="ctr"/>
+          <a:lstStyle/>
+          <a:p>
+            <a:pPr algn="ctr"/>
+            <a:endParaRPr lang="ko-KR" altLang="en-US" dirty="0"/>
+          </a:p>
+        </p:txBody>
+      </p:sp>
+      <p:sp>
+        <p:nvSpPr>
+          <p:cNvPr id="8" name="직사각형 7">
+            <a:extLst>
+              <a:ext uri="{FF2B5EF4-FFF2-40B4-BE49-F238E27FC236}">
+                <a16:creationId xmlns:a16="http://schemas.microsoft.com/office/drawing/2014/main" id="{935BDCFC-EAA1-4903-A828-6F8AE027AD54}"/>
+              </a:ext>
+            </a:extLst>
+          </p:cNvPr>
+          <p:cNvSpPr/>
+          <p:nvPr/>
+        </p:nvSpPr>
+        <p:spPr>
+          <a:xfrm>
+            <a:off x="6529798" y="1989000"/>
+            <a:ext cx="2743202" cy="1981200"/>
+          </a:xfrm>
+          <a:prstGeom prst="rect">
+            <a:avLst/>
+          </a:prstGeom>
+          <a:noFill/>
+          <a:ln w="19050">
+            <a:solidFill>
+              <a:schemeClr val="accent1">
+                <a:lumMod val="40000"/>
+                <a:lumOff val="60000"/>
+              </a:schemeClr>
+            </a:solidFill>
+          </a:ln>
+        </p:spPr>
+        <p:style>
+          <a:lnRef idx="2">
+            <a:schemeClr val="accent1">
+              <a:shade val="50000"/>
+            </a:schemeClr>
+          </a:lnRef>
+          <a:fillRef idx="1">
+            <a:schemeClr val="accent1"/>
+          </a:fillRef>
+          <a:effectRef idx="0">
+            <a:schemeClr val="accent1"/>
+          </a:effectRef>
+          <a:fontRef idx="minor">
+            <a:schemeClr val="lt1"/>
+          </a:fontRef>
+        </p:style>
+        <p:txBody>
+          <a:bodyPr rtlCol="0" anchor="ctr"/>
+          <a:lstStyle/>
+          <a:p>
+            <a:pPr algn="ctr"/>
+            <a:endParaRPr lang="ko-KR" altLang="en-US" dirty="0"/>
+          </a:p>
+        </p:txBody>
+      </p:sp>
+      <p:sp>
+        <p:nvSpPr>
+          <p:cNvPr id="9" name="직사각형 8">
+            <a:extLst>
+              <a:ext uri="{FF2B5EF4-FFF2-40B4-BE49-F238E27FC236}">
+                <a16:creationId xmlns:a16="http://schemas.microsoft.com/office/drawing/2014/main" id="{B1A5F4EC-C9FC-499C-A9B3-93D623850AA4}"/>
+              </a:ext>
+            </a:extLst>
+          </p:cNvPr>
+          <p:cNvSpPr/>
+          <p:nvPr/>
+        </p:nvSpPr>
+        <p:spPr>
+          <a:xfrm>
+            <a:off x="2107302" y="4239000"/>
+            <a:ext cx="2743202" cy="1981200"/>
+          </a:xfrm>
+          <a:prstGeom prst="rect">
+            <a:avLst/>
+          </a:prstGeom>
+          <a:noFill/>
+          <a:ln w="19050">
+            <a:solidFill>
+              <a:schemeClr val="accent1">
+                <a:lumMod val="40000"/>
+                <a:lumOff val="60000"/>
+              </a:schemeClr>
+            </a:solidFill>
+          </a:ln>
+        </p:spPr>
+        <p:style>
+          <a:lnRef idx="2">
+            <a:schemeClr val="accent1">
+              <a:shade val="50000"/>
+            </a:schemeClr>
+          </a:lnRef>
+          <a:fillRef idx="1">
+            <a:schemeClr val="accent1"/>
+          </a:fillRef>
+          <a:effectRef idx="0">
+            <a:schemeClr val="accent1"/>
+          </a:effectRef>
+          <a:fontRef idx="minor">
+            <a:schemeClr val="lt1"/>
+          </a:fontRef>
+        </p:style>
+        <p:txBody>
+          <a:bodyPr rtlCol="0" anchor="ctr"/>
+          <a:lstStyle/>
+          <a:p>
+            <a:pPr algn="ctr"/>
+            <a:endParaRPr lang="ko-KR" altLang="en-US" dirty="0"/>
+          </a:p>
+        </p:txBody>
+      </p:sp>
+      <p:sp>
+        <p:nvSpPr>
+          <p:cNvPr id="10" name="직사각형 9">
+            <a:extLst>
+              <a:ext uri="{FF2B5EF4-FFF2-40B4-BE49-F238E27FC236}">
+                <a16:creationId xmlns:a16="http://schemas.microsoft.com/office/drawing/2014/main" id="{E42B85CE-B491-44B5-93DE-0BA06E62853B}"/>
+              </a:ext>
+            </a:extLst>
+          </p:cNvPr>
+          <p:cNvSpPr/>
+          <p:nvPr/>
+        </p:nvSpPr>
+        <p:spPr>
+          <a:xfrm>
+            <a:off x="5055700" y="4239000"/>
+            <a:ext cx="2743202" cy="1981200"/>
+          </a:xfrm>
+          <a:prstGeom prst="rect">
+            <a:avLst/>
+          </a:prstGeom>
+          <a:noFill/>
+          <a:ln w="19050">
+            <a:solidFill>
+              <a:schemeClr val="accent1">
+                <a:lumMod val="40000"/>
+                <a:lumOff val="60000"/>
+              </a:schemeClr>
+            </a:solidFill>
+          </a:ln>
+        </p:spPr>
+        <p:style>
+          <a:lnRef idx="2">
+            <a:schemeClr val="accent1">
+              <a:shade val="50000"/>
+            </a:schemeClr>
+          </a:lnRef>
+          <a:fillRef idx="1">
+            <a:schemeClr val="accent1"/>
+          </a:fillRef>
+          <a:effectRef idx="0">
+            <a:schemeClr val="accent1"/>
+          </a:effectRef>
+          <a:fontRef idx="minor">
+            <a:schemeClr val="lt1"/>
+          </a:fontRef>
+        </p:style>
+        <p:txBody>
+          <a:bodyPr rtlCol="0" anchor="ctr"/>
+          <a:lstStyle/>
+          <a:p>
+            <a:pPr algn="ctr"/>
+            <a:endParaRPr lang="ko-KR" altLang="en-US" dirty="0"/>
+          </a:p>
+        </p:txBody>
+      </p:sp>
+      <p:sp>
+        <p:nvSpPr>
+          <p:cNvPr id="11" name="직사각형 10">
+            <a:extLst>
+              <a:ext uri="{FF2B5EF4-FFF2-40B4-BE49-F238E27FC236}">
+                <a16:creationId xmlns:a16="http://schemas.microsoft.com/office/drawing/2014/main" id="{58F30B01-1F97-4FED-94D8-09CB5AA7A8A8}"/>
+              </a:ext>
+            </a:extLst>
+          </p:cNvPr>
+          <p:cNvSpPr/>
+          <p:nvPr/>
+        </p:nvSpPr>
+        <p:spPr>
+          <a:xfrm>
+            <a:off x="637297" y="1989000"/>
+            <a:ext cx="1348204" cy="226854"/>
+          </a:xfrm>
+          <a:prstGeom prst="rect">
+            <a:avLst/>
+          </a:prstGeom>
+          <a:solidFill>
+            <a:schemeClr val="tx2">
+              <a:lumMod val="60000"/>
+              <a:lumOff val="40000"/>
+            </a:schemeClr>
+          </a:solidFill>
+          <a:ln>
+            <a:noFill/>
+          </a:ln>
+        </p:spPr>
+        <p:style>
+          <a:lnRef idx="2">
+            <a:schemeClr val="accent1">
+              <a:shade val="50000"/>
+            </a:schemeClr>
+          </a:lnRef>
+          <a:fillRef idx="1">
+            <a:schemeClr val="accent1"/>
+          </a:fillRef>
+          <a:effectRef idx="0">
+            <a:schemeClr val="accent1"/>
+          </a:effectRef>
+          <a:fontRef idx="minor">
+            <a:schemeClr val="lt1"/>
+          </a:fontRef>
+        </p:style>
+        <p:txBody>
+          <a:bodyPr rtlCol="0" anchor="ctr"/>
+          <a:lstStyle/>
+          <a:p>
+            <a:r>
+              <a:rPr lang="en-US" altLang="ko-KR" sz="1200" dirty="0"/>
+              <a:t>Decision Tree</a:t>
+            </a:r>
+            <a:endParaRPr lang="ko-KR" altLang="en-US" sz="1200" dirty="0"/>
+          </a:p>
+        </p:txBody>
+      </p:sp>
+      <p:sp>
+        <p:nvSpPr>
+          <p:cNvPr id="13" name="직사각형 12">
+            <a:extLst>
+              <a:ext uri="{FF2B5EF4-FFF2-40B4-BE49-F238E27FC236}">
+                <a16:creationId xmlns:a16="http://schemas.microsoft.com/office/drawing/2014/main" id="{7F11FF4A-39C1-4C84-8C37-180A44DAAFFA}"/>
+              </a:ext>
+            </a:extLst>
+          </p:cNvPr>
+          <p:cNvSpPr/>
+          <p:nvPr/>
+        </p:nvSpPr>
+        <p:spPr>
+          <a:xfrm>
+            <a:off x="3589701" y="1989000"/>
+            <a:ext cx="1485000" cy="226854"/>
+          </a:xfrm>
+          <a:prstGeom prst="rect">
+            <a:avLst/>
+          </a:prstGeom>
+          <a:solidFill>
+            <a:schemeClr val="tx2">
+              <a:lumMod val="60000"/>
+              <a:lumOff val="40000"/>
+            </a:schemeClr>
+          </a:solidFill>
+          <a:ln>
+            <a:noFill/>
+          </a:ln>
+        </p:spPr>
+        <p:style>
+          <a:lnRef idx="2">
+            <a:schemeClr val="accent1">
+              <a:shade val="50000"/>
+            </a:schemeClr>
+          </a:lnRef>
+          <a:fillRef idx="1">
+            <a:schemeClr val="accent1"/>
+          </a:fillRef>
+          <a:effectRef idx="0">
+            <a:schemeClr val="accent1"/>
+          </a:effectRef>
+          <a:fontRef idx="minor">
+            <a:schemeClr val="lt1"/>
+          </a:fontRef>
+        </p:style>
+        <p:txBody>
+          <a:bodyPr rtlCol="0" anchor="ctr"/>
+          <a:lstStyle/>
+          <a:p>
+            <a:r>
+              <a:rPr lang="en-US" altLang="ko-KR" sz="1200" dirty="0" err="1"/>
+              <a:t>Adaboost</a:t>
+            </a:r>
+            <a:r>
+              <a:rPr lang="en-US" altLang="ko-KR" sz="1200" dirty="0"/>
+              <a:t> Boosting </a:t>
+            </a:r>
+            <a:endParaRPr lang="ko-KR" altLang="en-US" sz="1200" dirty="0"/>
+          </a:p>
+        </p:txBody>
+      </p:sp>
+      <p:sp>
+        <p:nvSpPr>
+          <p:cNvPr id="14" name="직사각형 13">
+            <a:extLst>
+              <a:ext uri="{FF2B5EF4-FFF2-40B4-BE49-F238E27FC236}">
+                <a16:creationId xmlns:a16="http://schemas.microsoft.com/office/drawing/2014/main" id="{775F4B1B-27CD-4BE3-AD9D-848B54563BDB}"/>
+              </a:ext>
+            </a:extLst>
+          </p:cNvPr>
+          <p:cNvSpPr/>
+          <p:nvPr/>
+        </p:nvSpPr>
+        <p:spPr>
+          <a:xfrm>
+            <a:off x="6529796" y="1989001"/>
+            <a:ext cx="1348204" cy="226854"/>
+          </a:xfrm>
+          <a:prstGeom prst="rect">
+            <a:avLst/>
+          </a:prstGeom>
+          <a:solidFill>
+            <a:schemeClr val="tx2">
+              <a:lumMod val="60000"/>
+              <a:lumOff val="40000"/>
+            </a:schemeClr>
+          </a:solidFill>
+          <a:ln>
+            <a:noFill/>
+          </a:ln>
+        </p:spPr>
+        <p:style>
+          <a:lnRef idx="2">
+            <a:schemeClr val="accent1">
+              <a:shade val="50000"/>
+            </a:schemeClr>
+          </a:lnRef>
+          <a:fillRef idx="1">
+            <a:schemeClr val="accent1"/>
+          </a:fillRef>
+          <a:effectRef idx="0">
+            <a:schemeClr val="accent1"/>
+          </a:effectRef>
+          <a:fontRef idx="minor">
+            <a:schemeClr val="lt1"/>
+          </a:fontRef>
+        </p:style>
+        <p:txBody>
+          <a:bodyPr rtlCol="0" anchor="ctr"/>
+          <a:lstStyle/>
+          <a:p>
+            <a:r>
+              <a:rPr lang="en-US" altLang="ko-KR" sz="1200" dirty="0"/>
+              <a:t>Gradient Boosting</a:t>
+            </a:r>
+            <a:endParaRPr lang="ko-KR" altLang="en-US" sz="1200" dirty="0"/>
+          </a:p>
+        </p:txBody>
+      </p:sp>
+      <p:sp>
+        <p:nvSpPr>
+          <p:cNvPr id="17" name="직사각형 16">
+            <a:extLst>
+              <a:ext uri="{FF2B5EF4-FFF2-40B4-BE49-F238E27FC236}">
+                <a16:creationId xmlns:a16="http://schemas.microsoft.com/office/drawing/2014/main" id="{D22311AE-0258-4B78-B1C7-2DA1308652C9}"/>
+              </a:ext>
+            </a:extLst>
+          </p:cNvPr>
+          <p:cNvSpPr/>
+          <p:nvPr/>
+        </p:nvSpPr>
+        <p:spPr>
+          <a:xfrm>
+            <a:off x="2107098" y="4239000"/>
+            <a:ext cx="1348204" cy="226854"/>
+          </a:xfrm>
+          <a:prstGeom prst="rect">
+            <a:avLst/>
+          </a:prstGeom>
+          <a:solidFill>
+            <a:schemeClr val="tx2">
+              <a:lumMod val="60000"/>
+              <a:lumOff val="40000"/>
+            </a:schemeClr>
+          </a:solidFill>
+          <a:ln>
+            <a:noFill/>
+          </a:ln>
+        </p:spPr>
+        <p:style>
+          <a:lnRef idx="2">
+            <a:schemeClr val="accent1">
+              <a:shade val="50000"/>
+            </a:schemeClr>
+          </a:lnRef>
+          <a:fillRef idx="1">
+            <a:schemeClr val="accent1"/>
+          </a:fillRef>
+          <a:effectRef idx="0">
+            <a:schemeClr val="accent1"/>
+          </a:effectRef>
+          <a:fontRef idx="minor">
+            <a:schemeClr val="lt1"/>
+          </a:fontRef>
+        </p:style>
+        <p:txBody>
+          <a:bodyPr rtlCol="0" anchor="ctr"/>
+          <a:lstStyle/>
+          <a:p>
+            <a:r>
+              <a:rPr lang="en-US" altLang="ko-KR" sz="1200" dirty="0"/>
+              <a:t>Random Forest</a:t>
+            </a:r>
+            <a:endParaRPr lang="ko-KR" altLang="en-US" sz="1200" dirty="0"/>
+          </a:p>
+        </p:txBody>
+      </p:sp>
+      <p:sp>
+        <p:nvSpPr>
+          <p:cNvPr id="18" name="직사각형 17">
+            <a:extLst>
+              <a:ext uri="{FF2B5EF4-FFF2-40B4-BE49-F238E27FC236}">
+                <a16:creationId xmlns:a16="http://schemas.microsoft.com/office/drawing/2014/main" id="{EF308944-8E7A-4C83-A4F9-09F65EDF37AF}"/>
+              </a:ext>
+            </a:extLst>
+          </p:cNvPr>
+          <p:cNvSpPr/>
+          <p:nvPr/>
+        </p:nvSpPr>
+        <p:spPr>
+          <a:xfrm>
+            <a:off x="5062897" y="4239000"/>
+            <a:ext cx="1348204" cy="226854"/>
+          </a:xfrm>
+          <a:prstGeom prst="rect">
+            <a:avLst/>
+          </a:prstGeom>
+          <a:solidFill>
+            <a:schemeClr val="tx2">
+              <a:lumMod val="60000"/>
+              <a:lumOff val="40000"/>
+            </a:schemeClr>
+          </a:solidFill>
+          <a:ln>
+            <a:noFill/>
+          </a:ln>
+        </p:spPr>
+        <p:style>
+          <a:lnRef idx="2">
+            <a:schemeClr val="accent1">
+              <a:shade val="50000"/>
+            </a:schemeClr>
+          </a:lnRef>
+          <a:fillRef idx="1">
+            <a:schemeClr val="accent1"/>
+          </a:fillRef>
+          <a:effectRef idx="0">
+            <a:schemeClr val="accent1"/>
+          </a:effectRef>
+          <a:fontRef idx="minor">
+            <a:schemeClr val="lt1"/>
+          </a:fontRef>
+        </p:style>
+        <p:txBody>
+          <a:bodyPr rtlCol="0" anchor="ctr"/>
+          <a:lstStyle/>
+          <a:p>
+            <a:r>
+              <a:rPr lang="en-US" altLang="ko-KR" sz="1200" dirty="0" err="1"/>
+              <a:t>XGBoosting</a:t>
+            </a:r>
+            <a:endParaRPr lang="ko-KR" altLang="en-US" sz="1200" dirty="0"/>
+          </a:p>
+        </p:txBody>
+      </p:sp>
+      <p:sp>
+        <p:nvSpPr>
+          <p:cNvPr id="19" name="object 4">
+            <a:extLst>
+              <a:ext uri="{FF2B5EF4-FFF2-40B4-BE49-F238E27FC236}">
+                <a16:creationId xmlns:a16="http://schemas.microsoft.com/office/drawing/2014/main" id="{99AA3F06-3C4B-4544-B4A6-4E2D02821AF1}"/>
+              </a:ext>
+            </a:extLst>
+          </p:cNvPr>
+          <p:cNvSpPr/>
+          <p:nvPr/>
+        </p:nvSpPr>
+        <p:spPr>
+          <a:xfrm>
+            <a:off x="668840" y="2467823"/>
+            <a:ext cx="1458808" cy="959827"/>
+          </a:xfrm>
+          <a:custGeom>
+            <a:avLst/>
+            <a:gdLst/>
+            <a:ahLst/>
+            <a:cxnLst/>
+            <a:rect l="l" t="t" r="r" b="b"/>
+            <a:pathLst>
+              <a:path w="4853940" h="3729354">
+                <a:moveTo>
+                  <a:pt x="0" y="3729228"/>
+                </a:moveTo>
+                <a:lnTo>
+                  <a:pt x="4853940" y="3729228"/>
+                </a:lnTo>
+                <a:lnTo>
+                  <a:pt x="4853940" y="0"/>
+                </a:lnTo>
+                <a:lnTo>
+                  <a:pt x="0" y="0"/>
+                </a:lnTo>
+                <a:lnTo>
+                  <a:pt x="0" y="3729228"/>
+                </a:lnTo>
+                <a:close/>
+              </a:path>
+            </a:pathLst>
+          </a:custGeom>
+          <a:noFill/>
+        </p:spPr>
+        <p:txBody>
+          <a:bodyPr wrap="square" lIns="0" tIns="0" rIns="0" bIns="0" rtlCol="0"/>
+          <a:lstStyle/>
+          <a:p>
+            <a:pPr marL="285750" indent="-285750">
+              <a:buFont typeface="Arial" panose="020B0604020202020204" pitchFamily="34" charset="0"/>
+              <a:buChar char="•"/>
+            </a:pPr>
+            <a:r>
+              <a:rPr lang="en-US" altLang="ko-KR" sz="1600" dirty="0"/>
+              <a:t>C = 1</a:t>
+            </a:r>
+          </a:p>
+          <a:p>
+            <a:pPr marL="285750" indent="-285750">
+              <a:buFont typeface="Arial" panose="020B0604020202020204" pitchFamily="34" charset="0"/>
+              <a:buChar char="•"/>
+            </a:pPr>
+            <a:r>
+              <a:rPr lang="en-US" altLang="ko-KR" sz="1600" dirty="0"/>
+              <a:t>Gamma</a:t>
+            </a:r>
+            <a:r>
+              <a:rPr lang="ko-KR" altLang="en-US" sz="1600" dirty="0"/>
+              <a:t> </a:t>
+            </a:r>
+            <a:r>
+              <a:rPr lang="en-US" altLang="ko-KR" sz="1600" dirty="0"/>
+              <a:t>=</a:t>
+            </a:r>
+            <a:r>
+              <a:rPr lang="ko-KR" altLang="en-US" sz="1600" dirty="0"/>
+              <a:t> </a:t>
+            </a:r>
+            <a:r>
+              <a:rPr lang="en-US" altLang="ko-KR" sz="1600" dirty="0"/>
+              <a:t>0.1</a:t>
+            </a:r>
+          </a:p>
+        </p:txBody>
+      </p:sp>
+      <p:sp>
+        <p:nvSpPr>
+          <p:cNvPr id="20" name="TextBox 19">
+            <a:extLst>
+              <a:ext uri="{FF2B5EF4-FFF2-40B4-BE49-F238E27FC236}">
+                <a16:creationId xmlns:a16="http://schemas.microsoft.com/office/drawing/2014/main" id="{A0623466-68F7-476A-88C3-DA679B2E6FE1}"/>
+              </a:ext>
+            </a:extLst>
+          </p:cNvPr>
+          <p:cNvSpPr txBox="1"/>
+          <p:nvPr/>
+        </p:nvSpPr>
+        <p:spPr>
+          <a:xfrm>
+            <a:off x="2163488" y="2980351"/>
+            <a:ext cx="1447429" cy="646331"/>
+          </a:xfrm>
+          <a:prstGeom prst="rect">
+            <a:avLst/>
+          </a:prstGeom>
+          <a:noFill/>
+        </p:spPr>
+        <p:txBody>
+          <a:bodyPr wrap="square">
+            <a:spAutoFit/>
+          </a:bodyPr>
+          <a:lstStyle/>
+          <a:p>
+            <a:r>
+              <a:rPr lang="en-US" altLang="ko-KR" b="1" dirty="0"/>
+              <a:t>Score: </a:t>
+            </a:r>
+          </a:p>
+          <a:p>
+            <a:r>
+              <a:rPr lang="ko-KR" altLang="en-US" b="1" dirty="0"/>
+              <a:t>0</a:t>
+            </a:r>
+            <a:r>
+              <a:rPr lang="en-US" altLang="ko-KR" b="1" dirty="0"/>
+              <a:t>.851 </a:t>
+            </a:r>
+          </a:p>
+        </p:txBody>
+      </p:sp>
+    </p:spTree>
+    <p:extLst>
+      <p:ext uri="{BB962C8B-B14F-4D97-AF65-F5344CB8AC3E}">
+        <p14:creationId xmlns:p14="http://schemas.microsoft.com/office/powerpoint/2010/main" val="4045379732"/>
+      </p:ext>
+    </p:extLst>
+  </p:cSld>
+  <p:clrMapOvr>
+    <a:masterClrMapping/>
+  </p:clrMapOvr>
+</p:sld>
+</file>
+
+<file path=ppt/slides/slide13.xml><?xml version="1.0" encoding="utf-8"?>
+<p:sld xmlns:a="http://schemas.openxmlformats.org/drawingml/2006/main" xmlns:r="http://schemas.openxmlformats.org/officeDocument/2006/relationships" xmlns:p="http://schemas.openxmlformats.org/presentationml/2006/main" showMasterSp="0">
+  <p:cSld>
+    <p:spTree>
+      <p:nvGrpSpPr>
+        <p:cNvPr id="1" name=""/>
+        <p:cNvGrpSpPr/>
+        <p:nvPr/>
+      </p:nvGrpSpPr>
+      <p:grpSpPr>
+        <a:xfrm>
+          <a:off x="0" y="0"/>
+          <a:ext cx="0" cy="0"/>
+          <a:chOff x="0" y="0"/>
+          <a:chExt cx="0" cy="0"/>
+        </a:xfrm>
+      </p:grpSpPr>
+      <p:sp>
+        <p:nvSpPr>
+          <p:cNvPr id="28" name="object 3">
+            <a:extLst>
+              <a:ext uri="{FF2B5EF4-FFF2-40B4-BE49-F238E27FC236}">
+                <a16:creationId xmlns:a16="http://schemas.microsoft.com/office/drawing/2014/main" id="{11534E7C-F12F-4497-B73D-C74AE55ADAF8}"/>
+              </a:ext>
+            </a:extLst>
+          </p:cNvPr>
+          <p:cNvSpPr/>
+          <p:nvPr/>
+        </p:nvSpPr>
+        <p:spPr>
+          <a:xfrm>
+            <a:off x="0" y="1"/>
+            <a:ext cx="9905999" cy="533400"/>
+          </a:xfrm>
+          <a:prstGeom prst="rect">
+            <a:avLst/>
+          </a:prstGeom>
+          <a:blipFill>
+            <a:blip r:embed="rId3" cstate="print"/>
+            <a:stretch>
+              <a:fillRect/>
+            </a:stretch>
+          </a:blipFill>
+        </p:spPr>
+        <p:txBody>
+          <a:bodyPr wrap="square" lIns="0" tIns="0" rIns="0" bIns="0" rtlCol="0"/>
+          <a:lstStyle/>
+          <a:p>
+            <a:endParaRPr dirty="0">
+              <a:latin typeface="나눔바른고딕" panose="020B0603020101020101" pitchFamily="50" charset="-127"/>
+            </a:endParaRPr>
+          </a:p>
+        </p:txBody>
+      </p:sp>
+      <p:sp>
+        <p:nvSpPr>
+          <p:cNvPr id="12" name="TextBox 11">
+            <a:extLst>
+              <a:ext uri="{FF2B5EF4-FFF2-40B4-BE49-F238E27FC236}">
+                <a16:creationId xmlns:a16="http://schemas.microsoft.com/office/drawing/2014/main" id="{CBA28D1E-0502-4910-B0F3-228427360900}"/>
+              </a:ext>
+            </a:extLst>
+          </p:cNvPr>
+          <p:cNvSpPr txBox="1"/>
+          <p:nvPr/>
+        </p:nvSpPr>
+        <p:spPr>
+          <a:xfrm>
+            <a:off x="410851" y="762000"/>
+            <a:ext cx="2593980" cy="369332"/>
+          </a:xfrm>
+          <a:prstGeom prst="rect">
+            <a:avLst/>
+          </a:prstGeom>
+          <a:noFill/>
+        </p:spPr>
+        <p:txBody>
+          <a:bodyPr wrap="none" rtlCol="0">
+            <a:spAutoFit/>
+          </a:bodyPr>
+          <a:lstStyle/>
+          <a:p>
+            <a:pPr marL="285750" indent="-285750">
+              <a:buFont typeface="Wingdings" panose="05000000000000000000" pitchFamily="2" charset="2"/>
+              <a:buChar char="§"/>
+            </a:pPr>
+            <a:r>
+              <a:rPr lang="ko-KR" altLang="en-US" dirty="0"/>
+              <a:t>모델링 </a:t>
+            </a:r>
+            <a:r>
+              <a:rPr lang="en-US" altLang="ko-KR" dirty="0"/>
+              <a:t>– </a:t>
+            </a:r>
+            <a:r>
+              <a:rPr lang="ko-KR" altLang="en-US" dirty="0"/>
+              <a:t>변수 중요도</a:t>
+            </a:r>
+            <a:endParaRPr lang="en-US" altLang="ko-KR" dirty="0"/>
+          </a:p>
+        </p:txBody>
+      </p:sp>
+      <p:sp>
+        <p:nvSpPr>
+          <p:cNvPr id="44" name="모서리가 둥근 직사각형 14">
+            <a:extLst>
+              <a:ext uri="{FF2B5EF4-FFF2-40B4-BE49-F238E27FC236}">
+                <a16:creationId xmlns:a16="http://schemas.microsoft.com/office/drawing/2014/main" id="{0C79E22F-E566-4B8F-ADF6-EAAA9F9F3BA7}"/>
+              </a:ext>
+            </a:extLst>
+          </p:cNvPr>
+          <p:cNvSpPr/>
+          <p:nvPr/>
+        </p:nvSpPr>
+        <p:spPr>
+          <a:xfrm>
+            <a:off x="410851" y="1170168"/>
+            <a:ext cx="9190349" cy="369332"/>
+          </a:xfrm>
+          <a:prstGeom prst="roundRect">
+            <a:avLst/>
+          </a:prstGeom>
+          <a:ln>
+            <a:noFill/>
+          </a:ln>
+        </p:spPr>
+        <p:style>
+          <a:lnRef idx="2">
+            <a:schemeClr val="accent1"/>
+          </a:lnRef>
+          <a:fillRef idx="1">
+            <a:schemeClr val="lt1"/>
+          </a:fillRef>
+          <a:effectRef idx="0">
+            <a:schemeClr val="accent1"/>
+          </a:effectRef>
+          <a:fontRef idx="minor">
+            <a:schemeClr val="dk1"/>
+          </a:fontRef>
+        </p:style>
+        <p:txBody>
+          <a:bodyPr lIns="68580" tIns="34290" rIns="68580" bIns="34290" rtlCol="0" anchor="ctr"/>
+          <a:lstStyle/>
+          <a:p>
+            <a:pPr marL="285750" indent="-285750">
+              <a:buFont typeface="Wingdings" panose="05000000000000000000" pitchFamily="2" charset="2"/>
+              <a:buChar char="Ø"/>
+            </a:pPr>
+            <a:r>
+              <a:rPr lang="ko-KR" altLang="en-US" sz="1600" dirty="0">
+                <a:solidFill>
+                  <a:schemeClr val="tx1"/>
+                </a:solidFill>
+                <a:latin typeface="나눔바른고딕" panose="020B0603020101020101" pitchFamily="50" charset="-127"/>
+                <a:ea typeface="나눔바른고딕" panose="020B0603020101020101" pitchFamily="50" charset="-127"/>
+              </a:rPr>
+              <a:t>변수의 중요도를 산출하기 위해 트리기반 모델적용</a:t>
+            </a:r>
+            <a:r>
+              <a:rPr lang="en-US" altLang="ko-KR" sz="1600" dirty="0">
+                <a:solidFill>
+                  <a:schemeClr val="tx1"/>
+                </a:solidFill>
+                <a:latin typeface="나눔바른고딕" panose="020B0603020101020101" pitchFamily="50" charset="-127"/>
+                <a:ea typeface="나눔바른고딕" panose="020B0603020101020101" pitchFamily="50" charset="-127"/>
+              </a:rPr>
+              <a:t>, Random search</a:t>
+            </a:r>
+            <a:r>
+              <a:rPr lang="ko-KR" altLang="en-US" sz="1600" dirty="0">
+                <a:solidFill>
+                  <a:schemeClr val="tx1"/>
+                </a:solidFill>
+                <a:latin typeface="나눔바른고딕" panose="020B0603020101020101" pitchFamily="50" charset="-127"/>
+                <a:ea typeface="나눔바른고딕" panose="020B0603020101020101" pitchFamily="50" charset="-127"/>
+              </a:rPr>
+              <a:t>를 통해 학습</a:t>
+            </a:r>
+            <a:endParaRPr lang="en-US" altLang="ko-KR" sz="1600" dirty="0">
+              <a:solidFill>
+                <a:schemeClr val="tx1"/>
+              </a:solidFill>
+              <a:latin typeface="나눔바른고딕" panose="020B0603020101020101" pitchFamily="50" charset="-127"/>
+              <a:ea typeface="나눔바른고딕" panose="020B0603020101020101" pitchFamily="50" charset="-127"/>
+            </a:endParaRPr>
+          </a:p>
+        </p:txBody>
+      </p:sp>
+      <p:sp>
+        <p:nvSpPr>
+          <p:cNvPr id="25" name="TextBox 24">
+            <a:extLst>
+              <a:ext uri="{FF2B5EF4-FFF2-40B4-BE49-F238E27FC236}">
+                <a16:creationId xmlns:a16="http://schemas.microsoft.com/office/drawing/2014/main" id="{2C696971-C59D-4C3B-912C-56383ED5FFA9}"/>
+              </a:ext>
+            </a:extLst>
+          </p:cNvPr>
+          <p:cNvSpPr txBox="1"/>
+          <p:nvPr/>
+        </p:nvSpPr>
+        <p:spPr>
+          <a:xfrm flipH="1">
+            <a:off x="325818" y="0"/>
+            <a:ext cx="7141781" cy="584775"/>
+          </a:xfrm>
+          <a:prstGeom prst="rect">
+            <a:avLst/>
+          </a:prstGeom>
+          <a:noFill/>
+        </p:spPr>
+        <p:txBody>
+          <a:bodyPr wrap="square" rtlCol="0">
+            <a:spAutoFit/>
+          </a:bodyPr>
+          <a:lstStyle/>
+          <a:p>
+            <a:r>
+              <a:rPr lang="en-US" altLang="ko-KR" sz="3200" dirty="0">
+                <a:solidFill>
+                  <a:schemeClr val="bg1"/>
+                </a:solidFill>
+                <a:latin typeface="나눔바른고딕" panose="020B0603020101020101" pitchFamily="50" charset="-127"/>
+                <a:ea typeface="나눔바른고딕" panose="020B0603020101020101" pitchFamily="50" charset="-127"/>
+              </a:rPr>
+              <a:t>01. </a:t>
+            </a:r>
+            <a:r>
+              <a:rPr lang="ko-KR" altLang="en-US" sz="3200" dirty="0">
+                <a:solidFill>
+                  <a:schemeClr val="bg1"/>
+                </a:solidFill>
+                <a:latin typeface="나눔바른고딕" panose="020B0603020101020101" pitchFamily="50" charset="-127"/>
+                <a:ea typeface="나눔바른고딕" panose="020B0603020101020101" pitchFamily="50" charset="-127"/>
+              </a:rPr>
+              <a:t>본론</a:t>
+            </a:r>
+            <a:r>
+              <a:rPr lang="en-US" altLang="ko-KR" sz="3200" dirty="0">
+                <a:solidFill>
+                  <a:schemeClr val="bg1"/>
+                </a:solidFill>
+                <a:latin typeface="나눔바른고딕" panose="020B0603020101020101" pitchFamily="50" charset="-127"/>
+                <a:ea typeface="나눔바른고딕" panose="020B0603020101020101" pitchFamily="50" charset="-127"/>
+              </a:rPr>
+              <a:t>	</a:t>
+            </a:r>
+            <a:r>
+              <a:rPr lang="ko-KR" altLang="en-US" sz="1400" dirty="0" err="1">
+                <a:solidFill>
+                  <a:schemeClr val="tx2">
+                    <a:lumMod val="60000"/>
+                    <a:lumOff val="40000"/>
+                  </a:schemeClr>
+                </a:solidFill>
+                <a:latin typeface="나눔바른고딕" panose="020B0603020101020101" pitchFamily="50" charset="-127"/>
+                <a:ea typeface="나눔바른고딕" panose="020B0603020101020101" pitchFamily="50" charset="-127"/>
+              </a:rPr>
+              <a:t>전처리</a:t>
+            </a:r>
+            <a:r>
+              <a:rPr lang="ko-KR" altLang="en-US" sz="2000" dirty="0">
+                <a:solidFill>
+                  <a:schemeClr val="bg1"/>
+                </a:solidFill>
+                <a:latin typeface="나눔바른고딕" panose="020B0603020101020101" pitchFamily="50" charset="-127"/>
+                <a:ea typeface="나눔바른고딕" panose="020B0603020101020101" pitchFamily="50" charset="-127"/>
+              </a:rPr>
+              <a:t>  </a:t>
+            </a:r>
+            <a:r>
+              <a:rPr lang="en-US" altLang="ko-KR" sz="1400" dirty="0">
+                <a:solidFill>
+                  <a:schemeClr val="tx2">
+                    <a:lumMod val="60000"/>
+                    <a:lumOff val="40000"/>
+                  </a:schemeClr>
+                </a:solidFill>
+                <a:latin typeface="나눔바른고딕" panose="020B0603020101020101" pitchFamily="50" charset="-127"/>
+                <a:ea typeface="나눔바른고딕" panose="020B0603020101020101" pitchFamily="50" charset="-127"/>
+              </a:rPr>
+              <a:t>/  </a:t>
+            </a:r>
+            <a:r>
+              <a:rPr lang="ko-KR" altLang="en-US" sz="1400" dirty="0">
+                <a:solidFill>
+                  <a:schemeClr val="tx2">
+                    <a:lumMod val="60000"/>
+                    <a:lumOff val="40000"/>
+                  </a:schemeClr>
+                </a:solidFill>
+                <a:latin typeface="나눔바른고딕" panose="020B0603020101020101" pitchFamily="50" charset="-127"/>
+                <a:ea typeface="나눔바른고딕" panose="020B0603020101020101" pitchFamily="50" charset="-127"/>
+              </a:rPr>
+              <a:t>데이터 탐색 및 파생변수</a:t>
+            </a:r>
+            <a:r>
+              <a:rPr lang="en-US" altLang="ko-KR" sz="1400" dirty="0">
+                <a:solidFill>
+                  <a:schemeClr val="tx2">
+                    <a:lumMod val="60000"/>
+                    <a:lumOff val="40000"/>
+                  </a:schemeClr>
+                </a:solidFill>
+                <a:latin typeface="나눔바른고딕" panose="020B0603020101020101" pitchFamily="50" charset="-127"/>
+                <a:ea typeface="나눔바른고딕" panose="020B0603020101020101" pitchFamily="50" charset="-127"/>
+              </a:rPr>
+              <a:t> </a:t>
+            </a:r>
+            <a:r>
+              <a:rPr lang="ko-KR" altLang="en-US" sz="1400" dirty="0">
+                <a:solidFill>
+                  <a:schemeClr val="tx2">
+                    <a:lumMod val="60000"/>
+                    <a:lumOff val="40000"/>
+                  </a:schemeClr>
+                </a:solidFill>
+                <a:latin typeface="나눔바른고딕" panose="020B0603020101020101" pitchFamily="50" charset="-127"/>
+                <a:ea typeface="나눔바른고딕" panose="020B0603020101020101" pitchFamily="50" charset="-127"/>
+              </a:rPr>
+              <a:t> </a:t>
+            </a:r>
+            <a:r>
+              <a:rPr lang="en-US" altLang="ko-KR" sz="1400" dirty="0">
+                <a:solidFill>
+                  <a:schemeClr val="tx2">
+                    <a:lumMod val="60000"/>
+                    <a:lumOff val="40000"/>
+                  </a:schemeClr>
+                </a:solidFill>
+                <a:latin typeface="나눔바른고딕" panose="020B0603020101020101" pitchFamily="50" charset="-127"/>
+                <a:ea typeface="나눔바른고딕" panose="020B0603020101020101" pitchFamily="50" charset="-127"/>
+              </a:rPr>
+              <a:t>/  </a:t>
+            </a:r>
+            <a:r>
+              <a:rPr lang="ko-KR" altLang="en-US" sz="1400" dirty="0">
+                <a:solidFill>
+                  <a:schemeClr val="tx2">
+                    <a:lumMod val="60000"/>
+                    <a:lumOff val="40000"/>
+                  </a:schemeClr>
+                </a:solidFill>
+                <a:latin typeface="나눔바른고딕" panose="020B0603020101020101" pitchFamily="50" charset="-127"/>
+                <a:ea typeface="나눔바른고딕" panose="020B0603020101020101" pitchFamily="50" charset="-127"/>
+              </a:rPr>
+              <a:t>최종 변수  </a:t>
+            </a:r>
+            <a:r>
+              <a:rPr lang="en-US" altLang="ko-KR" sz="1400" dirty="0">
+                <a:solidFill>
+                  <a:schemeClr val="tx2">
+                    <a:lumMod val="60000"/>
+                    <a:lumOff val="40000"/>
+                  </a:schemeClr>
+                </a:solidFill>
+                <a:latin typeface="나눔바른고딕" panose="020B0603020101020101" pitchFamily="50" charset="-127"/>
+                <a:ea typeface="나눔바른고딕" panose="020B0603020101020101" pitchFamily="50" charset="-127"/>
+              </a:rPr>
+              <a:t>/  </a:t>
+            </a:r>
+            <a:r>
+              <a:rPr lang="ko-KR" altLang="en-US" sz="1400" dirty="0">
+                <a:solidFill>
+                  <a:schemeClr val="bg1"/>
+                </a:solidFill>
+                <a:latin typeface="나눔바른고딕" panose="020B0603020101020101" pitchFamily="50" charset="-127"/>
+                <a:ea typeface="나눔바른고딕" panose="020B0603020101020101" pitchFamily="50" charset="-127"/>
+              </a:rPr>
+              <a:t>모델링</a:t>
+            </a:r>
+            <a:endParaRPr lang="ko-KR" altLang="en-US" sz="2000" dirty="0">
+              <a:solidFill>
+                <a:schemeClr val="bg1"/>
+              </a:solidFill>
+              <a:latin typeface="나눔바른고딕" panose="020B0603020101020101" pitchFamily="50" charset="-127"/>
+              <a:ea typeface="나눔바른고딕" panose="020B0603020101020101" pitchFamily="50" charset="-127"/>
+            </a:endParaRPr>
+          </a:p>
+        </p:txBody>
+      </p:sp>
+      <p:sp>
+        <p:nvSpPr>
+          <p:cNvPr id="6" name="직사각형 5">
+            <a:extLst>
+              <a:ext uri="{FF2B5EF4-FFF2-40B4-BE49-F238E27FC236}">
+                <a16:creationId xmlns:a16="http://schemas.microsoft.com/office/drawing/2014/main" id="{F6398274-D3C9-48D4-922D-2E188C2A38FD}"/>
+              </a:ext>
+            </a:extLst>
+          </p:cNvPr>
+          <p:cNvSpPr/>
+          <p:nvPr/>
+        </p:nvSpPr>
+        <p:spPr>
+          <a:xfrm>
+            <a:off x="633000" y="1989000"/>
+            <a:ext cx="2743202" cy="1981200"/>
+          </a:xfrm>
+          <a:prstGeom prst="rect">
+            <a:avLst/>
+          </a:prstGeom>
+          <a:noFill/>
+          <a:ln w="19050">
+            <a:solidFill>
+              <a:schemeClr val="accent1">
+                <a:lumMod val="40000"/>
+                <a:lumOff val="60000"/>
+              </a:schemeClr>
+            </a:solidFill>
+          </a:ln>
+        </p:spPr>
+        <p:style>
+          <a:lnRef idx="2">
+            <a:schemeClr val="accent1">
+              <a:shade val="50000"/>
+            </a:schemeClr>
+          </a:lnRef>
+          <a:fillRef idx="1">
+            <a:schemeClr val="accent1"/>
+          </a:fillRef>
+          <a:effectRef idx="0">
+            <a:schemeClr val="accent1"/>
+          </a:effectRef>
+          <a:fontRef idx="minor">
+            <a:schemeClr val="lt1"/>
+          </a:fontRef>
+        </p:style>
+        <p:txBody>
+          <a:bodyPr rtlCol="0" anchor="ctr"/>
+          <a:lstStyle/>
+          <a:p>
+            <a:pPr algn="ctr"/>
+            <a:endParaRPr lang="ko-KR" altLang="en-US" dirty="0"/>
+          </a:p>
+        </p:txBody>
+      </p:sp>
+      <p:sp>
+        <p:nvSpPr>
+          <p:cNvPr id="7" name="직사각형 6">
+            <a:extLst>
+              <a:ext uri="{FF2B5EF4-FFF2-40B4-BE49-F238E27FC236}">
+                <a16:creationId xmlns:a16="http://schemas.microsoft.com/office/drawing/2014/main" id="{082253E5-4893-4EE0-A60D-1DD799792FCF}"/>
+              </a:ext>
+            </a:extLst>
+          </p:cNvPr>
+          <p:cNvSpPr/>
+          <p:nvPr/>
+        </p:nvSpPr>
+        <p:spPr>
+          <a:xfrm>
+            <a:off x="3581398" y="1989000"/>
+            <a:ext cx="2743202" cy="1981200"/>
+          </a:xfrm>
+          <a:prstGeom prst="rect">
+            <a:avLst/>
+          </a:prstGeom>
+          <a:noFill/>
+          <a:ln w="19050">
+            <a:solidFill>
+              <a:schemeClr val="accent1">
+                <a:lumMod val="40000"/>
+                <a:lumOff val="60000"/>
+              </a:schemeClr>
+            </a:solidFill>
+          </a:ln>
+        </p:spPr>
+        <p:style>
+          <a:lnRef idx="2">
+            <a:schemeClr val="accent1">
+              <a:shade val="50000"/>
+            </a:schemeClr>
+          </a:lnRef>
+          <a:fillRef idx="1">
+            <a:schemeClr val="accent1"/>
+          </a:fillRef>
+          <a:effectRef idx="0">
+            <a:schemeClr val="accent1"/>
+          </a:effectRef>
+          <a:fontRef idx="minor">
+            <a:schemeClr val="lt1"/>
+          </a:fontRef>
+        </p:style>
+        <p:txBody>
+          <a:bodyPr rtlCol="0" anchor="ctr"/>
+          <a:lstStyle/>
+          <a:p>
+            <a:pPr algn="ctr"/>
+            <a:endParaRPr lang="ko-KR" altLang="en-US" dirty="0"/>
+          </a:p>
+        </p:txBody>
+      </p:sp>
+      <p:sp>
+        <p:nvSpPr>
+          <p:cNvPr id="8" name="직사각형 7">
+            <a:extLst>
+              <a:ext uri="{FF2B5EF4-FFF2-40B4-BE49-F238E27FC236}">
+                <a16:creationId xmlns:a16="http://schemas.microsoft.com/office/drawing/2014/main" id="{935BDCFC-EAA1-4903-A828-6F8AE027AD54}"/>
+              </a:ext>
+            </a:extLst>
+          </p:cNvPr>
+          <p:cNvSpPr/>
+          <p:nvPr/>
+        </p:nvSpPr>
+        <p:spPr>
+          <a:xfrm>
+            <a:off x="6529798" y="1989000"/>
+            <a:ext cx="2743202" cy="1981200"/>
+          </a:xfrm>
+          <a:prstGeom prst="rect">
+            <a:avLst/>
+          </a:prstGeom>
+          <a:noFill/>
+          <a:ln w="19050">
+            <a:solidFill>
+              <a:schemeClr val="accent1">
+                <a:lumMod val="40000"/>
+                <a:lumOff val="60000"/>
+              </a:schemeClr>
+            </a:solidFill>
+          </a:ln>
+        </p:spPr>
+        <p:style>
+          <a:lnRef idx="2">
+            <a:schemeClr val="accent1">
+              <a:shade val="50000"/>
+            </a:schemeClr>
+          </a:lnRef>
+          <a:fillRef idx="1">
+            <a:schemeClr val="accent1"/>
+          </a:fillRef>
+          <a:effectRef idx="0">
+            <a:schemeClr val="accent1"/>
+          </a:effectRef>
+          <a:fontRef idx="minor">
+            <a:schemeClr val="lt1"/>
+          </a:fontRef>
+        </p:style>
+        <p:txBody>
+          <a:bodyPr rtlCol="0" anchor="ctr"/>
+          <a:lstStyle/>
+          <a:p>
+            <a:pPr algn="ctr"/>
+            <a:endParaRPr lang="ko-KR" altLang="en-US" dirty="0"/>
+          </a:p>
+        </p:txBody>
+      </p:sp>
+      <p:sp>
+        <p:nvSpPr>
+          <p:cNvPr id="9" name="직사각형 8">
+            <a:extLst>
+              <a:ext uri="{FF2B5EF4-FFF2-40B4-BE49-F238E27FC236}">
+                <a16:creationId xmlns:a16="http://schemas.microsoft.com/office/drawing/2014/main" id="{B1A5F4EC-C9FC-499C-A9B3-93D623850AA4}"/>
+              </a:ext>
+            </a:extLst>
+          </p:cNvPr>
+          <p:cNvSpPr/>
+          <p:nvPr/>
+        </p:nvSpPr>
+        <p:spPr>
+          <a:xfrm>
+            <a:off x="2107302" y="4239000"/>
+            <a:ext cx="2743202" cy="1981200"/>
+          </a:xfrm>
+          <a:prstGeom prst="rect">
+            <a:avLst/>
+          </a:prstGeom>
+          <a:noFill/>
+          <a:ln w="19050">
+            <a:solidFill>
+              <a:schemeClr val="accent1">
+                <a:lumMod val="40000"/>
+                <a:lumOff val="60000"/>
+              </a:schemeClr>
+            </a:solidFill>
+          </a:ln>
+        </p:spPr>
+        <p:style>
+          <a:lnRef idx="2">
+            <a:schemeClr val="accent1">
+              <a:shade val="50000"/>
+            </a:schemeClr>
+          </a:lnRef>
+          <a:fillRef idx="1">
+            <a:schemeClr val="accent1"/>
+          </a:fillRef>
+          <a:effectRef idx="0">
+            <a:schemeClr val="accent1"/>
+          </a:effectRef>
+          <a:fontRef idx="minor">
+            <a:schemeClr val="lt1"/>
+          </a:fontRef>
+        </p:style>
+        <p:txBody>
+          <a:bodyPr rtlCol="0" anchor="ctr"/>
+          <a:lstStyle/>
+          <a:p>
+            <a:pPr algn="ctr"/>
+            <a:endParaRPr lang="ko-KR" altLang="en-US" dirty="0"/>
+          </a:p>
+        </p:txBody>
+      </p:sp>
+      <p:sp>
+        <p:nvSpPr>
+          <p:cNvPr id="10" name="직사각형 9">
+            <a:extLst>
+              <a:ext uri="{FF2B5EF4-FFF2-40B4-BE49-F238E27FC236}">
+                <a16:creationId xmlns:a16="http://schemas.microsoft.com/office/drawing/2014/main" id="{E42B85CE-B491-44B5-93DE-0BA06E62853B}"/>
+              </a:ext>
+            </a:extLst>
+          </p:cNvPr>
+          <p:cNvSpPr/>
+          <p:nvPr/>
+        </p:nvSpPr>
+        <p:spPr>
+          <a:xfrm>
+            <a:off x="5055700" y="4239000"/>
+            <a:ext cx="2743202" cy="1981200"/>
+          </a:xfrm>
+          <a:prstGeom prst="rect">
+            <a:avLst/>
+          </a:prstGeom>
+          <a:noFill/>
+          <a:ln w="19050">
+            <a:solidFill>
+              <a:schemeClr val="accent1">
+                <a:lumMod val="40000"/>
+                <a:lumOff val="60000"/>
+              </a:schemeClr>
+            </a:solidFill>
+          </a:ln>
+        </p:spPr>
+        <p:style>
+          <a:lnRef idx="2">
+            <a:schemeClr val="accent1">
+              <a:shade val="50000"/>
+            </a:schemeClr>
+          </a:lnRef>
+          <a:fillRef idx="1">
+            <a:schemeClr val="accent1"/>
+          </a:fillRef>
+          <a:effectRef idx="0">
+            <a:schemeClr val="accent1"/>
+          </a:effectRef>
+          <a:fontRef idx="minor">
+            <a:schemeClr val="lt1"/>
+          </a:fontRef>
+        </p:style>
+        <p:txBody>
+          <a:bodyPr rtlCol="0" anchor="ctr"/>
+          <a:lstStyle/>
+          <a:p>
+            <a:pPr algn="ctr"/>
+            <a:endParaRPr lang="ko-KR" altLang="en-US" dirty="0"/>
+          </a:p>
+        </p:txBody>
+      </p:sp>
+      <p:sp>
+        <p:nvSpPr>
+          <p:cNvPr id="11" name="직사각형 10">
+            <a:extLst>
+              <a:ext uri="{FF2B5EF4-FFF2-40B4-BE49-F238E27FC236}">
+                <a16:creationId xmlns:a16="http://schemas.microsoft.com/office/drawing/2014/main" id="{58F30B01-1F97-4FED-94D8-09CB5AA7A8A8}"/>
+              </a:ext>
+            </a:extLst>
+          </p:cNvPr>
+          <p:cNvSpPr/>
+          <p:nvPr/>
+        </p:nvSpPr>
+        <p:spPr>
+          <a:xfrm>
+            <a:off x="637297" y="1989000"/>
+            <a:ext cx="1348204" cy="226854"/>
+          </a:xfrm>
+          <a:prstGeom prst="rect">
+            <a:avLst/>
+          </a:prstGeom>
+          <a:solidFill>
+            <a:schemeClr val="tx2">
+              <a:lumMod val="60000"/>
+              <a:lumOff val="40000"/>
+            </a:schemeClr>
+          </a:solidFill>
+          <a:ln>
+            <a:noFill/>
+          </a:ln>
+        </p:spPr>
+        <p:style>
+          <a:lnRef idx="2">
+            <a:schemeClr val="accent1">
+              <a:shade val="50000"/>
+            </a:schemeClr>
+          </a:lnRef>
+          <a:fillRef idx="1">
+            <a:schemeClr val="accent1"/>
+          </a:fillRef>
+          <a:effectRef idx="0">
+            <a:schemeClr val="accent1"/>
+          </a:effectRef>
+          <a:fontRef idx="minor">
+            <a:schemeClr val="lt1"/>
+          </a:fontRef>
+        </p:style>
+        <p:txBody>
+          <a:bodyPr rtlCol="0" anchor="ctr"/>
+          <a:lstStyle/>
+          <a:p>
+            <a:r>
+              <a:rPr lang="en-US" altLang="ko-KR" sz="1200" dirty="0"/>
+              <a:t>Decision Tree</a:t>
+            </a:r>
+            <a:endParaRPr lang="ko-KR" altLang="en-US" sz="1200" dirty="0"/>
+          </a:p>
+        </p:txBody>
+      </p:sp>
+      <p:sp>
+        <p:nvSpPr>
+          <p:cNvPr id="13" name="직사각형 12">
+            <a:extLst>
+              <a:ext uri="{FF2B5EF4-FFF2-40B4-BE49-F238E27FC236}">
+                <a16:creationId xmlns:a16="http://schemas.microsoft.com/office/drawing/2014/main" id="{7F11FF4A-39C1-4C84-8C37-180A44DAAFFA}"/>
+              </a:ext>
+            </a:extLst>
+          </p:cNvPr>
+          <p:cNvSpPr/>
+          <p:nvPr/>
+        </p:nvSpPr>
+        <p:spPr>
+          <a:xfrm>
+            <a:off x="3589701" y="1989000"/>
+            <a:ext cx="1485000" cy="226854"/>
+          </a:xfrm>
+          <a:prstGeom prst="rect">
+            <a:avLst/>
+          </a:prstGeom>
+          <a:solidFill>
+            <a:schemeClr val="tx2">
+              <a:lumMod val="60000"/>
+              <a:lumOff val="40000"/>
+            </a:schemeClr>
+          </a:solidFill>
+          <a:ln>
+            <a:noFill/>
+          </a:ln>
+        </p:spPr>
+        <p:style>
+          <a:lnRef idx="2">
+            <a:schemeClr val="accent1">
+              <a:shade val="50000"/>
+            </a:schemeClr>
+          </a:lnRef>
+          <a:fillRef idx="1">
+            <a:schemeClr val="accent1"/>
+          </a:fillRef>
+          <a:effectRef idx="0">
+            <a:schemeClr val="accent1"/>
+          </a:effectRef>
+          <a:fontRef idx="minor">
+            <a:schemeClr val="lt1"/>
+          </a:fontRef>
+        </p:style>
+        <p:txBody>
+          <a:bodyPr rtlCol="0" anchor="ctr"/>
+          <a:lstStyle/>
+          <a:p>
+            <a:r>
+              <a:rPr lang="en-US" altLang="ko-KR" sz="1200" dirty="0" err="1"/>
+              <a:t>Adaboost</a:t>
+            </a:r>
+            <a:r>
+              <a:rPr lang="en-US" altLang="ko-KR" sz="1200" dirty="0"/>
+              <a:t> Boosting </a:t>
+            </a:r>
+            <a:endParaRPr lang="ko-KR" altLang="en-US" sz="1200" dirty="0"/>
+          </a:p>
+        </p:txBody>
+      </p:sp>
+      <p:sp>
+        <p:nvSpPr>
+          <p:cNvPr id="14" name="직사각형 13">
+            <a:extLst>
+              <a:ext uri="{FF2B5EF4-FFF2-40B4-BE49-F238E27FC236}">
+                <a16:creationId xmlns:a16="http://schemas.microsoft.com/office/drawing/2014/main" id="{775F4B1B-27CD-4BE3-AD9D-848B54563BDB}"/>
+              </a:ext>
+            </a:extLst>
+          </p:cNvPr>
+          <p:cNvSpPr/>
+          <p:nvPr/>
+        </p:nvSpPr>
+        <p:spPr>
+          <a:xfrm>
+            <a:off x="6529796" y="1989001"/>
+            <a:ext cx="1348204" cy="226854"/>
+          </a:xfrm>
+          <a:prstGeom prst="rect">
+            <a:avLst/>
+          </a:prstGeom>
+          <a:solidFill>
+            <a:schemeClr val="tx2">
+              <a:lumMod val="60000"/>
+              <a:lumOff val="40000"/>
+            </a:schemeClr>
+          </a:solidFill>
+          <a:ln>
+            <a:noFill/>
+          </a:ln>
+        </p:spPr>
+        <p:style>
+          <a:lnRef idx="2">
+            <a:schemeClr val="accent1">
+              <a:shade val="50000"/>
+            </a:schemeClr>
+          </a:lnRef>
+          <a:fillRef idx="1">
+            <a:schemeClr val="accent1"/>
+          </a:fillRef>
+          <a:effectRef idx="0">
+            <a:schemeClr val="accent1"/>
+          </a:effectRef>
+          <a:fontRef idx="minor">
+            <a:schemeClr val="lt1"/>
+          </a:fontRef>
+        </p:style>
+        <p:txBody>
+          <a:bodyPr rtlCol="0" anchor="ctr"/>
+          <a:lstStyle/>
+          <a:p>
+            <a:r>
+              <a:rPr lang="en-US" altLang="ko-KR" sz="1200" dirty="0"/>
+              <a:t>Gradient Boosting</a:t>
+            </a:r>
+            <a:endParaRPr lang="ko-KR" altLang="en-US" sz="1200" dirty="0"/>
+          </a:p>
+        </p:txBody>
+      </p:sp>
+      <p:sp>
+        <p:nvSpPr>
+          <p:cNvPr id="17" name="직사각형 16">
+            <a:extLst>
+              <a:ext uri="{FF2B5EF4-FFF2-40B4-BE49-F238E27FC236}">
+                <a16:creationId xmlns:a16="http://schemas.microsoft.com/office/drawing/2014/main" id="{D22311AE-0258-4B78-B1C7-2DA1308652C9}"/>
+              </a:ext>
+            </a:extLst>
+          </p:cNvPr>
+          <p:cNvSpPr/>
+          <p:nvPr/>
+        </p:nvSpPr>
+        <p:spPr>
+          <a:xfrm>
+            <a:off x="2107098" y="4239000"/>
+            <a:ext cx="1348204" cy="226854"/>
+          </a:xfrm>
+          <a:prstGeom prst="rect">
+            <a:avLst/>
+          </a:prstGeom>
+          <a:solidFill>
+            <a:schemeClr val="tx2">
+              <a:lumMod val="60000"/>
+              <a:lumOff val="40000"/>
+            </a:schemeClr>
+          </a:solidFill>
+          <a:ln>
+            <a:noFill/>
+          </a:ln>
+        </p:spPr>
+        <p:style>
+          <a:lnRef idx="2">
+            <a:schemeClr val="accent1">
+              <a:shade val="50000"/>
+            </a:schemeClr>
+          </a:lnRef>
+          <a:fillRef idx="1">
+            <a:schemeClr val="accent1"/>
+          </a:fillRef>
+          <a:effectRef idx="0">
+            <a:schemeClr val="accent1"/>
+          </a:effectRef>
+          <a:fontRef idx="minor">
+            <a:schemeClr val="lt1"/>
+          </a:fontRef>
+        </p:style>
+        <p:txBody>
+          <a:bodyPr rtlCol="0" anchor="ctr"/>
+          <a:lstStyle/>
+          <a:p>
+            <a:r>
+              <a:rPr lang="en-US" altLang="ko-KR" sz="1200" dirty="0"/>
+              <a:t>Random Forest</a:t>
+            </a:r>
+            <a:endParaRPr lang="ko-KR" altLang="en-US" sz="1200" dirty="0"/>
+          </a:p>
+        </p:txBody>
+      </p:sp>
+      <p:sp>
+        <p:nvSpPr>
+          <p:cNvPr id="18" name="직사각형 17">
+            <a:extLst>
+              <a:ext uri="{FF2B5EF4-FFF2-40B4-BE49-F238E27FC236}">
+                <a16:creationId xmlns:a16="http://schemas.microsoft.com/office/drawing/2014/main" id="{EF308944-8E7A-4C83-A4F9-09F65EDF37AF}"/>
+              </a:ext>
+            </a:extLst>
+          </p:cNvPr>
+          <p:cNvSpPr/>
+          <p:nvPr/>
+        </p:nvSpPr>
+        <p:spPr>
+          <a:xfrm>
+            <a:off x="5062897" y="4239000"/>
+            <a:ext cx="1348204" cy="226854"/>
+          </a:xfrm>
+          <a:prstGeom prst="rect">
+            <a:avLst/>
+          </a:prstGeom>
+          <a:solidFill>
+            <a:schemeClr val="tx2">
+              <a:lumMod val="60000"/>
+              <a:lumOff val="40000"/>
+            </a:schemeClr>
+          </a:solidFill>
+          <a:ln>
+            <a:noFill/>
+          </a:ln>
+        </p:spPr>
+        <p:style>
+          <a:lnRef idx="2">
+            <a:schemeClr val="accent1">
+              <a:shade val="50000"/>
+            </a:schemeClr>
+          </a:lnRef>
+          <a:fillRef idx="1">
+            <a:schemeClr val="accent1"/>
+          </a:fillRef>
+          <a:effectRef idx="0">
+            <a:schemeClr val="accent1"/>
+          </a:effectRef>
+          <a:fontRef idx="minor">
+            <a:schemeClr val="lt1"/>
+          </a:fontRef>
+        </p:style>
+        <p:txBody>
+          <a:bodyPr rtlCol="0" anchor="ctr"/>
+          <a:lstStyle/>
+          <a:p>
+            <a:r>
+              <a:rPr lang="en-US" altLang="ko-KR" sz="1200" dirty="0" err="1"/>
+              <a:t>XGBoosting</a:t>
+            </a:r>
+            <a:endParaRPr lang="ko-KR" altLang="en-US" sz="1200" dirty="0"/>
+          </a:p>
+        </p:txBody>
+      </p:sp>
+      <p:sp>
+        <p:nvSpPr>
+          <p:cNvPr id="19" name="object 4">
+            <a:extLst>
+              <a:ext uri="{FF2B5EF4-FFF2-40B4-BE49-F238E27FC236}">
+                <a16:creationId xmlns:a16="http://schemas.microsoft.com/office/drawing/2014/main" id="{99AA3F06-3C4B-4544-B4A6-4E2D02821AF1}"/>
+              </a:ext>
+            </a:extLst>
+          </p:cNvPr>
+          <p:cNvSpPr/>
+          <p:nvPr/>
+        </p:nvSpPr>
+        <p:spPr>
+          <a:xfrm>
+            <a:off x="668840" y="2467823"/>
+            <a:ext cx="1458808" cy="959827"/>
+          </a:xfrm>
+          <a:custGeom>
+            <a:avLst/>
+            <a:gdLst/>
+            <a:ahLst/>
+            <a:cxnLst/>
+            <a:rect l="l" t="t" r="r" b="b"/>
+            <a:pathLst>
+              <a:path w="4853940" h="3729354">
+                <a:moveTo>
+                  <a:pt x="0" y="3729228"/>
+                </a:moveTo>
+                <a:lnTo>
+                  <a:pt x="4853940" y="3729228"/>
+                </a:lnTo>
+                <a:lnTo>
+                  <a:pt x="4853940" y="0"/>
+                </a:lnTo>
+                <a:lnTo>
+                  <a:pt x="0" y="0"/>
+                </a:lnTo>
+                <a:lnTo>
+                  <a:pt x="0" y="3729228"/>
+                </a:lnTo>
+                <a:close/>
+              </a:path>
+            </a:pathLst>
+          </a:custGeom>
+          <a:noFill/>
+        </p:spPr>
+        <p:txBody>
+          <a:bodyPr wrap="square" lIns="0" tIns="0" rIns="0" bIns="0" rtlCol="0"/>
+          <a:lstStyle/>
+          <a:p>
+            <a:pPr marL="285750" indent="-285750">
+              <a:buFont typeface="Arial" panose="020B0604020202020204" pitchFamily="34" charset="0"/>
+              <a:buChar char="•"/>
+            </a:pPr>
+            <a:r>
+              <a:rPr lang="en-US" altLang="ko-KR" sz="1600" dirty="0"/>
+              <a:t>C = 1</a:t>
+            </a:r>
+          </a:p>
+          <a:p>
+            <a:pPr marL="285750" indent="-285750">
+              <a:buFont typeface="Arial" panose="020B0604020202020204" pitchFamily="34" charset="0"/>
+              <a:buChar char="•"/>
+            </a:pPr>
+            <a:r>
+              <a:rPr lang="en-US" altLang="ko-KR" sz="1600" dirty="0"/>
+              <a:t>Gamma</a:t>
+            </a:r>
+            <a:r>
+              <a:rPr lang="ko-KR" altLang="en-US" sz="1600" dirty="0"/>
+              <a:t> </a:t>
+            </a:r>
+            <a:r>
+              <a:rPr lang="en-US" altLang="ko-KR" sz="1600" dirty="0"/>
+              <a:t>=</a:t>
+            </a:r>
+            <a:r>
+              <a:rPr lang="ko-KR" altLang="en-US" sz="1600" dirty="0"/>
+              <a:t> </a:t>
+            </a:r>
+            <a:r>
+              <a:rPr lang="en-US" altLang="ko-KR" sz="1600" dirty="0"/>
+              <a:t>0.1</a:t>
+            </a:r>
+          </a:p>
+        </p:txBody>
+      </p:sp>
+      <p:sp>
+        <p:nvSpPr>
+          <p:cNvPr id="20" name="TextBox 19">
+            <a:extLst>
+              <a:ext uri="{FF2B5EF4-FFF2-40B4-BE49-F238E27FC236}">
+                <a16:creationId xmlns:a16="http://schemas.microsoft.com/office/drawing/2014/main" id="{A0623466-68F7-476A-88C3-DA679B2E6FE1}"/>
+              </a:ext>
+            </a:extLst>
+          </p:cNvPr>
+          <p:cNvSpPr txBox="1"/>
+          <p:nvPr/>
+        </p:nvSpPr>
+        <p:spPr>
+          <a:xfrm>
+            <a:off x="2163488" y="2980351"/>
+            <a:ext cx="1447429" cy="646331"/>
+          </a:xfrm>
+          <a:prstGeom prst="rect">
+            <a:avLst/>
+          </a:prstGeom>
+          <a:noFill/>
+        </p:spPr>
+        <p:txBody>
+          <a:bodyPr wrap="square">
+            <a:spAutoFit/>
+          </a:bodyPr>
+          <a:lstStyle/>
+          <a:p>
+            <a:r>
+              <a:rPr lang="en-US" altLang="ko-KR" b="1" dirty="0"/>
+              <a:t>Score: </a:t>
+            </a:r>
+          </a:p>
+          <a:p>
+            <a:r>
+              <a:rPr lang="ko-KR" altLang="en-US" b="1" dirty="0"/>
+              <a:t>0</a:t>
+            </a:r>
+            <a:r>
+              <a:rPr lang="en-US" altLang="ko-KR" b="1" dirty="0"/>
+              <a:t>.851 </a:t>
+            </a:r>
+          </a:p>
+        </p:txBody>
+      </p:sp>
+    </p:spTree>
+    <p:extLst>
+      <p:ext uri="{BB962C8B-B14F-4D97-AF65-F5344CB8AC3E}">
+        <p14:creationId xmlns:p14="http://schemas.microsoft.com/office/powerpoint/2010/main" val="2405863536"/>
+      </p:ext>
+    </p:extLst>
+  </p:cSld>
+  <p:clrMapOvr>
+    <a:masterClrMapping/>
+  </p:clrMapOvr>
+</p:sld>
+</file>
+
+<file path=ppt/slides/slide14.xml><?xml version="1.0" encoding="utf-8"?>
 <p:sld xmlns:a="http://schemas.openxmlformats.org/drawingml/2006/main" xmlns:r="http://schemas.openxmlformats.org/officeDocument/2006/relationships" xmlns:p="http://schemas.openxmlformats.org/presentationml/2006/main">
   <p:cSld>
     <p:spTree>

--- a/스케일 불량요인 파악과 개선기회 도출.pptx
+++ b/스케일 불량요인 파악과 개선기회 도출.pptx
@@ -19,8 +19,8 @@
     <p:sldId id="268" r:id="rId10"/>
     <p:sldId id="265" r:id="rId11"/>
     <p:sldId id="269" r:id="rId12"/>
-    <p:sldId id="270" r:id="rId13"/>
-    <p:sldId id="271" r:id="rId14"/>
+    <p:sldId id="271" r:id="rId13"/>
+    <p:sldId id="270" r:id="rId14"/>
     <p:sldId id="266" r:id="rId15"/>
   </p:sldIdLst>
   <p:sldSz cx="9906000" cy="6858000" type="A4"/>
@@ -221,7 +221,7 @@
           <a:p>
             <a:fld id="{7580F0BB-1507-4D83-B342-5A2DE1AE7B0C}" type="datetimeFigureOut">
               <a:rPr lang="ko-KR" altLang="en-US" smtClean="0"/>
-              <a:t>2021-03-27</a:t>
+              <a:t>2021-03-28</a:t>
             </a:fld>
             <a:endParaRPr lang="ko-KR" altLang="en-US"/>
           </a:p>
@@ -869,7 +869,7 @@
     </p:spTree>
     <p:extLst>
       <p:ext uri="{BB962C8B-B14F-4D97-AF65-F5344CB8AC3E}">
-        <p14:creationId xmlns:p14="http://schemas.microsoft.com/office/powerpoint/2010/main" val="3941533926"/>
+        <p14:creationId xmlns:p14="http://schemas.microsoft.com/office/powerpoint/2010/main" val="2065543659"/>
       </p:ext>
     </p:extLst>
   </p:cSld>
@@ -1681,7 +1681,7 @@
     </p:spTree>
     <p:extLst>
       <p:ext uri="{BB962C8B-B14F-4D97-AF65-F5344CB8AC3E}">
-        <p14:creationId xmlns:p14="http://schemas.microsoft.com/office/powerpoint/2010/main" val="2065543659"/>
+        <p14:creationId xmlns:p14="http://schemas.microsoft.com/office/powerpoint/2010/main" val="3941533926"/>
       </p:ext>
     </p:extLst>
   </p:cSld>
@@ -1845,7 +1845,7 @@
           <a:p>
             <a:fld id="{1D8BD707-D9CF-40AE-B4C6-C98DA3205C09}" type="datetimeFigureOut">
               <a:rPr lang="en-US"/>
-              <a:t>3/27/2021</a:t>
+              <a:t>3/28/2021</a:t>
             </a:fld>
             <a:endParaRPr lang="en-US"/>
           </a:p>
@@ -2033,7 +2033,7 @@
           <a:p>
             <a:fld id="{1D8BD707-D9CF-40AE-B4C6-C98DA3205C09}" type="datetimeFigureOut">
               <a:rPr lang="en-US"/>
-              <a:t>3/27/2021</a:t>
+              <a:t>3/28/2021</a:t>
             </a:fld>
             <a:endParaRPr lang="en-US"/>
           </a:p>
@@ -2262,7 +2262,7 @@
           <a:p>
             <a:fld id="{1D8BD707-D9CF-40AE-B4C6-C98DA3205C09}" type="datetimeFigureOut">
               <a:rPr lang="en-US"/>
-              <a:t>3/27/2021</a:t>
+              <a:t>3/28/2021</a:t>
             </a:fld>
             <a:endParaRPr lang="en-US"/>
           </a:p>
@@ -2429,7 +2429,7 @@
           <a:p>
             <a:fld id="{1D8BD707-D9CF-40AE-B4C6-C98DA3205C09}" type="datetimeFigureOut">
               <a:rPr lang="en-US"/>
-              <a:t>3/27/2021</a:t>
+              <a:t>3/28/2021</a:t>
             </a:fld>
             <a:endParaRPr lang="en-US"/>
           </a:p>
@@ -5967,7 +5967,7 @@
           <a:p>
             <a:fld id="{1D8BD707-D9CF-40AE-B4C6-C98DA3205C09}" type="datetimeFigureOut">
               <a:rPr lang="en-US"/>
-              <a:t>3/27/2021</a:t>
+              <a:t>3/28/2021</a:t>
             </a:fld>
             <a:endParaRPr lang="en-US"/>
           </a:p>
@@ -6237,7 +6237,7 @@
             <a:fld id="{1D8BD707-D9CF-40AE-B4C6-C98DA3205C09}" type="datetimeFigureOut">
               <a:rPr lang="en-US" smtClean="0"/>
               <a:pPr/>
-              <a:t>3/27/2021</a:t>
+              <a:t>3/28/2021</a:t>
             </a:fld>
             <a:endParaRPr lang="en-US" dirty="0"/>
           </a:p>
@@ -8204,7 +8204,7 @@
         <p:spPr>
           <a:xfrm>
             <a:off x="410851" y="762000"/>
-            <a:ext cx="1165704" cy="369332"/>
+            <a:ext cx="2593980" cy="369332"/>
           </a:xfrm>
           <a:prstGeom prst="rect">
             <a:avLst/>
@@ -8223,7 +8223,15 @@
             </a:pPr>
             <a:r>
               <a:rPr lang="ko-KR" altLang="en-US" dirty="0"/>
-              <a:t>모델링</a:t>
+              <a:t>모델링 </a:t>
+            </a:r>
+            <a:r>
+              <a:rPr lang="en-US" altLang="ko-KR" dirty="0"/>
+              <a:t>– </a:t>
+            </a:r>
+            <a:r>
+              <a:rPr lang="ko-KR" altLang="en-US" dirty="0"/>
+              <a:t>변수 중요도</a:t>
             </a:r>
             <a:endParaRPr lang="en-US" altLang="ko-KR" dirty="0"/>
           </a:p>
@@ -8329,8 +8337,8 @@
         </p:nvSpPr>
         <p:spPr>
           <a:xfrm flipH="1">
-            <a:off x="325818" y="0"/>
-            <a:ext cx="7141781" cy="584775"/>
+            <a:off x="325817" y="0"/>
+            <a:ext cx="8902182" cy="584775"/>
           </a:xfrm>
           <a:prstGeom prst="rect">
             <a:avLst/>
@@ -8495,7 +8503,27 @@
                 <a:latin typeface="나눔바른고딕" panose="020B0603020101020101" pitchFamily="50" charset="-127"/>
                 <a:ea typeface="나눔바른고딕" panose="020B0603020101020101" pitchFamily="50" charset="-127"/>
               </a:rPr>
-              <a:t>모델링</a:t>
+              <a:t>모델링  </a:t>
+            </a:r>
+            <a:r>
+              <a:rPr lang="en-US" altLang="ko-KR" sz="1400" dirty="0">
+                <a:solidFill>
+                  <a:schemeClr val="bg1"/>
+                </a:solidFill>
+                <a:latin typeface="나눔바른고딕" panose="020B0603020101020101" pitchFamily="50" charset="-127"/>
+                <a:ea typeface="나눔바른고딕" panose="020B0603020101020101" pitchFamily="50" charset="-127"/>
+              </a:rPr>
+              <a:t>/  </a:t>
+            </a:r>
+            <a:r>
+              <a:rPr lang="ko-KR" altLang="en-US" sz="1400" dirty="0">
+                <a:solidFill>
+                  <a:schemeClr val="bg1"/>
+                </a:solidFill>
+                <a:latin typeface="나눔바른고딕" panose="020B0603020101020101" pitchFamily="50" charset="-127"/>
+                <a:ea typeface="나눔바른고딕" panose="020B0603020101020101" pitchFamily="50" charset="-127"/>
+              </a:rPr>
+              <a:t>변수 중요도</a:t>
             </a:r>
             <a:endParaRPr lang="ko-KR" altLang="en-US" sz="2000" dirty="0">
               <a:solidFill>
@@ -9211,7 +9239,7 @@
     </p:spTree>
     <p:extLst>
       <p:ext uri="{BB962C8B-B14F-4D97-AF65-F5344CB8AC3E}">
-        <p14:creationId xmlns:p14="http://schemas.microsoft.com/office/powerpoint/2010/main" val="4045379732"/>
+        <p14:creationId xmlns:p14="http://schemas.microsoft.com/office/powerpoint/2010/main" val="2405863536"/>
       </p:ext>
     </p:extLst>
   </p:cSld>
@@ -9290,7 +9318,7 @@
         <p:spPr>
           <a:xfrm>
             <a:off x="410851" y="762000"/>
-            <a:ext cx="2593980" cy="369332"/>
+            <a:ext cx="1165704" cy="369332"/>
           </a:xfrm>
           <a:prstGeom prst="rect">
             <a:avLst/>
@@ -9309,15 +9337,7 @@
             </a:pPr>
             <a:r>
               <a:rPr lang="ko-KR" altLang="en-US" dirty="0"/>
-              <a:t>모델링 </a:t>
-            </a:r>
-            <a:r>
-              <a:rPr lang="en-US" altLang="ko-KR" dirty="0"/>
-              <a:t>– </a:t>
-            </a:r>
-            <a:r>
-              <a:rPr lang="ko-KR" altLang="en-US" dirty="0"/>
-              <a:t>변수 중요도</a:t>
+              <a:t>모델링</a:t>
             </a:r>
             <a:endParaRPr lang="en-US" altLang="ko-KR" dirty="0"/>
           </a:p>
@@ -9411,10 +9431,10 @@
       </p:sp>
       <p:sp>
         <p:nvSpPr>
-          <p:cNvPr id="25" name="TextBox 24">
+          <p:cNvPr id="21" name="TextBox 20">
             <a:extLst>
               <a:ext uri="{FF2B5EF4-FFF2-40B4-BE49-F238E27FC236}">
-                <a16:creationId xmlns:a16="http://schemas.microsoft.com/office/drawing/2014/main" id="{2C696971-C59D-4C3B-912C-56383ED5FFA9}"/>
+                <a16:creationId xmlns:a16="http://schemas.microsoft.com/office/drawing/2014/main" id="{B0103445-4538-4C46-BC84-D1257ABD10B8}"/>
               </a:ext>
             </a:extLst>
           </p:cNvPr>
@@ -9423,8 +9443,8 @@
         </p:nvSpPr>
         <p:spPr>
           <a:xfrm flipH="1">
-            <a:off x="325818" y="0"/>
-            <a:ext cx="7141781" cy="584775"/>
+            <a:off x="325817" y="0"/>
+            <a:ext cx="8902182" cy="584775"/>
           </a:xfrm>
           <a:prstGeom prst="rect">
             <a:avLst/>
@@ -9589,7 +9609,27 @@
                 <a:latin typeface="나눔바른고딕" panose="020B0603020101020101" pitchFamily="50" charset="-127"/>
                 <a:ea typeface="나눔바른고딕" panose="020B0603020101020101" pitchFamily="50" charset="-127"/>
               </a:rPr>
-              <a:t>모델링</a:t>
+              <a:t>모델링  </a:t>
+            </a:r>
+            <a:r>
+              <a:rPr lang="en-US" altLang="ko-KR" sz="1400" dirty="0">
+                <a:solidFill>
+                  <a:schemeClr val="bg1"/>
+                </a:solidFill>
+                <a:latin typeface="나눔바른고딕" panose="020B0603020101020101" pitchFamily="50" charset="-127"/>
+                <a:ea typeface="나눔바른고딕" panose="020B0603020101020101" pitchFamily="50" charset="-127"/>
+              </a:rPr>
+              <a:t>/  </a:t>
+            </a:r>
+            <a:r>
+              <a:rPr lang="ko-KR" altLang="en-US" sz="1400" dirty="0">
+                <a:solidFill>
+                  <a:schemeClr val="bg1"/>
+                </a:solidFill>
+                <a:latin typeface="나눔바른고딕" panose="020B0603020101020101" pitchFamily="50" charset="-127"/>
+                <a:ea typeface="나눔바른고딕" panose="020B0603020101020101" pitchFamily="50" charset="-127"/>
+              </a:rPr>
+              <a:t>변수 중요도</a:t>
             </a:r>
             <a:endParaRPr lang="ko-KR" altLang="en-US" sz="2000" dirty="0">
               <a:solidFill>
@@ -9603,10 +9643,10 @@
       </p:sp>
       <p:sp>
         <p:nvSpPr>
-          <p:cNvPr id="6" name="직사각형 5">
+          <p:cNvPr id="22" name="직사각형 21">
             <a:extLst>
               <a:ext uri="{FF2B5EF4-FFF2-40B4-BE49-F238E27FC236}">
-                <a16:creationId xmlns:a16="http://schemas.microsoft.com/office/drawing/2014/main" id="{F6398274-D3C9-48D4-922D-2E188C2A38FD}"/>
+                <a16:creationId xmlns:a16="http://schemas.microsoft.com/office/drawing/2014/main" id="{48B1D556-F8F0-45C7-8B21-E3672A2CFFDE}"/>
               </a:ext>
             </a:extLst>
           </p:cNvPr>
@@ -9658,10 +9698,10 @@
       </p:sp>
       <p:sp>
         <p:nvSpPr>
-          <p:cNvPr id="7" name="직사각형 6">
+          <p:cNvPr id="23" name="직사각형 22">
             <a:extLst>
               <a:ext uri="{FF2B5EF4-FFF2-40B4-BE49-F238E27FC236}">
-                <a16:creationId xmlns:a16="http://schemas.microsoft.com/office/drawing/2014/main" id="{082253E5-4893-4EE0-A60D-1DD799792FCF}"/>
+                <a16:creationId xmlns:a16="http://schemas.microsoft.com/office/drawing/2014/main" id="{8CE2DCD6-CBD2-458B-90EA-3E102307D497}"/>
               </a:ext>
             </a:extLst>
           </p:cNvPr>
@@ -9713,10 +9753,10 @@
       </p:sp>
       <p:sp>
         <p:nvSpPr>
-          <p:cNvPr id="8" name="직사각형 7">
+          <p:cNvPr id="24" name="직사각형 23">
             <a:extLst>
               <a:ext uri="{FF2B5EF4-FFF2-40B4-BE49-F238E27FC236}">
-                <a16:creationId xmlns:a16="http://schemas.microsoft.com/office/drawing/2014/main" id="{935BDCFC-EAA1-4903-A828-6F8AE027AD54}"/>
+                <a16:creationId xmlns:a16="http://schemas.microsoft.com/office/drawing/2014/main" id="{14657982-CB7E-473C-8FFA-ADAE9FA2E4AA}"/>
               </a:ext>
             </a:extLst>
           </p:cNvPr>
@@ -9768,10 +9808,10 @@
       </p:sp>
       <p:sp>
         <p:nvSpPr>
-          <p:cNvPr id="9" name="직사각형 8">
+          <p:cNvPr id="26" name="직사각형 25">
             <a:extLst>
               <a:ext uri="{FF2B5EF4-FFF2-40B4-BE49-F238E27FC236}">
-                <a16:creationId xmlns:a16="http://schemas.microsoft.com/office/drawing/2014/main" id="{B1A5F4EC-C9FC-499C-A9B3-93D623850AA4}"/>
+                <a16:creationId xmlns:a16="http://schemas.microsoft.com/office/drawing/2014/main" id="{77DC478F-08B6-42C2-BCA1-C734B8CF11E0}"/>
               </a:ext>
             </a:extLst>
           </p:cNvPr>
@@ -9823,10 +9863,10 @@
       </p:sp>
       <p:sp>
         <p:nvSpPr>
-          <p:cNvPr id="10" name="직사각형 9">
+          <p:cNvPr id="27" name="직사각형 26">
             <a:extLst>
               <a:ext uri="{FF2B5EF4-FFF2-40B4-BE49-F238E27FC236}">
-                <a16:creationId xmlns:a16="http://schemas.microsoft.com/office/drawing/2014/main" id="{E42B85CE-B491-44B5-93DE-0BA06E62853B}"/>
+                <a16:creationId xmlns:a16="http://schemas.microsoft.com/office/drawing/2014/main" id="{6920CEAD-A8FA-4F78-BE68-7E15EC095B7A}"/>
               </a:ext>
             </a:extLst>
           </p:cNvPr>
@@ -9878,10 +9918,10 @@
       </p:sp>
       <p:sp>
         <p:nvSpPr>
-          <p:cNvPr id="11" name="직사각형 10">
+          <p:cNvPr id="29" name="직사각형 28">
             <a:extLst>
               <a:ext uri="{FF2B5EF4-FFF2-40B4-BE49-F238E27FC236}">
-                <a16:creationId xmlns:a16="http://schemas.microsoft.com/office/drawing/2014/main" id="{58F30B01-1F97-4FED-94D8-09CB5AA7A8A8}"/>
+                <a16:creationId xmlns:a16="http://schemas.microsoft.com/office/drawing/2014/main" id="{E4F3D7A8-FF5F-4D10-BF55-7706DED58937}"/>
               </a:ext>
             </a:extLst>
           </p:cNvPr>
@@ -9936,10 +9976,10 @@
       </p:sp>
       <p:sp>
         <p:nvSpPr>
-          <p:cNvPr id="13" name="직사각형 12">
+          <p:cNvPr id="30" name="직사각형 29">
             <a:extLst>
               <a:ext uri="{FF2B5EF4-FFF2-40B4-BE49-F238E27FC236}">
-                <a16:creationId xmlns:a16="http://schemas.microsoft.com/office/drawing/2014/main" id="{7F11FF4A-39C1-4C84-8C37-180A44DAAFFA}"/>
+                <a16:creationId xmlns:a16="http://schemas.microsoft.com/office/drawing/2014/main" id="{01D872C1-5EEB-4311-BA92-9F8358E665EC}"/>
               </a:ext>
             </a:extLst>
           </p:cNvPr>
@@ -9998,10 +10038,10 @@
       </p:sp>
       <p:sp>
         <p:nvSpPr>
-          <p:cNvPr id="14" name="직사각형 13">
+          <p:cNvPr id="31" name="직사각형 30">
             <a:extLst>
               <a:ext uri="{FF2B5EF4-FFF2-40B4-BE49-F238E27FC236}">
-                <a16:creationId xmlns:a16="http://schemas.microsoft.com/office/drawing/2014/main" id="{775F4B1B-27CD-4BE3-AD9D-848B54563BDB}"/>
+                <a16:creationId xmlns:a16="http://schemas.microsoft.com/office/drawing/2014/main" id="{70A92355-79B2-4585-A41F-0BF9F0889B72}"/>
               </a:ext>
             </a:extLst>
           </p:cNvPr>
@@ -10056,10 +10096,10 @@
       </p:sp>
       <p:sp>
         <p:nvSpPr>
-          <p:cNvPr id="17" name="직사각형 16">
+          <p:cNvPr id="32" name="직사각형 31">
             <a:extLst>
               <a:ext uri="{FF2B5EF4-FFF2-40B4-BE49-F238E27FC236}">
-                <a16:creationId xmlns:a16="http://schemas.microsoft.com/office/drawing/2014/main" id="{D22311AE-0258-4B78-B1C7-2DA1308652C9}"/>
+                <a16:creationId xmlns:a16="http://schemas.microsoft.com/office/drawing/2014/main" id="{E4FF34EF-2F18-465F-87D6-BCD06E73A6CB}"/>
               </a:ext>
             </a:extLst>
           </p:cNvPr>
@@ -10114,10 +10154,10 @@
       </p:sp>
       <p:sp>
         <p:nvSpPr>
-          <p:cNvPr id="18" name="직사각형 17">
+          <p:cNvPr id="33" name="직사각형 32">
             <a:extLst>
               <a:ext uri="{FF2B5EF4-FFF2-40B4-BE49-F238E27FC236}">
-                <a16:creationId xmlns:a16="http://schemas.microsoft.com/office/drawing/2014/main" id="{EF308944-8E7A-4C83-A4F9-09F65EDF37AF}"/>
+                <a16:creationId xmlns:a16="http://schemas.microsoft.com/office/drawing/2014/main" id="{8C704EEB-C05A-4E8C-BEA3-C8FB0E8D2015}"/>
               </a:ext>
             </a:extLst>
           </p:cNvPr>
@@ -10170,142 +10210,10 @@
           </a:p>
         </p:txBody>
       </p:sp>
-      <p:sp>
-        <p:nvSpPr>
-          <p:cNvPr id="19" name="object 4">
-            <a:extLst>
-              <a:ext uri="{FF2B5EF4-FFF2-40B4-BE49-F238E27FC236}">
-                <a16:creationId xmlns:a16="http://schemas.microsoft.com/office/drawing/2014/main" id="{99AA3F06-3C4B-4544-B4A6-4E2D02821AF1}"/>
-              </a:ext>
-            </a:extLst>
-          </p:cNvPr>
-          <p:cNvSpPr/>
-          <p:nvPr/>
-        </p:nvSpPr>
-        <p:spPr>
-          <a:xfrm>
-            <a:off x="668840" y="2467823"/>
-            <a:ext cx="1458808" cy="959827"/>
-          </a:xfrm>
-          <a:custGeom>
-            <a:avLst/>
-            <a:gdLst/>
-            <a:ahLst/>
-            <a:cxnLst/>
-            <a:rect l="l" t="t" r="r" b="b"/>
-            <a:pathLst>
-              <a:path w="4853940" h="3729354">
-                <a:moveTo>
-                  <a:pt x="0" y="3729228"/>
-                </a:moveTo>
-                <a:lnTo>
-                  <a:pt x="4853940" y="3729228"/>
-                </a:lnTo>
-                <a:lnTo>
-                  <a:pt x="4853940" y="0"/>
-                </a:lnTo>
-                <a:lnTo>
-                  <a:pt x="0" y="0"/>
-                </a:lnTo>
-                <a:lnTo>
-                  <a:pt x="0" y="3729228"/>
-                </a:lnTo>
-                <a:close/>
-              </a:path>
-            </a:pathLst>
-          </a:custGeom>
-          <a:noFill/>
-        </p:spPr>
-        <p:txBody>
-          <a:bodyPr wrap="square" lIns="0" tIns="0" rIns="0" bIns="0" rtlCol="0"/>
-          <a:lstStyle/>
-          <a:p>
-            <a:pPr marL="285750" indent="-285750">
-              <a:buFont typeface="Arial" panose="020B0604020202020204" pitchFamily="34" charset="0"/>
-              <a:buChar char="•"/>
-            </a:pPr>
-            <a:r>
-              <a:rPr lang="en-US" altLang="ko-KR" sz="1600" dirty="0"/>
-              <a:t>C = 1</a:t>
-            </a:r>
-          </a:p>
-          <a:p>
-            <a:pPr marL="285750" indent="-285750">
-              <a:buFont typeface="Arial" panose="020B0604020202020204" pitchFamily="34" charset="0"/>
-              <a:buChar char="•"/>
-            </a:pPr>
-            <a:r>
-              <a:rPr lang="en-US" altLang="ko-KR" sz="1600" dirty="0"/>
-              <a:t>Gamma</a:t>
-            </a:r>
-            <a:r>
-              <a:rPr lang="ko-KR" altLang="en-US" sz="1600" dirty="0"/>
-              <a:t> </a:t>
-            </a:r>
-            <a:r>
-              <a:rPr lang="en-US" altLang="ko-KR" sz="1600" dirty="0"/>
-              <a:t>=</a:t>
-            </a:r>
-            <a:r>
-              <a:rPr lang="ko-KR" altLang="en-US" sz="1600" dirty="0"/>
-              <a:t> </a:t>
-            </a:r>
-            <a:r>
-              <a:rPr lang="en-US" altLang="ko-KR" sz="1600" dirty="0"/>
-              <a:t>0.1</a:t>
-            </a:r>
-          </a:p>
-        </p:txBody>
-      </p:sp>
-      <p:sp>
-        <p:nvSpPr>
-          <p:cNvPr id="20" name="TextBox 19">
-            <a:extLst>
-              <a:ext uri="{FF2B5EF4-FFF2-40B4-BE49-F238E27FC236}">
-                <a16:creationId xmlns:a16="http://schemas.microsoft.com/office/drawing/2014/main" id="{A0623466-68F7-476A-88C3-DA679B2E6FE1}"/>
-              </a:ext>
-            </a:extLst>
-          </p:cNvPr>
-          <p:cNvSpPr txBox="1"/>
-          <p:nvPr/>
-        </p:nvSpPr>
-        <p:spPr>
-          <a:xfrm>
-            <a:off x="2163488" y="2980351"/>
-            <a:ext cx="1447429" cy="646331"/>
-          </a:xfrm>
-          <a:prstGeom prst="rect">
-            <a:avLst/>
-          </a:prstGeom>
-          <a:noFill/>
-        </p:spPr>
-        <p:txBody>
-          <a:bodyPr wrap="square">
-            <a:spAutoFit/>
-          </a:bodyPr>
-          <a:lstStyle/>
-          <a:p>
-            <a:r>
-              <a:rPr lang="en-US" altLang="ko-KR" b="1" dirty="0"/>
-              <a:t>Score: </a:t>
-            </a:r>
-          </a:p>
-          <a:p>
-            <a:r>
-              <a:rPr lang="ko-KR" altLang="en-US" b="1" dirty="0"/>
-              <a:t>0</a:t>
-            </a:r>
-            <a:r>
-              <a:rPr lang="en-US" altLang="ko-KR" b="1" dirty="0"/>
-              <a:t>.851 </a:t>
-            </a:r>
-          </a:p>
-        </p:txBody>
-      </p:sp>
     </p:spTree>
     <p:extLst>
       <p:ext uri="{BB962C8B-B14F-4D97-AF65-F5344CB8AC3E}">
-        <p14:creationId xmlns:p14="http://schemas.microsoft.com/office/powerpoint/2010/main" val="2405863536"/>
+        <p14:creationId xmlns:p14="http://schemas.microsoft.com/office/powerpoint/2010/main" val="4045379732"/>
       </p:ext>
     </p:extLst>
   </p:cSld>
@@ -10655,7 +10563,7 @@
         <p:spPr>
           <a:xfrm>
             <a:off x="3048000" y="3211033"/>
-            <a:ext cx="3226091" cy="2585323"/>
+            <a:ext cx="3226091" cy="2308324"/>
           </a:xfrm>
           <a:prstGeom prst="rect">
             <a:avLst/>
@@ -10734,10 +10642,10 @@
             <a:endParaRPr lang="en-US" altLang="ko-KR" dirty="0"/>
           </a:p>
           <a:p>
-            <a:r>
-              <a:rPr lang="en-US" altLang="ko-KR" dirty="0"/>
-              <a:t>-    </a:t>
-            </a:r>
+            <a:pPr marL="285750" indent="-285750">
+              <a:buFontTx/>
+              <a:buChar char="-"/>
+            </a:pPr>
             <a:r>
               <a:rPr lang="ko-KR" altLang="en-US" dirty="0"/>
               <a:t>모델링</a:t>
@@ -10751,18 +10659,7 @@
             </a:pPr>
             <a:r>
               <a:rPr lang="ko-KR" altLang="en-US" dirty="0"/>
-              <a:t>로지스틱 회귀분석</a:t>
-            </a:r>
-            <a:endParaRPr lang="en-US" altLang="ko-KR" dirty="0"/>
-          </a:p>
-          <a:p>
-            <a:pPr marL="742950" lvl="1" indent="-285750">
-              <a:buFontTx/>
-              <a:buChar char="-"/>
-            </a:pPr>
-            <a:r>
-              <a:rPr lang="ko-KR" altLang="en-US" dirty="0"/>
-              <a:t>트리기반 모델</a:t>
+              <a:t>변수 중요도</a:t>
             </a:r>
             <a:endParaRPr lang="en-US" altLang="ko-KR" dirty="0"/>
           </a:p>
